--- a/Docs/Translations Builder.pptx
+++ b/Docs/Translations Builder.pptx
@@ -477,7 +477,7 @@
           <a:p>
             <a:fld id="{DCE60099-03E7-4FA1-8A7F-E6E6CFB0F855}" type="datetime8">
               <a:rPr lang="en-US" smtClean="0"/>
-              <a:t>11/22/2022 9:45 AM</a:t>
+              <a:t>11/28/2022 3:56 PM</a:t>
             </a:fld>
             <a:endParaRPr lang="en-US"/>
           </a:p>
@@ -855,6 +855,148 @@
     <p:extLst>
       <p:ext uri="{BB962C8B-B14F-4D97-AF65-F5344CB8AC3E}">
         <p14:creationId xmlns:p14="http://schemas.microsoft.com/office/powerpoint/2010/main" val="2241244481"/>
+      </p:ext>
+    </p:extLst>
+  </p:cSld>
+  <p:clrMapOvr>
+    <a:masterClrMapping/>
+  </p:clrMapOvr>
+</p:notes>
+</file>
+
+<file path=ppt/notesSlides/notesSlide2.xml><?xml version="1.0" encoding="utf-8"?>
+<p:notes xmlns:a="http://schemas.openxmlformats.org/drawingml/2006/main" xmlns:r="http://schemas.openxmlformats.org/officeDocument/2006/relationships" xmlns:p="http://schemas.openxmlformats.org/presentationml/2006/main">
+  <p:cSld>
+    <p:spTree>
+      <p:nvGrpSpPr>
+        <p:cNvPr id="1" name=""/>
+        <p:cNvGrpSpPr/>
+        <p:nvPr/>
+      </p:nvGrpSpPr>
+      <p:grpSpPr>
+        <a:xfrm>
+          <a:off x="0" y="0"/>
+          <a:ext cx="0" cy="0"/>
+          <a:chOff x="0" y="0"/>
+          <a:chExt cx="0" cy="0"/>
+        </a:xfrm>
+      </p:grpSpPr>
+      <p:sp>
+        <p:nvSpPr>
+          <p:cNvPr id="2" name="Slide Image Placeholder 1"/>
+          <p:cNvSpPr>
+            <a:spLocks noGrp="1" noRot="1" noChangeAspect="1"/>
+          </p:cNvSpPr>
+          <p:nvPr>
+            <p:ph type="sldImg"/>
+          </p:nvPr>
+        </p:nvSpPr>
+        <p:spPr/>
+      </p:sp>
+      <p:sp>
+        <p:nvSpPr>
+          <p:cNvPr id="3" name="Notes Placeholder 2"/>
+          <p:cNvSpPr>
+            <a:spLocks noGrp="1"/>
+          </p:cNvSpPr>
+          <p:nvPr>
+            <p:ph type="body" idx="1"/>
+          </p:nvPr>
+        </p:nvSpPr>
+        <p:spPr/>
+        <p:txBody>
+          <a:bodyPr/>
+          <a:lstStyle/>
+          <a:p>
+            <a:endParaRPr lang="en-US" dirty="0"/>
+          </a:p>
+        </p:txBody>
+      </p:sp>
+      <p:sp>
+        <p:nvSpPr>
+          <p:cNvPr id="4" name="Header Placeholder 3"/>
+          <p:cNvSpPr>
+            <a:spLocks noGrp="1"/>
+          </p:cNvSpPr>
+          <p:nvPr>
+            <p:ph type="hdr" sz="quarter"/>
+          </p:nvPr>
+        </p:nvSpPr>
+        <p:spPr/>
+        <p:txBody>
+          <a:bodyPr/>
+          <a:lstStyle/>
+          <a:p>
+            <a:endParaRPr lang="en-US"/>
+          </a:p>
+        </p:txBody>
+      </p:sp>
+      <p:sp>
+        <p:nvSpPr>
+          <p:cNvPr id="5" name="Footer Placeholder 4"/>
+          <p:cNvSpPr>
+            <a:spLocks noGrp="1"/>
+          </p:cNvSpPr>
+          <p:nvPr>
+            <p:ph type="ftr" sz="quarter" idx="4"/>
+          </p:nvPr>
+        </p:nvSpPr>
+        <p:spPr/>
+        <p:txBody>
+          <a:bodyPr/>
+          <a:lstStyle/>
+          <a:p>
+            <a:pPr defTabSz="931467" eaLnBrk="0" hangingPunct="0"/>
+            <a:r>
+              <a:rPr lang="en-US" sz="400">
+                <a:gradFill>
+                  <a:gsLst>
+                    <a:gs pos="0">
+                      <a:prstClr val="black"/>
+                    </a:gs>
+                    <a:gs pos="100000">
+                      <a:prstClr val="black"/>
+                    </a:gs>
+                  </a:gsLst>
+                  <a:lin ang="5400000" scaled="0"/>
+                </a:gradFill>
+                <a:latin typeface="Segoe UI" pitchFamily="34" charset="0"/>
+                <a:ea typeface="Segoe UI" pitchFamily="34" charset="0"/>
+                <a:cs typeface="Segoe UI" pitchFamily="34" charset="0"/>
+              </a:rPr>
+              <a:t>© Microsoft Corporation</a:t>
+            </a:r>
+          </a:p>
+        </p:txBody>
+      </p:sp>
+      <p:sp>
+        <p:nvSpPr>
+          <p:cNvPr id="6" name="Slide Number Placeholder 5"/>
+          <p:cNvSpPr>
+            <a:spLocks noGrp="1"/>
+          </p:cNvSpPr>
+          <p:nvPr>
+            <p:ph type="sldNum" sz="quarter" idx="5"/>
+          </p:nvPr>
+        </p:nvSpPr>
+        <p:spPr/>
+        <p:txBody>
+          <a:bodyPr/>
+          <a:lstStyle/>
+          <a:p>
+            <a:fld id="{B4008EB6-D09E-4580-8CD6-DDB14511944F}" type="slidenum">
+              <a:rPr lang="en-US" smtClean="0"/>
+              <a:pPr/>
+              <a:t>7</a:t>
+            </a:fld>
+            <a:endParaRPr lang="en-US"/>
+          </a:p>
+        </p:txBody>
+      </p:sp>
+    </p:spTree>
+    <p:extLst>
+      <p:ext uri="{BB962C8B-B14F-4D97-AF65-F5344CB8AC3E}">
+        <p14:creationId xmlns:p14="http://schemas.microsoft.com/office/powerpoint/2010/main" val="1474204561"/>
       </p:ext>
     </p:extLst>
   </p:cSld>
@@ -12903,7 +13045,12 @@
             <p:ph type="body" sz="quarter" idx="10"/>
           </p:nvPr>
         </p:nvSpPr>
-        <p:spPr/>
+        <p:spPr>
+          <a:xfrm>
+            <a:off x="511277" y="1227439"/>
+            <a:ext cx="11604521" cy="3547125"/>
+          </a:xfrm>
+        </p:spPr>
         <p:txBody>
           <a:bodyPr/>
           <a:lstStyle/>
@@ -12963,13 +13110,6 @@
             <a:r>
               <a:rPr lang="en-US" dirty="0"/>
               <a:t>The deployment of multi-language reports/datasets requires Power BI Premium</a:t>
-            </a:r>
-          </a:p>
-          <a:p>
-            <a:pPr lvl="1"/>
-            <a:r>
-              <a:rPr lang="en-US" dirty="0"/>
-              <a:t>Power BI Apps do not support localization – you must deploy reports some other way</a:t>
             </a:r>
           </a:p>
         </p:txBody>
@@ -13086,37 +13226,6 @@
                                           <p:spTgt spid="3">
                                             <p:txEl>
                                               <p:pRg st="8" end="8"/>
-                                            </p:txEl>
-                                          </p:spTgt>
-                                        </p:tgtEl>
-                                        <p:attrNameLst>
-                                          <p:attrName>style.visibility</p:attrName>
-                                        </p:attrNameLst>
-                                      </p:cBhvr>
-                                      <p:to>
-                                        <p:strVal val="visible"/>
-                                      </p:to>
-                                    </p:set>
-                                  </p:childTnLst>
-                                </p:cTn>
-                              </p:par>
-                              <p:par>
-                                <p:cTn id="11" presetID="1" presetClass="entr" presetSubtype="0" fill="hold" nodeType="withEffect">
-                                  <p:stCondLst>
-                                    <p:cond delay="0"/>
-                                  </p:stCondLst>
-                                  <p:childTnLst>
-                                    <p:set>
-                                      <p:cBhvr>
-                                        <p:cTn id="12" dur="1" fill="hold">
-                                          <p:stCondLst>
-                                            <p:cond delay="0"/>
-                                          </p:stCondLst>
-                                        </p:cTn>
-                                        <p:tgtEl>
-                                          <p:spTgt spid="3">
-                                            <p:txEl>
-                                              <p:pRg st="9" end="9"/>
                                             </p:txEl>
                                           </p:spTgt>
                                         </p:tgtEl>
@@ -16023,6 +16132,12 @@
 </file>
 
 <file path=customXml/item2.xml><?xml version="1.0" encoding="utf-8"?>
+<p:properties xmlns:p="http://schemas.microsoft.com/office/2006/metadata/properties" xmlns:xsi="http://www.w3.org/2001/XMLSchema-instance" xmlns:pc="http://schemas.microsoft.com/office/infopath/2007/PartnerControls">
+  <documentManagement/>
+</p:properties>
+</file>
+
+<file path=customXml/item3.xml><?xml version="1.0" encoding="utf-8"?>
 <ct:contentTypeSchema xmlns:ct="http://schemas.microsoft.com/office/2006/metadata/contentType" xmlns:ma="http://schemas.microsoft.com/office/2006/metadata/properties/metaAttributes" ct:_="" ma:_="" ma:contentTypeName="Document" ma:contentTypeID="0x0101000937CBA2829AB54C847AA138BDB6DD62" ma:contentTypeVersion="6" ma:contentTypeDescription="Create a new document." ma:contentTypeScope="" ma:versionID="0f7e39fa3406a6f330081ac46f53a9d2">
   <xsd:schema xmlns:xsd="http://www.w3.org/2001/XMLSchema" xmlns:xs="http://www.w3.org/2001/XMLSchema" xmlns:p="http://schemas.microsoft.com/office/2006/metadata/properties" xmlns:ns2="ef38329b-e139-4eb4-9d7a-1b84c79a6610" targetNamespace="http://schemas.microsoft.com/office/2006/metadata/properties" ma:root="true" ma:fieldsID="c5e10262f8d934c139771ac03f38712c" ns2:_="">
     <xsd:import namespace="ef38329b-e139-4eb4-9d7a-1b84c79a6610"/>
@@ -16174,12 +16289,6 @@
 </ct:contentTypeSchema>
 </file>
 
-<file path=customXml/item3.xml><?xml version="1.0" encoding="utf-8"?>
-<p:properties xmlns:p="http://schemas.microsoft.com/office/2006/metadata/properties" xmlns:xsi="http://www.w3.org/2001/XMLSchema-instance" xmlns:pc="http://schemas.microsoft.com/office/infopath/2007/PartnerControls">
-  <documentManagement/>
-</p:properties>
-</file>
-
 <file path=customXml/itemProps1.xml><?xml version="1.0" encoding="utf-8"?>
 <ds:datastoreItem xmlns:ds="http://schemas.openxmlformats.org/officeDocument/2006/customXml" ds:itemID="{758FDAC0-319D-4A54-8D8E-1D42CB1F8004}">
   <ds:schemaRefs>
@@ -16189,6 +16298,22 @@
 </file>
 
 <file path=customXml/itemProps2.xml><?xml version="1.0" encoding="utf-8"?>
+<ds:datastoreItem xmlns:ds="http://schemas.openxmlformats.org/officeDocument/2006/customXml" ds:itemID="{F990F116-B58F-4255-B05B-DA3808E0E5C6}">
+  <ds:schemaRefs>
+    <ds:schemaRef ds:uri="http://schemas.openxmlformats.org/package/2006/metadata/core-properties"/>
+    <ds:schemaRef ds:uri="http://schemas.microsoft.com/office/infopath/2007/PartnerControls"/>
+    <ds:schemaRef ds:uri="http://purl.org/dc/dcmitype/"/>
+    <ds:schemaRef ds:uri="http://schemas.microsoft.com/office/2006/documentManagement/types"/>
+    <ds:schemaRef ds:uri="http://www.w3.org/XML/1998/namespace"/>
+    <ds:schemaRef ds:uri="http://schemas.microsoft.com/office/2006/metadata/properties"/>
+    <ds:schemaRef ds:uri="http://purl.org/dc/terms/"/>
+    <ds:schemaRef ds:uri="http://purl.org/dc/elements/1.1/"/>
+    <ds:schemaRef ds:uri="ef38329b-e139-4eb4-9d7a-1b84c79a6610"/>
+  </ds:schemaRefs>
+</ds:datastoreItem>
+</file>
+
+<file path=customXml/itemProps3.xml><?xml version="1.0" encoding="utf-8"?>
 <ds:datastoreItem xmlns:ds="http://schemas.openxmlformats.org/officeDocument/2006/customXml" ds:itemID="{A4052A8C-2220-4E4B-95E2-C05C9863F10E}">
   <ds:schemaRefs>
     <ds:schemaRef ds:uri="ef38329b-e139-4eb4-9d7a-1b84c79a6610"/>
@@ -16206,22 +16331,6 @@
 </ds:datastoreItem>
 </file>
 
-<file path=customXml/itemProps3.xml><?xml version="1.0" encoding="utf-8"?>
-<ds:datastoreItem xmlns:ds="http://schemas.openxmlformats.org/officeDocument/2006/customXml" ds:itemID="{F990F116-B58F-4255-B05B-DA3808E0E5C6}">
-  <ds:schemaRefs>
-    <ds:schemaRef ds:uri="http://schemas.openxmlformats.org/package/2006/metadata/core-properties"/>
-    <ds:schemaRef ds:uri="http://schemas.microsoft.com/office/infopath/2007/PartnerControls"/>
-    <ds:schemaRef ds:uri="http://purl.org/dc/dcmitype/"/>
-    <ds:schemaRef ds:uri="http://schemas.microsoft.com/office/2006/documentManagement/types"/>
-    <ds:schemaRef ds:uri="http://www.w3.org/XML/1998/namespace"/>
-    <ds:schemaRef ds:uri="http://schemas.microsoft.com/office/2006/metadata/properties"/>
-    <ds:schemaRef ds:uri="http://purl.org/dc/terms/"/>
-    <ds:schemaRef ds:uri="http://purl.org/dc/elements/1.1/"/>
-    <ds:schemaRef ds:uri="ef38329b-e139-4eb4-9d7a-1b84c79a6610"/>
-  </ds:schemaRefs>
-</ds:datastoreItem>
-</file>
-
 <file path=docMetadata/LabelInfo.xml><?xml version="1.0" encoding="utf-8"?>
 <clbl:labelList xmlns:clbl="http://schemas.microsoft.com/office/2020/mipLabelMetadata">
   <clbl:label id="{074e257c-5848-4582-9a6f-34a182080e71}" enabled="1" method="Privileged" siteId="{72f988bf-86f1-41af-91ab-2d7cd011db47}" removed="0"/>

--- a/Docs/Translations Builder.pptx
+++ b/Docs/Translations Builder.pptx
@@ -477,7 +477,7 @@
           <a:p>
             <a:fld id="{DCE60099-03E7-4FA1-8A7F-E6E6CFB0F855}" type="datetime8">
               <a:rPr lang="en-US" smtClean="0"/>
-              <a:t>11/28/2022 3:56 PM</a:t>
+              <a:t>12/2/2022 9:31 AM</a:t>
             </a:fld>
             <a:endParaRPr lang="en-US"/>
           </a:p>
@@ -766,7 +766,7 @@
           <a:bodyPr/>
           <a:lstStyle/>
           <a:p>
-            <a:endParaRPr lang="en-US"/>
+            <a:endParaRPr lang="en-US" dirty="0"/>
           </a:p>
         </p:txBody>
       </p:sp>
@@ -16132,12 +16132,6 @@
 </file>
 
 <file path=customXml/item2.xml><?xml version="1.0" encoding="utf-8"?>
-<p:properties xmlns:p="http://schemas.microsoft.com/office/2006/metadata/properties" xmlns:xsi="http://www.w3.org/2001/XMLSchema-instance" xmlns:pc="http://schemas.microsoft.com/office/infopath/2007/PartnerControls">
-  <documentManagement/>
-</p:properties>
-</file>
-
-<file path=customXml/item3.xml><?xml version="1.0" encoding="utf-8"?>
 <ct:contentTypeSchema xmlns:ct="http://schemas.microsoft.com/office/2006/metadata/contentType" xmlns:ma="http://schemas.microsoft.com/office/2006/metadata/properties/metaAttributes" ct:_="" ma:_="" ma:contentTypeName="Document" ma:contentTypeID="0x0101000937CBA2829AB54C847AA138BDB6DD62" ma:contentTypeVersion="6" ma:contentTypeDescription="Create a new document." ma:contentTypeScope="" ma:versionID="0f7e39fa3406a6f330081ac46f53a9d2">
   <xsd:schema xmlns:xsd="http://www.w3.org/2001/XMLSchema" xmlns:xs="http://www.w3.org/2001/XMLSchema" xmlns:p="http://schemas.microsoft.com/office/2006/metadata/properties" xmlns:ns2="ef38329b-e139-4eb4-9d7a-1b84c79a6610" targetNamespace="http://schemas.microsoft.com/office/2006/metadata/properties" ma:root="true" ma:fieldsID="c5e10262f8d934c139771ac03f38712c" ns2:_="">
     <xsd:import namespace="ef38329b-e139-4eb4-9d7a-1b84c79a6610"/>
@@ -16289,6 +16283,12 @@
 </ct:contentTypeSchema>
 </file>
 
+<file path=customXml/item3.xml><?xml version="1.0" encoding="utf-8"?>
+<p:properties xmlns:p="http://schemas.microsoft.com/office/2006/metadata/properties" xmlns:xsi="http://www.w3.org/2001/XMLSchema-instance" xmlns:pc="http://schemas.microsoft.com/office/infopath/2007/PartnerControls">
+  <documentManagement/>
+</p:properties>
+</file>
+
 <file path=customXml/itemProps1.xml><?xml version="1.0" encoding="utf-8"?>
 <ds:datastoreItem xmlns:ds="http://schemas.openxmlformats.org/officeDocument/2006/customXml" ds:itemID="{758FDAC0-319D-4A54-8D8E-1D42CB1F8004}">
   <ds:schemaRefs>
@@ -16298,22 +16298,6 @@
 </file>
 
 <file path=customXml/itemProps2.xml><?xml version="1.0" encoding="utf-8"?>
-<ds:datastoreItem xmlns:ds="http://schemas.openxmlformats.org/officeDocument/2006/customXml" ds:itemID="{F990F116-B58F-4255-B05B-DA3808E0E5C6}">
-  <ds:schemaRefs>
-    <ds:schemaRef ds:uri="http://schemas.openxmlformats.org/package/2006/metadata/core-properties"/>
-    <ds:schemaRef ds:uri="http://schemas.microsoft.com/office/infopath/2007/PartnerControls"/>
-    <ds:schemaRef ds:uri="http://purl.org/dc/dcmitype/"/>
-    <ds:schemaRef ds:uri="http://schemas.microsoft.com/office/2006/documentManagement/types"/>
-    <ds:schemaRef ds:uri="http://www.w3.org/XML/1998/namespace"/>
-    <ds:schemaRef ds:uri="http://schemas.microsoft.com/office/2006/metadata/properties"/>
-    <ds:schemaRef ds:uri="http://purl.org/dc/terms/"/>
-    <ds:schemaRef ds:uri="http://purl.org/dc/elements/1.1/"/>
-    <ds:schemaRef ds:uri="ef38329b-e139-4eb4-9d7a-1b84c79a6610"/>
-  </ds:schemaRefs>
-</ds:datastoreItem>
-</file>
-
-<file path=customXml/itemProps3.xml><?xml version="1.0" encoding="utf-8"?>
 <ds:datastoreItem xmlns:ds="http://schemas.openxmlformats.org/officeDocument/2006/customXml" ds:itemID="{A4052A8C-2220-4E4B-95E2-C05C9863F10E}">
   <ds:schemaRefs>
     <ds:schemaRef ds:uri="ef38329b-e139-4eb4-9d7a-1b84c79a6610"/>
@@ -16331,6 +16315,22 @@
 </ds:datastoreItem>
 </file>
 
+<file path=customXml/itemProps3.xml><?xml version="1.0" encoding="utf-8"?>
+<ds:datastoreItem xmlns:ds="http://schemas.openxmlformats.org/officeDocument/2006/customXml" ds:itemID="{F990F116-B58F-4255-B05B-DA3808E0E5C6}">
+  <ds:schemaRefs>
+    <ds:schemaRef ds:uri="http://www.w3.org/XML/1998/namespace"/>
+    <ds:schemaRef ds:uri="http://purl.org/dc/elements/1.1/"/>
+    <ds:schemaRef ds:uri="http://schemas.microsoft.com/office/2006/documentManagement/types"/>
+    <ds:schemaRef ds:uri="http://purl.org/dc/dcmitype/"/>
+    <ds:schemaRef ds:uri="http://purl.org/dc/terms/"/>
+    <ds:schemaRef ds:uri="ef38329b-e139-4eb4-9d7a-1b84c79a6610"/>
+    <ds:schemaRef ds:uri="http://schemas.openxmlformats.org/package/2006/metadata/core-properties"/>
+    <ds:schemaRef ds:uri="http://schemas.microsoft.com/office/infopath/2007/PartnerControls"/>
+    <ds:schemaRef ds:uri="http://schemas.microsoft.com/office/2006/metadata/properties"/>
+  </ds:schemaRefs>
+</ds:datastoreItem>
+</file>
+
 <file path=docMetadata/LabelInfo.xml><?xml version="1.0" encoding="utf-8"?>
 <clbl:labelList xmlns:clbl="http://schemas.microsoft.com/office/2020/mipLabelMetadata">
   <clbl:label id="{074e257c-5848-4582-9a6f-34a182080e71}" enabled="1" method="Privileged" siteId="{72f988bf-86f1-41af-91ab-2d7cd011db47}" removed="0"/>

--- a/Docs/Translations Builder.pptx
+++ b/Docs/Translations Builder.pptx
@@ -15,8 +15,8 @@
     <p:sldId id="4555" r:id="rId6"/>
     <p:sldId id="4512" r:id="rId7"/>
     <p:sldId id="4562" r:id="rId8"/>
-    <p:sldId id="4563" r:id="rId9"/>
-    <p:sldId id="289" r:id="rId10"/>
+    <p:sldId id="289" r:id="rId9"/>
+    <p:sldId id="4563" r:id="rId10"/>
     <p:sldId id="4564" r:id="rId11"/>
     <p:sldId id="4556" r:id="rId12"/>
     <p:sldId id="4557" r:id="rId13"/>
@@ -477,7 +477,7 @@
           <a:p>
             <a:fld id="{DCE60099-03E7-4FA1-8A7F-E6E6CFB0F855}" type="datetime8">
               <a:rPr lang="en-US" smtClean="0"/>
-              <a:t>12/2/2022 9:31 AM</a:t>
+              <a:t>12/13/2022 10:14 AM</a:t>
             </a:fld>
             <a:endParaRPr lang="en-US"/>
           </a:p>
@@ -13102,7 +13102,7 @@
             <a:pPr lvl="1"/>
             <a:r>
               <a:rPr lang="en-US" dirty="0"/>
-              <a:t>Building multi-language reports is tricky and non-intuitive</a:t>
+              <a:t>Building multi-language reports is tricky</a:t>
             </a:r>
           </a:p>
           <a:p>
@@ -13340,7 +13340,7 @@
         <p:spPr>
           <a:xfrm>
             <a:off x="511277" y="1227439"/>
-            <a:ext cx="11604521" cy="4847481"/>
+            <a:ext cx="11604521" cy="4647426"/>
           </a:xfrm>
         </p:spPr>
         <p:txBody>
@@ -13349,7 +13349,7 @@
           <a:p>
             <a:r>
               <a:rPr lang="en-US" dirty="0"/>
-              <a:t>Report translations</a:t>
+              <a:t>Metadata translations</a:t>
             </a:r>
             <a:r>
               <a:rPr lang="en-US" sz="2000" dirty="0">
@@ -13361,35 +13361,23 @@
               </a:rPr>
               <a:t> (always required)</a:t>
             </a:r>
-            <a:endParaRPr lang="en-US" dirty="0">
-              <a:solidFill>
-                <a:schemeClr val="bg1">
-                  <a:lumMod val="65000"/>
-                </a:schemeClr>
-              </a:solidFill>
-            </a:endParaRPr>
+            <a:endParaRPr lang="en-US" dirty="0"/>
           </a:p>
           <a:p>
             <a:pPr lvl="1"/>
             <a:r>
               <a:rPr lang="en-US" dirty="0"/>
-              <a:t>Translations for literal string values used in report</a:t>
+              <a:t>Translations for dataset object names including tables, columns and measures</a:t>
             </a:r>
           </a:p>
           <a:p>
             <a:pPr lvl="1"/>
-            <a:r>
-              <a:rPr lang="en-US" dirty="0"/>
-              <a:t>Text strings used for report titles, section headings, button captions, etc.</a:t>
-            </a:r>
-          </a:p>
-          <a:p>
             <a:endParaRPr lang="en-US" dirty="0"/>
           </a:p>
           <a:p>
             <a:r>
               <a:rPr lang="en-US" dirty="0"/>
-              <a:t>Metadata translations</a:t>
+              <a:t>Report label translations</a:t>
             </a:r>
             <a:r>
               <a:rPr lang="en-US" sz="2000" dirty="0">
@@ -13401,13 +13389,26 @@
               </a:rPr>
               <a:t> (always required)</a:t>
             </a:r>
-            <a:endParaRPr lang="en-US" dirty="0"/>
+            <a:endParaRPr lang="en-US" dirty="0">
+              <a:solidFill>
+                <a:schemeClr val="bg1">
+                  <a:lumMod val="65000"/>
+                </a:schemeClr>
+              </a:solidFill>
+            </a:endParaRPr>
           </a:p>
           <a:p>
             <a:pPr lvl="1"/>
             <a:r>
               <a:rPr lang="en-US" dirty="0"/>
-              <a:t>Translations for dataset object names including tables, columns and measures</a:t>
+              <a:t>Translations for literal string values used in report</a:t>
+            </a:r>
+          </a:p>
+          <a:p>
+            <a:pPr lvl="1"/>
+            <a:r>
+              <a:rPr lang="en-US" dirty="0"/>
+              <a:t>Text strings used for report titles, section headings, button captions, etc.</a:t>
             </a:r>
           </a:p>
           <a:p>
@@ -13482,425 +13483,6 @@
           <p:cNvPr id="2" name="Title 1">
             <a:extLst>
               <a:ext uri="{FF2B5EF4-FFF2-40B4-BE49-F238E27FC236}">
-                <a16:creationId xmlns:a16="http://schemas.microsoft.com/office/drawing/2014/main" id="{BC657290-B7E3-0ED9-7882-8F17688041F8}"/>
-              </a:ext>
-            </a:extLst>
-          </p:cNvPr>
-          <p:cNvSpPr>
-            <a:spLocks noGrp="1"/>
-          </p:cNvSpPr>
-          <p:nvPr>
-            <p:ph type="title"/>
-          </p:nvPr>
-        </p:nvSpPr>
-        <p:spPr/>
-        <p:txBody>
-          <a:bodyPr/>
-          <a:lstStyle/>
-          <a:p>
-            <a:r>
-              <a:rPr lang="en-US" dirty="0"/>
-              <a:t>Report Translations</a:t>
-            </a:r>
-          </a:p>
-        </p:txBody>
-      </p:sp>
-      <p:sp>
-        <p:nvSpPr>
-          <p:cNvPr id="3" name="Text Placeholder 2">
-            <a:extLst>
-              <a:ext uri="{FF2B5EF4-FFF2-40B4-BE49-F238E27FC236}">
-                <a16:creationId xmlns:a16="http://schemas.microsoft.com/office/drawing/2014/main" id="{A51581CC-C054-C8F8-9D94-16331134FD1B}"/>
-              </a:ext>
-            </a:extLst>
-          </p:cNvPr>
-          <p:cNvSpPr>
-            <a:spLocks noGrp="1"/>
-          </p:cNvSpPr>
-          <p:nvPr>
-            <p:ph type="body" sz="quarter" idx="10"/>
-          </p:nvPr>
-        </p:nvSpPr>
-        <p:spPr>
-          <a:xfrm>
-            <a:off x="511277" y="1227439"/>
-            <a:ext cx="11604521" cy="5093702"/>
-          </a:xfrm>
-        </p:spPr>
-        <p:txBody>
-          <a:bodyPr/>
-          <a:lstStyle/>
-          <a:p>
-            <a:r>
-              <a:rPr lang="en-US" dirty="0"/>
-              <a:t>Localization in Power BI only supported at level of dataset definition</a:t>
-            </a:r>
-          </a:p>
-          <a:p>
-            <a:pPr lvl="1"/>
-            <a:r>
-              <a:rPr lang="en-US" dirty="0"/>
-              <a:t>Report layout provides no support for localization</a:t>
-            </a:r>
-          </a:p>
-          <a:p>
-            <a:pPr lvl="1"/>
-            <a:endParaRPr lang="en-US" dirty="0"/>
-          </a:p>
-          <a:p>
-            <a:pPr lvl="1"/>
-            <a:endParaRPr lang="en-US" dirty="0"/>
-          </a:p>
-          <a:p>
-            <a:pPr lvl="1"/>
-            <a:endParaRPr lang="en-US" dirty="0"/>
-          </a:p>
-          <a:p>
-            <a:pPr lvl="1"/>
-            <a:endParaRPr lang="en-US" dirty="0"/>
-          </a:p>
-          <a:p>
-            <a:pPr lvl="1"/>
-            <a:endParaRPr lang="en-US" dirty="0"/>
-          </a:p>
-          <a:p>
-            <a:r>
-              <a:rPr lang="en-US" dirty="0"/>
-              <a:t>How do you maintain report label translations for Power BI report?</a:t>
-            </a:r>
-          </a:p>
-          <a:p>
-            <a:pPr lvl="1"/>
-            <a:r>
-              <a:rPr lang="en-US" dirty="0"/>
-              <a:t>Technique #1 – Add lookup table to data model with measure to access them</a:t>
-            </a:r>
-          </a:p>
-          <a:p>
-            <a:pPr lvl="1"/>
-            <a:r>
-              <a:rPr lang="en-US" dirty="0"/>
-              <a:t>Technique #2 – Use the Localized Label Strategy (explained in later section)</a:t>
-            </a:r>
-          </a:p>
-          <a:p>
-            <a:endParaRPr lang="en-US" dirty="0"/>
-          </a:p>
-        </p:txBody>
-      </p:sp>
-      <p:sp>
-        <p:nvSpPr>
-          <p:cNvPr id="4" name="Rectangle 3">
-            <a:extLst>
-              <a:ext uri="{FF2B5EF4-FFF2-40B4-BE49-F238E27FC236}">
-                <a16:creationId xmlns:a16="http://schemas.microsoft.com/office/drawing/2014/main" id="{C5CE1FBC-FDD9-167D-A712-09D5D8AB941C}"/>
-              </a:ext>
-            </a:extLst>
-          </p:cNvPr>
-          <p:cNvSpPr/>
-          <p:nvPr/>
-        </p:nvSpPr>
-        <p:spPr>
-          <a:xfrm>
-            <a:off x="1366973" y="2403043"/>
-            <a:ext cx="4493173" cy="1526072"/>
-          </a:xfrm>
-          <a:prstGeom prst="rect">
-            <a:avLst/>
-          </a:prstGeom>
-          <a:solidFill>
-            <a:schemeClr val="bg1"/>
-          </a:solidFill>
-          <a:ln w="28575">
-            <a:solidFill>
-              <a:schemeClr val="tx1"/>
-            </a:solidFill>
-          </a:ln>
-        </p:spPr>
-        <p:style>
-          <a:lnRef idx="2">
-            <a:schemeClr val="accent1">
-              <a:shade val="50000"/>
-            </a:schemeClr>
-          </a:lnRef>
-          <a:fillRef idx="1">
-            <a:schemeClr val="accent1"/>
-          </a:fillRef>
-          <a:effectRef idx="0">
-            <a:schemeClr val="accent1"/>
-          </a:effectRef>
-          <a:fontRef idx="minor">
-            <a:schemeClr val="lt1"/>
-          </a:fontRef>
-        </p:style>
-        <p:txBody>
-          <a:bodyPr rtlCol="0" anchor="ctr"/>
-          <a:lstStyle/>
-          <a:p>
-            <a:pPr algn="ctr"/>
-            <a:endParaRPr lang="en-US" sz="1100"/>
-          </a:p>
-        </p:txBody>
-      </p:sp>
-      <p:sp>
-        <p:nvSpPr>
-          <p:cNvPr id="5" name="Rectangle 4">
-            <a:extLst>
-              <a:ext uri="{FF2B5EF4-FFF2-40B4-BE49-F238E27FC236}">
-                <a16:creationId xmlns:a16="http://schemas.microsoft.com/office/drawing/2014/main" id="{CCA82148-28A3-08A7-0FF3-003DFE29F409}"/>
-              </a:ext>
-            </a:extLst>
-          </p:cNvPr>
-          <p:cNvSpPr/>
-          <p:nvPr/>
-        </p:nvSpPr>
-        <p:spPr>
-          <a:xfrm>
-            <a:off x="1386679" y="3577573"/>
-            <a:ext cx="4445877" cy="338958"/>
-          </a:xfrm>
-          <a:prstGeom prst="rect">
-            <a:avLst/>
-          </a:prstGeom>
-          <a:solidFill>
-            <a:schemeClr val="tx1"/>
-          </a:solidFill>
-          <a:ln w="28575">
-            <a:solidFill>
-              <a:schemeClr val="tx1"/>
-            </a:solidFill>
-          </a:ln>
-        </p:spPr>
-        <p:style>
-          <a:lnRef idx="2">
-            <a:schemeClr val="accent1">
-              <a:shade val="50000"/>
-            </a:schemeClr>
-          </a:lnRef>
-          <a:fillRef idx="1">
-            <a:schemeClr val="accent1"/>
-          </a:fillRef>
-          <a:effectRef idx="0">
-            <a:schemeClr val="accent1"/>
-          </a:effectRef>
-          <a:fontRef idx="minor">
-            <a:schemeClr val="lt1"/>
-          </a:fontRef>
-        </p:style>
-        <p:txBody>
-          <a:bodyPr rtlCol="0" anchor="ctr"/>
-          <a:lstStyle/>
-          <a:p>
-            <a:pPr algn="ctr"/>
-            <a:r>
-              <a:rPr lang="en-US" sz="1200" b="1" dirty="0"/>
-              <a:t>PBIX File (ProductSales.pbix)</a:t>
-            </a:r>
-          </a:p>
-        </p:txBody>
-      </p:sp>
-      <p:sp>
-        <p:nvSpPr>
-          <p:cNvPr id="6" name="Flowchart: Magnetic Disk 5">
-            <a:extLst>
-              <a:ext uri="{FF2B5EF4-FFF2-40B4-BE49-F238E27FC236}">
-                <a16:creationId xmlns:a16="http://schemas.microsoft.com/office/drawing/2014/main" id="{4AB27550-B4E9-7F0B-9B3F-16512CCE3955}"/>
-              </a:ext>
-            </a:extLst>
-          </p:cNvPr>
-          <p:cNvSpPr/>
-          <p:nvPr/>
-        </p:nvSpPr>
-        <p:spPr>
-          <a:xfrm>
-            <a:off x="3740220" y="2559457"/>
-            <a:ext cx="1888793" cy="882027"/>
-          </a:xfrm>
-          <a:prstGeom prst="flowChartMagneticDisk">
-            <a:avLst/>
-          </a:prstGeom>
-          <a:solidFill>
-            <a:schemeClr val="accent3">
-              <a:lumMod val="60000"/>
-              <a:lumOff val="40000"/>
-            </a:schemeClr>
-          </a:solidFill>
-          <a:ln w="9525">
-            <a:solidFill>
-              <a:schemeClr val="tx1"/>
-            </a:solidFill>
-          </a:ln>
-        </p:spPr>
-        <p:style>
-          <a:lnRef idx="2">
-            <a:schemeClr val="accent1">
-              <a:shade val="50000"/>
-            </a:schemeClr>
-          </a:lnRef>
-          <a:fillRef idx="1">
-            <a:schemeClr val="accent1"/>
-          </a:fillRef>
-          <a:effectRef idx="0">
-            <a:schemeClr val="accent1"/>
-          </a:effectRef>
-          <a:fontRef idx="minor">
-            <a:schemeClr val="lt1"/>
-          </a:fontRef>
-        </p:style>
-        <p:txBody>
-          <a:bodyPr tIns="137160" rtlCol="0" anchor="ctr"/>
-          <a:lstStyle/>
-          <a:p>
-            <a:pPr algn="ctr"/>
-            <a:r>
-              <a:rPr lang="en-US" sz="1200" b="1" dirty="0">
-                <a:solidFill>
-                  <a:schemeClr val="tx1"/>
-                </a:solidFill>
-              </a:rPr>
-              <a:t>Dataset Definition</a:t>
-            </a:r>
-          </a:p>
-          <a:p>
-            <a:pPr algn="ctr"/>
-            <a:r>
-              <a:rPr lang="en-US" sz="1000" i="1" dirty="0">
-                <a:solidFill>
-                  <a:schemeClr val="tx1"/>
-                </a:solidFill>
-              </a:rPr>
-              <a:t>supports localization</a:t>
-            </a:r>
-            <a:endParaRPr lang="en-US" sz="1200" i="1" dirty="0">
-              <a:solidFill>
-                <a:schemeClr val="tx1"/>
-              </a:solidFill>
-            </a:endParaRPr>
-          </a:p>
-        </p:txBody>
-      </p:sp>
-      <p:sp>
-        <p:nvSpPr>
-          <p:cNvPr id="7" name="Rectangle 6">
-            <a:extLst>
-              <a:ext uri="{FF2B5EF4-FFF2-40B4-BE49-F238E27FC236}">
-                <a16:creationId xmlns:a16="http://schemas.microsoft.com/office/drawing/2014/main" id="{14DF4427-49B7-38A5-046D-D70B85B49623}"/>
-              </a:ext>
-            </a:extLst>
-          </p:cNvPr>
-          <p:cNvSpPr/>
-          <p:nvPr/>
-        </p:nvSpPr>
-        <p:spPr>
-          <a:xfrm>
-            <a:off x="1620719" y="2623780"/>
-            <a:ext cx="1822520" cy="760921"/>
-          </a:xfrm>
-          <a:prstGeom prst="rect">
-            <a:avLst/>
-          </a:prstGeom>
-          <a:solidFill>
-            <a:schemeClr val="accent2">
-              <a:lumMod val="20000"/>
-              <a:lumOff val="80000"/>
-            </a:schemeClr>
-          </a:solidFill>
-          <a:ln w="19050">
-            <a:solidFill>
-              <a:schemeClr val="tx1"/>
-            </a:solidFill>
-          </a:ln>
-        </p:spPr>
-        <p:style>
-          <a:lnRef idx="2">
-            <a:schemeClr val="accent1">
-              <a:shade val="50000"/>
-            </a:schemeClr>
-          </a:lnRef>
-          <a:fillRef idx="1">
-            <a:schemeClr val="accent1"/>
-          </a:fillRef>
-          <a:effectRef idx="0">
-            <a:schemeClr val="accent1"/>
-          </a:effectRef>
-          <a:fontRef idx="minor">
-            <a:schemeClr val="lt1"/>
-          </a:fontRef>
-        </p:style>
-        <p:txBody>
-          <a:bodyPr rtlCol="0" anchor="ctr"/>
-          <a:lstStyle/>
-          <a:p>
-            <a:pPr algn="ctr"/>
-            <a:r>
-              <a:rPr lang="en-US" sz="1200" b="1" dirty="0">
-                <a:solidFill>
-                  <a:schemeClr val="tx1"/>
-                </a:solidFill>
-              </a:rPr>
-              <a:t>Report Layout</a:t>
-            </a:r>
-            <a:br>
-              <a:rPr lang="en-US" sz="1050" dirty="0">
-                <a:solidFill>
-                  <a:schemeClr val="tx1"/>
-                </a:solidFill>
-              </a:rPr>
-            </a:br>
-            <a:r>
-              <a:rPr lang="en-US" sz="1000" i="1" dirty="0">
-                <a:solidFill>
-                  <a:schemeClr val="tx1"/>
-                </a:solidFill>
-              </a:rPr>
-              <a:t>does not support localization</a:t>
-            </a:r>
-            <a:endParaRPr lang="en-US" sz="1100" i="1" dirty="0">
-              <a:solidFill>
-                <a:schemeClr val="tx1"/>
-              </a:solidFill>
-            </a:endParaRPr>
-          </a:p>
-        </p:txBody>
-      </p:sp>
-    </p:spTree>
-    <p:extLst>
-      <p:ext uri="{BB962C8B-B14F-4D97-AF65-F5344CB8AC3E}">
-        <p14:creationId xmlns:p14="http://schemas.microsoft.com/office/powerpoint/2010/main" val="4028630006"/>
-      </p:ext>
-    </p:extLst>
-  </p:cSld>
-  <p:clrMapOvr>
-    <a:masterClrMapping/>
-  </p:clrMapOvr>
-  <p:transition>
-    <p:fade/>
-  </p:transition>
-</p:sld>
-</file>
-
-<file path=ppt/slides/slide6.xml><?xml version="1.0" encoding="utf-8"?>
-<p:sld xmlns:a="http://schemas.openxmlformats.org/drawingml/2006/main" xmlns:r="http://schemas.openxmlformats.org/officeDocument/2006/relationships" xmlns:p="http://schemas.openxmlformats.org/presentationml/2006/main">
-  <p:cSld>
-    <p:spTree>
-      <p:nvGrpSpPr>
-        <p:cNvPr id="1" name=""/>
-        <p:cNvGrpSpPr/>
-        <p:nvPr/>
-      </p:nvGrpSpPr>
-      <p:grpSpPr>
-        <a:xfrm>
-          <a:off x="0" y="0"/>
-          <a:ext cx="0" cy="0"/>
-          <a:chOff x="0" y="0"/>
-          <a:chExt cx="0" cy="0"/>
-        </a:xfrm>
-      </p:grpSpPr>
-      <p:sp>
-        <p:nvSpPr>
-          <p:cNvPr id="2" name="Title 1">
-            <a:extLst>
-              <a:ext uri="{FF2B5EF4-FFF2-40B4-BE49-F238E27FC236}">
                 <a16:creationId xmlns:a16="http://schemas.microsoft.com/office/drawing/2014/main" id="{99294629-95B0-4C06-8B91-1AFB145EB83F}"/>
               </a:ext>
             </a:extLst>
@@ -13943,7 +13525,7 @@
         <p:spPr>
           <a:xfrm>
             <a:off x="511277" y="1227439"/>
-            <a:ext cx="11604521" cy="6055504"/>
+            <a:ext cx="11604521" cy="5470728"/>
           </a:xfrm>
         </p:spPr>
         <p:txBody>
@@ -14054,7 +13636,7 @@
             <a:pPr lvl="1"/>
             <a:r>
               <a:rPr lang="en-US" dirty="0"/>
-              <a:t>Report labels can be localized with metadata translations using specialized approach</a:t>
+              <a:t>Report labels can be localized with metadata translations using innovative approach</a:t>
             </a:r>
           </a:p>
           <a:p>
@@ -14119,9 +13701,6 @@
               <a:rPr lang="en-US" dirty="0"/>
               <a:t>Requires adoption of the localized label strategy</a:t>
             </a:r>
-          </a:p>
-          <a:p>
-            <a:endParaRPr lang="en-US" dirty="0"/>
           </a:p>
         </p:txBody>
       </p:sp>
@@ -14884,6 +14463,425 @@
 </p:sld>
 </file>
 
+<file path=ppt/slides/slide6.xml><?xml version="1.0" encoding="utf-8"?>
+<p:sld xmlns:a="http://schemas.openxmlformats.org/drawingml/2006/main" xmlns:r="http://schemas.openxmlformats.org/officeDocument/2006/relationships" xmlns:p="http://schemas.openxmlformats.org/presentationml/2006/main">
+  <p:cSld>
+    <p:spTree>
+      <p:nvGrpSpPr>
+        <p:cNvPr id="1" name=""/>
+        <p:cNvGrpSpPr/>
+        <p:nvPr/>
+      </p:nvGrpSpPr>
+      <p:grpSpPr>
+        <a:xfrm>
+          <a:off x="0" y="0"/>
+          <a:ext cx="0" cy="0"/>
+          <a:chOff x="0" y="0"/>
+          <a:chExt cx="0" cy="0"/>
+        </a:xfrm>
+      </p:grpSpPr>
+      <p:sp>
+        <p:nvSpPr>
+          <p:cNvPr id="2" name="Title 1">
+            <a:extLst>
+              <a:ext uri="{FF2B5EF4-FFF2-40B4-BE49-F238E27FC236}">
+                <a16:creationId xmlns:a16="http://schemas.microsoft.com/office/drawing/2014/main" id="{BC657290-B7E3-0ED9-7882-8F17688041F8}"/>
+              </a:ext>
+            </a:extLst>
+          </p:cNvPr>
+          <p:cNvSpPr>
+            <a:spLocks noGrp="1"/>
+          </p:cNvSpPr>
+          <p:nvPr>
+            <p:ph type="title"/>
+          </p:nvPr>
+        </p:nvSpPr>
+        <p:spPr/>
+        <p:txBody>
+          <a:bodyPr/>
+          <a:lstStyle/>
+          <a:p>
+            <a:r>
+              <a:rPr lang="en-US" dirty="0"/>
+              <a:t>Report Label Translations</a:t>
+            </a:r>
+          </a:p>
+        </p:txBody>
+      </p:sp>
+      <p:sp>
+        <p:nvSpPr>
+          <p:cNvPr id="3" name="Text Placeholder 2">
+            <a:extLst>
+              <a:ext uri="{FF2B5EF4-FFF2-40B4-BE49-F238E27FC236}">
+                <a16:creationId xmlns:a16="http://schemas.microsoft.com/office/drawing/2014/main" id="{A51581CC-C054-C8F8-9D94-16331134FD1B}"/>
+              </a:ext>
+            </a:extLst>
+          </p:cNvPr>
+          <p:cNvSpPr>
+            <a:spLocks noGrp="1"/>
+          </p:cNvSpPr>
+          <p:nvPr>
+            <p:ph type="body" sz="quarter" idx="10"/>
+          </p:nvPr>
+        </p:nvSpPr>
+        <p:spPr>
+          <a:xfrm>
+            <a:off x="511277" y="1227439"/>
+            <a:ext cx="11604521" cy="5093702"/>
+          </a:xfrm>
+        </p:spPr>
+        <p:txBody>
+          <a:bodyPr/>
+          <a:lstStyle/>
+          <a:p>
+            <a:r>
+              <a:rPr lang="en-US" dirty="0"/>
+              <a:t>Localization in Power BI only supported at level of dataset definition</a:t>
+            </a:r>
+          </a:p>
+          <a:p>
+            <a:pPr lvl="1"/>
+            <a:r>
+              <a:rPr lang="en-US" dirty="0"/>
+              <a:t>Report layout provides no support for localization</a:t>
+            </a:r>
+          </a:p>
+          <a:p>
+            <a:pPr lvl="1"/>
+            <a:endParaRPr lang="en-US" dirty="0"/>
+          </a:p>
+          <a:p>
+            <a:pPr lvl="1"/>
+            <a:endParaRPr lang="en-US" dirty="0"/>
+          </a:p>
+          <a:p>
+            <a:pPr lvl="1"/>
+            <a:endParaRPr lang="en-US" dirty="0"/>
+          </a:p>
+          <a:p>
+            <a:pPr lvl="1"/>
+            <a:endParaRPr lang="en-US" dirty="0"/>
+          </a:p>
+          <a:p>
+            <a:pPr lvl="1"/>
+            <a:endParaRPr lang="en-US" dirty="0"/>
+          </a:p>
+          <a:p>
+            <a:r>
+              <a:rPr lang="en-US" dirty="0"/>
+              <a:t>How do you maintain report label translations for Power BI report?</a:t>
+            </a:r>
+          </a:p>
+          <a:p>
+            <a:pPr lvl="1"/>
+            <a:r>
+              <a:rPr lang="en-US" dirty="0"/>
+              <a:t>Technique #1 – Add lookup table to data model with measure to access them</a:t>
+            </a:r>
+          </a:p>
+          <a:p>
+            <a:pPr lvl="1"/>
+            <a:r>
+              <a:rPr lang="en-US" dirty="0"/>
+              <a:t>Technique #2 – Use the Localized Label Strategy (explained in later section)</a:t>
+            </a:r>
+          </a:p>
+          <a:p>
+            <a:endParaRPr lang="en-US" dirty="0"/>
+          </a:p>
+        </p:txBody>
+      </p:sp>
+      <p:sp>
+        <p:nvSpPr>
+          <p:cNvPr id="4" name="Rectangle 3">
+            <a:extLst>
+              <a:ext uri="{FF2B5EF4-FFF2-40B4-BE49-F238E27FC236}">
+                <a16:creationId xmlns:a16="http://schemas.microsoft.com/office/drawing/2014/main" id="{C5CE1FBC-FDD9-167D-A712-09D5D8AB941C}"/>
+              </a:ext>
+            </a:extLst>
+          </p:cNvPr>
+          <p:cNvSpPr/>
+          <p:nvPr/>
+        </p:nvSpPr>
+        <p:spPr>
+          <a:xfrm>
+            <a:off x="1366973" y="2403043"/>
+            <a:ext cx="4493173" cy="1526072"/>
+          </a:xfrm>
+          <a:prstGeom prst="rect">
+            <a:avLst/>
+          </a:prstGeom>
+          <a:solidFill>
+            <a:schemeClr val="bg1"/>
+          </a:solidFill>
+          <a:ln w="28575">
+            <a:solidFill>
+              <a:schemeClr val="tx1"/>
+            </a:solidFill>
+          </a:ln>
+        </p:spPr>
+        <p:style>
+          <a:lnRef idx="2">
+            <a:schemeClr val="accent1">
+              <a:shade val="50000"/>
+            </a:schemeClr>
+          </a:lnRef>
+          <a:fillRef idx="1">
+            <a:schemeClr val="accent1"/>
+          </a:fillRef>
+          <a:effectRef idx="0">
+            <a:schemeClr val="accent1"/>
+          </a:effectRef>
+          <a:fontRef idx="minor">
+            <a:schemeClr val="lt1"/>
+          </a:fontRef>
+        </p:style>
+        <p:txBody>
+          <a:bodyPr rtlCol="0" anchor="ctr"/>
+          <a:lstStyle/>
+          <a:p>
+            <a:pPr algn="ctr"/>
+            <a:endParaRPr lang="en-US" sz="1100"/>
+          </a:p>
+        </p:txBody>
+      </p:sp>
+      <p:sp>
+        <p:nvSpPr>
+          <p:cNvPr id="5" name="Rectangle 4">
+            <a:extLst>
+              <a:ext uri="{FF2B5EF4-FFF2-40B4-BE49-F238E27FC236}">
+                <a16:creationId xmlns:a16="http://schemas.microsoft.com/office/drawing/2014/main" id="{CCA82148-28A3-08A7-0FF3-003DFE29F409}"/>
+              </a:ext>
+            </a:extLst>
+          </p:cNvPr>
+          <p:cNvSpPr/>
+          <p:nvPr/>
+        </p:nvSpPr>
+        <p:spPr>
+          <a:xfrm>
+            <a:off x="1386679" y="3577573"/>
+            <a:ext cx="4445877" cy="338958"/>
+          </a:xfrm>
+          <a:prstGeom prst="rect">
+            <a:avLst/>
+          </a:prstGeom>
+          <a:solidFill>
+            <a:schemeClr val="tx1"/>
+          </a:solidFill>
+          <a:ln w="28575">
+            <a:solidFill>
+              <a:schemeClr val="tx1"/>
+            </a:solidFill>
+          </a:ln>
+        </p:spPr>
+        <p:style>
+          <a:lnRef idx="2">
+            <a:schemeClr val="accent1">
+              <a:shade val="50000"/>
+            </a:schemeClr>
+          </a:lnRef>
+          <a:fillRef idx="1">
+            <a:schemeClr val="accent1"/>
+          </a:fillRef>
+          <a:effectRef idx="0">
+            <a:schemeClr val="accent1"/>
+          </a:effectRef>
+          <a:fontRef idx="minor">
+            <a:schemeClr val="lt1"/>
+          </a:fontRef>
+        </p:style>
+        <p:txBody>
+          <a:bodyPr rtlCol="0" anchor="ctr"/>
+          <a:lstStyle/>
+          <a:p>
+            <a:pPr algn="ctr"/>
+            <a:r>
+              <a:rPr lang="en-US" sz="1200" b="1" dirty="0"/>
+              <a:t>PBIX File (ProductSales.pbix)</a:t>
+            </a:r>
+          </a:p>
+        </p:txBody>
+      </p:sp>
+      <p:sp>
+        <p:nvSpPr>
+          <p:cNvPr id="6" name="Flowchart: Magnetic Disk 5">
+            <a:extLst>
+              <a:ext uri="{FF2B5EF4-FFF2-40B4-BE49-F238E27FC236}">
+                <a16:creationId xmlns:a16="http://schemas.microsoft.com/office/drawing/2014/main" id="{4AB27550-B4E9-7F0B-9B3F-16512CCE3955}"/>
+              </a:ext>
+            </a:extLst>
+          </p:cNvPr>
+          <p:cNvSpPr/>
+          <p:nvPr/>
+        </p:nvSpPr>
+        <p:spPr>
+          <a:xfrm>
+            <a:off x="3740220" y="2559457"/>
+            <a:ext cx="1888793" cy="882027"/>
+          </a:xfrm>
+          <a:prstGeom prst="flowChartMagneticDisk">
+            <a:avLst/>
+          </a:prstGeom>
+          <a:solidFill>
+            <a:schemeClr val="accent3">
+              <a:lumMod val="60000"/>
+              <a:lumOff val="40000"/>
+            </a:schemeClr>
+          </a:solidFill>
+          <a:ln w="9525">
+            <a:solidFill>
+              <a:schemeClr val="tx1"/>
+            </a:solidFill>
+          </a:ln>
+        </p:spPr>
+        <p:style>
+          <a:lnRef idx="2">
+            <a:schemeClr val="accent1">
+              <a:shade val="50000"/>
+            </a:schemeClr>
+          </a:lnRef>
+          <a:fillRef idx="1">
+            <a:schemeClr val="accent1"/>
+          </a:fillRef>
+          <a:effectRef idx="0">
+            <a:schemeClr val="accent1"/>
+          </a:effectRef>
+          <a:fontRef idx="minor">
+            <a:schemeClr val="lt1"/>
+          </a:fontRef>
+        </p:style>
+        <p:txBody>
+          <a:bodyPr tIns="137160" rtlCol="0" anchor="ctr"/>
+          <a:lstStyle/>
+          <a:p>
+            <a:pPr algn="ctr"/>
+            <a:r>
+              <a:rPr lang="en-US" sz="1200" b="1" dirty="0">
+                <a:solidFill>
+                  <a:schemeClr val="tx1"/>
+                </a:solidFill>
+              </a:rPr>
+              <a:t>Dataset Definition</a:t>
+            </a:r>
+          </a:p>
+          <a:p>
+            <a:pPr algn="ctr"/>
+            <a:r>
+              <a:rPr lang="en-US" sz="1000" i="1" dirty="0">
+                <a:solidFill>
+                  <a:schemeClr val="tx1"/>
+                </a:solidFill>
+              </a:rPr>
+              <a:t>supports localization</a:t>
+            </a:r>
+            <a:endParaRPr lang="en-US" sz="1200" i="1" dirty="0">
+              <a:solidFill>
+                <a:schemeClr val="tx1"/>
+              </a:solidFill>
+            </a:endParaRPr>
+          </a:p>
+        </p:txBody>
+      </p:sp>
+      <p:sp>
+        <p:nvSpPr>
+          <p:cNvPr id="7" name="Rectangle 6">
+            <a:extLst>
+              <a:ext uri="{FF2B5EF4-FFF2-40B4-BE49-F238E27FC236}">
+                <a16:creationId xmlns:a16="http://schemas.microsoft.com/office/drawing/2014/main" id="{14DF4427-49B7-38A5-046D-D70B85B49623}"/>
+              </a:ext>
+            </a:extLst>
+          </p:cNvPr>
+          <p:cNvSpPr/>
+          <p:nvPr/>
+        </p:nvSpPr>
+        <p:spPr>
+          <a:xfrm>
+            <a:off x="1620719" y="2623780"/>
+            <a:ext cx="1822520" cy="760921"/>
+          </a:xfrm>
+          <a:prstGeom prst="rect">
+            <a:avLst/>
+          </a:prstGeom>
+          <a:solidFill>
+            <a:schemeClr val="accent2">
+              <a:lumMod val="20000"/>
+              <a:lumOff val="80000"/>
+            </a:schemeClr>
+          </a:solidFill>
+          <a:ln w="19050">
+            <a:solidFill>
+              <a:schemeClr val="tx1"/>
+            </a:solidFill>
+          </a:ln>
+        </p:spPr>
+        <p:style>
+          <a:lnRef idx="2">
+            <a:schemeClr val="accent1">
+              <a:shade val="50000"/>
+            </a:schemeClr>
+          </a:lnRef>
+          <a:fillRef idx="1">
+            <a:schemeClr val="accent1"/>
+          </a:fillRef>
+          <a:effectRef idx="0">
+            <a:schemeClr val="accent1"/>
+          </a:effectRef>
+          <a:fontRef idx="minor">
+            <a:schemeClr val="lt1"/>
+          </a:fontRef>
+        </p:style>
+        <p:txBody>
+          <a:bodyPr rtlCol="0" anchor="ctr"/>
+          <a:lstStyle/>
+          <a:p>
+            <a:pPr algn="ctr"/>
+            <a:r>
+              <a:rPr lang="en-US" sz="1200" b="1" dirty="0">
+                <a:solidFill>
+                  <a:schemeClr val="tx1"/>
+                </a:solidFill>
+              </a:rPr>
+              <a:t>Report Layout</a:t>
+            </a:r>
+            <a:br>
+              <a:rPr lang="en-US" sz="1050" dirty="0">
+                <a:solidFill>
+                  <a:schemeClr val="tx1"/>
+                </a:solidFill>
+              </a:rPr>
+            </a:br>
+            <a:r>
+              <a:rPr lang="en-US" sz="1000" i="1" dirty="0">
+                <a:solidFill>
+                  <a:schemeClr val="tx1"/>
+                </a:solidFill>
+              </a:rPr>
+              <a:t>does not support localization</a:t>
+            </a:r>
+            <a:endParaRPr lang="en-US" sz="1100" i="1" dirty="0">
+              <a:solidFill>
+                <a:schemeClr val="tx1"/>
+              </a:solidFill>
+            </a:endParaRPr>
+          </a:p>
+        </p:txBody>
+      </p:sp>
+    </p:spTree>
+    <p:extLst>
+      <p:ext uri="{BB962C8B-B14F-4D97-AF65-F5344CB8AC3E}">
+        <p14:creationId xmlns:p14="http://schemas.microsoft.com/office/powerpoint/2010/main" val="4028630006"/>
+      </p:ext>
+    </p:extLst>
+  </p:cSld>
+  <p:clrMapOvr>
+    <a:masterClrMapping/>
+  </p:clrMapOvr>
+  <p:transition>
+    <p:fade/>
+  </p:transition>
+</p:sld>
+</file>
+
 <file path=ppt/slides/slide7.xml><?xml version="1.0" encoding="utf-8"?>
 <p:sld xmlns:a="http://schemas.openxmlformats.org/drawingml/2006/main" xmlns:r="http://schemas.openxmlformats.org/officeDocument/2006/relationships" xmlns:p="http://schemas.openxmlformats.org/presentationml/2006/main">
   <p:cSld>
@@ -14954,6 +14952,234 @@
           </a:p>
         </p:txBody>
       </p:sp>
+      <p:grpSp>
+        <p:nvGrpSpPr>
+          <p:cNvPr id="15" name="Group 14">
+            <a:extLst>
+              <a:ext uri="{FF2B5EF4-FFF2-40B4-BE49-F238E27FC236}">
+                <a16:creationId xmlns:a16="http://schemas.microsoft.com/office/drawing/2014/main" id="{EA0BD83C-3EB2-DF6E-D04D-AE6C40646142}"/>
+              </a:ext>
+            </a:extLst>
+          </p:cNvPr>
+          <p:cNvGrpSpPr/>
+          <p:nvPr/>
+        </p:nvGrpSpPr>
+        <p:grpSpPr>
+          <a:xfrm>
+            <a:off x="683262" y="2057399"/>
+            <a:ext cx="1951952" cy="4742169"/>
+            <a:chOff x="340361" y="1491209"/>
+            <a:chExt cx="2208529" cy="5365510"/>
+          </a:xfrm>
+        </p:grpSpPr>
+        <p:pic>
+          <p:nvPicPr>
+            <p:cNvPr id="5" name="Picture 4">
+              <a:extLst>
+                <a:ext uri="{FF2B5EF4-FFF2-40B4-BE49-F238E27FC236}">
+                  <a16:creationId xmlns:a16="http://schemas.microsoft.com/office/drawing/2014/main" id="{D7B272F4-D49A-30EB-507C-C237A208F56A}"/>
+                </a:ext>
+              </a:extLst>
+            </p:cNvPr>
+            <p:cNvPicPr>
+              <a:picLocks noChangeAspect="1"/>
+            </p:cNvPicPr>
+            <p:nvPr/>
+          </p:nvPicPr>
+          <p:blipFill>
+            <a:blip r:embed="rId3"/>
+            <a:stretch>
+              <a:fillRect/>
+            </a:stretch>
+          </p:blipFill>
+          <p:spPr>
+            <a:xfrm>
+              <a:off x="340361" y="1491209"/>
+              <a:ext cx="2128519" cy="1706128"/>
+            </a:xfrm>
+            <a:prstGeom prst="rect">
+              <a:avLst/>
+            </a:prstGeom>
+            <a:ln>
+              <a:solidFill>
+                <a:schemeClr val="tx1"/>
+              </a:solidFill>
+            </a:ln>
+          </p:spPr>
+        </p:pic>
+        <p:pic>
+          <p:nvPicPr>
+            <p:cNvPr id="7" name="Picture 6">
+              <a:extLst>
+                <a:ext uri="{FF2B5EF4-FFF2-40B4-BE49-F238E27FC236}">
+                  <a16:creationId xmlns:a16="http://schemas.microsoft.com/office/drawing/2014/main" id="{B47E1280-FE1A-B1EC-4EBD-261F550C7389}"/>
+                </a:ext>
+              </a:extLst>
+            </p:cNvPr>
+            <p:cNvPicPr>
+              <a:picLocks noChangeAspect="1"/>
+            </p:cNvPicPr>
+            <p:nvPr/>
+          </p:nvPicPr>
+          <p:blipFill>
+            <a:blip r:embed="rId4"/>
+            <a:stretch>
+              <a:fillRect/>
+            </a:stretch>
+          </p:blipFill>
+          <p:spPr>
+            <a:xfrm>
+              <a:off x="370841" y="3304858"/>
+              <a:ext cx="2132329" cy="1713527"/>
+            </a:xfrm>
+            <a:prstGeom prst="rect">
+              <a:avLst/>
+            </a:prstGeom>
+            <a:ln>
+              <a:solidFill>
+                <a:schemeClr val="tx1"/>
+              </a:solidFill>
+            </a:ln>
+          </p:spPr>
+        </p:pic>
+        <p:pic>
+          <p:nvPicPr>
+            <p:cNvPr id="9" name="Picture 8">
+              <a:extLst>
+                <a:ext uri="{FF2B5EF4-FFF2-40B4-BE49-F238E27FC236}">
+                  <a16:creationId xmlns:a16="http://schemas.microsoft.com/office/drawing/2014/main" id="{2F81C73F-56FD-9695-2BD0-7F3D7631E543}"/>
+                </a:ext>
+              </a:extLst>
+            </p:cNvPr>
+            <p:cNvPicPr>
+              <a:picLocks noChangeAspect="1"/>
+            </p:cNvPicPr>
+            <p:nvPr/>
+          </p:nvPicPr>
+          <p:blipFill>
+            <a:blip r:embed="rId5"/>
+            <a:stretch>
+              <a:fillRect/>
+            </a:stretch>
+          </p:blipFill>
+          <p:spPr>
+            <a:xfrm>
+              <a:off x="407987" y="5124133"/>
+              <a:ext cx="2140903" cy="1732586"/>
+            </a:xfrm>
+            <a:prstGeom prst="rect">
+              <a:avLst/>
+            </a:prstGeom>
+            <a:ln>
+              <a:solidFill>
+                <a:schemeClr val="tx1"/>
+              </a:solidFill>
+            </a:ln>
+          </p:spPr>
+        </p:pic>
+      </p:grpSp>
+      <p:pic>
+        <p:nvPicPr>
+          <p:cNvPr id="10" name="Picture 9">
+            <a:extLst>
+              <a:ext uri="{FF2B5EF4-FFF2-40B4-BE49-F238E27FC236}">
+                <a16:creationId xmlns:a16="http://schemas.microsoft.com/office/drawing/2014/main" id="{4B2A3036-5E5D-193A-EE0B-706C22417A96}"/>
+              </a:ext>
+            </a:extLst>
+          </p:cNvPr>
+          <p:cNvPicPr>
+            <a:picLocks noChangeAspect="1"/>
+          </p:cNvPicPr>
+          <p:nvPr/>
+        </p:nvPicPr>
+        <p:blipFill rotWithShape="1">
+          <a:blip r:embed="rId3"/>
+          <a:srcRect t="89474" r="6616"/>
+          <a:stretch/>
+        </p:blipFill>
+        <p:spPr>
+          <a:xfrm>
+            <a:off x="3099485" y="3118747"/>
+            <a:ext cx="8227645" cy="800682"/>
+          </a:xfrm>
+          <a:prstGeom prst="rect">
+            <a:avLst/>
+          </a:prstGeom>
+          <a:ln>
+            <a:solidFill>
+              <a:schemeClr val="tx1"/>
+            </a:solidFill>
+          </a:ln>
+        </p:spPr>
+      </p:pic>
+      <p:pic>
+        <p:nvPicPr>
+          <p:cNvPr id="11" name="Picture 10">
+            <a:extLst>
+              <a:ext uri="{FF2B5EF4-FFF2-40B4-BE49-F238E27FC236}">
+                <a16:creationId xmlns:a16="http://schemas.microsoft.com/office/drawing/2014/main" id="{DCB1F925-C104-94BA-67F0-4B39A2A97511}"/>
+              </a:ext>
+            </a:extLst>
+          </p:cNvPr>
+          <p:cNvPicPr>
+            <a:picLocks noChangeAspect="1"/>
+          </p:cNvPicPr>
+          <p:nvPr/>
+        </p:nvPicPr>
+        <p:blipFill rotWithShape="1">
+          <a:blip r:embed="rId4"/>
+          <a:srcRect l="3027" t="88577" r="3438"/>
+          <a:stretch/>
+        </p:blipFill>
+        <p:spPr>
+          <a:xfrm>
+            <a:off x="3143251" y="4127947"/>
+            <a:ext cx="8206740" cy="867539"/>
+          </a:xfrm>
+          <a:prstGeom prst="rect">
+            <a:avLst/>
+          </a:prstGeom>
+          <a:ln>
+            <a:solidFill>
+              <a:schemeClr val="tx1"/>
+            </a:solidFill>
+          </a:ln>
+        </p:spPr>
+      </p:pic>
+      <p:pic>
+        <p:nvPicPr>
+          <p:cNvPr id="12" name="Picture 11">
+            <a:extLst>
+              <a:ext uri="{FF2B5EF4-FFF2-40B4-BE49-F238E27FC236}">
+                <a16:creationId xmlns:a16="http://schemas.microsoft.com/office/drawing/2014/main" id="{91BEB8C2-C52A-0CEF-F637-59C6A0EC5188}"/>
+              </a:ext>
+            </a:extLst>
+          </p:cNvPr>
+          <p:cNvPicPr>
+            <a:picLocks noChangeAspect="1"/>
+          </p:cNvPicPr>
+          <p:nvPr/>
+        </p:nvPicPr>
+        <p:blipFill rotWithShape="1">
+          <a:blip r:embed="rId5"/>
+          <a:srcRect l="2631" t="88348" r="2481"/>
+          <a:stretch/>
+        </p:blipFill>
+        <p:spPr>
+          <a:xfrm>
+            <a:off x="3143250" y="5291323"/>
+            <a:ext cx="8229600" cy="880877"/>
+          </a:xfrm>
+          <a:prstGeom prst="rect">
+            <a:avLst/>
+          </a:prstGeom>
+          <a:ln>
+            <a:solidFill>
+              <a:schemeClr val="tx1"/>
+            </a:solidFill>
+          </a:ln>
+        </p:spPr>
+      </p:pic>
     </p:spTree>
     <p:extLst>
       <p:ext uri="{BB962C8B-B14F-4D97-AF65-F5344CB8AC3E}">
@@ -16132,6 +16358,12 @@
 </file>
 
 <file path=customXml/item2.xml><?xml version="1.0" encoding="utf-8"?>
+<p:properties xmlns:p="http://schemas.microsoft.com/office/2006/metadata/properties" xmlns:xsi="http://www.w3.org/2001/XMLSchema-instance" xmlns:pc="http://schemas.microsoft.com/office/infopath/2007/PartnerControls">
+  <documentManagement/>
+</p:properties>
+</file>
+
+<file path=customXml/item3.xml><?xml version="1.0" encoding="utf-8"?>
 <ct:contentTypeSchema xmlns:ct="http://schemas.microsoft.com/office/2006/metadata/contentType" xmlns:ma="http://schemas.microsoft.com/office/2006/metadata/properties/metaAttributes" ct:_="" ma:_="" ma:contentTypeName="Document" ma:contentTypeID="0x0101000937CBA2829AB54C847AA138BDB6DD62" ma:contentTypeVersion="6" ma:contentTypeDescription="Create a new document." ma:contentTypeScope="" ma:versionID="0f7e39fa3406a6f330081ac46f53a9d2">
   <xsd:schema xmlns:xsd="http://www.w3.org/2001/XMLSchema" xmlns:xs="http://www.w3.org/2001/XMLSchema" xmlns:p="http://schemas.microsoft.com/office/2006/metadata/properties" xmlns:ns2="ef38329b-e139-4eb4-9d7a-1b84c79a6610" targetNamespace="http://schemas.microsoft.com/office/2006/metadata/properties" ma:root="true" ma:fieldsID="c5e10262f8d934c139771ac03f38712c" ns2:_="">
     <xsd:import namespace="ef38329b-e139-4eb4-9d7a-1b84c79a6610"/>
@@ -16283,12 +16515,6 @@
 </ct:contentTypeSchema>
 </file>
 
-<file path=customXml/item3.xml><?xml version="1.0" encoding="utf-8"?>
-<p:properties xmlns:p="http://schemas.microsoft.com/office/2006/metadata/properties" xmlns:xsi="http://www.w3.org/2001/XMLSchema-instance" xmlns:pc="http://schemas.microsoft.com/office/infopath/2007/PartnerControls">
-  <documentManagement/>
-</p:properties>
-</file>
-
 <file path=customXml/itemProps1.xml><?xml version="1.0" encoding="utf-8"?>
 <ds:datastoreItem xmlns:ds="http://schemas.openxmlformats.org/officeDocument/2006/customXml" ds:itemID="{758FDAC0-319D-4A54-8D8E-1D42CB1F8004}">
   <ds:schemaRefs>
@@ -16298,6 +16524,22 @@
 </file>
 
 <file path=customXml/itemProps2.xml><?xml version="1.0" encoding="utf-8"?>
+<ds:datastoreItem xmlns:ds="http://schemas.openxmlformats.org/officeDocument/2006/customXml" ds:itemID="{F990F116-B58F-4255-B05B-DA3808E0E5C6}">
+  <ds:schemaRefs>
+    <ds:schemaRef ds:uri="http://www.w3.org/XML/1998/namespace"/>
+    <ds:schemaRef ds:uri="http://purl.org/dc/elements/1.1/"/>
+    <ds:schemaRef ds:uri="http://schemas.microsoft.com/office/2006/documentManagement/types"/>
+    <ds:schemaRef ds:uri="http://purl.org/dc/dcmitype/"/>
+    <ds:schemaRef ds:uri="http://purl.org/dc/terms/"/>
+    <ds:schemaRef ds:uri="ef38329b-e139-4eb4-9d7a-1b84c79a6610"/>
+    <ds:schemaRef ds:uri="http://schemas.openxmlformats.org/package/2006/metadata/core-properties"/>
+    <ds:schemaRef ds:uri="http://schemas.microsoft.com/office/infopath/2007/PartnerControls"/>
+    <ds:schemaRef ds:uri="http://schemas.microsoft.com/office/2006/metadata/properties"/>
+  </ds:schemaRefs>
+</ds:datastoreItem>
+</file>
+
+<file path=customXml/itemProps3.xml><?xml version="1.0" encoding="utf-8"?>
 <ds:datastoreItem xmlns:ds="http://schemas.openxmlformats.org/officeDocument/2006/customXml" ds:itemID="{A4052A8C-2220-4E4B-95E2-C05C9863F10E}">
   <ds:schemaRefs>
     <ds:schemaRef ds:uri="ef38329b-e139-4eb4-9d7a-1b84c79a6610"/>
@@ -16315,22 +16557,6 @@
 </ds:datastoreItem>
 </file>
 
-<file path=customXml/itemProps3.xml><?xml version="1.0" encoding="utf-8"?>
-<ds:datastoreItem xmlns:ds="http://schemas.openxmlformats.org/officeDocument/2006/customXml" ds:itemID="{F990F116-B58F-4255-B05B-DA3808E0E5C6}">
-  <ds:schemaRefs>
-    <ds:schemaRef ds:uri="http://www.w3.org/XML/1998/namespace"/>
-    <ds:schemaRef ds:uri="http://purl.org/dc/elements/1.1/"/>
-    <ds:schemaRef ds:uri="http://schemas.microsoft.com/office/2006/documentManagement/types"/>
-    <ds:schemaRef ds:uri="http://purl.org/dc/dcmitype/"/>
-    <ds:schemaRef ds:uri="http://purl.org/dc/terms/"/>
-    <ds:schemaRef ds:uri="ef38329b-e139-4eb4-9d7a-1b84c79a6610"/>
-    <ds:schemaRef ds:uri="http://schemas.openxmlformats.org/package/2006/metadata/core-properties"/>
-    <ds:schemaRef ds:uri="http://schemas.microsoft.com/office/infopath/2007/PartnerControls"/>
-    <ds:schemaRef ds:uri="http://schemas.microsoft.com/office/2006/metadata/properties"/>
-  </ds:schemaRefs>
-</ds:datastoreItem>
-</file>
-
 <file path=docMetadata/LabelInfo.xml><?xml version="1.0" encoding="utf-8"?>
 <clbl:labelList xmlns:clbl="http://schemas.microsoft.com/office/2020/mipLabelMetadata">
   <clbl:label id="{074e257c-5848-4582-9a6f-34a182080e71}" enabled="1" method="Privileged" siteId="{72f988bf-86f1-41af-91ab-2d7cd011db47}" removed="0"/>

--- a/Docs/Translations Builder.pptx
+++ b/Docs/Translations Builder.pptx
@@ -477,7 +477,7 @@
           <a:p>
             <a:fld id="{DCE60099-03E7-4FA1-8A7F-E6E6CFB0F855}" type="datetime8">
               <a:rPr lang="en-US" smtClean="0"/>
-              <a:t>12/13/2022 10:14 AM</a:t>
+              <a:t>12/20/2022 9:03 PM</a:t>
             </a:fld>
             <a:endParaRPr lang="en-US"/>
           </a:p>
@@ -3899,7 +3899,7 @@
         <p:spPr>
           <a:xfrm>
             <a:off x="511277" y="1227439"/>
-            <a:ext cx="11604521" cy="2215991"/>
+            <a:ext cx="11604521" cy="1969770"/>
           </a:xfrm>
         </p:spPr>
         <p:txBody>
@@ -3907,79 +3907,892 @@
           <a:lstStyle/>
           <a:p>
             <a:r>
-              <a:rPr lang="en-US" dirty="0"/>
+              <a:rPr lang="en-US" sz="2400" dirty="0"/>
               <a:t>Power BI Desktop provides support for integrating external tools</a:t>
             </a:r>
           </a:p>
           <a:p>
             <a:pPr lvl="1"/>
             <a:r>
-              <a:rPr lang="en-US" dirty="0"/>
+              <a:rPr lang="en-US" sz="2000" dirty="0"/>
               <a:t>External tool can be launched from Power BI Desktop</a:t>
             </a:r>
           </a:p>
           <a:p>
             <a:pPr lvl="1"/>
             <a:r>
-              <a:rPr lang="en-US" dirty="0"/>
+              <a:rPr lang="en-US" sz="2000" dirty="0"/>
               <a:t>External tool can connect to dataset inside a PBIX project file</a:t>
             </a:r>
           </a:p>
           <a:p>
             <a:pPr lvl="1"/>
             <a:r>
-              <a:rPr lang="en-US" dirty="0"/>
+              <a:rPr lang="en-US" sz="2000" dirty="0"/>
               <a:t>External tool can be designed to add and manage metadata translations </a:t>
             </a:r>
           </a:p>
           <a:p>
             <a:pPr lvl="1"/>
             <a:r>
-              <a:rPr lang="en-US" dirty="0"/>
+              <a:rPr lang="en-US" sz="2000" dirty="0"/>
               <a:t>External tool must be programmed to use Tabular Object Model (TOM)</a:t>
             </a:r>
           </a:p>
         </p:txBody>
       </p:sp>
-      <p:pic>
-        <p:nvPicPr>
-          <p:cNvPr id="4" name="Picture 3">
+      <p:sp>
+        <p:nvSpPr>
+          <p:cNvPr id="5" name="Rectangle 4">
             <a:extLst>
               <a:ext uri="{FF2B5EF4-FFF2-40B4-BE49-F238E27FC236}">
-                <a16:creationId xmlns:a16="http://schemas.microsoft.com/office/drawing/2014/main" id="{F77BE957-6D8A-4248-9F7B-5BF9CC121366}"/>
+                <a16:creationId xmlns:a16="http://schemas.microsoft.com/office/drawing/2014/main" id="{E8BF6B19-1999-812F-44BE-6D776137A7BF}"/>
               </a:ext>
             </a:extLst>
           </p:cNvPr>
-          <p:cNvPicPr/>
+          <p:cNvSpPr/>
           <p:nvPr/>
-        </p:nvPicPr>
-        <p:blipFill>
-          <a:blip r:embed="rId2" cstate="print">
-            <a:extLst>
-              <a:ext uri="{28A0092B-C50C-407E-A947-70E740481C1C}">
-                <a14:useLocalDpi xmlns:a14="http://schemas.microsoft.com/office/drawing/2010/main" val="0"/>
-              </a:ext>
-            </a:extLst>
-          </a:blip>
-          <a:srcRect/>
-          <a:stretch>
-            <a:fillRect/>
-          </a:stretch>
-        </p:blipFill>
+        </p:nvSpPr>
         <p:spPr bwMode="auto">
           <a:xfrm>
-            <a:off x="1243547" y="3647310"/>
-            <a:ext cx="9063710" cy="3121353"/>
+            <a:off x="1348740" y="3348990"/>
+            <a:ext cx="8709660" cy="3257550"/>
           </a:xfrm>
           <a:prstGeom prst="rect">
             <a:avLst/>
           </a:prstGeom>
-          <a:noFill/>
+          <a:solidFill>
+            <a:schemeClr val="bg1">
+              <a:lumMod val="95000"/>
+            </a:schemeClr>
+          </a:solidFill>
           <a:ln>
-            <a:noFill/>
+            <a:solidFill>
+              <a:schemeClr val="tx1"/>
+            </a:solidFill>
+            <a:headEnd type="none" w="med" len="med"/>
+            <a:tailEnd type="none" w="med" len="med"/>
           </a:ln>
+          <a:effectLst/>
         </p:spPr>
-      </p:pic>
+        <p:style>
+          <a:lnRef idx="1">
+            <a:schemeClr val="accent2"/>
+          </a:lnRef>
+          <a:fillRef idx="3">
+            <a:schemeClr val="accent2"/>
+          </a:fillRef>
+          <a:effectRef idx="2">
+            <a:schemeClr val="accent2"/>
+          </a:effectRef>
+          <a:fontRef idx="minor">
+            <a:schemeClr val="lt1"/>
+          </a:fontRef>
+        </p:style>
+        <p:txBody>
+          <a:bodyPr rot="0" spcFirstLastPara="0" vertOverflow="overflow" horzOverflow="overflow" vert="horz" wrap="square" lIns="0" tIns="0" rIns="0" bIns="91440" numCol="1" spcCol="0" rtlCol="0" fromWordArt="0" anchor="b" anchorCtr="0" forceAA="0" compatLnSpc="1">
+            <a:prstTxWarp prst="textNoShape">
+              <a:avLst/>
+            </a:prstTxWarp>
+            <a:noAutofit/>
+          </a:bodyPr>
+          <a:lstStyle/>
+          <a:p>
+            <a:pPr algn="ctr" defTabSz="932472" fontAlgn="base">
+              <a:lnSpc>
+                <a:spcPct val="90000"/>
+              </a:lnSpc>
+              <a:spcBef>
+                <a:spcPct val="0"/>
+              </a:spcBef>
+              <a:spcAft>
+                <a:spcPct val="0"/>
+              </a:spcAft>
+            </a:pPr>
+            <a:r>
+              <a:rPr lang="en-US" sz="1400" dirty="0">
+                <a:solidFill>
+                  <a:schemeClr val="tx1"/>
+                </a:solidFill>
+                <a:latin typeface="Arial" panose="020B0604020202020204" pitchFamily="34" charset="0"/>
+                <a:ea typeface="Segoe UI" pitchFamily="34" charset="0"/>
+                <a:cs typeface="Arial" panose="020B0604020202020204" pitchFamily="34" charset="0"/>
+              </a:rPr>
+              <a:t>Local Desktop Setup on a Windows PC</a:t>
+            </a:r>
+          </a:p>
+        </p:txBody>
+      </p:sp>
+      <p:sp>
+        <p:nvSpPr>
+          <p:cNvPr id="6" name="Rectangle 5">
+            <a:extLst>
+              <a:ext uri="{FF2B5EF4-FFF2-40B4-BE49-F238E27FC236}">
+                <a16:creationId xmlns:a16="http://schemas.microsoft.com/office/drawing/2014/main" id="{9AEF7E2A-1E0D-1D79-BCA3-222BD6B5F668}"/>
+              </a:ext>
+            </a:extLst>
+          </p:cNvPr>
+          <p:cNvSpPr/>
+          <p:nvPr/>
+        </p:nvSpPr>
+        <p:spPr bwMode="auto">
+          <a:xfrm>
+            <a:off x="1543050" y="3577590"/>
+            <a:ext cx="3531870" cy="2537460"/>
+          </a:xfrm>
+          <a:prstGeom prst="rect">
+            <a:avLst/>
+          </a:prstGeom>
+          <a:solidFill>
+            <a:schemeClr val="accent1">
+              <a:lumMod val="20000"/>
+              <a:lumOff val="80000"/>
+            </a:schemeClr>
+          </a:solidFill>
+          <a:ln>
+            <a:solidFill>
+              <a:schemeClr val="tx1"/>
+            </a:solidFill>
+            <a:headEnd type="none" w="med" len="med"/>
+            <a:tailEnd type="none" w="med" len="med"/>
+          </a:ln>
+          <a:effectLst/>
+        </p:spPr>
+        <p:style>
+          <a:lnRef idx="1">
+            <a:schemeClr val="accent2"/>
+          </a:lnRef>
+          <a:fillRef idx="3">
+            <a:schemeClr val="accent2"/>
+          </a:fillRef>
+          <a:effectRef idx="2">
+            <a:schemeClr val="accent2"/>
+          </a:effectRef>
+          <a:fontRef idx="minor">
+            <a:schemeClr val="lt1"/>
+          </a:fontRef>
+        </p:style>
+        <p:txBody>
+          <a:bodyPr rot="0" spcFirstLastPara="0" vertOverflow="overflow" horzOverflow="overflow" vert="horz" wrap="square" lIns="182880" tIns="146304" rIns="182880" bIns="146304" numCol="1" spcCol="0" rtlCol="0" fromWordArt="0" anchor="t" anchorCtr="0" forceAA="0" compatLnSpc="1">
+            <a:prstTxWarp prst="textNoShape">
+              <a:avLst/>
+            </a:prstTxWarp>
+            <a:noAutofit/>
+          </a:bodyPr>
+          <a:lstStyle/>
+          <a:p>
+            <a:pPr algn="ctr" defTabSz="932472" fontAlgn="base">
+              <a:lnSpc>
+                <a:spcPct val="90000"/>
+              </a:lnSpc>
+              <a:spcAft>
+                <a:spcPts val="200"/>
+              </a:spcAft>
+            </a:pPr>
+            <a:r>
+              <a:rPr lang="en-US" sz="1600" b="1" dirty="0">
+                <a:solidFill>
+                  <a:schemeClr val="tx1"/>
+                </a:solidFill>
+                <a:latin typeface="Arial" panose="020B0604020202020204" pitchFamily="34" charset="0"/>
+                <a:ea typeface="Segoe UI" pitchFamily="34" charset="0"/>
+                <a:cs typeface="Arial" panose="020B0604020202020204" pitchFamily="34" charset="0"/>
+              </a:rPr>
+              <a:t>Translations Builder</a:t>
+            </a:r>
+          </a:p>
+        </p:txBody>
+      </p:sp>
+      <p:grpSp>
+        <p:nvGrpSpPr>
+          <p:cNvPr id="10" name="Group 9">
+            <a:extLst>
+              <a:ext uri="{FF2B5EF4-FFF2-40B4-BE49-F238E27FC236}">
+                <a16:creationId xmlns:a16="http://schemas.microsoft.com/office/drawing/2014/main" id="{DC9BFFE1-2AB6-1D74-9003-7A49B368F88B}"/>
+              </a:ext>
+            </a:extLst>
+          </p:cNvPr>
+          <p:cNvGrpSpPr/>
+          <p:nvPr/>
+        </p:nvGrpSpPr>
+        <p:grpSpPr>
+          <a:xfrm>
+            <a:off x="1783080" y="4091937"/>
+            <a:ext cx="2987642" cy="1600197"/>
+            <a:chOff x="3382678" y="4613712"/>
+            <a:chExt cx="2508184" cy="994356"/>
+          </a:xfrm>
+        </p:grpSpPr>
+        <p:sp>
+          <p:nvSpPr>
+            <p:cNvPr id="7" name="Rectangle 6">
+              <a:extLst>
+                <a:ext uri="{FF2B5EF4-FFF2-40B4-BE49-F238E27FC236}">
+                  <a16:creationId xmlns:a16="http://schemas.microsoft.com/office/drawing/2014/main" id="{9BDB8E87-8FC0-21D8-EE9B-0570151755E6}"/>
+                </a:ext>
+              </a:extLst>
+            </p:cNvPr>
+            <p:cNvSpPr/>
+            <p:nvPr/>
+          </p:nvSpPr>
+          <p:spPr bwMode="auto">
+            <a:xfrm>
+              <a:off x="3382678" y="4613712"/>
+              <a:ext cx="2506980" cy="327660"/>
+            </a:xfrm>
+            <a:prstGeom prst="rect">
+              <a:avLst/>
+            </a:prstGeom>
+            <a:solidFill>
+              <a:schemeClr val="accent3">
+                <a:lumMod val="40000"/>
+                <a:lumOff val="60000"/>
+              </a:schemeClr>
+            </a:solidFill>
+            <a:ln>
+              <a:solidFill>
+                <a:schemeClr val="tx1"/>
+              </a:solidFill>
+              <a:headEnd type="none" w="med" len="med"/>
+              <a:tailEnd type="none" w="med" len="med"/>
+            </a:ln>
+            <a:effectLst/>
+          </p:spPr>
+          <p:style>
+            <a:lnRef idx="1">
+              <a:schemeClr val="accent2"/>
+            </a:lnRef>
+            <a:fillRef idx="3">
+              <a:schemeClr val="accent2"/>
+            </a:fillRef>
+            <a:effectRef idx="2">
+              <a:schemeClr val="accent2"/>
+            </a:effectRef>
+            <a:fontRef idx="minor">
+              <a:schemeClr val="lt1"/>
+            </a:fontRef>
+          </p:style>
+          <p:txBody>
+            <a:bodyPr rot="0" spcFirstLastPara="0" vertOverflow="overflow" horzOverflow="overflow" vert="horz" wrap="square" lIns="0" tIns="0" rIns="0" bIns="0" numCol="1" spcCol="0" rtlCol="0" fromWordArt="0" anchor="ctr" anchorCtr="0" forceAA="0" compatLnSpc="1">
+              <a:prstTxWarp prst="textNoShape">
+                <a:avLst/>
+              </a:prstTxWarp>
+              <a:noAutofit/>
+            </a:bodyPr>
+            <a:lstStyle/>
+            <a:p>
+              <a:pPr algn="ctr" defTabSz="932472" fontAlgn="base">
+                <a:lnSpc>
+                  <a:spcPct val="90000"/>
+                </a:lnSpc>
+                <a:spcAft>
+                  <a:spcPts val="200"/>
+                </a:spcAft>
+              </a:pPr>
+              <a:r>
+                <a:rPr lang="en-US" sz="1400" b="1" dirty="0">
+                  <a:solidFill>
+                    <a:schemeClr val="tx1"/>
+                  </a:solidFill>
+                  <a:latin typeface="Arial" panose="020B0604020202020204" pitchFamily="34" charset="0"/>
+                  <a:ea typeface="Segoe UI" pitchFamily="34" charset="0"/>
+                  <a:cs typeface="Arial" panose="020B0604020202020204" pitchFamily="34" charset="0"/>
+                </a:rPr>
+                <a:t>Custom C# Code</a:t>
+              </a:r>
+            </a:p>
+          </p:txBody>
+        </p:sp>
+        <p:sp>
+          <p:nvSpPr>
+            <p:cNvPr id="8" name="Rectangle 7">
+              <a:extLst>
+                <a:ext uri="{FF2B5EF4-FFF2-40B4-BE49-F238E27FC236}">
+                  <a16:creationId xmlns:a16="http://schemas.microsoft.com/office/drawing/2014/main" id="{79562830-3704-B7A1-F070-55460BCE4972}"/>
+                </a:ext>
+              </a:extLst>
+            </p:cNvPr>
+            <p:cNvSpPr/>
+            <p:nvPr/>
+          </p:nvSpPr>
+          <p:spPr bwMode="auto">
+            <a:xfrm>
+              <a:off x="3383280" y="4949707"/>
+              <a:ext cx="2506980" cy="327660"/>
+            </a:xfrm>
+            <a:prstGeom prst="rect">
+              <a:avLst/>
+            </a:prstGeom>
+            <a:solidFill>
+              <a:srgbClr val="FF9933"/>
+            </a:solidFill>
+            <a:ln>
+              <a:solidFill>
+                <a:schemeClr val="tx1"/>
+              </a:solidFill>
+              <a:headEnd type="none" w="med" len="med"/>
+              <a:tailEnd type="none" w="med" len="med"/>
+            </a:ln>
+            <a:effectLst/>
+          </p:spPr>
+          <p:style>
+            <a:lnRef idx="1">
+              <a:schemeClr val="accent2"/>
+            </a:lnRef>
+            <a:fillRef idx="3">
+              <a:schemeClr val="accent2"/>
+            </a:fillRef>
+            <a:effectRef idx="2">
+              <a:schemeClr val="accent2"/>
+            </a:effectRef>
+            <a:fontRef idx="minor">
+              <a:schemeClr val="lt1"/>
+            </a:fontRef>
+          </p:style>
+          <p:txBody>
+            <a:bodyPr rot="0" spcFirstLastPara="0" vertOverflow="overflow" horzOverflow="overflow" vert="horz" wrap="square" lIns="0" tIns="0" rIns="0" bIns="0" numCol="1" spcCol="0" rtlCol="0" fromWordArt="0" anchor="ctr" anchorCtr="0" forceAA="0" compatLnSpc="1">
+              <a:prstTxWarp prst="textNoShape">
+                <a:avLst/>
+              </a:prstTxWarp>
+              <a:noAutofit/>
+            </a:bodyPr>
+            <a:lstStyle/>
+            <a:p>
+              <a:pPr algn="ctr" defTabSz="932472" fontAlgn="base">
+                <a:lnSpc>
+                  <a:spcPct val="90000"/>
+                </a:lnSpc>
+                <a:spcAft>
+                  <a:spcPts val="200"/>
+                </a:spcAft>
+              </a:pPr>
+              <a:r>
+                <a:rPr lang="en-US" sz="1400" b="1" dirty="0">
+                  <a:solidFill>
+                    <a:schemeClr val="tx1"/>
+                  </a:solidFill>
+                  <a:latin typeface="Arial" panose="020B0604020202020204" pitchFamily="34" charset="0"/>
+                  <a:ea typeface="Segoe UI" pitchFamily="34" charset="0"/>
+                  <a:cs typeface="Arial" panose="020B0604020202020204" pitchFamily="34" charset="0"/>
+                </a:rPr>
+                <a:t>Tabular Object Model (TOM)</a:t>
+              </a:r>
+            </a:p>
+          </p:txBody>
+        </p:sp>
+        <p:sp>
+          <p:nvSpPr>
+            <p:cNvPr id="9" name="Rectangle 8">
+              <a:extLst>
+                <a:ext uri="{FF2B5EF4-FFF2-40B4-BE49-F238E27FC236}">
+                  <a16:creationId xmlns:a16="http://schemas.microsoft.com/office/drawing/2014/main" id="{DB5B8C3B-D223-FFFB-B7E2-55698F64DB3C}"/>
+                </a:ext>
+              </a:extLst>
+            </p:cNvPr>
+            <p:cNvSpPr/>
+            <p:nvPr/>
+          </p:nvSpPr>
+          <p:spPr bwMode="auto">
+            <a:xfrm>
+              <a:off x="3383882" y="5280408"/>
+              <a:ext cx="2506980" cy="327660"/>
+            </a:xfrm>
+            <a:prstGeom prst="rect">
+              <a:avLst/>
+            </a:prstGeom>
+            <a:solidFill>
+              <a:srgbClr val="00CC99"/>
+            </a:solidFill>
+            <a:ln>
+              <a:solidFill>
+                <a:schemeClr val="tx1"/>
+              </a:solidFill>
+              <a:headEnd type="none" w="med" len="med"/>
+              <a:tailEnd type="none" w="med" len="med"/>
+            </a:ln>
+            <a:effectLst/>
+          </p:spPr>
+          <p:style>
+            <a:lnRef idx="1">
+              <a:schemeClr val="accent2"/>
+            </a:lnRef>
+            <a:fillRef idx="3">
+              <a:schemeClr val="accent2"/>
+            </a:fillRef>
+            <a:effectRef idx="2">
+              <a:schemeClr val="accent2"/>
+            </a:effectRef>
+            <a:fontRef idx="minor">
+              <a:schemeClr val="lt1"/>
+            </a:fontRef>
+          </p:style>
+          <p:txBody>
+            <a:bodyPr rot="0" spcFirstLastPara="0" vertOverflow="overflow" horzOverflow="overflow" vert="horz" wrap="square" lIns="0" tIns="0" rIns="0" bIns="0" numCol="1" spcCol="0" rtlCol="0" fromWordArt="0" anchor="ctr" anchorCtr="0" forceAA="0" compatLnSpc="1">
+              <a:prstTxWarp prst="textNoShape">
+                <a:avLst/>
+              </a:prstTxWarp>
+              <a:noAutofit/>
+            </a:bodyPr>
+            <a:lstStyle/>
+            <a:p>
+              <a:pPr algn="ctr" defTabSz="932472" fontAlgn="base">
+                <a:lnSpc>
+                  <a:spcPct val="90000"/>
+                </a:lnSpc>
+                <a:spcAft>
+                  <a:spcPts val="200"/>
+                </a:spcAft>
+              </a:pPr>
+              <a:r>
+                <a:rPr lang="en-US" sz="1400" b="1" dirty="0">
+                  <a:solidFill>
+                    <a:schemeClr val="tx1"/>
+                  </a:solidFill>
+                  <a:latin typeface="Arial" panose="020B0604020202020204" pitchFamily="34" charset="0"/>
+                  <a:ea typeface="Segoe UI" pitchFamily="34" charset="0"/>
+                  <a:cs typeface="Arial" panose="020B0604020202020204" pitchFamily="34" charset="0"/>
+                </a:rPr>
+                <a:t>.NET 6 Runtime</a:t>
+              </a:r>
+            </a:p>
+          </p:txBody>
+        </p:sp>
+      </p:grpSp>
+      <p:sp>
+        <p:nvSpPr>
+          <p:cNvPr id="11" name="Rectangle 10">
+            <a:extLst>
+              <a:ext uri="{FF2B5EF4-FFF2-40B4-BE49-F238E27FC236}">
+                <a16:creationId xmlns:a16="http://schemas.microsoft.com/office/drawing/2014/main" id="{82C495F7-0DDC-88B3-D5F5-5F495F28FADE}"/>
+              </a:ext>
+            </a:extLst>
+          </p:cNvPr>
+          <p:cNvSpPr/>
+          <p:nvPr/>
+        </p:nvSpPr>
+        <p:spPr bwMode="auto">
+          <a:xfrm>
+            <a:off x="6560820" y="3566160"/>
+            <a:ext cx="3291839" cy="2555096"/>
+          </a:xfrm>
+          <a:prstGeom prst="rect">
+            <a:avLst/>
+          </a:prstGeom>
+          <a:solidFill>
+            <a:schemeClr val="accent1">
+              <a:lumMod val="20000"/>
+              <a:lumOff val="80000"/>
+            </a:schemeClr>
+          </a:solidFill>
+          <a:ln>
+            <a:solidFill>
+              <a:schemeClr val="tx1"/>
+            </a:solidFill>
+            <a:headEnd type="none" w="med" len="med"/>
+            <a:tailEnd type="none" w="med" len="med"/>
+          </a:ln>
+          <a:effectLst/>
+        </p:spPr>
+        <p:style>
+          <a:lnRef idx="1">
+            <a:schemeClr val="accent2"/>
+          </a:lnRef>
+          <a:fillRef idx="3">
+            <a:schemeClr val="accent2"/>
+          </a:fillRef>
+          <a:effectRef idx="2">
+            <a:schemeClr val="accent2"/>
+          </a:effectRef>
+          <a:fontRef idx="minor">
+            <a:schemeClr val="lt1"/>
+          </a:fontRef>
+        </p:style>
+        <p:txBody>
+          <a:bodyPr rot="0" spcFirstLastPara="0" vertOverflow="overflow" horzOverflow="overflow" vert="horz" wrap="square" lIns="182880" tIns="146304" rIns="182880" bIns="146304" numCol="1" spcCol="0" rtlCol="0" fromWordArt="0" anchor="t" anchorCtr="0" forceAA="0" compatLnSpc="1">
+            <a:prstTxWarp prst="textNoShape">
+              <a:avLst/>
+            </a:prstTxWarp>
+            <a:noAutofit/>
+          </a:bodyPr>
+          <a:lstStyle/>
+          <a:p>
+            <a:pPr algn="ctr" defTabSz="932472" fontAlgn="base">
+              <a:lnSpc>
+                <a:spcPct val="90000"/>
+              </a:lnSpc>
+              <a:spcAft>
+                <a:spcPts val="200"/>
+              </a:spcAft>
+            </a:pPr>
+            <a:r>
+              <a:rPr lang="en-US" sz="1600" b="1" dirty="0">
+                <a:solidFill>
+                  <a:schemeClr val="tx1"/>
+                </a:solidFill>
+                <a:latin typeface="Arial" panose="020B0604020202020204" pitchFamily="34" charset="0"/>
+                <a:ea typeface="Segoe UI" pitchFamily="34" charset="0"/>
+                <a:cs typeface="Arial" panose="020B0604020202020204" pitchFamily="34" charset="0"/>
+              </a:rPr>
+              <a:t>Power BI Desktop</a:t>
+            </a:r>
+          </a:p>
+        </p:txBody>
+      </p:sp>
+      <p:sp>
+        <p:nvSpPr>
+          <p:cNvPr id="12" name="Rectangle 11">
+            <a:extLst>
+              <a:ext uri="{FF2B5EF4-FFF2-40B4-BE49-F238E27FC236}">
+                <a16:creationId xmlns:a16="http://schemas.microsoft.com/office/drawing/2014/main" id="{1A0DDF86-A327-280C-C5A7-19A6656FE9A3}"/>
+              </a:ext>
+            </a:extLst>
+          </p:cNvPr>
+          <p:cNvSpPr/>
+          <p:nvPr/>
+        </p:nvSpPr>
+        <p:spPr bwMode="auto">
+          <a:xfrm>
+            <a:off x="6744353" y="4044914"/>
+            <a:ext cx="2913997" cy="1811056"/>
+          </a:xfrm>
+          <a:prstGeom prst="rect">
+            <a:avLst/>
+          </a:prstGeom>
+          <a:solidFill>
+            <a:srgbClr val="00CC99"/>
+          </a:solidFill>
+          <a:ln>
+            <a:solidFill>
+              <a:schemeClr val="tx1"/>
+            </a:solidFill>
+            <a:headEnd type="none" w="med" len="med"/>
+            <a:tailEnd type="none" w="med" len="med"/>
+          </a:ln>
+          <a:effectLst/>
+        </p:spPr>
+        <p:style>
+          <a:lnRef idx="1">
+            <a:schemeClr val="accent2"/>
+          </a:lnRef>
+          <a:fillRef idx="3">
+            <a:schemeClr val="accent2"/>
+          </a:fillRef>
+          <a:effectRef idx="2">
+            <a:schemeClr val="accent2"/>
+          </a:effectRef>
+          <a:fontRef idx="minor">
+            <a:schemeClr val="lt1"/>
+          </a:fontRef>
+        </p:style>
+        <p:txBody>
+          <a:bodyPr rot="0" spcFirstLastPara="0" vertOverflow="overflow" horzOverflow="overflow" vert="horz" wrap="square" lIns="182880" tIns="146304" rIns="182880" bIns="45720" numCol="1" spcCol="0" rtlCol="0" fromWordArt="0" anchor="b" anchorCtr="0" forceAA="0" compatLnSpc="1">
+            <a:prstTxWarp prst="textNoShape">
+              <a:avLst/>
+            </a:prstTxWarp>
+            <a:noAutofit/>
+          </a:bodyPr>
+          <a:lstStyle/>
+          <a:p>
+            <a:pPr algn="ctr" defTabSz="932472" fontAlgn="base">
+              <a:lnSpc>
+                <a:spcPct val="90000"/>
+              </a:lnSpc>
+              <a:spcAft>
+                <a:spcPts val="200"/>
+              </a:spcAft>
+            </a:pPr>
+            <a:r>
+              <a:rPr lang="en-US" sz="1200" b="1" dirty="0">
+                <a:solidFill>
+                  <a:schemeClr val="tx1"/>
+                </a:solidFill>
+                <a:latin typeface="Arial" panose="020B0604020202020204" pitchFamily="34" charset="0"/>
+                <a:ea typeface="Segoe UI" pitchFamily="34" charset="0"/>
+                <a:cs typeface="Arial" panose="020B0604020202020204" pitchFamily="34" charset="0"/>
+              </a:rPr>
+              <a:t>Local Analytics Service Engine</a:t>
+            </a:r>
+          </a:p>
+        </p:txBody>
+      </p:sp>
+      <p:grpSp>
+        <p:nvGrpSpPr>
+          <p:cNvPr id="16" name="Group 15">
+            <a:extLst>
+              <a:ext uri="{FF2B5EF4-FFF2-40B4-BE49-F238E27FC236}">
+                <a16:creationId xmlns:a16="http://schemas.microsoft.com/office/drawing/2014/main" id="{09EECA69-D375-CC80-E02D-79870604E1D0}"/>
+              </a:ext>
+            </a:extLst>
+          </p:cNvPr>
+          <p:cNvGrpSpPr/>
+          <p:nvPr/>
+        </p:nvGrpSpPr>
+        <p:grpSpPr>
+          <a:xfrm>
+            <a:off x="6934462" y="4180210"/>
+            <a:ext cx="2380334" cy="1348645"/>
+            <a:chOff x="6888742" y="3928750"/>
+            <a:chExt cx="2380334" cy="1348645"/>
+          </a:xfrm>
+        </p:grpSpPr>
+        <p:sp>
+          <p:nvSpPr>
+            <p:cNvPr id="13" name="Rectangle 12">
+              <a:extLst>
+                <a:ext uri="{FF2B5EF4-FFF2-40B4-BE49-F238E27FC236}">
+                  <a16:creationId xmlns:a16="http://schemas.microsoft.com/office/drawing/2014/main" id="{28832F0E-F240-F92E-E6B7-F4432931F1E6}"/>
+                </a:ext>
+              </a:extLst>
+            </p:cNvPr>
+            <p:cNvSpPr/>
+            <p:nvPr/>
+          </p:nvSpPr>
+          <p:spPr bwMode="auto">
+            <a:xfrm>
+              <a:off x="7169766" y="3928750"/>
+              <a:ext cx="2099310" cy="1348645"/>
+            </a:xfrm>
+            <a:prstGeom prst="rect">
+              <a:avLst/>
+            </a:prstGeom>
+            <a:solidFill>
+              <a:srgbClr val="FF9933"/>
+            </a:solidFill>
+            <a:ln>
+              <a:solidFill>
+                <a:schemeClr val="tx1"/>
+              </a:solidFill>
+              <a:headEnd type="none" w="med" len="med"/>
+              <a:tailEnd type="none" w="med" len="med"/>
+            </a:ln>
+            <a:effectLst/>
+          </p:spPr>
+          <p:style>
+            <a:lnRef idx="1">
+              <a:schemeClr val="accent2"/>
+            </a:lnRef>
+            <a:fillRef idx="3">
+              <a:schemeClr val="accent2"/>
+            </a:fillRef>
+            <a:effectRef idx="2">
+              <a:schemeClr val="accent2"/>
+            </a:effectRef>
+            <a:fontRef idx="minor">
+              <a:schemeClr val="lt1"/>
+            </a:fontRef>
+          </p:style>
+          <p:txBody>
+            <a:bodyPr rot="0" spcFirstLastPara="0" vertOverflow="overflow" horzOverflow="overflow" vert="horz" wrap="square" lIns="0" tIns="0" rIns="0" bIns="0" numCol="1" spcCol="0" rtlCol="0" fromWordArt="0" anchor="ctr" anchorCtr="0" forceAA="0" compatLnSpc="1">
+              <a:prstTxWarp prst="textNoShape">
+                <a:avLst/>
+              </a:prstTxWarp>
+              <a:noAutofit/>
+            </a:bodyPr>
+            <a:lstStyle/>
+            <a:p>
+              <a:pPr algn="ctr" defTabSz="932472" fontAlgn="base">
+                <a:lnSpc>
+                  <a:spcPct val="90000"/>
+                </a:lnSpc>
+                <a:spcAft>
+                  <a:spcPts val="200"/>
+                </a:spcAft>
+              </a:pPr>
+              <a:r>
+                <a:rPr lang="en-US" sz="1400" b="1" dirty="0">
+                  <a:solidFill>
+                    <a:schemeClr val="tx1"/>
+                  </a:solidFill>
+                  <a:latin typeface="Arial" panose="020B0604020202020204" pitchFamily="34" charset="0"/>
+                  <a:ea typeface="Segoe UI" pitchFamily="34" charset="0"/>
+                  <a:cs typeface="Arial" panose="020B0604020202020204" pitchFamily="34" charset="0"/>
+                </a:rPr>
+                <a:t>Dataset</a:t>
+              </a:r>
+            </a:p>
+            <a:p>
+              <a:pPr algn="ctr" defTabSz="932472" fontAlgn="base">
+                <a:lnSpc>
+                  <a:spcPct val="90000"/>
+                </a:lnSpc>
+                <a:spcAft>
+                  <a:spcPts val="200"/>
+                </a:spcAft>
+              </a:pPr>
+              <a:r>
+                <a:rPr lang="en-US" sz="1400" b="1" dirty="0">
+                  <a:solidFill>
+                    <a:schemeClr val="tx1"/>
+                  </a:solidFill>
+                  <a:latin typeface="Arial" panose="020B0604020202020204" pitchFamily="34" charset="0"/>
+                  <a:ea typeface="Segoe UI" pitchFamily="34" charset="0"/>
+                  <a:cs typeface="Arial" panose="020B0604020202020204" pitchFamily="34" charset="0"/>
+                </a:rPr>
+                <a:t>Definition</a:t>
+              </a:r>
+            </a:p>
+          </p:txBody>
+        </p:sp>
+        <p:sp>
+          <p:nvSpPr>
+            <p:cNvPr id="14" name="Rectangle 13">
+              <a:extLst>
+                <a:ext uri="{FF2B5EF4-FFF2-40B4-BE49-F238E27FC236}">
+                  <a16:creationId xmlns:a16="http://schemas.microsoft.com/office/drawing/2014/main" id="{DD4A2DA3-520E-C968-282C-2CA93822020A}"/>
+                </a:ext>
+              </a:extLst>
+            </p:cNvPr>
+            <p:cNvSpPr/>
+            <p:nvPr/>
+          </p:nvSpPr>
+          <p:spPr bwMode="auto">
+            <a:xfrm rot="5400000">
+              <a:off x="6357389" y="4460663"/>
+              <a:ext cx="1348084" cy="285377"/>
+            </a:xfrm>
+            <a:prstGeom prst="rect">
+              <a:avLst/>
+            </a:prstGeom>
+            <a:solidFill>
+              <a:schemeClr val="tx1"/>
+            </a:solidFill>
+            <a:ln>
+              <a:solidFill>
+                <a:schemeClr val="tx1"/>
+              </a:solidFill>
+              <a:headEnd type="none" w="med" len="med"/>
+              <a:tailEnd type="none" w="med" len="med"/>
+            </a:ln>
+            <a:effectLst/>
+          </p:spPr>
+          <p:style>
+            <a:lnRef idx="1">
+              <a:schemeClr val="accent2"/>
+            </a:lnRef>
+            <a:fillRef idx="3">
+              <a:schemeClr val="accent2"/>
+            </a:fillRef>
+            <a:effectRef idx="2">
+              <a:schemeClr val="accent2"/>
+            </a:effectRef>
+            <a:fontRef idx="minor">
+              <a:schemeClr val="lt1"/>
+            </a:fontRef>
+          </p:style>
+          <p:txBody>
+            <a:bodyPr rot="0" spcFirstLastPara="0" vertOverflow="overflow" horzOverflow="overflow" vert="horz" wrap="square" lIns="0" tIns="0" rIns="0" bIns="0" numCol="1" spcCol="0" rtlCol="0" fromWordArt="0" anchor="ctr" anchorCtr="0" forceAA="0" compatLnSpc="1">
+              <a:prstTxWarp prst="textNoShape">
+                <a:avLst/>
+              </a:prstTxWarp>
+              <a:noAutofit/>
+            </a:bodyPr>
+            <a:lstStyle/>
+            <a:p>
+              <a:pPr algn="ctr" defTabSz="932472" fontAlgn="base">
+                <a:lnSpc>
+                  <a:spcPct val="90000"/>
+                </a:lnSpc>
+                <a:spcAft>
+                  <a:spcPts val="200"/>
+                </a:spcAft>
+              </a:pPr>
+              <a:r>
+                <a:rPr lang="en-US" sz="1100" b="1" dirty="0">
+                  <a:solidFill>
+                    <a:schemeClr val="bg1"/>
+                  </a:solidFill>
+                  <a:latin typeface="Arial" panose="020B0604020202020204" pitchFamily="34" charset="0"/>
+                  <a:ea typeface="Segoe UI" pitchFamily="34" charset="0"/>
+                  <a:cs typeface="Arial" panose="020B0604020202020204" pitchFamily="34" charset="0"/>
+                </a:rPr>
+                <a:t>XMLA Endpoint</a:t>
+              </a:r>
+            </a:p>
+          </p:txBody>
+        </p:sp>
+      </p:grpSp>
+      <p:sp>
+        <p:nvSpPr>
+          <p:cNvPr id="15" name="Arrow: Right 14">
+            <a:extLst>
+              <a:ext uri="{FF2B5EF4-FFF2-40B4-BE49-F238E27FC236}">
+                <a16:creationId xmlns:a16="http://schemas.microsoft.com/office/drawing/2014/main" id="{B1F91A98-655C-A743-270A-C3B93A3BC912}"/>
+              </a:ext>
+            </a:extLst>
+          </p:cNvPr>
+          <p:cNvSpPr/>
+          <p:nvPr/>
+        </p:nvSpPr>
+        <p:spPr bwMode="auto">
+          <a:xfrm>
+            <a:off x="4674870" y="4640580"/>
+            <a:ext cx="2205990" cy="548640"/>
+          </a:xfrm>
+          <a:prstGeom prst="rightArrow">
+            <a:avLst>
+              <a:gd name="adj1" fmla="val 67284"/>
+              <a:gd name="adj2" fmla="val 85605"/>
+            </a:avLst>
+          </a:prstGeom>
+          <a:solidFill>
+            <a:schemeClr val="accent1"/>
+          </a:solidFill>
+          <a:ln>
+            <a:solidFill>
+              <a:schemeClr val="tx1"/>
+            </a:solidFill>
+            <a:headEnd type="none" w="med" len="med"/>
+            <a:tailEnd type="none" w="med" len="med"/>
+          </a:ln>
+          <a:effectLst/>
+        </p:spPr>
+        <p:style>
+          <a:lnRef idx="1">
+            <a:schemeClr val="accent2"/>
+          </a:lnRef>
+          <a:fillRef idx="3">
+            <a:schemeClr val="accent2"/>
+          </a:fillRef>
+          <a:effectRef idx="2">
+            <a:schemeClr val="accent2"/>
+          </a:effectRef>
+          <a:fontRef idx="minor">
+            <a:schemeClr val="lt1"/>
+          </a:fontRef>
+        </p:style>
+        <p:txBody>
+          <a:bodyPr rot="0" spcFirstLastPara="0" vertOverflow="overflow" horzOverflow="overflow" vert="horz" wrap="square" lIns="0" tIns="0" rIns="0" bIns="0" numCol="1" spcCol="0" rtlCol="0" fromWordArt="0" anchor="ctr" anchorCtr="0" forceAA="0" compatLnSpc="1">
+            <a:prstTxWarp prst="textNoShape">
+              <a:avLst/>
+            </a:prstTxWarp>
+            <a:noAutofit/>
+          </a:bodyPr>
+          <a:lstStyle/>
+          <a:p>
+            <a:pPr algn="ctr" defTabSz="932472" fontAlgn="base">
+              <a:lnSpc>
+                <a:spcPct val="90000"/>
+              </a:lnSpc>
+              <a:spcBef>
+                <a:spcPct val="0"/>
+              </a:spcBef>
+              <a:spcAft>
+                <a:spcPct val="0"/>
+              </a:spcAft>
+            </a:pPr>
+            <a:r>
+              <a:rPr lang="en-US" sz="1400" b="1" dirty="0">
+                <a:solidFill>
+                  <a:schemeClr val="tx1"/>
+                </a:solidFill>
+                <a:ea typeface="Segoe UI" pitchFamily="34" charset="0"/>
+                <a:cs typeface="Segoe UI" pitchFamily="34" charset="0"/>
+              </a:rPr>
+              <a:t>localhost:52686</a:t>
+            </a:r>
+          </a:p>
+        </p:txBody>
+      </p:sp>
     </p:spTree>
     <p:extLst>
       <p:ext uri="{BB962C8B-B14F-4D97-AF65-F5344CB8AC3E}">
@@ -16358,12 +17171,6 @@
 </file>
 
 <file path=customXml/item2.xml><?xml version="1.0" encoding="utf-8"?>
-<p:properties xmlns:p="http://schemas.microsoft.com/office/2006/metadata/properties" xmlns:xsi="http://www.w3.org/2001/XMLSchema-instance" xmlns:pc="http://schemas.microsoft.com/office/infopath/2007/PartnerControls">
-  <documentManagement/>
-</p:properties>
-</file>
-
-<file path=customXml/item3.xml><?xml version="1.0" encoding="utf-8"?>
 <ct:contentTypeSchema xmlns:ct="http://schemas.microsoft.com/office/2006/metadata/contentType" xmlns:ma="http://schemas.microsoft.com/office/2006/metadata/properties/metaAttributes" ct:_="" ma:_="" ma:contentTypeName="Document" ma:contentTypeID="0x0101000937CBA2829AB54C847AA138BDB6DD62" ma:contentTypeVersion="6" ma:contentTypeDescription="Create a new document." ma:contentTypeScope="" ma:versionID="0f7e39fa3406a6f330081ac46f53a9d2">
   <xsd:schema xmlns:xsd="http://www.w3.org/2001/XMLSchema" xmlns:xs="http://www.w3.org/2001/XMLSchema" xmlns:p="http://schemas.microsoft.com/office/2006/metadata/properties" xmlns:ns2="ef38329b-e139-4eb4-9d7a-1b84c79a6610" targetNamespace="http://schemas.microsoft.com/office/2006/metadata/properties" ma:root="true" ma:fieldsID="c5e10262f8d934c139771ac03f38712c" ns2:_="">
     <xsd:import namespace="ef38329b-e139-4eb4-9d7a-1b84c79a6610"/>
@@ -16515,6 +17322,12 @@
 </ct:contentTypeSchema>
 </file>
 
+<file path=customXml/item3.xml><?xml version="1.0" encoding="utf-8"?>
+<p:properties xmlns:p="http://schemas.microsoft.com/office/2006/metadata/properties" xmlns:xsi="http://www.w3.org/2001/XMLSchema-instance" xmlns:pc="http://schemas.microsoft.com/office/infopath/2007/PartnerControls">
+  <documentManagement/>
+</p:properties>
+</file>
+
 <file path=customXml/itemProps1.xml><?xml version="1.0" encoding="utf-8"?>
 <ds:datastoreItem xmlns:ds="http://schemas.openxmlformats.org/officeDocument/2006/customXml" ds:itemID="{758FDAC0-319D-4A54-8D8E-1D42CB1F8004}">
   <ds:schemaRefs>
@@ -16524,22 +17337,6 @@
 </file>
 
 <file path=customXml/itemProps2.xml><?xml version="1.0" encoding="utf-8"?>
-<ds:datastoreItem xmlns:ds="http://schemas.openxmlformats.org/officeDocument/2006/customXml" ds:itemID="{F990F116-B58F-4255-B05B-DA3808E0E5C6}">
-  <ds:schemaRefs>
-    <ds:schemaRef ds:uri="http://www.w3.org/XML/1998/namespace"/>
-    <ds:schemaRef ds:uri="http://purl.org/dc/elements/1.1/"/>
-    <ds:schemaRef ds:uri="http://schemas.microsoft.com/office/2006/documentManagement/types"/>
-    <ds:schemaRef ds:uri="http://purl.org/dc/dcmitype/"/>
-    <ds:schemaRef ds:uri="http://purl.org/dc/terms/"/>
-    <ds:schemaRef ds:uri="ef38329b-e139-4eb4-9d7a-1b84c79a6610"/>
-    <ds:schemaRef ds:uri="http://schemas.openxmlformats.org/package/2006/metadata/core-properties"/>
-    <ds:schemaRef ds:uri="http://schemas.microsoft.com/office/infopath/2007/PartnerControls"/>
-    <ds:schemaRef ds:uri="http://schemas.microsoft.com/office/2006/metadata/properties"/>
-  </ds:schemaRefs>
-</ds:datastoreItem>
-</file>
-
-<file path=customXml/itemProps3.xml><?xml version="1.0" encoding="utf-8"?>
 <ds:datastoreItem xmlns:ds="http://schemas.openxmlformats.org/officeDocument/2006/customXml" ds:itemID="{A4052A8C-2220-4E4B-95E2-C05C9863F10E}">
   <ds:schemaRefs>
     <ds:schemaRef ds:uri="ef38329b-e139-4eb4-9d7a-1b84c79a6610"/>
@@ -16557,6 +17354,22 @@
 </ds:datastoreItem>
 </file>
 
+<file path=customXml/itemProps3.xml><?xml version="1.0" encoding="utf-8"?>
+<ds:datastoreItem xmlns:ds="http://schemas.openxmlformats.org/officeDocument/2006/customXml" ds:itemID="{F990F116-B58F-4255-B05B-DA3808E0E5C6}">
+  <ds:schemaRefs>
+    <ds:schemaRef ds:uri="http://www.w3.org/XML/1998/namespace"/>
+    <ds:schemaRef ds:uri="http://purl.org/dc/elements/1.1/"/>
+    <ds:schemaRef ds:uri="http://schemas.microsoft.com/office/2006/documentManagement/types"/>
+    <ds:schemaRef ds:uri="http://purl.org/dc/dcmitype/"/>
+    <ds:schemaRef ds:uri="http://purl.org/dc/terms/"/>
+    <ds:schemaRef ds:uri="ef38329b-e139-4eb4-9d7a-1b84c79a6610"/>
+    <ds:schemaRef ds:uri="http://schemas.openxmlformats.org/package/2006/metadata/core-properties"/>
+    <ds:schemaRef ds:uri="http://schemas.microsoft.com/office/infopath/2007/PartnerControls"/>
+    <ds:schemaRef ds:uri="http://schemas.microsoft.com/office/2006/metadata/properties"/>
+  </ds:schemaRefs>
+</ds:datastoreItem>
+</file>
+
 <file path=docMetadata/LabelInfo.xml><?xml version="1.0" encoding="utf-8"?>
 <clbl:labelList xmlns:clbl="http://schemas.microsoft.com/office/2020/mipLabelMetadata">
   <clbl:label id="{074e257c-5848-4582-9a6f-34a182080e71}" enabled="1" method="Privileged" siteId="{72f988bf-86f1-41af-91ab-2d7cd011db47}" removed="0"/>

--- a/Docs/Translations Builder.pptx
+++ b/Docs/Translations Builder.pptx
@@ -477,7 +477,7 @@
           <a:p>
             <a:fld id="{DCE60099-03E7-4FA1-8A7F-E6E6CFB0F855}" type="datetime8">
               <a:rPr lang="en-US" smtClean="0"/>
-              <a:t>12/20/2022 9:03 PM</a:t>
+              <a:t>12/21/2022 7:19 AM</a:t>
             </a:fld>
             <a:endParaRPr lang="en-US"/>
           </a:p>
@@ -2518,8 +2518,21 @@
                   <a:srgbClr val="000000"/>
                 </a:solidFill>
               </a:rPr>
-              <a:t>Getting Started with Translations Builder</a:t>
-            </a:r>
+              <a:t>Building Multi-language Power BI </a:t>
+            </a:r>
+            <a:r>
+              <a:rPr lang="en-US" sz="3800">
+                <a:solidFill>
+                  <a:srgbClr val="000000"/>
+                </a:solidFill>
+              </a:rPr>
+              <a:t>Reports in 2023</a:t>
+            </a:r>
+            <a:endParaRPr lang="en-US" sz="3800" dirty="0">
+              <a:solidFill>
+                <a:srgbClr val="000000"/>
+              </a:solidFill>
+            </a:endParaRPr>
           </a:p>
         </p:txBody>
       </p:sp>
@@ -4010,7 +4023,7 @@
               </a:spcAft>
             </a:pPr>
             <a:r>
-              <a:rPr lang="en-US" sz="1400" dirty="0">
+              <a:rPr lang="en-US" sz="1400" b="1" dirty="0">
                 <a:solidFill>
                   <a:schemeClr val="tx1"/>
                 </a:solidFill>
@@ -4224,7 +4237,7 @@
               <a:avLst/>
             </a:prstGeom>
             <a:solidFill>
-              <a:srgbClr val="FF9933"/>
+              <a:srgbClr val="F2C80F"/>
             </a:solidFill>
             <a:ln>
               <a:solidFill>
@@ -4301,7 +4314,7 @@
               <a:avLst/>
             </a:prstGeom>
             <a:solidFill>
-              <a:srgbClr val="00CC99"/>
+              <a:srgbClr val="00D1CC"/>
             </a:solidFill>
             <a:ln>
               <a:solidFill>
@@ -4459,7 +4472,7 @@
             <a:avLst/>
           </a:prstGeom>
           <a:solidFill>
-            <a:srgbClr val="00CC99"/>
+            <a:srgbClr val="00D1CC"/>
           </a:solidFill>
           <a:ln>
             <a:solidFill>
@@ -4510,7 +4523,7 @@
                 <a:ea typeface="Segoe UI" pitchFamily="34" charset="0"/>
                 <a:cs typeface="Arial" panose="020B0604020202020204" pitchFamily="34" charset="0"/>
               </a:rPr>
-              <a:t>Local Analytics Service Engine</a:t>
+              <a:t>Local Analysis Services Engine</a:t>
             </a:r>
           </a:p>
         </p:txBody>
@@ -4556,7 +4569,7 @@
               <a:avLst/>
             </a:prstGeom>
             <a:solidFill>
-              <a:srgbClr val="FF9933"/>
+              <a:srgbClr val="F2C80F"/>
             </a:solidFill>
             <a:ln>
               <a:solidFill>
@@ -4735,7 +4748,7 @@
             </a:avLst>
           </a:prstGeom>
           <a:solidFill>
-            <a:schemeClr val="accent1"/>
+            <a:srgbClr val="920000"/>
           </a:solidFill>
           <a:ln>
             <a:solidFill>
@@ -4783,7 +4796,7 @@
             <a:r>
               <a:rPr lang="en-US" sz="1400" b="1" dirty="0">
                 <a:solidFill>
-                  <a:schemeClr val="tx1"/>
+                  <a:schemeClr val="bg1"/>
                 </a:solidFill>
                 <a:ea typeface="Segoe UI" pitchFamily="34" charset="0"/>
                 <a:cs typeface="Segoe UI" pitchFamily="34" charset="0"/>
@@ -17171,6 +17184,12 @@
 </file>
 
 <file path=customXml/item2.xml><?xml version="1.0" encoding="utf-8"?>
+<p:properties xmlns:p="http://schemas.microsoft.com/office/2006/metadata/properties" xmlns:xsi="http://www.w3.org/2001/XMLSchema-instance" xmlns:pc="http://schemas.microsoft.com/office/infopath/2007/PartnerControls">
+  <documentManagement/>
+</p:properties>
+</file>
+
+<file path=customXml/item3.xml><?xml version="1.0" encoding="utf-8"?>
 <ct:contentTypeSchema xmlns:ct="http://schemas.microsoft.com/office/2006/metadata/contentType" xmlns:ma="http://schemas.microsoft.com/office/2006/metadata/properties/metaAttributes" ct:_="" ma:_="" ma:contentTypeName="Document" ma:contentTypeID="0x0101000937CBA2829AB54C847AA138BDB6DD62" ma:contentTypeVersion="6" ma:contentTypeDescription="Create a new document." ma:contentTypeScope="" ma:versionID="0f7e39fa3406a6f330081ac46f53a9d2">
   <xsd:schema xmlns:xsd="http://www.w3.org/2001/XMLSchema" xmlns:xs="http://www.w3.org/2001/XMLSchema" xmlns:p="http://schemas.microsoft.com/office/2006/metadata/properties" xmlns:ns2="ef38329b-e139-4eb4-9d7a-1b84c79a6610" targetNamespace="http://schemas.microsoft.com/office/2006/metadata/properties" ma:root="true" ma:fieldsID="c5e10262f8d934c139771ac03f38712c" ns2:_="">
     <xsd:import namespace="ef38329b-e139-4eb4-9d7a-1b84c79a6610"/>
@@ -17322,12 +17341,6 @@
 </ct:contentTypeSchema>
 </file>
 
-<file path=customXml/item3.xml><?xml version="1.0" encoding="utf-8"?>
-<p:properties xmlns:p="http://schemas.microsoft.com/office/2006/metadata/properties" xmlns:xsi="http://www.w3.org/2001/XMLSchema-instance" xmlns:pc="http://schemas.microsoft.com/office/infopath/2007/PartnerControls">
-  <documentManagement/>
-</p:properties>
-</file>
-
 <file path=customXml/itemProps1.xml><?xml version="1.0" encoding="utf-8"?>
 <ds:datastoreItem xmlns:ds="http://schemas.openxmlformats.org/officeDocument/2006/customXml" ds:itemID="{758FDAC0-319D-4A54-8D8E-1D42CB1F8004}">
   <ds:schemaRefs>
@@ -17337,6 +17350,22 @@
 </file>
 
 <file path=customXml/itemProps2.xml><?xml version="1.0" encoding="utf-8"?>
+<ds:datastoreItem xmlns:ds="http://schemas.openxmlformats.org/officeDocument/2006/customXml" ds:itemID="{F990F116-B58F-4255-B05B-DA3808E0E5C6}">
+  <ds:schemaRefs>
+    <ds:schemaRef ds:uri="http://www.w3.org/XML/1998/namespace"/>
+    <ds:schemaRef ds:uri="http://purl.org/dc/elements/1.1/"/>
+    <ds:schemaRef ds:uri="http://schemas.microsoft.com/office/2006/documentManagement/types"/>
+    <ds:schemaRef ds:uri="http://purl.org/dc/dcmitype/"/>
+    <ds:schemaRef ds:uri="http://purl.org/dc/terms/"/>
+    <ds:schemaRef ds:uri="ef38329b-e139-4eb4-9d7a-1b84c79a6610"/>
+    <ds:schemaRef ds:uri="http://schemas.openxmlformats.org/package/2006/metadata/core-properties"/>
+    <ds:schemaRef ds:uri="http://schemas.microsoft.com/office/infopath/2007/PartnerControls"/>
+    <ds:schemaRef ds:uri="http://schemas.microsoft.com/office/2006/metadata/properties"/>
+  </ds:schemaRefs>
+</ds:datastoreItem>
+</file>
+
+<file path=customXml/itemProps3.xml><?xml version="1.0" encoding="utf-8"?>
 <ds:datastoreItem xmlns:ds="http://schemas.openxmlformats.org/officeDocument/2006/customXml" ds:itemID="{A4052A8C-2220-4E4B-95E2-C05C9863F10E}">
   <ds:schemaRefs>
     <ds:schemaRef ds:uri="ef38329b-e139-4eb4-9d7a-1b84c79a6610"/>
@@ -17354,22 +17383,6 @@
 </ds:datastoreItem>
 </file>
 
-<file path=customXml/itemProps3.xml><?xml version="1.0" encoding="utf-8"?>
-<ds:datastoreItem xmlns:ds="http://schemas.openxmlformats.org/officeDocument/2006/customXml" ds:itemID="{F990F116-B58F-4255-B05B-DA3808E0E5C6}">
-  <ds:schemaRefs>
-    <ds:schemaRef ds:uri="http://www.w3.org/XML/1998/namespace"/>
-    <ds:schemaRef ds:uri="http://purl.org/dc/elements/1.1/"/>
-    <ds:schemaRef ds:uri="http://schemas.microsoft.com/office/2006/documentManagement/types"/>
-    <ds:schemaRef ds:uri="http://purl.org/dc/dcmitype/"/>
-    <ds:schemaRef ds:uri="http://purl.org/dc/terms/"/>
-    <ds:schemaRef ds:uri="ef38329b-e139-4eb4-9d7a-1b84c79a6610"/>
-    <ds:schemaRef ds:uri="http://schemas.openxmlformats.org/package/2006/metadata/core-properties"/>
-    <ds:schemaRef ds:uri="http://schemas.microsoft.com/office/infopath/2007/PartnerControls"/>
-    <ds:schemaRef ds:uri="http://schemas.microsoft.com/office/2006/metadata/properties"/>
-  </ds:schemaRefs>
-</ds:datastoreItem>
-</file>
-
 <file path=docMetadata/LabelInfo.xml><?xml version="1.0" encoding="utf-8"?>
 <clbl:labelList xmlns:clbl="http://schemas.microsoft.com/office/2020/mipLabelMetadata">
   <clbl:label id="{074e257c-5848-4582-9a6f-34a182080e71}" enabled="1" method="Privileged" siteId="{72f988bf-86f1-41af-91ab-2d7cd011db47}" removed="0"/>

--- a/Docs/Translations Builder.pptx
+++ b/Docs/Translations Builder.pptx
@@ -5,10 +5,10 @@
     <p:sldMasterId id="2147484551" r:id="rId4"/>
   </p:sldMasterIdLst>
   <p:notesMasterIdLst>
-    <p:notesMasterId r:id="rId32"/>
+    <p:notesMasterId r:id="rId34"/>
   </p:notesMasterIdLst>
   <p:handoutMasterIdLst>
-    <p:handoutMasterId r:id="rId33"/>
+    <p:handoutMasterId r:id="rId35"/>
   </p:handoutMasterIdLst>
   <p:sldIdLst>
     <p:sldId id="4475" r:id="rId5"/>
@@ -38,6 +38,8 @@
     <p:sldId id="4554" r:id="rId29"/>
     <p:sldId id="4519" r:id="rId30"/>
     <p:sldId id="4520" r:id="rId31"/>
+    <p:sldId id="4568" r:id="rId32"/>
+    <p:sldId id="4569" r:id="rId33"/>
   </p:sldIdLst>
   <p:sldSz cx="12436475" cy="6994525"/>
   <p:notesSz cx="7010400" cy="9296400"/>
@@ -477,7 +479,7 @@
           <a:p>
             <a:fld id="{DCE60099-03E7-4FA1-8A7F-E6E6CFB0F855}" type="datetime8">
               <a:rPr lang="en-US" smtClean="0"/>
-              <a:t>12/21/2022 7:19 AM</a:t>
+              <a:t>12/27/2022 8:45 AM</a:t>
             </a:fld>
             <a:endParaRPr lang="en-US"/>
           </a:p>
@@ -1782,6 +1784,188 @@
 </p:sldLayout>
 </file>
 
+<file path=ppt/slideLayouts/slideLayout4.xml><?xml version="1.0" encoding="utf-8"?>
+<p:sldLayout xmlns:a="http://schemas.openxmlformats.org/drawingml/2006/main" xmlns:r="http://schemas.openxmlformats.org/officeDocument/2006/relationships" xmlns:p="http://schemas.openxmlformats.org/presentationml/2006/main" preserve="1" userDrawn="1">
+  <p:cSld name="Content - No Title">
+    <p:spTree>
+      <p:nvGrpSpPr>
+        <p:cNvPr id="1" name=""/>
+        <p:cNvGrpSpPr/>
+        <p:nvPr/>
+      </p:nvGrpSpPr>
+      <p:grpSpPr>
+        <a:xfrm>
+          <a:off x="0" y="0"/>
+          <a:ext cx="0" cy="0"/>
+          <a:chOff x="0" y="0"/>
+          <a:chExt cx="0" cy="0"/>
+        </a:xfrm>
+      </p:grpSpPr>
+      <p:sp>
+        <p:nvSpPr>
+          <p:cNvPr id="6" name="Rectangle 5">
+            <a:extLst>
+              <a:ext uri="{FF2B5EF4-FFF2-40B4-BE49-F238E27FC236}">
+                <a16:creationId xmlns:a16="http://schemas.microsoft.com/office/drawing/2014/main" id="{BA93C211-F143-4006-8107-BF13D04E1695}"/>
+              </a:ext>
+            </a:extLst>
+          </p:cNvPr>
+          <p:cNvSpPr/>
+          <p:nvPr userDrawn="1"/>
+        </p:nvSpPr>
+        <p:spPr bwMode="auto">
+          <a:xfrm>
+            <a:off x="0" y="0"/>
+            <a:ext cx="12436475" cy="876300"/>
+          </a:xfrm>
+          <a:prstGeom prst="rect">
+            <a:avLst/>
+          </a:prstGeom>
+          <a:solidFill>
+            <a:schemeClr val="accent2">
+              <a:lumMod val="60000"/>
+              <a:lumOff val="40000"/>
+            </a:schemeClr>
+          </a:solidFill>
+          <a:ln w="6350">
+            <a:solidFill>
+              <a:schemeClr val="tx1"/>
+            </a:solidFill>
+            <a:headEnd type="none" w="med" len="med"/>
+            <a:tailEnd type="none" w="med" len="med"/>
+          </a:ln>
+          <a:effectLst/>
+        </p:spPr>
+        <p:style>
+          <a:lnRef idx="1">
+            <a:schemeClr val="accent2"/>
+          </a:lnRef>
+          <a:fillRef idx="3">
+            <a:schemeClr val="accent2"/>
+          </a:fillRef>
+          <a:effectRef idx="2">
+            <a:schemeClr val="accent2"/>
+          </a:effectRef>
+          <a:fontRef idx="minor">
+            <a:schemeClr val="lt1"/>
+          </a:fontRef>
+        </p:style>
+        <p:txBody>
+          <a:bodyPr rot="0" spcFirstLastPara="0" vertOverflow="overflow" horzOverflow="overflow" vert="horz" wrap="square" lIns="182880" tIns="146304" rIns="182880" bIns="146304" numCol="1" spcCol="0" rtlCol="0" fromWordArt="0" anchor="t" anchorCtr="0" forceAA="0" compatLnSpc="1">
+            <a:prstTxWarp prst="textNoShape">
+              <a:avLst/>
+            </a:prstTxWarp>
+            <a:noAutofit/>
+          </a:bodyPr>
+          <a:lstStyle/>
+          <a:p>
+            <a:pPr algn="ctr" defTabSz="932472" fontAlgn="base">
+              <a:lnSpc>
+                <a:spcPct val="90000"/>
+              </a:lnSpc>
+              <a:spcBef>
+                <a:spcPct val="0"/>
+              </a:spcBef>
+              <a:spcAft>
+                <a:spcPct val="0"/>
+              </a:spcAft>
+            </a:pPr>
+            <a:endParaRPr lang="en-US" sz="2400" dirty="0" err="1">
+              <a:gradFill>
+                <a:gsLst>
+                  <a:gs pos="0">
+                    <a:srgbClr val="FFFFFF"/>
+                  </a:gs>
+                  <a:gs pos="100000">
+                    <a:srgbClr val="FFFFFF"/>
+                  </a:gs>
+                </a:gsLst>
+                <a:lin ang="5400000" scaled="0"/>
+              </a:gradFill>
+              <a:ea typeface="Segoe UI" pitchFamily="34" charset="0"/>
+              <a:cs typeface="Segoe UI" pitchFamily="34" charset="0"/>
+            </a:endParaRPr>
+          </a:p>
+        </p:txBody>
+      </p:sp>
+      <p:sp>
+        <p:nvSpPr>
+          <p:cNvPr id="5" name="Title 6">
+            <a:extLst>
+              <a:ext uri="{FF2B5EF4-FFF2-40B4-BE49-F238E27FC236}">
+                <a16:creationId xmlns:a16="http://schemas.microsoft.com/office/drawing/2014/main" id="{1C8B02FA-354D-43D3-8580-ADA122EBAC1D}"/>
+              </a:ext>
+            </a:extLst>
+          </p:cNvPr>
+          <p:cNvSpPr>
+            <a:spLocks noGrp="1"/>
+          </p:cNvSpPr>
+          <p:nvPr>
+            <p:ph type="title"/>
+          </p:nvPr>
+        </p:nvSpPr>
+        <p:spPr>
+          <a:xfrm>
+            <a:off x="314324" y="190500"/>
+            <a:ext cx="11801475" cy="498598"/>
+          </a:xfrm>
+        </p:spPr>
+        <p:txBody>
+          <a:bodyPr/>
+          <a:lstStyle>
+            <a:lvl1pPr>
+              <a:defRPr sz="3600" b="1">
+                <a:solidFill>
+                  <a:schemeClr val="tx1"/>
+                </a:solidFill>
+              </a:defRPr>
+            </a:lvl1pPr>
+          </a:lstStyle>
+          <a:p>
+            <a:r>
+              <a:rPr lang="en-US" dirty="0"/>
+              <a:t>Click to edit Master title style</a:t>
+            </a:r>
+          </a:p>
+        </p:txBody>
+      </p:sp>
+    </p:spTree>
+    <p:extLst>
+      <p:ext uri="{BB962C8B-B14F-4D97-AF65-F5344CB8AC3E}">
+        <p14:creationId xmlns:p14="http://schemas.microsoft.com/office/powerpoint/2010/main" val="2434186807"/>
+      </p:ext>
+    </p:extLst>
+  </p:cSld>
+  <p:clrMapOvr>
+    <a:masterClrMapping/>
+  </p:clrMapOvr>
+  <p:transition>
+    <p:fade/>
+  </p:transition>
+  <p:extLst>
+    <p:ext uri="{DCECCB84-F9BA-43D5-87BE-67443E8EF086}">
+      <p15:sldGuideLst xmlns:p15="http://schemas.microsoft.com/office/powerpoint/2012/main">
+        <p15:guide id="2" orient="horz" pos="1272">
+          <p15:clr>
+            <a:srgbClr val="5ACBF0"/>
+          </p15:clr>
+        </p15:guide>
+        <p15:guide id="3" orient="horz" pos="288">
+          <p15:clr>
+            <a:srgbClr val="5ACBF0"/>
+          </p15:clr>
+        </p15:guide>
+        <p15:guide id="5" orient="horz" pos="904">
+          <p15:clr>
+            <a:srgbClr val="5ACBF0"/>
+          </p15:clr>
+        </p15:guide>
+      </p15:sldGuideLst>
+    </p:ext>
+  </p:extLst>
+</p:sldLayout>
+</file>
+
 <file path=ppt/slideMasters/slideMaster1.xml><?xml version="1.0" encoding="utf-8"?>
 <p:sldMaster xmlns:a="http://schemas.openxmlformats.org/drawingml/2006/main" xmlns:r="http://schemas.openxmlformats.org/officeDocument/2006/relationships" xmlns:p="http://schemas.openxmlformats.org/presentationml/2006/main" preserve="1">
   <p:cSld>
@@ -1822,7 +2006,7 @@
           <p:nvPr userDrawn="1"/>
         </p:nvPicPr>
         <p:blipFill rotWithShape="1">
-          <a:blip r:embed="rId5" cstate="print">
+          <a:blip r:embed="rId6" cstate="print">
             <a:extLst>
               <a:ext uri="{28A0092B-C50C-407E-A947-70E740481C1C}">
                 <a14:useLocalDpi xmlns:a14="http://schemas.microsoft.com/office/drawing/2010/main"/>
@@ -1960,6 +2144,7 @@
     <p:sldLayoutId id="2147484553" r:id="rId1"/>
     <p:sldLayoutId id="2147484570" r:id="rId2"/>
     <p:sldLayoutId id="2147484571" r:id="rId3"/>
+    <p:sldLayoutId id="2147484572" r:id="rId4"/>
   </p:sldLayoutIdLst>
   <p:transition>
     <p:fade/>
@@ -4057,10 +4242,7 @@
             <a:avLst/>
           </a:prstGeom>
           <a:solidFill>
-            <a:schemeClr val="accent1">
-              <a:lumMod val="20000"/>
-              <a:lumOff val="80000"/>
-            </a:schemeClr>
+            <a:srgbClr val="F2FAFF"/>
           </a:solidFill>
           <a:ln>
             <a:solidFill>
@@ -4314,7 +4496,7 @@
               <a:avLst/>
             </a:prstGeom>
             <a:solidFill>
-              <a:srgbClr val="00D1CC"/>
+              <a:srgbClr val="8BB7F0"/>
             </a:solidFill>
             <a:ln>
               <a:solidFill>
@@ -4385,17 +4567,14 @@
         </p:nvSpPr>
         <p:spPr bwMode="auto">
           <a:xfrm>
-            <a:off x="6560820" y="3566160"/>
+            <a:off x="6485756" y="3566160"/>
             <a:ext cx="3291839" cy="2555096"/>
           </a:xfrm>
           <a:prstGeom prst="rect">
             <a:avLst/>
           </a:prstGeom>
           <a:solidFill>
-            <a:schemeClr val="accent1">
-              <a:lumMod val="20000"/>
-              <a:lumOff val="80000"/>
-            </a:schemeClr>
+            <a:srgbClr val="F2FAFF"/>
           </a:solidFill>
           <a:ln>
             <a:solidFill>
@@ -4465,14 +4644,14 @@
         </p:nvSpPr>
         <p:spPr bwMode="auto">
           <a:xfrm>
-            <a:off x="6744353" y="4044914"/>
+            <a:off x="6669289" y="4044914"/>
             <a:ext cx="2913997" cy="1811056"/>
           </a:xfrm>
           <a:prstGeom prst="rect">
             <a:avLst/>
           </a:prstGeom>
           <a:solidFill>
-            <a:srgbClr val="00D1CC"/>
+            <a:srgbClr val="8BB7F0"/>
           </a:solidFill>
           <a:ln>
             <a:solidFill>
@@ -4542,7 +4721,7 @@
         </p:nvGrpSpPr>
         <p:grpSpPr>
           <a:xfrm>
-            <a:off x="6934462" y="4180210"/>
+            <a:off x="6859398" y="4180210"/>
             <a:ext cx="2380334" cy="1348645"/>
             <a:chOff x="6888742" y="3928750"/>
             <a:chExt cx="2380334" cy="1348645"/>
@@ -4612,7 +4791,7 @@
                 </a:spcAft>
               </a:pPr>
               <a:r>
-                <a:rPr lang="en-US" sz="1400" b="1" dirty="0">
+                <a:rPr lang="en-US" b="1" dirty="0">
                   <a:solidFill>
                     <a:schemeClr val="tx1"/>
                   </a:solidFill>
@@ -4621,27 +4800,6 @@
                   <a:cs typeface="Arial" panose="020B0604020202020204" pitchFamily="34" charset="0"/>
                 </a:rPr>
                 <a:t>Dataset</a:t>
-              </a:r>
-            </a:p>
-            <a:p>
-              <a:pPr algn="ctr" defTabSz="932472" fontAlgn="base">
-                <a:lnSpc>
-                  <a:spcPct val="90000"/>
-                </a:lnSpc>
-                <a:spcAft>
-                  <a:spcPts val="200"/>
-                </a:spcAft>
-              </a:pPr>
-              <a:r>
-                <a:rPr lang="en-US" sz="1400" b="1" dirty="0">
-                  <a:solidFill>
-                    <a:schemeClr val="tx1"/>
-                  </a:solidFill>
-                  <a:latin typeface="Arial" panose="020B0604020202020204" pitchFamily="34" charset="0"/>
-                  <a:ea typeface="Segoe UI" pitchFamily="34" charset="0"/>
-                  <a:cs typeface="Arial" panose="020B0604020202020204" pitchFamily="34" charset="0"/>
-                </a:rPr>
-                <a:t>Definition</a:t>
               </a:r>
             </a:p>
           </p:txBody>
@@ -4738,8 +4896,8 @@
         </p:nvSpPr>
         <p:spPr bwMode="auto">
           <a:xfrm>
-            <a:off x="4674870" y="4640580"/>
-            <a:ext cx="2205990" cy="548640"/>
+            <a:off x="4620279" y="4701995"/>
+            <a:ext cx="2205990" cy="422739"/>
           </a:xfrm>
           <a:prstGeom prst="rightArrow">
             <a:avLst>
@@ -4794,7 +4952,7 @@
               </a:spcAft>
             </a:pPr>
             <a:r>
-              <a:rPr lang="en-US" sz="1400" b="1" dirty="0">
+              <a:rPr lang="en-US" sz="1200" b="1" dirty="0">
                 <a:solidFill>
                   <a:schemeClr val="bg1"/>
                 </a:solidFill>
@@ -13810,6 +13968,2273 @@
 </p:sld>
 </file>
 
+<file path=ppt/slides/slide28.xml><?xml version="1.0" encoding="utf-8"?>
+<p:sld xmlns:a="http://schemas.openxmlformats.org/drawingml/2006/main" xmlns:r="http://schemas.openxmlformats.org/officeDocument/2006/relationships" xmlns:p="http://schemas.openxmlformats.org/presentationml/2006/main">
+  <p:cSld>
+    <p:spTree>
+      <p:nvGrpSpPr>
+        <p:cNvPr id="1" name=""/>
+        <p:cNvGrpSpPr/>
+        <p:nvPr/>
+      </p:nvGrpSpPr>
+      <p:grpSpPr>
+        <a:xfrm>
+          <a:off x="0" y="0"/>
+          <a:ext cx="0" cy="0"/>
+          <a:chOff x="0" y="0"/>
+          <a:chExt cx="0" cy="0"/>
+        </a:xfrm>
+      </p:grpSpPr>
+      <p:sp>
+        <p:nvSpPr>
+          <p:cNvPr id="2" name="Title 1">
+            <a:extLst>
+              <a:ext uri="{FF2B5EF4-FFF2-40B4-BE49-F238E27FC236}">
+                <a16:creationId xmlns:a16="http://schemas.microsoft.com/office/drawing/2014/main" id="{6D65567E-E946-2855-5909-AE690655348C}"/>
+              </a:ext>
+            </a:extLst>
+          </p:cNvPr>
+          <p:cNvSpPr>
+            <a:spLocks noGrp="1"/>
+          </p:cNvSpPr>
+          <p:nvPr>
+            <p:ph type="title"/>
+          </p:nvPr>
+        </p:nvSpPr>
+        <p:spPr/>
+        <p:txBody>
+          <a:bodyPr/>
+          <a:lstStyle/>
+          <a:p>
+            <a:r>
+              <a:rPr lang="en-US" dirty="0"/>
+              <a:t>Human Workflow</a:t>
+            </a:r>
+          </a:p>
+        </p:txBody>
+      </p:sp>
+      <p:pic>
+        <p:nvPicPr>
+          <p:cNvPr id="18" name="Picture 17">
+            <a:extLst>
+              <a:ext uri="{FF2B5EF4-FFF2-40B4-BE49-F238E27FC236}">
+                <a16:creationId xmlns:a16="http://schemas.microsoft.com/office/drawing/2014/main" id="{DF26A5B7-5714-5391-7446-0E371D70FFCF}"/>
+              </a:ext>
+            </a:extLst>
+          </p:cNvPr>
+          <p:cNvPicPr>
+            <a:picLocks noChangeAspect="1"/>
+          </p:cNvPicPr>
+          <p:nvPr/>
+        </p:nvPicPr>
+        <p:blipFill>
+          <a:blip r:embed="rId2"/>
+          <a:stretch>
+            <a:fillRect/>
+          </a:stretch>
+        </p:blipFill>
+        <p:spPr>
+          <a:xfrm>
+            <a:off x="422130" y="2623645"/>
+            <a:ext cx="4065029" cy="2500921"/>
+          </a:xfrm>
+          <a:prstGeom prst="rect">
+            <a:avLst/>
+          </a:prstGeom>
+          <a:ln w="6350">
+            <a:solidFill>
+              <a:schemeClr val="tx1"/>
+            </a:solidFill>
+          </a:ln>
+        </p:spPr>
+      </p:pic>
+      <p:grpSp>
+        <p:nvGrpSpPr>
+          <p:cNvPr id="39" name="Group 38">
+            <a:extLst>
+              <a:ext uri="{FF2B5EF4-FFF2-40B4-BE49-F238E27FC236}">
+                <a16:creationId xmlns:a16="http://schemas.microsoft.com/office/drawing/2014/main" id="{012CE82A-03B1-4A8E-B13C-70484E85504C}"/>
+              </a:ext>
+            </a:extLst>
+          </p:cNvPr>
+          <p:cNvGrpSpPr/>
+          <p:nvPr/>
+        </p:nvGrpSpPr>
+        <p:grpSpPr>
+          <a:xfrm>
+            <a:off x="6293057" y="2624224"/>
+            <a:ext cx="3287062" cy="2551092"/>
+            <a:chOff x="6530432" y="1832373"/>
+            <a:chExt cx="2235272" cy="1734797"/>
+          </a:xfrm>
+        </p:grpSpPr>
+        <p:sp>
+          <p:nvSpPr>
+            <p:cNvPr id="5" name="Rectangle 4">
+              <a:extLst>
+                <a:ext uri="{FF2B5EF4-FFF2-40B4-BE49-F238E27FC236}">
+                  <a16:creationId xmlns:a16="http://schemas.microsoft.com/office/drawing/2014/main" id="{8557F589-8002-1CAC-27D7-E76333803EFF}"/>
+                </a:ext>
+              </a:extLst>
+            </p:cNvPr>
+            <p:cNvSpPr/>
+            <p:nvPr/>
+          </p:nvSpPr>
+          <p:spPr bwMode="auto">
+            <a:xfrm>
+              <a:off x="6530432" y="1832373"/>
+              <a:ext cx="2235272" cy="234218"/>
+            </a:xfrm>
+            <a:prstGeom prst="rect">
+              <a:avLst/>
+            </a:prstGeom>
+            <a:solidFill>
+              <a:schemeClr val="tx1"/>
+            </a:solidFill>
+            <a:ln>
+              <a:noFill/>
+              <a:headEnd type="none" w="med" len="med"/>
+              <a:tailEnd type="none" w="med" len="med"/>
+            </a:ln>
+            <a:effectLst/>
+          </p:spPr>
+          <p:style>
+            <a:lnRef idx="1">
+              <a:schemeClr val="accent2"/>
+            </a:lnRef>
+            <a:fillRef idx="3">
+              <a:schemeClr val="accent2"/>
+            </a:fillRef>
+            <a:effectRef idx="2">
+              <a:schemeClr val="accent2"/>
+            </a:effectRef>
+            <a:fontRef idx="minor">
+              <a:schemeClr val="lt1"/>
+            </a:fontRef>
+          </p:style>
+          <p:txBody>
+            <a:bodyPr rot="0" spcFirstLastPara="0" vertOverflow="overflow" horzOverflow="overflow" vert="horz" wrap="square" lIns="182880" tIns="146304" rIns="182880" bIns="146304" numCol="1" spcCol="0" rtlCol="0" fromWordArt="0" anchor="ctr" anchorCtr="0" forceAA="0" compatLnSpc="1">
+              <a:prstTxWarp prst="textNoShape">
+                <a:avLst/>
+              </a:prstTxWarp>
+              <a:noAutofit/>
+            </a:bodyPr>
+            <a:lstStyle/>
+            <a:p>
+              <a:pPr algn="ctr" defTabSz="932472" fontAlgn="base">
+                <a:lnSpc>
+                  <a:spcPct val="90000"/>
+                </a:lnSpc>
+                <a:spcBef>
+                  <a:spcPct val="0"/>
+                </a:spcBef>
+                <a:spcAft>
+                  <a:spcPct val="0"/>
+                </a:spcAft>
+              </a:pPr>
+              <a:r>
+                <a:rPr lang="en-US" sz="1200" dirty="0">
+                  <a:gradFill>
+                    <a:gsLst>
+                      <a:gs pos="0">
+                        <a:srgbClr val="FFFFFF"/>
+                      </a:gs>
+                      <a:gs pos="100000">
+                        <a:srgbClr val="FFFFFF"/>
+                      </a:gs>
+                    </a:gsLst>
+                    <a:lin ang="5400000" scaled="0"/>
+                  </a:gradFill>
+                  <a:latin typeface="Arial Black" panose="020B0A04020102020204" pitchFamily="34" charset="0"/>
+                  <a:ea typeface="Segoe UI" pitchFamily="34" charset="0"/>
+                  <a:cs typeface="Segoe UI" pitchFamily="34" charset="0"/>
+                </a:rPr>
+                <a:t>Outbox</a:t>
+              </a:r>
+            </a:p>
+          </p:txBody>
+        </p:sp>
+        <p:sp>
+          <p:nvSpPr>
+            <p:cNvPr id="9" name="Rectangle 8">
+              <a:extLst>
+                <a:ext uri="{FF2B5EF4-FFF2-40B4-BE49-F238E27FC236}">
+                  <a16:creationId xmlns:a16="http://schemas.microsoft.com/office/drawing/2014/main" id="{9D359CBA-99EB-6217-87CF-2DCB88A3FE40}"/>
+                </a:ext>
+              </a:extLst>
+            </p:cNvPr>
+            <p:cNvSpPr/>
+            <p:nvPr/>
+          </p:nvSpPr>
+          <p:spPr bwMode="auto">
+            <a:xfrm>
+              <a:off x="6536509" y="2066591"/>
+              <a:ext cx="2224333" cy="1500579"/>
+            </a:xfrm>
+            <a:prstGeom prst="rect">
+              <a:avLst/>
+            </a:prstGeom>
+            <a:solidFill>
+              <a:schemeClr val="bg1"/>
+            </a:solidFill>
+            <a:ln>
+              <a:solidFill>
+                <a:schemeClr val="tx1"/>
+              </a:solidFill>
+              <a:headEnd type="none" w="med" len="med"/>
+              <a:tailEnd type="none" w="med" len="med"/>
+            </a:ln>
+            <a:effectLst/>
+          </p:spPr>
+          <p:style>
+            <a:lnRef idx="1">
+              <a:schemeClr val="accent2"/>
+            </a:lnRef>
+            <a:fillRef idx="3">
+              <a:schemeClr val="accent2"/>
+            </a:fillRef>
+            <a:effectRef idx="2">
+              <a:schemeClr val="accent2"/>
+            </a:effectRef>
+            <a:fontRef idx="minor">
+              <a:schemeClr val="lt1"/>
+            </a:fontRef>
+          </p:style>
+          <p:txBody>
+            <a:bodyPr rot="0" spcFirstLastPara="0" vertOverflow="overflow" horzOverflow="overflow" vert="horz" wrap="square" lIns="182880" tIns="146304" rIns="182880" bIns="146304" numCol="1" spcCol="0" rtlCol="0" fromWordArt="0" anchor="t" anchorCtr="0" forceAA="0" compatLnSpc="1">
+              <a:prstTxWarp prst="textNoShape">
+                <a:avLst/>
+              </a:prstTxWarp>
+              <a:noAutofit/>
+            </a:bodyPr>
+            <a:lstStyle/>
+            <a:p>
+              <a:pPr algn="ctr" defTabSz="932472" fontAlgn="base">
+                <a:lnSpc>
+                  <a:spcPct val="90000"/>
+                </a:lnSpc>
+                <a:spcBef>
+                  <a:spcPct val="0"/>
+                </a:spcBef>
+                <a:spcAft>
+                  <a:spcPct val="0"/>
+                </a:spcAft>
+              </a:pPr>
+              <a:endParaRPr lang="en-US" sz="2400" dirty="0" err="1">
+                <a:gradFill>
+                  <a:gsLst>
+                    <a:gs pos="0">
+                      <a:srgbClr val="FFFFFF"/>
+                    </a:gs>
+                    <a:gs pos="100000">
+                      <a:srgbClr val="FFFFFF"/>
+                    </a:gs>
+                  </a:gsLst>
+                  <a:lin ang="5400000" scaled="0"/>
+                </a:gradFill>
+                <a:ea typeface="Segoe UI" pitchFamily="34" charset="0"/>
+                <a:cs typeface="Segoe UI" pitchFamily="34" charset="0"/>
+              </a:endParaRPr>
+            </a:p>
+          </p:txBody>
+        </p:sp>
+        <p:grpSp>
+          <p:nvGrpSpPr>
+            <p:cNvPr id="19" name="Group 18">
+              <a:extLst>
+                <a:ext uri="{FF2B5EF4-FFF2-40B4-BE49-F238E27FC236}">
+                  <a16:creationId xmlns:a16="http://schemas.microsoft.com/office/drawing/2014/main" id="{CEC8FB5A-4309-DD7F-B90D-CEAD383B1C13}"/>
+                </a:ext>
+              </a:extLst>
+            </p:cNvPr>
+            <p:cNvGrpSpPr/>
+            <p:nvPr/>
+          </p:nvGrpSpPr>
+          <p:grpSpPr>
+            <a:xfrm>
+              <a:off x="6632643" y="2156914"/>
+              <a:ext cx="1994497" cy="610676"/>
+              <a:chOff x="5249612" y="1802485"/>
+              <a:chExt cx="2503053" cy="766387"/>
+            </a:xfrm>
+            <a:solidFill>
+              <a:schemeClr val="tx1">
+                <a:lumMod val="20000"/>
+                <a:lumOff val="80000"/>
+              </a:schemeClr>
+            </a:solidFill>
+          </p:grpSpPr>
+          <p:sp>
+            <p:nvSpPr>
+              <p:cNvPr id="13" name="Rectangle 12">
+                <a:extLst>
+                  <a:ext uri="{FF2B5EF4-FFF2-40B4-BE49-F238E27FC236}">
+                    <a16:creationId xmlns:a16="http://schemas.microsoft.com/office/drawing/2014/main" id="{089C5E62-099B-4BA3-C8D6-EF4C29596270}"/>
+                  </a:ext>
+                </a:extLst>
+              </p:cNvPr>
+              <p:cNvSpPr/>
+              <p:nvPr/>
+            </p:nvSpPr>
+            <p:spPr bwMode="auto">
+              <a:xfrm>
+                <a:off x="5249612" y="1802485"/>
+                <a:ext cx="2503053" cy="766387"/>
+              </a:xfrm>
+              <a:prstGeom prst="rect">
+                <a:avLst/>
+              </a:prstGeom>
+              <a:grpFill/>
+              <a:ln>
+                <a:solidFill>
+                  <a:schemeClr val="bg1">
+                    <a:lumMod val="50000"/>
+                  </a:schemeClr>
+                </a:solidFill>
+                <a:headEnd type="none" w="med" len="med"/>
+                <a:tailEnd type="none" w="med" len="med"/>
+              </a:ln>
+              <a:effectLst/>
+            </p:spPr>
+            <p:style>
+              <a:lnRef idx="1">
+                <a:schemeClr val="accent2"/>
+              </a:lnRef>
+              <a:fillRef idx="3">
+                <a:schemeClr val="accent2"/>
+              </a:fillRef>
+              <a:effectRef idx="2">
+                <a:schemeClr val="accent2"/>
+              </a:effectRef>
+              <a:fontRef idx="minor">
+                <a:schemeClr val="lt1"/>
+              </a:fontRef>
+            </p:style>
+            <p:txBody>
+              <a:bodyPr rot="0" spcFirstLastPara="0" vertOverflow="overflow" horzOverflow="overflow" vert="horz" wrap="square" lIns="45720" tIns="18288" rIns="182880" bIns="146304" numCol="1" spcCol="0" rtlCol="0" fromWordArt="0" anchor="t" anchorCtr="0" forceAA="0" compatLnSpc="1">
+                <a:prstTxWarp prst="textNoShape">
+                  <a:avLst/>
+                </a:prstTxWarp>
+                <a:noAutofit/>
+              </a:bodyPr>
+              <a:lstStyle/>
+              <a:p>
+                <a:pPr defTabSz="932472" fontAlgn="base">
+                  <a:lnSpc>
+                    <a:spcPct val="90000"/>
+                  </a:lnSpc>
+                  <a:spcBef>
+                    <a:spcPct val="0"/>
+                  </a:spcBef>
+                  <a:spcAft>
+                    <a:spcPct val="0"/>
+                  </a:spcAft>
+                </a:pPr>
+                <a:r>
+                  <a:rPr lang="en-US" sz="600" dirty="0">
+                    <a:solidFill>
+                      <a:schemeClr val="tx2">
+                        <a:lumMod val="90000"/>
+                        <a:lumOff val="10000"/>
+                      </a:schemeClr>
+                    </a:solidFill>
+                    <a:latin typeface="Arial Black" panose="020B0A04020102020204" pitchFamily="34" charset="0"/>
+                    <a:ea typeface="Segoe UI" pitchFamily="34" charset="0"/>
+                    <a:cs typeface="Segoe UI" pitchFamily="34" charset="0"/>
+                  </a:rPr>
+                  <a:t>Project1-Translations-Spanish.csv</a:t>
+                </a:r>
+              </a:p>
+            </p:txBody>
+          </p:sp>
+          <p:pic>
+            <p:nvPicPr>
+              <p:cNvPr id="11" name="Picture 10">
+                <a:extLst>
+                  <a:ext uri="{FF2B5EF4-FFF2-40B4-BE49-F238E27FC236}">
+                    <a16:creationId xmlns:a16="http://schemas.microsoft.com/office/drawing/2014/main" id="{225EF8C1-9114-9BF1-DAD1-3A5ACC5E28EA}"/>
+                  </a:ext>
+                </a:extLst>
+              </p:cNvPr>
+              <p:cNvPicPr>
+                <a:picLocks noChangeAspect="1"/>
+              </p:cNvPicPr>
+              <p:nvPr/>
+            </p:nvPicPr>
+            <p:blipFill>
+              <a:blip r:embed="rId3"/>
+              <a:stretch>
+                <a:fillRect/>
+              </a:stretch>
+            </p:blipFill>
+            <p:spPr>
+              <a:xfrm>
+                <a:off x="5298059" y="1951694"/>
+                <a:ext cx="2391331" cy="572480"/>
+              </a:xfrm>
+              <a:prstGeom prst="rect">
+                <a:avLst/>
+              </a:prstGeom>
+              <a:grpFill/>
+              <a:ln w="19050">
+                <a:solidFill>
+                  <a:schemeClr val="bg1">
+                    <a:lumMod val="50000"/>
+                  </a:schemeClr>
+                </a:solidFill>
+              </a:ln>
+            </p:spPr>
+          </p:pic>
+        </p:grpSp>
+        <p:grpSp>
+          <p:nvGrpSpPr>
+            <p:cNvPr id="20" name="Group 19">
+              <a:extLst>
+                <a:ext uri="{FF2B5EF4-FFF2-40B4-BE49-F238E27FC236}">
+                  <a16:creationId xmlns:a16="http://schemas.microsoft.com/office/drawing/2014/main" id="{CE69CAF7-C9AC-5776-ADFF-EF2A17A57E6F}"/>
+                </a:ext>
+              </a:extLst>
+            </p:cNvPr>
+            <p:cNvGrpSpPr/>
+            <p:nvPr/>
+          </p:nvGrpSpPr>
+          <p:grpSpPr>
+            <a:xfrm>
+              <a:off x="6630719" y="2853300"/>
+              <a:ext cx="2008576" cy="629944"/>
+              <a:chOff x="5247420" y="2668643"/>
+              <a:chExt cx="2503053" cy="785026"/>
+            </a:xfrm>
+            <a:solidFill>
+              <a:schemeClr val="tx1">
+                <a:lumMod val="20000"/>
+                <a:lumOff val="80000"/>
+              </a:schemeClr>
+            </a:solidFill>
+          </p:grpSpPr>
+          <p:sp>
+            <p:nvSpPr>
+              <p:cNvPr id="14" name="Rectangle 13">
+                <a:extLst>
+                  <a:ext uri="{FF2B5EF4-FFF2-40B4-BE49-F238E27FC236}">
+                    <a16:creationId xmlns:a16="http://schemas.microsoft.com/office/drawing/2014/main" id="{AD85C795-0E5D-0294-BC27-605D70A1B6D7}"/>
+                  </a:ext>
+                </a:extLst>
+              </p:cNvPr>
+              <p:cNvSpPr/>
+              <p:nvPr/>
+            </p:nvSpPr>
+            <p:spPr bwMode="auto">
+              <a:xfrm>
+                <a:off x="5247420" y="2668643"/>
+                <a:ext cx="2503053" cy="785026"/>
+              </a:xfrm>
+              <a:prstGeom prst="rect">
+                <a:avLst/>
+              </a:prstGeom>
+              <a:grpFill/>
+              <a:ln>
+                <a:solidFill>
+                  <a:schemeClr val="bg1">
+                    <a:lumMod val="50000"/>
+                  </a:schemeClr>
+                </a:solidFill>
+                <a:headEnd type="none" w="med" len="med"/>
+                <a:tailEnd type="none" w="med" len="med"/>
+              </a:ln>
+              <a:effectLst/>
+            </p:spPr>
+            <p:style>
+              <a:lnRef idx="1">
+                <a:schemeClr val="accent2"/>
+              </a:lnRef>
+              <a:fillRef idx="3">
+                <a:schemeClr val="accent2"/>
+              </a:fillRef>
+              <a:effectRef idx="2">
+                <a:schemeClr val="accent2"/>
+              </a:effectRef>
+              <a:fontRef idx="minor">
+                <a:schemeClr val="lt1"/>
+              </a:fontRef>
+            </p:style>
+            <p:txBody>
+              <a:bodyPr rot="0" spcFirstLastPara="0" vertOverflow="overflow" horzOverflow="overflow" vert="horz" wrap="square" lIns="45720" tIns="18288" rIns="182880" bIns="146304" numCol="1" spcCol="0" rtlCol="0" fromWordArt="0" anchor="t" anchorCtr="0" forceAA="0" compatLnSpc="1">
+                <a:prstTxWarp prst="textNoShape">
+                  <a:avLst/>
+                </a:prstTxWarp>
+                <a:noAutofit/>
+              </a:bodyPr>
+              <a:lstStyle/>
+              <a:p>
+                <a:pPr defTabSz="932472" fontAlgn="base">
+                  <a:lnSpc>
+                    <a:spcPct val="90000"/>
+                  </a:lnSpc>
+                  <a:spcBef>
+                    <a:spcPct val="0"/>
+                  </a:spcBef>
+                  <a:spcAft>
+                    <a:spcPct val="0"/>
+                  </a:spcAft>
+                </a:pPr>
+                <a:r>
+                  <a:rPr lang="en-US" sz="600" dirty="0">
+                    <a:solidFill>
+                      <a:schemeClr val="tx2">
+                        <a:lumMod val="90000"/>
+                        <a:lumOff val="10000"/>
+                      </a:schemeClr>
+                    </a:solidFill>
+                    <a:latin typeface="Arial Black" panose="020B0A04020102020204" pitchFamily="34" charset="0"/>
+                    <a:ea typeface="Segoe UI" pitchFamily="34" charset="0"/>
+                    <a:cs typeface="Segoe UI" pitchFamily="34" charset="0"/>
+                  </a:rPr>
+                  <a:t>Project1-Translations-German.csv</a:t>
+                </a:r>
+              </a:p>
+            </p:txBody>
+          </p:sp>
+          <p:pic>
+            <p:nvPicPr>
+              <p:cNvPr id="16" name="Picture 15">
+                <a:extLst>
+                  <a:ext uri="{FF2B5EF4-FFF2-40B4-BE49-F238E27FC236}">
+                    <a16:creationId xmlns:a16="http://schemas.microsoft.com/office/drawing/2014/main" id="{32E752C2-878F-6869-D65A-7AE459BAE244}"/>
+                  </a:ext>
+                </a:extLst>
+              </p:cNvPr>
+              <p:cNvPicPr>
+                <a:picLocks noChangeAspect="1"/>
+              </p:cNvPicPr>
+              <p:nvPr/>
+            </p:nvPicPr>
+            <p:blipFill>
+              <a:blip r:embed="rId4"/>
+              <a:stretch>
+                <a:fillRect/>
+              </a:stretch>
+            </p:blipFill>
+            <p:spPr>
+              <a:xfrm>
+                <a:off x="5292337" y="2798317"/>
+                <a:ext cx="2410990" cy="617406"/>
+              </a:xfrm>
+              <a:prstGeom prst="rect">
+                <a:avLst/>
+              </a:prstGeom>
+              <a:grpFill/>
+              <a:ln>
+                <a:solidFill>
+                  <a:schemeClr val="bg1">
+                    <a:lumMod val="50000"/>
+                  </a:schemeClr>
+                </a:solidFill>
+              </a:ln>
+            </p:spPr>
+          </p:pic>
+        </p:grpSp>
+      </p:grpSp>
+      <p:sp>
+        <p:nvSpPr>
+          <p:cNvPr id="31" name="Arrow: Right 30">
+            <a:extLst>
+              <a:ext uri="{FF2B5EF4-FFF2-40B4-BE49-F238E27FC236}">
+                <a16:creationId xmlns:a16="http://schemas.microsoft.com/office/drawing/2014/main" id="{8E9BA66A-07E3-84CC-A08A-33B6685E13BD}"/>
+              </a:ext>
+            </a:extLst>
+          </p:cNvPr>
+          <p:cNvSpPr/>
+          <p:nvPr/>
+        </p:nvSpPr>
+        <p:spPr bwMode="auto">
+          <a:xfrm>
+            <a:off x="4564996" y="3444946"/>
+            <a:ext cx="1833687" cy="283127"/>
+          </a:xfrm>
+          <a:prstGeom prst="rightArrow">
+            <a:avLst>
+              <a:gd name="adj1" fmla="val 59227"/>
+              <a:gd name="adj2" fmla="val 79966"/>
+            </a:avLst>
+          </a:prstGeom>
+          <a:solidFill>
+            <a:schemeClr val="accent1"/>
+          </a:solidFill>
+          <a:ln>
+            <a:solidFill>
+              <a:schemeClr val="tx1"/>
+            </a:solidFill>
+            <a:headEnd type="none" w="med" len="med"/>
+            <a:tailEnd type="none" w="med" len="med"/>
+          </a:ln>
+          <a:effectLst/>
+        </p:spPr>
+        <p:style>
+          <a:lnRef idx="1">
+            <a:schemeClr val="accent2"/>
+          </a:lnRef>
+          <a:fillRef idx="3">
+            <a:schemeClr val="accent2"/>
+          </a:fillRef>
+          <a:effectRef idx="2">
+            <a:schemeClr val="accent2"/>
+          </a:effectRef>
+          <a:fontRef idx="minor">
+            <a:schemeClr val="lt1"/>
+          </a:fontRef>
+        </p:style>
+        <p:txBody>
+          <a:bodyPr rot="0" spcFirstLastPara="0" vertOverflow="overflow" horzOverflow="overflow" vert="horz" wrap="square" lIns="182880" tIns="146304" rIns="182880" bIns="146304" numCol="1" spcCol="0" rtlCol="0" fromWordArt="0" anchor="ctr" anchorCtr="0" forceAA="0" compatLnSpc="1">
+            <a:prstTxWarp prst="textNoShape">
+              <a:avLst/>
+            </a:prstTxWarp>
+            <a:noAutofit/>
+          </a:bodyPr>
+          <a:lstStyle/>
+          <a:p>
+            <a:pPr algn="ctr" defTabSz="932472" fontAlgn="base">
+              <a:lnSpc>
+                <a:spcPct val="90000"/>
+              </a:lnSpc>
+              <a:spcBef>
+                <a:spcPct val="0"/>
+              </a:spcBef>
+              <a:spcAft>
+                <a:spcPct val="0"/>
+              </a:spcAft>
+            </a:pPr>
+            <a:r>
+              <a:rPr lang="en-US" sz="700" b="1" dirty="0">
+                <a:solidFill>
+                  <a:schemeClr val="tx2">
+                    <a:lumMod val="90000"/>
+                    <a:lumOff val="10000"/>
+                  </a:schemeClr>
+                </a:solidFill>
+                <a:latin typeface="OCR A Extended" panose="02010509020102010303" pitchFamily="50" charset="0"/>
+                <a:ea typeface="Segoe UI" pitchFamily="34" charset="0"/>
+                <a:cs typeface="Segoe UI" pitchFamily="34" charset="0"/>
+              </a:rPr>
+              <a:t>Export Translation Sheet</a:t>
+            </a:r>
+          </a:p>
+        </p:txBody>
+      </p:sp>
+      <p:sp>
+        <p:nvSpPr>
+          <p:cNvPr id="40" name="Arrow: Right 39">
+            <a:extLst>
+              <a:ext uri="{FF2B5EF4-FFF2-40B4-BE49-F238E27FC236}">
+                <a16:creationId xmlns:a16="http://schemas.microsoft.com/office/drawing/2014/main" id="{58C126B6-17AF-24D1-C56B-63DBA8C4B38E}"/>
+              </a:ext>
+            </a:extLst>
+          </p:cNvPr>
+          <p:cNvSpPr/>
+          <p:nvPr/>
+        </p:nvSpPr>
+        <p:spPr bwMode="auto">
+          <a:xfrm>
+            <a:off x="4566567" y="4426904"/>
+            <a:ext cx="1833687" cy="283127"/>
+          </a:xfrm>
+          <a:prstGeom prst="rightArrow">
+            <a:avLst>
+              <a:gd name="adj1" fmla="val 59227"/>
+              <a:gd name="adj2" fmla="val 79966"/>
+            </a:avLst>
+          </a:prstGeom>
+          <a:solidFill>
+            <a:schemeClr val="accent1"/>
+          </a:solidFill>
+          <a:ln>
+            <a:solidFill>
+              <a:schemeClr val="tx1"/>
+            </a:solidFill>
+            <a:headEnd type="none" w="med" len="med"/>
+            <a:tailEnd type="none" w="med" len="med"/>
+          </a:ln>
+          <a:effectLst/>
+        </p:spPr>
+        <p:style>
+          <a:lnRef idx="1">
+            <a:schemeClr val="accent2"/>
+          </a:lnRef>
+          <a:fillRef idx="3">
+            <a:schemeClr val="accent2"/>
+          </a:fillRef>
+          <a:effectRef idx="2">
+            <a:schemeClr val="accent2"/>
+          </a:effectRef>
+          <a:fontRef idx="minor">
+            <a:schemeClr val="lt1"/>
+          </a:fontRef>
+        </p:style>
+        <p:txBody>
+          <a:bodyPr rot="0" spcFirstLastPara="0" vertOverflow="overflow" horzOverflow="overflow" vert="horz" wrap="square" lIns="182880" tIns="146304" rIns="182880" bIns="146304" numCol="1" spcCol="0" rtlCol="0" fromWordArt="0" anchor="ctr" anchorCtr="0" forceAA="0" compatLnSpc="1">
+            <a:prstTxWarp prst="textNoShape">
+              <a:avLst/>
+            </a:prstTxWarp>
+            <a:noAutofit/>
+          </a:bodyPr>
+          <a:lstStyle/>
+          <a:p>
+            <a:pPr algn="ctr" defTabSz="932472" fontAlgn="base">
+              <a:lnSpc>
+                <a:spcPct val="90000"/>
+              </a:lnSpc>
+              <a:spcBef>
+                <a:spcPct val="0"/>
+              </a:spcBef>
+              <a:spcAft>
+                <a:spcPct val="0"/>
+              </a:spcAft>
+            </a:pPr>
+            <a:r>
+              <a:rPr lang="en-US" sz="700" b="1" dirty="0">
+                <a:solidFill>
+                  <a:schemeClr val="tx2">
+                    <a:lumMod val="90000"/>
+                    <a:lumOff val="10000"/>
+                  </a:schemeClr>
+                </a:solidFill>
+                <a:latin typeface="OCR A Extended" panose="02010509020102010303" pitchFamily="50" charset="0"/>
+                <a:ea typeface="Segoe UI" pitchFamily="34" charset="0"/>
+                <a:cs typeface="Segoe UI" pitchFamily="34" charset="0"/>
+              </a:rPr>
+              <a:t>Export Translation Sheet</a:t>
+            </a:r>
+          </a:p>
+        </p:txBody>
+      </p:sp>
+    </p:spTree>
+    <p:extLst>
+      <p:ext uri="{BB962C8B-B14F-4D97-AF65-F5344CB8AC3E}">
+        <p14:creationId xmlns:p14="http://schemas.microsoft.com/office/powerpoint/2010/main" val="1287745593"/>
+      </p:ext>
+    </p:extLst>
+  </p:cSld>
+  <p:clrMapOvr>
+    <a:masterClrMapping/>
+  </p:clrMapOvr>
+  <p:transition>
+    <p:fade/>
+  </p:transition>
+</p:sld>
+</file>
+
+<file path=ppt/slides/slide29.xml><?xml version="1.0" encoding="utf-8"?>
+<p:sld xmlns:a="http://schemas.openxmlformats.org/drawingml/2006/main" xmlns:r="http://schemas.openxmlformats.org/officeDocument/2006/relationships" xmlns:p="http://schemas.openxmlformats.org/presentationml/2006/main">
+  <p:cSld>
+    <p:spTree>
+      <p:nvGrpSpPr>
+        <p:cNvPr id="1" name=""/>
+        <p:cNvGrpSpPr/>
+        <p:nvPr/>
+      </p:nvGrpSpPr>
+      <p:grpSpPr>
+        <a:xfrm>
+          <a:off x="0" y="0"/>
+          <a:ext cx="0" cy="0"/>
+          <a:chOff x="0" y="0"/>
+          <a:chExt cx="0" cy="0"/>
+        </a:xfrm>
+      </p:grpSpPr>
+      <p:sp>
+        <p:nvSpPr>
+          <p:cNvPr id="2" name="Title 1">
+            <a:extLst>
+              <a:ext uri="{FF2B5EF4-FFF2-40B4-BE49-F238E27FC236}">
+                <a16:creationId xmlns:a16="http://schemas.microsoft.com/office/drawing/2014/main" id="{6D65567E-E946-2855-5909-AE690655348C}"/>
+              </a:ext>
+            </a:extLst>
+          </p:cNvPr>
+          <p:cNvSpPr>
+            <a:spLocks noGrp="1"/>
+          </p:cNvSpPr>
+          <p:nvPr>
+            <p:ph type="title"/>
+          </p:nvPr>
+        </p:nvSpPr>
+        <p:spPr/>
+        <p:txBody>
+          <a:bodyPr/>
+          <a:lstStyle/>
+          <a:p>
+            <a:r>
+              <a:rPr lang="en-US" dirty="0"/>
+              <a:t>Human Workflow</a:t>
+            </a:r>
+          </a:p>
+        </p:txBody>
+      </p:sp>
+      <p:pic>
+        <p:nvPicPr>
+          <p:cNvPr id="18" name="Picture 17">
+            <a:extLst>
+              <a:ext uri="{FF2B5EF4-FFF2-40B4-BE49-F238E27FC236}">
+                <a16:creationId xmlns:a16="http://schemas.microsoft.com/office/drawing/2014/main" id="{DF26A5B7-5714-5391-7446-0E371D70FFCF}"/>
+              </a:ext>
+            </a:extLst>
+          </p:cNvPr>
+          <p:cNvPicPr>
+            <a:picLocks noChangeAspect="1"/>
+          </p:cNvPicPr>
+          <p:nvPr/>
+        </p:nvPicPr>
+        <p:blipFill>
+          <a:blip r:embed="rId2"/>
+          <a:stretch>
+            <a:fillRect/>
+          </a:stretch>
+        </p:blipFill>
+        <p:spPr>
+          <a:xfrm>
+            <a:off x="638946" y="3707727"/>
+            <a:ext cx="4065029" cy="2500921"/>
+          </a:xfrm>
+          <a:prstGeom prst="rect">
+            <a:avLst/>
+          </a:prstGeom>
+          <a:ln w="6350">
+            <a:solidFill>
+              <a:schemeClr val="tx1"/>
+            </a:solidFill>
+          </a:ln>
+        </p:spPr>
+      </p:pic>
+      <p:grpSp>
+        <p:nvGrpSpPr>
+          <p:cNvPr id="32" name="Group 31">
+            <a:extLst>
+              <a:ext uri="{FF2B5EF4-FFF2-40B4-BE49-F238E27FC236}">
+                <a16:creationId xmlns:a16="http://schemas.microsoft.com/office/drawing/2014/main" id="{0A623010-ADF2-7141-C88B-5CFB2AC64442}"/>
+              </a:ext>
+            </a:extLst>
+          </p:cNvPr>
+          <p:cNvGrpSpPr/>
+          <p:nvPr/>
+        </p:nvGrpSpPr>
+        <p:grpSpPr>
+          <a:xfrm>
+            <a:off x="6747248" y="2916455"/>
+            <a:ext cx="2248212" cy="3748295"/>
+            <a:chOff x="6219346" y="2002056"/>
+            <a:chExt cx="2562600" cy="4272454"/>
+          </a:xfrm>
+        </p:grpSpPr>
+        <p:sp>
+          <p:nvSpPr>
+            <p:cNvPr id="5" name="Rectangle 4">
+              <a:extLst>
+                <a:ext uri="{FF2B5EF4-FFF2-40B4-BE49-F238E27FC236}">
+                  <a16:creationId xmlns:a16="http://schemas.microsoft.com/office/drawing/2014/main" id="{8557F589-8002-1CAC-27D7-E76333803EFF}"/>
+                </a:ext>
+              </a:extLst>
+            </p:cNvPr>
+            <p:cNvSpPr/>
+            <p:nvPr/>
+          </p:nvSpPr>
+          <p:spPr bwMode="auto">
+            <a:xfrm>
+              <a:off x="6219346" y="2002056"/>
+              <a:ext cx="2547851" cy="266971"/>
+            </a:xfrm>
+            <a:prstGeom prst="rect">
+              <a:avLst/>
+            </a:prstGeom>
+            <a:solidFill>
+              <a:schemeClr val="tx1"/>
+            </a:solidFill>
+            <a:ln>
+              <a:noFill/>
+              <a:headEnd type="none" w="med" len="med"/>
+              <a:tailEnd type="none" w="med" len="med"/>
+            </a:ln>
+            <a:effectLst/>
+          </p:spPr>
+          <p:style>
+            <a:lnRef idx="1">
+              <a:schemeClr val="accent2"/>
+            </a:lnRef>
+            <a:fillRef idx="3">
+              <a:schemeClr val="accent2"/>
+            </a:fillRef>
+            <a:effectRef idx="2">
+              <a:schemeClr val="accent2"/>
+            </a:effectRef>
+            <a:fontRef idx="minor">
+              <a:schemeClr val="lt1"/>
+            </a:fontRef>
+          </p:style>
+          <p:txBody>
+            <a:bodyPr rot="0" spcFirstLastPara="0" vertOverflow="overflow" horzOverflow="overflow" vert="horz" wrap="square" lIns="182880" tIns="146304" rIns="182880" bIns="146304" numCol="1" spcCol="0" rtlCol="0" fromWordArt="0" anchor="ctr" anchorCtr="0" forceAA="0" compatLnSpc="1">
+              <a:prstTxWarp prst="textNoShape">
+                <a:avLst/>
+              </a:prstTxWarp>
+              <a:noAutofit/>
+            </a:bodyPr>
+            <a:lstStyle/>
+            <a:p>
+              <a:pPr algn="ctr" defTabSz="932472" fontAlgn="base">
+                <a:lnSpc>
+                  <a:spcPct val="90000"/>
+                </a:lnSpc>
+                <a:spcBef>
+                  <a:spcPct val="0"/>
+                </a:spcBef>
+                <a:spcAft>
+                  <a:spcPct val="0"/>
+                </a:spcAft>
+              </a:pPr>
+              <a:r>
+                <a:rPr lang="en-US" sz="1200" dirty="0">
+                  <a:gradFill>
+                    <a:gsLst>
+                      <a:gs pos="0">
+                        <a:srgbClr val="FFFFFF"/>
+                      </a:gs>
+                      <a:gs pos="100000">
+                        <a:srgbClr val="FFFFFF"/>
+                      </a:gs>
+                    </a:gsLst>
+                    <a:lin ang="5400000" scaled="0"/>
+                  </a:gradFill>
+                  <a:latin typeface="Arial Black" panose="020B0A04020102020204" pitchFamily="34" charset="0"/>
+                  <a:ea typeface="Segoe UI" pitchFamily="34" charset="0"/>
+                  <a:cs typeface="Segoe UI" pitchFamily="34" charset="0"/>
+                </a:rPr>
+                <a:t>Outbox</a:t>
+              </a:r>
+            </a:p>
+          </p:txBody>
+        </p:sp>
+        <p:sp>
+          <p:nvSpPr>
+            <p:cNvPr id="9" name="Rectangle 8">
+              <a:extLst>
+                <a:ext uri="{FF2B5EF4-FFF2-40B4-BE49-F238E27FC236}">
+                  <a16:creationId xmlns:a16="http://schemas.microsoft.com/office/drawing/2014/main" id="{9D359CBA-99EB-6217-87CF-2DCB88A3FE40}"/>
+                </a:ext>
+              </a:extLst>
+            </p:cNvPr>
+            <p:cNvSpPr/>
+            <p:nvPr/>
+          </p:nvSpPr>
+          <p:spPr bwMode="auto">
+            <a:xfrm>
+              <a:off x="6226273" y="2269027"/>
+              <a:ext cx="2535382" cy="1710419"/>
+            </a:xfrm>
+            <a:prstGeom prst="rect">
+              <a:avLst/>
+            </a:prstGeom>
+            <a:solidFill>
+              <a:schemeClr val="bg1"/>
+            </a:solidFill>
+            <a:ln>
+              <a:solidFill>
+                <a:schemeClr val="tx1"/>
+              </a:solidFill>
+              <a:headEnd type="none" w="med" len="med"/>
+              <a:tailEnd type="none" w="med" len="med"/>
+            </a:ln>
+            <a:effectLst/>
+          </p:spPr>
+          <p:style>
+            <a:lnRef idx="1">
+              <a:schemeClr val="accent2"/>
+            </a:lnRef>
+            <a:fillRef idx="3">
+              <a:schemeClr val="accent2"/>
+            </a:fillRef>
+            <a:effectRef idx="2">
+              <a:schemeClr val="accent2"/>
+            </a:effectRef>
+            <a:fontRef idx="minor">
+              <a:schemeClr val="lt1"/>
+            </a:fontRef>
+          </p:style>
+          <p:txBody>
+            <a:bodyPr rot="0" spcFirstLastPara="0" vertOverflow="overflow" horzOverflow="overflow" vert="horz" wrap="square" lIns="182880" tIns="146304" rIns="182880" bIns="146304" numCol="1" spcCol="0" rtlCol="0" fromWordArt="0" anchor="t" anchorCtr="0" forceAA="0" compatLnSpc="1">
+              <a:prstTxWarp prst="textNoShape">
+                <a:avLst/>
+              </a:prstTxWarp>
+              <a:noAutofit/>
+            </a:bodyPr>
+            <a:lstStyle/>
+            <a:p>
+              <a:pPr algn="ctr" defTabSz="932472" fontAlgn="base">
+                <a:lnSpc>
+                  <a:spcPct val="90000"/>
+                </a:lnSpc>
+                <a:spcBef>
+                  <a:spcPct val="0"/>
+                </a:spcBef>
+                <a:spcAft>
+                  <a:spcPct val="0"/>
+                </a:spcAft>
+              </a:pPr>
+              <a:endParaRPr lang="en-US" sz="2400" dirty="0" err="1">
+                <a:gradFill>
+                  <a:gsLst>
+                    <a:gs pos="0">
+                      <a:srgbClr val="FFFFFF"/>
+                    </a:gs>
+                    <a:gs pos="100000">
+                      <a:srgbClr val="FFFFFF"/>
+                    </a:gs>
+                  </a:gsLst>
+                  <a:lin ang="5400000" scaled="0"/>
+                </a:gradFill>
+                <a:ea typeface="Segoe UI" pitchFamily="34" charset="0"/>
+                <a:cs typeface="Segoe UI" pitchFamily="34" charset="0"/>
+              </a:endParaRPr>
+            </a:p>
+          </p:txBody>
+        </p:sp>
+        <p:grpSp>
+          <p:nvGrpSpPr>
+            <p:cNvPr id="19" name="Group 18">
+              <a:extLst>
+                <a:ext uri="{FF2B5EF4-FFF2-40B4-BE49-F238E27FC236}">
+                  <a16:creationId xmlns:a16="http://schemas.microsoft.com/office/drawing/2014/main" id="{CEC8FB5A-4309-DD7F-B90D-CEAD383B1C13}"/>
+                </a:ext>
+              </a:extLst>
+            </p:cNvPr>
+            <p:cNvGrpSpPr/>
+            <p:nvPr/>
+          </p:nvGrpSpPr>
+          <p:grpSpPr>
+            <a:xfrm>
+              <a:off x="6335850" y="2371981"/>
+              <a:ext cx="2273406" cy="696073"/>
+              <a:chOff x="5249612" y="1802485"/>
+              <a:chExt cx="2503053" cy="766387"/>
+            </a:xfrm>
+            <a:solidFill>
+              <a:schemeClr val="tx1">
+                <a:lumMod val="20000"/>
+                <a:lumOff val="80000"/>
+              </a:schemeClr>
+            </a:solidFill>
+          </p:grpSpPr>
+          <p:sp>
+            <p:nvSpPr>
+              <p:cNvPr id="13" name="Rectangle 12">
+                <a:extLst>
+                  <a:ext uri="{FF2B5EF4-FFF2-40B4-BE49-F238E27FC236}">
+                    <a16:creationId xmlns:a16="http://schemas.microsoft.com/office/drawing/2014/main" id="{089C5E62-099B-4BA3-C8D6-EF4C29596270}"/>
+                  </a:ext>
+                </a:extLst>
+              </p:cNvPr>
+              <p:cNvSpPr/>
+              <p:nvPr/>
+            </p:nvSpPr>
+            <p:spPr bwMode="auto">
+              <a:xfrm>
+                <a:off x="5249612" y="1802485"/>
+                <a:ext cx="2503053" cy="766387"/>
+              </a:xfrm>
+              <a:prstGeom prst="rect">
+                <a:avLst/>
+              </a:prstGeom>
+              <a:grpFill/>
+              <a:ln>
+                <a:solidFill>
+                  <a:schemeClr val="bg1">
+                    <a:lumMod val="50000"/>
+                  </a:schemeClr>
+                </a:solidFill>
+                <a:headEnd type="none" w="med" len="med"/>
+                <a:tailEnd type="none" w="med" len="med"/>
+              </a:ln>
+              <a:effectLst/>
+            </p:spPr>
+            <p:style>
+              <a:lnRef idx="1">
+                <a:schemeClr val="accent2"/>
+              </a:lnRef>
+              <a:fillRef idx="3">
+                <a:schemeClr val="accent2"/>
+              </a:fillRef>
+              <a:effectRef idx="2">
+                <a:schemeClr val="accent2"/>
+              </a:effectRef>
+              <a:fontRef idx="minor">
+                <a:schemeClr val="lt1"/>
+              </a:fontRef>
+            </p:style>
+            <p:txBody>
+              <a:bodyPr rot="0" spcFirstLastPara="0" vertOverflow="overflow" horzOverflow="overflow" vert="horz" wrap="square" lIns="45720" tIns="18288" rIns="182880" bIns="146304" numCol="1" spcCol="0" rtlCol="0" fromWordArt="0" anchor="t" anchorCtr="0" forceAA="0" compatLnSpc="1">
+                <a:prstTxWarp prst="textNoShape">
+                  <a:avLst/>
+                </a:prstTxWarp>
+                <a:noAutofit/>
+              </a:bodyPr>
+              <a:lstStyle/>
+              <a:p>
+                <a:pPr defTabSz="932472" fontAlgn="base">
+                  <a:lnSpc>
+                    <a:spcPct val="90000"/>
+                  </a:lnSpc>
+                  <a:spcBef>
+                    <a:spcPct val="0"/>
+                  </a:spcBef>
+                  <a:spcAft>
+                    <a:spcPct val="0"/>
+                  </a:spcAft>
+                </a:pPr>
+                <a:r>
+                  <a:rPr lang="en-US" sz="600" dirty="0">
+                    <a:solidFill>
+                      <a:schemeClr val="tx2">
+                        <a:lumMod val="90000"/>
+                        <a:lumOff val="10000"/>
+                      </a:schemeClr>
+                    </a:solidFill>
+                    <a:latin typeface="Arial Black" panose="020B0A04020102020204" pitchFamily="34" charset="0"/>
+                    <a:ea typeface="Segoe UI" pitchFamily="34" charset="0"/>
+                    <a:cs typeface="Segoe UI" pitchFamily="34" charset="0"/>
+                  </a:rPr>
+                  <a:t>Project1-Translations-Spanish.csv</a:t>
+                </a:r>
+              </a:p>
+            </p:txBody>
+          </p:sp>
+          <p:pic>
+            <p:nvPicPr>
+              <p:cNvPr id="11" name="Picture 10">
+                <a:extLst>
+                  <a:ext uri="{FF2B5EF4-FFF2-40B4-BE49-F238E27FC236}">
+                    <a16:creationId xmlns:a16="http://schemas.microsoft.com/office/drawing/2014/main" id="{225EF8C1-9114-9BF1-DAD1-3A5ACC5E28EA}"/>
+                  </a:ext>
+                </a:extLst>
+              </p:cNvPr>
+              <p:cNvPicPr>
+                <a:picLocks noChangeAspect="1"/>
+              </p:cNvPicPr>
+              <p:nvPr/>
+            </p:nvPicPr>
+            <p:blipFill>
+              <a:blip r:embed="rId3"/>
+              <a:stretch>
+                <a:fillRect/>
+              </a:stretch>
+            </p:blipFill>
+            <p:spPr>
+              <a:xfrm>
+                <a:off x="5298059" y="1951694"/>
+                <a:ext cx="2391331" cy="572480"/>
+              </a:xfrm>
+              <a:prstGeom prst="rect">
+                <a:avLst/>
+              </a:prstGeom>
+              <a:grpFill/>
+              <a:ln w="19050">
+                <a:solidFill>
+                  <a:schemeClr val="bg1">
+                    <a:lumMod val="50000"/>
+                  </a:schemeClr>
+                </a:solidFill>
+              </a:ln>
+            </p:spPr>
+          </p:pic>
+        </p:grpSp>
+        <p:grpSp>
+          <p:nvGrpSpPr>
+            <p:cNvPr id="20" name="Group 19">
+              <a:extLst>
+                <a:ext uri="{FF2B5EF4-FFF2-40B4-BE49-F238E27FC236}">
+                  <a16:creationId xmlns:a16="http://schemas.microsoft.com/office/drawing/2014/main" id="{CE69CAF7-C9AC-5776-ADFF-EF2A17A57E6F}"/>
+                </a:ext>
+              </a:extLst>
+            </p:cNvPr>
+            <p:cNvGrpSpPr/>
+            <p:nvPr/>
+          </p:nvGrpSpPr>
+          <p:grpSpPr>
+            <a:xfrm>
+              <a:off x="6333657" y="3165749"/>
+              <a:ext cx="2289453" cy="718035"/>
+              <a:chOff x="5247420" y="2668643"/>
+              <a:chExt cx="2503053" cy="785026"/>
+            </a:xfrm>
+            <a:solidFill>
+              <a:schemeClr val="tx1">
+                <a:lumMod val="20000"/>
+                <a:lumOff val="80000"/>
+              </a:schemeClr>
+            </a:solidFill>
+          </p:grpSpPr>
+          <p:sp>
+            <p:nvSpPr>
+              <p:cNvPr id="14" name="Rectangle 13">
+                <a:extLst>
+                  <a:ext uri="{FF2B5EF4-FFF2-40B4-BE49-F238E27FC236}">
+                    <a16:creationId xmlns:a16="http://schemas.microsoft.com/office/drawing/2014/main" id="{AD85C795-0E5D-0294-BC27-605D70A1B6D7}"/>
+                  </a:ext>
+                </a:extLst>
+              </p:cNvPr>
+              <p:cNvSpPr/>
+              <p:nvPr/>
+            </p:nvSpPr>
+            <p:spPr bwMode="auto">
+              <a:xfrm>
+                <a:off x="5247420" y="2668643"/>
+                <a:ext cx="2503053" cy="785026"/>
+              </a:xfrm>
+              <a:prstGeom prst="rect">
+                <a:avLst/>
+              </a:prstGeom>
+              <a:grpFill/>
+              <a:ln>
+                <a:solidFill>
+                  <a:schemeClr val="bg1">
+                    <a:lumMod val="50000"/>
+                  </a:schemeClr>
+                </a:solidFill>
+                <a:headEnd type="none" w="med" len="med"/>
+                <a:tailEnd type="none" w="med" len="med"/>
+              </a:ln>
+              <a:effectLst/>
+            </p:spPr>
+            <p:style>
+              <a:lnRef idx="1">
+                <a:schemeClr val="accent2"/>
+              </a:lnRef>
+              <a:fillRef idx="3">
+                <a:schemeClr val="accent2"/>
+              </a:fillRef>
+              <a:effectRef idx="2">
+                <a:schemeClr val="accent2"/>
+              </a:effectRef>
+              <a:fontRef idx="minor">
+                <a:schemeClr val="lt1"/>
+              </a:fontRef>
+            </p:style>
+            <p:txBody>
+              <a:bodyPr rot="0" spcFirstLastPara="0" vertOverflow="overflow" horzOverflow="overflow" vert="horz" wrap="square" lIns="45720" tIns="18288" rIns="182880" bIns="146304" numCol="1" spcCol="0" rtlCol="0" fromWordArt="0" anchor="t" anchorCtr="0" forceAA="0" compatLnSpc="1">
+                <a:prstTxWarp prst="textNoShape">
+                  <a:avLst/>
+                </a:prstTxWarp>
+                <a:noAutofit/>
+              </a:bodyPr>
+              <a:lstStyle/>
+              <a:p>
+                <a:pPr defTabSz="932472" fontAlgn="base">
+                  <a:lnSpc>
+                    <a:spcPct val="90000"/>
+                  </a:lnSpc>
+                  <a:spcBef>
+                    <a:spcPct val="0"/>
+                  </a:spcBef>
+                  <a:spcAft>
+                    <a:spcPct val="0"/>
+                  </a:spcAft>
+                </a:pPr>
+                <a:r>
+                  <a:rPr lang="en-US" sz="600" dirty="0">
+                    <a:solidFill>
+                      <a:schemeClr val="tx2">
+                        <a:lumMod val="90000"/>
+                        <a:lumOff val="10000"/>
+                      </a:schemeClr>
+                    </a:solidFill>
+                    <a:latin typeface="Arial Black" panose="020B0A04020102020204" pitchFamily="34" charset="0"/>
+                    <a:ea typeface="Segoe UI" pitchFamily="34" charset="0"/>
+                    <a:cs typeface="Segoe UI" pitchFamily="34" charset="0"/>
+                  </a:rPr>
+                  <a:t>Project1-Translations-German.csv</a:t>
+                </a:r>
+              </a:p>
+            </p:txBody>
+          </p:sp>
+          <p:pic>
+            <p:nvPicPr>
+              <p:cNvPr id="16" name="Picture 15">
+                <a:extLst>
+                  <a:ext uri="{FF2B5EF4-FFF2-40B4-BE49-F238E27FC236}">
+                    <a16:creationId xmlns:a16="http://schemas.microsoft.com/office/drawing/2014/main" id="{32E752C2-878F-6869-D65A-7AE459BAE244}"/>
+                  </a:ext>
+                </a:extLst>
+              </p:cNvPr>
+              <p:cNvPicPr>
+                <a:picLocks noChangeAspect="1"/>
+              </p:cNvPicPr>
+              <p:nvPr/>
+            </p:nvPicPr>
+            <p:blipFill>
+              <a:blip r:embed="rId4"/>
+              <a:stretch>
+                <a:fillRect/>
+              </a:stretch>
+            </p:blipFill>
+            <p:spPr>
+              <a:xfrm>
+                <a:off x="5292337" y="2798317"/>
+                <a:ext cx="2410990" cy="617406"/>
+              </a:xfrm>
+              <a:prstGeom prst="rect">
+                <a:avLst/>
+              </a:prstGeom>
+              <a:grpFill/>
+              <a:ln>
+                <a:solidFill>
+                  <a:schemeClr val="bg1">
+                    <a:lumMod val="50000"/>
+                  </a:schemeClr>
+                </a:solidFill>
+              </a:ln>
+            </p:spPr>
+          </p:pic>
+        </p:grpSp>
+        <p:sp>
+          <p:nvSpPr>
+            <p:cNvPr id="21" name="Rectangle 20">
+              <a:extLst>
+                <a:ext uri="{FF2B5EF4-FFF2-40B4-BE49-F238E27FC236}">
+                  <a16:creationId xmlns:a16="http://schemas.microsoft.com/office/drawing/2014/main" id="{F7E2B6F3-F595-1893-57DA-C23814BC486A}"/>
+                </a:ext>
+              </a:extLst>
+            </p:cNvPr>
+            <p:cNvSpPr/>
+            <p:nvPr/>
+          </p:nvSpPr>
+          <p:spPr bwMode="auto">
+            <a:xfrm>
+              <a:off x="6234095" y="4288056"/>
+              <a:ext cx="2547851" cy="266971"/>
+            </a:xfrm>
+            <a:prstGeom prst="rect">
+              <a:avLst/>
+            </a:prstGeom>
+            <a:solidFill>
+              <a:schemeClr val="tx1"/>
+            </a:solidFill>
+            <a:ln>
+              <a:noFill/>
+              <a:headEnd type="none" w="med" len="med"/>
+              <a:tailEnd type="none" w="med" len="med"/>
+            </a:ln>
+            <a:effectLst/>
+          </p:spPr>
+          <p:style>
+            <a:lnRef idx="1">
+              <a:schemeClr val="accent2"/>
+            </a:lnRef>
+            <a:fillRef idx="3">
+              <a:schemeClr val="accent2"/>
+            </a:fillRef>
+            <a:effectRef idx="2">
+              <a:schemeClr val="accent2"/>
+            </a:effectRef>
+            <a:fontRef idx="minor">
+              <a:schemeClr val="lt1"/>
+            </a:fontRef>
+          </p:style>
+          <p:txBody>
+            <a:bodyPr rot="0" spcFirstLastPara="0" vertOverflow="overflow" horzOverflow="overflow" vert="horz" wrap="square" lIns="182880" tIns="146304" rIns="182880" bIns="146304" numCol="1" spcCol="0" rtlCol="0" fromWordArt="0" anchor="ctr" anchorCtr="0" forceAA="0" compatLnSpc="1">
+              <a:prstTxWarp prst="textNoShape">
+                <a:avLst/>
+              </a:prstTxWarp>
+              <a:noAutofit/>
+            </a:bodyPr>
+            <a:lstStyle/>
+            <a:p>
+              <a:pPr algn="ctr" defTabSz="932472" fontAlgn="base">
+                <a:lnSpc>
+                  <a:spcPct val="90000"/>
+                </a:lnSpc>
+                <a:spcBef>
+                  <a:spcPct val="0"/>
+                </a:spcBef>
+                <a:spcAft>
+                  <a:spcPct val="0"/>
+                </a:spcAft>
+              </a:pPr>
+              <a:r>
+                <a:rPr lang="en-US" sz="1200" dirty="0">
+                  <a:gradFill>
+                    <a:gsLst>
+                      <a:gs pos="0">
+                        <a:srgbClr val="FFFFFF"/>
+                      </a:gs>
+                      <a:gs pos="100000">
+                        <a:srgbClr val="FFFFFF"/>
+                      </a:gs>
+                    </a:gsLst>
+                    <a:lin ang="5400000" scaled="0"/>
+                  </a:gradFill>
+                  <a:latin typeface="Arial Black" panose="020B0A04020102020204" pitchFamily="34" charset="0"/>
+                  <a:ea typeface="Segoe UI" pitchFamily="34" charset="0"/>
+                  <a:cs typeface="Segoe UI" pitchFamily="34" charset="0"/>
+                </a:rPr>
+                <a:t>Inbox</a:t>
+              </a:r>
+            </a:p>
+          </p:txBody>
+        </p:sp>
+        <p:sp>
+          <p:nvSpPr>
+            <p:cNvPr id="22" name="Rectangle 21">
+              <a:extLst>
+                <a:ext uri="{FF2B5EF4-FFF2-40B4-BE49-F238E27FC236}">
+                  <a16:creationId xmlns:a16="http://schemas.microsoft.com/office/drawing/2014/main" id="{E45BE9D0-4CC4-51F0-9B6A-618B77E1A0C3}"/>
+                </a:ext>
+              </a:extLst>
+            </p:cNvPr>
+            <p:cNvSpPr/>
+            <p:nvPr/>
+          </p:nvSpPr>
+          <p:spPr bwMode="auto">
+            <a:xfrm>
+              <a:off x="6244648" y="4564091"/>
+              <a:ext cx="2535382" cy="1710419"/>
+            </a:xfrm>
+            <a:prstGeom prst="rect">
+              <a:avLst/>
+            </a:prstGeom>
+            <a:solidFill>
+              <a:schemeClr val="bg1"/>
+            </a:solidFill>
+            <a:ln>
+              <a:solidFill>
+                <a:schemeClr val="tx1"/>
+              </a:solidFill>
+              <a:headEnd type="none" w="med" len="med"/>
+              <a:tailEnd type="none" w="med" len="med"/>
+            </a:ln>
+            <a:effectLst/>
+          </p:spPr>
+          <p:style>
+            <a:lnRef idx="1">
+              <a:schemeClr val="accent2"/>
+            </a:lnRef>
+            <a:fillRef idx="3">
+              <a:schemeClr val="accent2"/>
+            </a:fillRef>
+            <a:effectRef idx="2">
+              <a:schemeClr val="accent2"/>
+            </a:effectRef>
+            <a:fontRef idx="minor">
+              <a:schemeClr val="lt1"/>
+            </a:fontRef>
+          </p:style>
+          <p:txBody>
+            <a:bodyPr rot="0" spcFirstLastPara="0" vertOverflow="overflow" horzOverflow="overflow" vert="horz" wrap="square" lIns="182880" tIns="146304" rIns="182880" bIns="146304" numCol="1" spcCol="0" rtlCol="0" fromWordArt="0" anchor="t" anchorCtr="0" forceAA="0" compatLnSpc="1">
+              <a:prstTxWarp prst="textNoShape">
+                <a:avLst/>
+              </a:prstTxWarp>
+              <a:noAutofit/>
+            </a:bodyPr>
+            <a:lstStyle/>
+            <a:p>
+              <a:pPr algn="ctr" defTabSz="932472" fontAlgn="base">
+                <a:lnSpc>
+                  <a:spcPct val="90000"/>
+                </a:lnSpc>
+                <a:spcBef>
+                  <a:spcPct val="0"/>
+                </a:spcBef>
+                <a:spcAft>
+                  <a:spcPct val="0"/>
+                </a:spcAft>
+              </a:pPr>
+              <a:endParaRPr lang="en-US" sz="2400" dirty="0" err="1">
+                <a:gradFill>
+                  <a:gsLst>
+                    <a:gs pos="0">
+                      <a:srgbClr val="FFFFFF"/>
+                    </a:gs>
+                    <a:gs pos="100000">
+                      <a:srgbClr val="FFFFFF"/>
+                    </a:gs>
+                  </a:gsLst>
+                  <a:lin ang="5400000" scaled="0"/>
+                </a:gradFill>
+                <a:ea typeface="Segoe UI" pitchFamily="34" charset="0"/>
+                <a:cs typeface="Segoe UI" pitchFamily="34" charset="0"/>
+              </a:endParaRPr>
+            </a:p>
+          </p:txBody>
+        </p:sp>
+        <p:grpSp>
+          <p:nvGrpSpPr>
+            <p:cNvPr id="23" name="Group 22">
+              <a:extLst>
+                <a:ext uri="{FF2B5EF4-FFF2-40B4-BE49-F238E27FC236}">
+                  <a16:creationId xmlns:a16="http://schemas.microsoft.com/office/drawing/2014/main" id="{A73F3FDA-BCAF-29CF-B6C8-C56C0CE51925}"/>
+                </a:ext>
+              </a:extLst>
+            </p:cNvPr>
+            <p:cNvGrpSpPr/>
+            <p:nvPr/>
+          </p:nvGrpSpPr>
+          <p:grpSpPr>
+            <a:xfrm>
+              <a:off x="6354225" y="4667045"/>
+              <a:ext cx="2273406" cy="696073"/>
+              <a:chOff x="5249612" y="1802485"/>
+              <a:chExt cx="2503053" cy="766387"/>
+            </a:xfrm>
+            <a:solidFill>
+              <a:schemeClr val="tx1">
+                <a:lumMod val="20000"/>
+                <a:lumOff val="80000"/>
+              </a:schemeClr>
+            </a:solidFill>
+          </p:grpSpPr>
+          <p:sp>
+            <p:nvSpPr>
+              <p:cNvPr id="24" name="Rectangle 23">
+                <a:extLst>
+                  <a:ext uri="{FF2B5EF4-FFF2-40B4-BE49-F238E27FC236}">
+                    <a16:creationId xmlns:a16="http://schemas.microsoft.com/office/drawing/2014/main" id="{517569D8-8DBF-296F-DBBF-A084BB8FCA99}"/>
+                  </a:ext>
+                </a:extLst>
+              </p:cNvPr>
+              <p:cNvSpPr/>
+              <p:nvPr/>
+            </p:nvSpPr>
+            <p:spPr bwMode="auto">
+              <a:xfrm>
+                <a:off x="5249612" y="1802485"/>
+                <a:ext cx="2503053" cy="766387"/>
+              </a:xfrm>
+              <a:prstGeom prst="rect">
+                <a:avLst/>
+              </a:prstGeom>
+              <a:grpFill/>
+              <a:ln>
+                <a:solidFill>
+                  <a:schemeClr val="bg1">
+                    <a:lumMod val="50000"/>
+                  </a:schemeClr>
+                </a:solidFill>
+                <a:headEnd type="none" w="med" len="med"/>
+                <a:tailEnd type="none" w="med" len="med"/>
+              </a:ln>
+              <a:effectLst/>
+            </p:spPr>
+            <p:style>
+              <a:lnRef idx="1">
+                <a:schemeClr val="accent2"/>
+              </a:lnRef>
+              <a:fillRef idx="3">
+                <a:schemeClr val="accent2"/>
+              </a:fillRef>
+              <a:effectRef idx="2">
+                <a:schemeClr val="accent2"/>
+              </a:effectRef>
+              <a:fontRef idx="minor">
+                <a:schemeClr val="lt1"/>
+              </a:fontRef>
+            </p:style>
+            <p:txBody>
+              <a:bodyPr rot="0" spcFirstLastPara="0" vertOverflow="overflow" horzOverflow="overflow" vert="horz" wrap="square" lIns="45720" tIns="18288" rIns="182880" bIns="146304" numCol="1" spcCol="0" rtlCol="0" fromWordArt="0" anchor="t" anchorCtr="0" forceAA="0" compatLnSpc="1">
+                <a:prstTxWarp prst="textNoShape">
+                  <a:avLst/>
+                </a:prstTxWarp>
+                <a:noAutofit/>
+              </a:bodyPr>
+              <a:lstStyle/>
+              <a:p>
+                <a:pPr defTabSz="932472" fontAlgn="base">
+                  <a:lnSpc>
+                    <a:spcPct val="90000"/>
+                  </a:lnSpc>
+                  <a:spcBef>
+                    <a:spcPct val="0"/>
+                  </a:spcBef>
+                  <a:spcAft>
+                    <a:spcPct val="0"/>
+                  </a:spcAft>
+                </a:pPr>
+                <a:r>
+                  <a:rPr lang="en-US" sz="600" dirty="0">
+                    <a:solidFill>
+                      <a:schemeClr val="tx2">
+                        <a:lumMod val="90000"/>
+                        <a:lumOff val="10000"/>
+                      </a:schemeClr>
+                    </a:solidFill>
+                    <a:latin typeface="Arial Black" panose="020B0A04020102020204" pitchFamily="34" charset="0"/>
+                    <a:ea typeface="Segoe UI" pitchFamily="34" charset="0"/>
+                    <a:cs typeface="Segoe UI" pitchFamily="34" charset="0"/>
+                  </a:rPr>
+                  <a:t>Project1-Translations-Spanish.csv</a:t>
+                </a:r>
+              </a:p>
+            </p:txBody>
+          </p:sp>
+          <p:pic>
+            <p:nvPicPr>
+              <p:cNvPr id="25" name="Picture 24">
+                <a:extLst>
+                  <a:ext uri="{FF2B5EF4-FFF2-40B4-BE49-F238E27FC236}">
+                    <a16:creationId xmlns:a16="http://schemas.microsoft.com/office/drawing/2014/main" id="{767C6A94-9F11-1FD5-6FE0-A81EA3E12591}"/>
+                  </a:ext>
+                </a:extLst>
+              </p:cNvPr>
+              <p:cNvPicPr>
+                <a:picLocks noChangeAspect="1"/>
+              </p:cNvPicPr>
+              <p:nvPr/>
+            </p:nvPicPr>
+            <p:blipFill>
+              <a:blip r:embed="rId3"/>
+              <a:stretch>
+                <a:fillRect/>
+              </a:stretch>
+            </p:blipFill>
+            <p:spPr>
+              <a:xfrm>
+                <a:off x="5298059" y="1951694"/>
+                <a:ext cx="2391331" cy="572480"/>
+              </a:xfrm>
+              <a:prstGeom prst="rect">
+                <a:avLst/>
+              </a:prstGeom>
+              <a:grpFill/>
+              <a:ln w="19050">
+                <a:solidFill>
+                  <a:schemeClr val="bg1">
+                    <a:lumMod val="50000"/>
+                  </a:schemeClr>
+                </a:solidFill>
+              </a:ln>
+            </p:spPr>
+          </p:pic>
+        </p:grpSp>
+        <p:grpSp>
+          <p:nvGrpSpPr>
+            <p:cNvPr id="26" name="Group 25">
+              <a:extLst>
+                <a:ext uri="{FF2B5EF4-FFF2-40B4-BE49-F238E27FC236}">
+                  <a16:creationId xmlns:a16="http://schemas.microsoft.com/office/drawing/2014/main" id="{B9BB4E30-8E51-8A0B-A0FB-9F5B023AF937}"/>
+                </a:ext>
+              </a:extLst>
+            </p:cNvPr>
+            <p:cNvGrpSpPr/>
+            <p:nvPr/>
+          </p:nvGrpSpPr>
+          <p:grpSpPr>
+            <a:xfrm>
+              <a:off x="6352032" y="5460813"/>
+              <a:ext cx="2289453" cy="718035"/>
+              <a:chOff x="5247420" y="2668643"/>
+              <a:chExt cx="2503053" cy="785026"/>
+            </a:xfrm>
+            <a:solidFill>
+              <a:schemeClr val="tx1">
+                <a:lumMod val="20000"/>
+                <a:lumOff val="80000"/>
+              </a:schemeClr>
+            </a:solidFill>
+          </p:grpSpPr>
+          <p:sp>
+            <p:nvSpPr>
+              <p:cNvPr id="27" name="Rectangle 26">
+                <a:extLst>
+                  <a:ext uri="{FF2B5EF4-FFF2-40B4-BE49-F238E27FC236}">
+                    <a16:creationId xmlns:a16="http://schemas.microsoft.com/office/drawing/2014/main" id="{41F1F5E3-34F1-5A5E-2F50-6CD13AD174C4}"/>
+                  </a:ext>
+                </a:extLst>
+              </p:cNvPr>
+              <p:cNvSpPr/>
+              <p:nvPr/>
+            </p:nvSpPr>
+            <p:spPr bwMode="auto">
+              <a:xfrm>
+                <a:off x="5247420" y="2668643"/>
+                <a:ext cx="2503053" cy="785026"/>
+              </a:xfrm>
+              <a:prstGeom prst="rect">
+                <a:avLst/>
+              </a:prstGeom>
+              <a:grpFill/>
+              <a:ln>
+                <a:solidFill>
+                  <a:schemeClr val="bg1">
+                    <a:lumMod val="50000"/>
+                  </a:schemeClr>
+                </a:solidFill>
+                <a:headEnd type="none" w="med" len="med"/>
+                <a:tailEnd type="none" w="med" len="med"/>
+              </a:ln>
+              <a:effectLst/>
+            </p:spPr>
+            <p:style>
+              <a:lnRef idx="1">
+                <a:schemeClr val="accent2"/>
+              </a:lnRef>
+              <a:fillRef idx="3">
+                <a:schemeClr val="accent2"/>
+              </a:fillRef>
+              <a:effectRef idx="2">
+                <a:schemeClr val="accent2"/>
+              </a:effectRef>
+              <a:fontRef idx="minor">
+                <a:schemeClr val="lt1"/>
+              </a:fontRef>
+            </p:style>
+            <p:txBody>
+              <a:bodyPr rot="0" spcFirstLastPara="0" vertOverflow="overflow" horzOverflow="overflow" vert="horz" wrap="square" lIns="45720" tIns="18288" rIns="182880" bIns="146304" numCol="1" spcCol="0" rtlCol="0" fromWordArt="0" anchor="t" anchorCtr="0" forceAA="0" compatLnSpc="1">
+                <a:prstTxWarp prst="textNoShape">
+                  <a:avLst/>
+                </a:prstTxWarp>
+                <a:noAutofit/>
+              </a:bodyPr>
+              <a:lstStyle/>
+              <a:p>
+                <a:pPr defTabSz="932472" fontAlgn="base">
+                  <a:lnSpc>
+                    <a:spcPct val="90000"/>
+                  </a:lnSpc>
+                  <a:spcBef>
+                    <a:spcPct val="0"/>
+                  </a:spcBef>
+                  <a:spcAft>
+                    <a:spcPct val="0"/>
+                  </a:spcAft>
+                </a:pPr>
+                <a:r>
+                  <a:rPr lang="en-US" sz="600" dirty="0">
+                    <a:solidFill>
+                      <a:schemeClr val="tx2">
+                        <a:lumMod val="90000"/>
+                        <a:lumOff val="10000"/>
+                      </a:schemeClr>
+                    </a:solidFill>
+                    <a:latin typeface="Arial Black" panose="020B0A04020102020204" pitchFamily="34" charset="0"/>
+                    <a:ea typeface="Segoe UI" pitchFamily="34" charset="0"/>
+                    <a:cs typeface="Segoe UI" pitchFamily="34" charset="0"/>
+                  </a:rPr>
+                  <a:t>Project1-Translations-German.csv</a:t>
+                </a:r>
+              </a:p>
+            </p:txBody>
+          </p:sp>
+          <p:pic>
+            <p:nvPicPr>
+              <p:cNvPr id="28" name="Picture 27">
+                <a:extLst>
+                  <a:ext uri="{FF2B5EF4-FFF2-40B4-BE49-F238E27FC236}">
+                    <a16:creationId xmlns:a16="http://schemas.microsoft.com/office/drawing/2014/main" id="{0CAD160C-4ABF-E6D9-5334-B6BDB022CF81}"/>
+                  </a:ext>
+                </a:extLst>
+              </p:cNvPr>
+              <p:cNvPicPr>
+                <a:picLocks noChangeAspect="1"/>
+              </p:cNvPicPr>
+              <p:nvPr/>
+            </p:nvPicPr>
+            <p:blipFill>
+              <a:blip r:embed="rId4"/>
+              <a:stretch>
+                <a:fillRect/>
+              </a:stretch>
+            </p:blipFill>
+            <p:spPr>
+              <a:xfrm>
+                <a:off x="5292337" y="2798317"/>
+                <a:ext cx="2410990" cy="617406"/>
+              </a:xfrm>
+              <a:prstGeom prst="rect">
+                <a:avLst/>
+              </a:prstGeom>
+              <a:grpFill/>
+              <a:ln>
+                <a:solidFill>
+                  <a:schemeClr val="bg1">
+                    <a:lumMod val="50000"/>
+                  </a:schemeClr>
+                </a:solidFill>
+              </a:ln>
+            </p:spPr>
+          </p:pic>
+        </p:grpSp>
+      </p:grpSp>
+      <p:sp>
+        <p:nvSpPr>
+          <p:cNvPr id="29" name="Arrow: Right 28">
+            <a:extLst>
+              <a:ext uri="{FF2B5EF4-FFF2-40B4-BE49-F238E27FC236}">
+                <a16:creationId xmlns:a16="http://schemas.microsoft.com/office/drawing/2014/main" id="{9E119AD2-E587-4A74-8815-1F450D50F510}"/>
+              </a:ext>
+            </a:extLst>
+          </p:cNvPr>
+          <p:cNvSpPr/>
+          <p:nvPr/>
+        </p:nvSpPr>
+        <p:spPr bwMode="auto">
+          <a:xfrm rot="20773602">
+            <a:off x="4754338" y="3835559"/>
+            <a:ext cx="1886949" cy="299305"/>
+          </a:xfrm>
+          <a:prstGeom prst="rightArrow">
+            <a:avLst>
+              <a:gd name="adj1" fmla="val 59227"/>
+              <a:gd name="adj2" fmla="val 50000"/>
+            </a:avLst>
+          </a:prstGeom>
+          <a:solidFill>
+            <a:schemeClr val="accent1"/>
+          </a:solidFill>
+          <a:ln>
+            <a:solidFill>
+              <a:schemeClr val="tx1"/>
+            </a:solidFill>
+            <a:headEnd type="none" w="med" len="med"/>
+            <a:tailEnd type="none" w="med" len="med"/>
+          </a:ln>
+          <a:effectLst/>
+        </p:spPr>
+        <p:style>
+          <a:lnRef idx="1">
+            <a:schemeClr val="accent2"/>
+          </a:lnRef>
+          <a:fillRef idx="3">
+            <a:schemeClr val="accent2"/>
+          </a:fillRef>
+          <a:effectRef idx="2">
+            <a:schemeClr val="accent2"/>
+          </a:effectRef>
+          <a:fontRef idx="minor">
+            <a:schemeClr val="lt1"/>
+          </a:fontRef>
+        </p:style>
+        <p:txBody>
+          <a:bodyPr rot="0" spcFirstLastPara="0" vertOverflow="overflow" horzOverflow="overflow" vert="horz" wrap="square" lIns="182880" tIns="146304" rIns="182880" bIns="146304" numCol="1" spcCol="0" rtlCol="0" fromWordArt="0" anchor="ctr" anchorCtr="0" forceAA="0" compatLnSpc="1">
+            <a:prstTxWarp prst="textNoShape">
+              <a:avLst/>
+            </a:prstTxWarp>
+            <a:noAutofit/>
+          </a:bodyPr>
+          <a:lstStyle/>
+          <a:p>
+            <a:pPr algn="ctr" defTabSz="932472" fontAlgn="base">
+              <a:lnSpc>
+                <a:spcPct val="90000"/>
+              </a:lnSpc>
+              <a:spcBef>
+                <a:spcPct val="0"/>
+              </a:spcBef>
+              <a:spcAft>
+                <a:spcPct val="0"/>
+              </a:spcAft>
+            </a:pPr>
+            <a:r>
+              <a:rPr lang="en-US" sz="700" b="1" dirty="0">
+                <a:solidFill>
+                  <a:schemeClr val="tx2">
+                    <a:lumMod val="90000"/>
+                    <a:lumOff val="10000"/>
+                  </a:schemeClr>
+                </a:solidFill>
+                <a:latin typeface="OCR A Extended" panose="02010509020102010303" pitchFamily="50" charset="0"/>
+                <a:ea typeface="Segoe UI" pitchFamily="34" charset="0"/>
+                <a:cs typeface="Segoe UI" pitchFamily="34" charset="0"/>
+              </a:rPr>
+              <a:t>Export Translation Sheet</a:t>
+            </a:r>
+          </a:p>
+        </p:txBody>
+      </p:sp>
+      <p:sp>
+        <p:nvSpPr>
+          <p:cNvPr id="31" name="Arrow: Right 30">
+            <a:extLst>
+              <a:ext uri="{FF2B5EF4-FFF2-40B4-BE49-F238E27FC236}">
+                <a16:creationId xmlns:a16="http://schemas.microsoft.com/office/drawing/2014/main" id="{8E9BA66A-07E3-84CC-A08A-33B6685E13BD}"/>
+              </a:ext>
+            </a:extLst>
+          </p:cNvPr>
+          <p:cNvSpPr/>
+          <p:nvPr/>
+        </p:nvSpPr>
+        <p:spPr bwMode="auto">
+          <a:xfrm rot="21175372">
+            <a:off x="4811798" y="4340491"/>
+            <a:ext cx="1833687" cy="283127"/>
+          </a:xfrm>
+          <a:prstGeom prst="rightArrow">
+            <a:avLst>
+              <a:gd name="adj1" fmla="val 59227"/>
+              <a:gd name="adj2" fmla="val 50000"/>
+            </a:avLst>
+          </a:prstGeom>
+          <a:solidFill>
+            <a:schemeClr val="accent1"/>
+          </a:solidFill>
+          <a:ln>
+            <a:solidFill>
+              <a:schemeClr val="tx1"/>
+            </a:solidFill>
+            <a:headEnd type="none" w="med" len="med"/>
+            <a:tailEnd type="none" w="med" len="med"/>
+          </a:ln>
+          <a:effectLst/>
+        </p:spPr>
+        <p:style>
+          <a:lnRef idx="1">
+            <a:schemeClr val="accent2"/>
+          </a:lnRef>
+          <a:fillRef idx="3">
+            <a:schemeClr val="accent2"/>
+          </a:fillRef>
+          <a:effectRef idx="2">
+            <a:schemeClr val="accent2"/>
+          </a:effectRef>
+          <a:fontRef idx="minor">
+            <a:schemeClr val="lt1"/>
+          </a:fontRef>
+        </p:style>
+        <p:txBody>
+          <a:bodyPr rot="0" spcFirstLastPara="0" vertOverflow="overflow" horzOverflow="overflow" vert="horz" wrap="square" lIns="182880" tIns="146304" rIns="182880" bIns="146304" numCol="1" spcCol="0" rtlCol="0" fromWordArt="0" anchor="ctr" anchorCtr="0" forceAA="0" compatLnSpc="1">
+            <a:prstTxWarp prst="textNoShape">
+              <a:avLst/>
+            </a:prstTxWarp>
+            <a:noAutofit/>
+          </a:bodyPr>
+          <a:lstStyle/>
+          <a:p>
+            <a:pPr algn="ctr" defTabSz="932472" fontAlgn="base">
+              <a:lnSpc>
+                <a:spcPct val="90000"/>
+              </a:lnSpc>
+              <a:spcBef>
+                <a:spcPct val="0"/>
+              </a:spcBef>
+              <a:spcAft>
+                <a:spcPct val="0"/>
+              </a:spcAft>
+            </a:pPr>
+            <a:r>
+              <a:rPr lang="en-US" sz="700" b="1" dirty="0">
+                <a:solidFill>
+                  <a:schemeClr val="tx2">
+                    <a:lumMod val="90000"/>
+                    <a:lumOff val="10000"/>
+                  </a:schemeClr>
+                </a:solidFill>
+                <a:latin typeface="OCR A Extended" panose="02010509020102010303" pitchFamily="50" charset="0"/>
+                <a:ea typeface="Segoe UI" pitchFamily="34" charset="0"/>
+                <a:cs typeface="Segoe UI" pitchFamily="34" charset="0"/>
+              </a:rPr>
+              <a:t>Export Translation Sheet</a:t>
+            </a:r>
+          </a:p>
+        </p:txBody>
+      </p:sp>
+      <p:sp>
+        <p:nvSpPr>
+          <p:cNvPr id="33" name="Arrow: Right 32">
+            <a:extLst>
+              <a:ext uri="{FF2B5EF4-FFF2-40B4-BE49-F238E27FC236}">
+                <a16:creationId xmlns:a16="http://schemas.microsoft.com/office/drawing/2014/main" id="{CA8B5776-D845-22F1-216D-457C2E876D00}"/>
+              </a:ext>
+            </a:extLst>
+          </p:cNvPr>
+          <p:cNvSpPr/>
+          <p:nvPr/>
+        </p:nvSpPr>
+        <p:spPr bwMode="auto">
+          <a:xfrm rot="921986" flipH="1">
+            <a:off x="4716695" y="5726903"/>
+            <a:ext cx="1985496" cy="347432"/>
+          </a:xfrm>
+          <a:prstGeom prst="rightArrow">
+            <a:avLst>
+              <a:gd name="adj1" fmla="val 59227"/>
+              <a:gd name="adj2" fmla="val 50000"/>
+            </a:avLst>
+          </a:prstGeom>
+          <a:solidFill>
+            <a:schemeClr val="accent1"/>
+          </a:solidFill>
+          <a:ln>
+            <a:solidFill>
+              <a:schemeClr val="tx1"/>
+            </a:solidFill>
+            <a:headEnd type="none" w="med" len="med"/>
+            <a:tailEnd type="none" w="med" len="med"/>
+          </a:ln>
+          <a:effectLst/>
+        </p:spPr>
+        <p:style>
+          <a:lnRef idx="1">
+            <a:schemeClr val="accent2"/>
+          </a:lnRef>
+          <a:fillRef idx="3">
+            <a:schemeClr val="accent2"/>
+          </a:fillRef>
+          <a:effectRef idx="2">
+            <a:schemeClr val="accent2"/>
+          </a:effectRef>
+          <a:fontRef idx="minor">
+            <a:schemeClr val="lt1"/>
+          </a:fontRef>
+        </p:style>
+        <p:txBody>
+          <a:bodyPr rot="0" spcFirstLastPara="0" vertOverflow="overflow" horzOverflow="overflow" vert="horz" wrap="square" lIns="182880" tIns="146304" rIns="182880" bIns="146304" numCol="1" spcCol="0" rtlCol="0" fromWordArt="0" anchor="ctr" anchorCtr="0" forceAA="0" compatLnSpc="1">
+            <a:prstTxWarp prst="textNoShape">
+              <a:avLst/>
+            </a:prstTxWarp>
+            <a:noAutofit/>
+          </a:bodyPr>
+          <a:lstStyle/>
+          <a:p>
+            <a:pPr algn="ctr" defTabSz="932472" fontAlgn="base">
+              <a:lnSpc>
+                <a:spcPct val="90000"/>
+              </a:lnSpc>
+              <a:spcBef>
+                <a:spcPct val="0"/>
+              </a:spcBef>
+              <a:spcAft>
+                <a:spcPct val="0"/>
+              </a:spcAft>
+            </a:pPr>
+            <a:r>
+              <a:rPr lang="en-US" sz="700" dirty="0">
+                <a:solidFill>
+                  <a:schemeClr val="tx2">
+                    <a:lumMod val="90000"/>
+                    <a:lumOff val="10000"/>
+                  </a:schemeClr>
+                </a:solidFill>
+                <a:latin typeface="OCR A Extended" panose="02010509020102010303" pitchFamily="50" charset="0"/>
+                <a:ea typeface="Segoe UI" pitchFamily="34" charset="0"/>
+                <a:cs typeface="Segoe UI" pitchFamily="34" charset="0"/>
+              </a:rPr>
+              <a:t>Import Translation Sheet</a:t>
+            </a:r>
+          </a:p>
+        </p:txBody>
+      </p:sp>
+      <p:sp>
+        <p:nvSpPr>
+          <p:cNvPr id="34" name="Arrow: Right 33">
+            <a:extLst>
+              <a:ext uri="{FF2B5EF4-FFF2-40B4-BE49-F238E27FC236}">
+                <a16:creationId xmlns:a16="http://schemas.microsoft.com/office/drawing/2014/main" id="{4B400AEF-4C04-DA0A-F51E-8F221CEAA53B}"/>
+              </a:ext>
+            </a:extLst>
+          </p:cNvPr>
+          <p:cNvSpPr/>
+          <p:nvPr/>
+        </p:nvSpPr>
+        <p:spPr bwMode="auto">
+          <a:xfrm rot="415314" flipH="1">
+            <a:off x="4779801" y="5132301"/>
+            <a:ext cx="1866965" cy="347432"/>
+          </a:xfrm>
+          <a:prstGeom prst="rightArrow">
+            <a:avLst>
+              <a:gd name="adj1" fmla="val 59227"/>
+              <a:gd name="adj2" fmla="val 50000"/>
+            </a:avLst>
+          </a:prstGeom>
+          <a:solidFill>
+            <a:schemeClr val="accent1"/>
+          </a:solidFill>
+          <a:ln>
+            <a:solidFill>
+              <a:schemeClr val="tx1"/>
+            </a:solidFill>
+            <a:headEnd type="none" w="med" len="med"/>
+            <a:tailEnd type="none" w="med" len="med"/>
+          </a:ln>
+          <a:effectLst/>
+        </p:spPr>
+        <p:style>
+          <a:lnRef idx="1">
+            <a:schemeClr val="accent2"/>
+          </a:lnRef>
+          <a:fillRef idx="3">
+            <a:schemeClr val="accent2"/>
+          </a:fillRef>
+          <a:effectRef idx="2">
+            <a:schemeClr val="accent2"/>
+          </a:effectRef>
+          <a:fontRef idx="minor">
+            <a:schemeClr val="lt1"/>
+          </a:fontRef>
+        </p:style>
+        <p:txBody>
+          <a:bodyPr rot="0" spcFirstLastPara="0" vertOverflow="overflow" horzOverflow="overflow" vert="horz" wrap="square" lIns="182880" tIns="146304" rIns="182880" bIns="146304" numCol="1" spcCol="0" rtlCol="0" fromWordArt="0" anchor="ctr" anchorCtr="0" forceAA="0" compatLnSpc="1">
+            <a:prstTxWarp prst="textNoShape">
+              <a:avLst/>
+            </a:prstTxWarp>
+            <a:noAutofit/>
+          </a:bodyPr>
+          <a:lstStyle/>
+          <a:p>
+            <a:pPr algn="ctr" defTabSz="932472" fontAlgn="base">
+              <a:lnSpc>
+                <a:spcPct val="90000"/>
+              </a:lnSpc>
+              <a:spcBef>
+                <a:spcPct val="0"/>
+              </a:spcBef>
+              <a:spcAft>
+                <a:spcPct val="0"/>
+              </a:spcAft>
+            </a:pPr>
+            <a:r>
+              <a:rPr lang="en-US" sz="700" dirty="0">
+                <a:solidFill>
+                  <a:schemeClr val="tx2">
+                    <a:lumMod val="90000"/>
+                    <a:lumOff val="10000"/>
+                  </a:schemeClr>
+                </a:solidFill>
+                <a:latin typeface="OCR A Extended" panose="02010509020102010303" pitchFamily="50" charset="0"/>
+                <a:ea typeface="Segoe UI" pitchFamily="34" charset="0"/>
+                <a:cs typeface="Segoe UI" pitchFamily="34" charset="0"/>
+              </a:rPr>
+              <a:t>Import Translation Sheet</a:t>
+            </a:r>
+          </a:p>
+        </p:txBody>
+      </p:sp>
+      <p:sp>
+        <p:nvSpPr>
+          <p:cNvPr id="38" name="Arrow: U-Turn 37">
+            <a:extLst>
+              <a:ext uri="{FF2B5EF4-FFF2-40B4-BE49-F238E27FC236}">
+                <a16:creationId xmlns:a16="http://schemas.microsoft.com/office/drawing/2014/main" id="{88D35C36-F7F1-2A13-B81B-CF0CCBFA2E8A}"/>
+              </a:ext>
+            </a:extLst>
+          </p:cNvPr>
+          <p:cNvSpPr/>
+          <p:nvPr/>
+        </p:nvSpPr>
+        <p:spPr bwMode="auto">
+          <a:xfrm rot="5400000">
+            <a:off x="8488837" y="4180787"/>
+            <a:ext cx="2436827" cy="1456441"/>
+          </a:xfrm>
+          <a:prstGeom prst="uturnArrow">
+            <a:avLst/>
+          </a:prstGeom>
+          <a:solidFill>
+            <a:schemeClr val="accent1"/>
+          </a:solidFill>
+          <a:ln>
+            <a:solidFill>
+              <a:schemeClr val="tx1"/>
+            </a:solidFill>
+            <a:headEnd type="none" w="med" len="med"/>
+            <a:tailEnd type="none" w="med" len="med"/>
+          </a:ln>
+          <a:effectLst/>
+        </p:spPr>
+        <p:style>
+          <a:lnRef idx="1">
+            <a:schemeClr val="accent2"/>
+          </a:lnRef>
+          <a:fillRef idx="3">
+            <a:schemeClr val="accent2"/>
+          </a:fillRef>
+          <a:effectRef idx="2">
+            <a:schemeClr val="accent2"/>
+          </a:effectRef>
+          <a:fontRef idx="minor">
+            <a:schemeClr val="lt1"/>
+          </a:fontRef>
+        </p:style>
+        <p:txBody>
+          <a:bodyPr rot="0" spcFirstLastPara="0" vertOverflow="overflow" horzOverflow="overflow" vert="horz" wrap="square" lIns="182880" tIns="146304" rIns="182880" bIns="146304" numCol="1" spcCol="0" rtlCol="0" fromWordArt="0" anchor="t" anchorCtr="0" forceAA="0" compatLnSpc="1">
+            <a:prstTxWarp prst="textNoShape">
+              <a:avLst/>
+            </a:prstTxWarp>
+            <a:noAutofit/>
+          </a:bodyPr>
+          <a:lstStyle/>
+          <a:p>
+            <a:pPr algn="ctr" defTabSz="932472" fontAlgn="base">
+              <a:lnSpc>
+                <a:spcPct val="90000"/>
+              </a:lnSpc>
+              <a:spcBef>
+                <a:spcPct val="0"/>
+              </a:spcBef>
+              <a:spcAft>
+                <a:spcPct val="0"/>
+              </a:spcAft>
+            </a:pPr>
+            <a:endParaRPr lang="en-US" sz="2400" dirty="0">
+              <a:gradFill>
+                <a:gsLst>
+                  <a:gs pos="0">
+                    <a:srgbClr val="FFFFFF"/>
+                  </a:gs>
+                  <a:gs pos="100000">
+                    <a:srgbClr val="FFFFFF"/>
+                  </a:gs>
+                </a:gsLst>
+                <a:lin ang="5400000" scaled="0"/>
+              </a:gradFill>
+              <a:ea typeface="Segoe UI" pitchFamily="34" charset="0"/>
+              <a:cs typeface="Segoe UI" pitchFamily="34" charset="0"/>
+            </a:endParaRPr>
+          </a:p>
+        </p:txBody>
+      </p:sp>
+      <p:pic>
+        <p:nvPicPr>
+          <p:cNvPr id="8" name="Picture 7">
+            <a:extLst>
+              <a:ext uri="{FF2B5EF4-FFF2-40B4-BE49-F238E27FC236}">
+                <a16:creationId xmlns:a16="http://schemas.microsoft.com/office/drawing/2014/main" id="{D6D3590E-1306-00AB-5997-96F8282AC1B4}"/>
+              </a:ext>
+            </a:extLst>
+          </p:cNvPr>
+          <p:cNvPicPr>
+            <a:picLocks noChangeAspect="1"/>
+          </p:cNvPicPr>
+          <p:nvPr/>
+        </p:nvPicPr>
+        <p:blipFill>
+          <a:blip r:embed="rId5"/>
+          <a:stretch>
+            <a:fillRect/>
+          </a:stretch>
+        </p:blipFill>
+        <p:spPr>
+          <a:xfrm>
+            <a:off x="9589231" y="3224371"/>
+            <a:ext cx="2034018" cy="1889729"/>
+          </a:xfrm>
+          <a:prstGeom prst="rect">
+            <a:avLst/>
+          </a:prstGeom>
+          <a:ln w="12700">
+            <a:solidFill>
+              <a:schemeClr val="tx1"/>
+            </a:solidFill>
+          </a:ln>
+        </p:spPr>
+      </p:pic>
+    </p:spTree>
+    <p:extLst>
+      <p:ext uri="{BB962C8B-B14F-4D97-AF65-F5344CB8AC3E}">
+        <p14:creationId xmlns:p14="http://schemas.microsoft.com/office/powerpoint/2010/main" val="2003814526"/>
+      </p:ext>
+    </p:extLst>
+  </p:cSld>
+  <p:clrMapOvr>
+    <a:masterClrMapping/>
+  </p:clrMapOvr>
+  <p:transition>
+    <p:fade/>
+  </p:transition>
+</p:sld>
+</file>
+
 <file path=ppt/slides/slide3.xml><?xml version="1.0" encoding="utf-8"?>
 <p:sld xmlns:a="http://schemas.openxmlformats.org/drawingml/2006/main" xmlns:r="http://schemas.openxmlformats.org/officeDocument/2006/relationships" xmlns:p="http://schemas.openxmlformats.org/presentationml/2006/main">
   <p:cSld>
@@ -17175,21 +19600,6 @@
 </file>
 
 <file path=customXml/item1.xml><?xml version="1.0" encoding="utf-8"?>
-<?mso-contentType ?>
-<FormTemplates xmlns="http://schemas.microsoft.com/sharepoint/v3/contenttype/forms">
-  <Display>DocumentLibraryForm</Display>
-  <Edit>DocumentLibraryForm</Edit>
-  <New>DocumentLibraryForm</New>
-</FormTemplates>
-</file>
-
-<file path=customXml/item2.xml><?xml version="1.0" encoding="utf-8"?>
-<p:properties xmlns:p="http://schemas.microsoft.com/office/2006/metadata/properties" xmlns:xsi="http://www.w3.org/2001/XMLSchema-instance" xmlns:pc="http://schemas.microsoft.com/office/infopath/2007/PartnerControls">
-  <documentManagement/>
-</p:properties>
-</file>
-
-<file path=customXml/item3.xml><?xml version="1.0" encoding="utf-8"?>
 <ct:contentTypeSchema xmlns:ct="http://schemas.microsoft.com/office/2006/metadata/contentType" xmlns:ma="http://schemas.microsoft.com/office/2006/metadata/properties/metaAttributes" ct:_="" ma:_="" ma:contentTypeName="Document" ma:contentTypeID="0x0101000937CBA2829AB54C847AA138BDB6DD62" ma:contentTypeVersion="6" ma:contentTypeDescription="Create a new document." ma:contentTypeScope="" ma:versionID="0f7e39fa3406a6f330081ac46f53a9d2">
   <xsd:schema xmlns:xsd="http://www.w3.org/2001/XMLSchema" xmlns:xs="http://www.w3.org/2001/XMLSchema" xmlns:p="http://schemas.microsoft.com/office/2006/metadata/properties" xmlns:ns2="ef38329b-e139-4eb4-9d7a-1b84c79a6610" targetNamespace="http://schemas.microsoft.com/office/2006/metadata/properties" ma:root="true" ma:fieldsID="c5e10262f8d934c139771ac03f38712c" ns2:_="">
     <xsd:import namespace="ef38329b-e139-4eb4-9d7a-1b84c79a6610"/>
@@ -17341,31 +19751,22 @@
 </ct:contentTypeSchema>
 </file>
 
-<file path=customXml/itemProps1.xml><?xml version="1.0" encoding="utf-8"?>
-<ds:datastoreItem xmlns:ds="http://schemas.openxmlformats.org/officeDocument/2006/customXml" ds:itemID="{758FDAC0-319D-4A54-8D8E-1D42CB1F8004}">
-  <ds:schemaRefs>
-    <ds:schemaRef ds:uri="http://schemas.microsoft.com/sharepoint/v3/contenttype/forms"/>
-  </ds:schemaRefs>
-</ds:datastoreItem>
+<file path=customXml/item2.xml><?xml version="1.0" encoding="utf-8"?>
+<?mso-contentType ?>
+<FormTemplates xmlns="http://schemas.microsoft.com/sharepoint/v3/contenttype/forms">
+  <Display>DocumentLibraryForm</Display>
+  <Edit>DocumentLibraryForm</Edit>
+  <New>DocumentLibraryForm</New>
+</FormTemplates>
 </file>
 
-<file path=customXml/itemProps2.xml><?xml version="1.0" encoding="utf-8"?>
-<ds:datastoreItem xmlns:ds="http://schemas.openxmlformats.org/officeDocument/2006/customXml" ds:itemID="{F990F116-B58F-4255-B05B-DA3808E0E5C6}">
-  <ds:schemaRefs>
-    <ds:schemaRef ds:uri="http://www.w3.org/XML/1998/namespace"/>
-    <ds:schemaRef ds:uri="http://purl.org/dc/elements/1.1/"/>
-    <ds:schemaRef ds:uri="http://schemas.microsoft.com/office/2006/documentManagement/types"/>
-    <ds:schemaRef ds:uri="http://purl.org/dc/dcmitype/"/>
-    <ds:schemaRef ds:uri="http://purl.org/dc/terms/"/>
-    <ds:schemaRef ds:uri="ef38329b-e139-4eb4-9d7a-1b84c79a6610"/>
-    <ds:schemaRef ds:uri="http://schemas.openxmlformats.org/package/2006/metadata/core-properties"/>
-    <ds:schemaRef ds:uri="http://schemas.microsoft.com/office/infopath/2007/PartnerControls"/>
-    <ds:schemaRef ds:uri="http://schemas.microsoft.com/office/2006/metadata/properties"/>
-  </ds:schemaRefs>
-</ds:datastoreItem>
+<file path=customXml/item3.xml><?xml version="1.0" encoding="utf-8"?>
+<p:properties xmlns:p="http://schemas.microsoft.com/office/2006/metadata/properties" xmlns:xsi="http://www.w3.org/2001/XMLSchema-instance" xmlns:pc="http://schemas.microsoft.com/office/infopath/2007/PartnerControls">
+  <documentManagement/>
+</p:properties>
 </file>
 
-<file path=customXml/itemProps3.xml><?xml version="1.0" encoding="utf-8"?>
+<file path=customXml/itemProps1.xml><?xml version="1.0" encoding="utf-8"?>
 <ds:datastoreItem xmlns:ds="http://schemas.openxmlformats.org/officeDocument/2006/customXml" ds:itemID="{A4052A8C-2220-4E4B-95E2-C05C9863F10E}">
   <ds:schemaRefs>
     <ds:schemaRef ds:uri="ef38329b-e139-4eb4-9d7a-1b84c79a6610"/>
@@ -17383,6 +19784,30 @@
 </ds:datastoreItem>
 </file>
 
+<file path=customXml/itemProps2.xml><?xml version="1.0" encoding="utf-8"?>
+<ds:datastoreItem xmlns:ds="http://schemas.openxmlformats.org/officeDocument/2006/customXml" ds:itemID="{758FDAC0-319D-4A54-8D8E-1D42CB1F8004}">
+  <ds:schemaRefs>
+    <ds:schemaRef ds:uri="http://schemas.microsoft.com/sharepoint/v3/contenttype/forms"/>
+  </ds:schemaRefs>
+</ds:datastoreItem>
+</file>
+
+<file path=customXml/itemProps3.xml><?xml version="1.0" encoding="utf-8"?>
+<ds:datastoreItem xmlns:ds="http://schemas.openxmlformats.org/officeDocument/2006/customXml" ds:itemID="{F990F116-B58F-4255-B05B-DA3808E0E5C6}">
+  <ds:schemaRefs>
+    <ds:schemaRef ds:uri="http://www.w3.org/XML/1998/namespace"/>
+    <ds:schemaRef ds:uri="http://purl.org/dc/elements/1.1/"/>
+    <ds:schemaRef ds:uri="http://schemas.microsoft.com/office/2006/documentManagement/types"/>
+    <ds:schemaRef ds:uri="http://purl.org/dc/dcmitype/"/>
+    <ds:schemaRef ds:uri="http://purl.org/dc/terms/"/>
+    <ds:schemaRef ds:uri="ef38329b-e139-4eb4-9d7a-1b84c79a6610"/>
+    <ds:schemaRef ds:uri="http://schemas.openxmlformats.org/package/2006/metadata/core-properties"/>
+    <ds:schemaRef ds:uri="http://schemas.microsoft.com/office/infopath/2007/PartnerControls"/>
+    <ds:schemaRef ds:uri="http://schemas.microsoft.com/office/2006/metadata/properties"/>
+  </ds:schemaRefs>
+</ds:datastoreItem>
+</file>
+
 <file path=docMetadata/LabelInfo.xml><?xml version="1.0" encoding="utf-8"?>
 <clbl:labelList xmlns:clbl="http://schemas.microsoft.com/office/2020/mipLabelMetadata">
   <clbl:label id="{074e257c-5848-4582-9a6f-34a182080e71}" enabled="1" method="Privileged" siteId="{72f988bf-86f1-41af-91ab-2d7cd011db47}" removed="0"/>

--- a/Docs/Translations Builder.pptx
+++ b/Docs/Translations Builder.pptx
@@ -5,10 +5,10 @@
     <p:sldMasterId id="2147484551" r:id="rId4"/>
   </p:sldMasterIdLst>
   <p:notesMasterIdLst>
-    <p:notesMasterId r:id="rId34"/>
+    <p:notesMasterId r:id="rId35"/>
   </p:notesMasterIdLst>
   <p:handoutMasterIdLst>
-    <p:handoutMasterId r:id="rId35"/>
+    <p:handoutMasterId r:id="rId36"/>
   </p:handoutMasterIdLst>
   <p:sldIdLst>
     <p:sldId id="4475" r:id="rId5"/>
@@ -40,6 +40,7 @@
     <p:sldId id="4520" r:id="rId31"/>
     <p:sldId id="4568" r:id="rId32"/>
     <p:sldId id="4569" r:id="rId33"/>
+    <p:sldId id="4570" r:id="rId34"/>
   </p:sldIdLst>
   <p:sldSz cx="12436475" cy="6994525"/>
   <p:notesSz cx="7010400" cy="9296400"/>
@@ -479,7 +480,7 @@
           <a:p>
             <a:fld id="{DCE60099-03E7-4FA1-8A7F-E6E6CFB0F855}" type="datetime8">
               <a:rPr lang="en-US" smtClean="0"/>
-              <a:t>12/27/2022 8:45 AM</a:t>
+              <a:t>12/29/2022 7:26 AM</a:t>
             </a:fld>
             <a:endParaRPr lang="en-US"/>
           </a:p>
@@ -16522,6 +16523,1227 @@
 </p:sld>
 </file>
 
+<file path=ppt/slides/slide30.xml><?xml version="1.0" encoding="utf-8"?>
+<p:sld xmlns:a="http://schemas.openxmlformats.org/drawingml/2006/main" xmlns:r="http://schemas.openxmlformats.org/officeDocument/2006/relationships" xmlns:p="http://schemas.openxmlformats.org/presentationml/2006/main">
+  <p:cSld>
+    <p:spTree>
+      <p:nvGrpSpPr>
+        <p:cNvPr id="1" name=""/>
+        <p:cNvGrpSpPr/>
+        <p:nvPr/>
+      </p:nvGrpSpPr>
+      <p:grpSpPr>
+        <a:xfrm>
+          <a:off x="0" y="0"/>
+          <a:ext cx="0" cy="0"/>
+          <a:chOff x="0" y="0"/>
+          <a:chExt cx="0" cy="0"/>
+        </a:xfrm>
+      </p:grpSpPr>
+      <p:sp>
+        <p:nvSpPr>
+          <p:cNvPr id="2" name="Title 1">
+            <a:extLst>
+              <a:ext uri="{FF2B5EF4-FFF2-40B4-BE49-F238E27FC236}">
+                <a16:creationId xmlns:a16="http://schemas.microsoft.com/office/drawing/2014/main" id="{6D65567E-E946-2855-5909-AE690655348C}"/>
+              </a:ext>
+            </a:extLst>
+          </p:cNvPr>
+          <p:cNvSpPr>
+            <a:spLocks noGrp="1"/>
+          </p:cNvSpPr>
+          <p:nvPr>
+            <p:ph type="title"/>
+          </p:nvPr>
+        </p:nvSpPr>
+        <p:spPr/>
+        <p:txBody>
+          <a:bodyPr/>
+          <a:lstStyle/>
+          <a:p>
+            <a:r>
+              <a:rPr lang="en-US" dirty="0"/>
+              <a:t>Enterprise Level Management</a:t>
+            </a:r>
+          </a:p>
+        </p:txBody>
+      </p:sp>
+      <p:pic>
+        <p:nvPicPr>
+          <p:cNvPr id="18" name="Picture 17">
+            <a:extLst>
+              <a:ext uri="{FF2B5EF4-FFF2-40B4-BE49-F238E27FC236}">
+                <a16:creationId xmlns:a16="http://schemas.microsoft.com/office/drawing/2014/main" id="{DF26A5B7-5714-5391-7446-0E371D70FFCF}"/>
+              </a:ext>
+            </a:extLst>
+          </p:cNvPr>
+          <p:cNvPicPr>
+            <a:picLocks noChangeAspect="1"/>
+          </p:cNvPicPr>
+          <p:nvPr/>
+        </p:nvPicPr>
+        <p:blipFill>
+          <a:blip r:embed="rId2"/>
+          <a:stretch>
+            <a:fillRect/>
+          </a:stretch>
+        </p:blipFill>
+        <p:spPr>
+          <a:xfrm>
+            <a:off x="314324" y="1521728"/>
+            <a:ext cx="4065029" cy="2500921"/>
+          </a:xfrm>
+          <a:prstGeom prst="rect">
+            <a:avLst/>
+          </a:prstGeom>
+          <a:ln w="6350">
+            <a:solidFill>
+              <a:schemeClr val="tx1"/>
+            </a:solidFill>
+          </a:ln>
+        </p:spPr>
+      </p:pic>
+      <p:grpSp>
+        <p:nvGrpSpPr>
+          <p:cNvPr id="32" name="Group 31">
+            <a:extLst>
+              <a:ext uri="{FF2B5EF4-FFF2-40B4-BE49-F238E27FC236}">
+                <a16:creationId xmlns:a16="http://schemas.microsoft.com/office/drawing/2014/main" id="{0A623010-ADF2-7141-C88B-5CFB2AC64442}"/>
+              </a:ext>
+            </a:extLst>
+          </p:cNvPr>
+          <p:cNvGrpSpPr/>
+          <p:nvPr/>
+        </p:nvGrpSpPr>
+        <p:grpSpPr>
+          <a:xfrm>
+            <a:off x="6747248" y="2916455"/>
+            <a:ext cx="2248212" cy="3748295"/>
+            <a:chOff x="6219346" y="2002056"/>
+            <a:chExt cx="2562600" cy="4272454"/>
+          </a:xfrm>
+        </p:grpSpPr>
+        <p:sp>
+          <p:nvSpPr>
+            <p:cNvPr id="5" name="Rectangle 4">
+              <a:extLst>
+                <a:ext uri="{FF2B5EF4-FFF2-40B4-BE49-F238E27FC236}">
+                  <a16:creationId xmlns:a16="http://schemas.microsoft.com/office/drawing/2014/main" id="{8557F589-8002-1CAC-27D7-E76333803EFF}"/>
+                </a:ext>
+              </a:extLst>
+            </p:cNvPr>
+            <p:cNvSpPr/>
+            <p:nvPr/>
+          </p:nvSpPr>
+          <p:spPr bwMode="auto">
+            <a:xfrm>
+              <a:off x="6219346" y="2002056"/>
+              <a:ext cx="2547851" cy="266971"/>
+            </a:xfrm>
+            <a:prstGeom prst="rect">
+              <a:avLst/>
+            </a:prstGeom>
+            <a:solidFill>
+              <a:schemeClr val="tx1"/>
+            </a:solidFill>
+            <a:ln>
+              <a:noFill/>
+              <a:headEnd type="none" w="med" len="med"/>
+              <a:tailEnd type="none" w="med" len="med"/>
+            </a:ln>
+            <a:effectLst/>
+          </p:spPr>
+          <p:style>
+            <a:lnRef idx="1">
+              <a:schemeClr val="accent2"/>
+            </a:lnRef>
+            <a:fillRef idx="3">
+              <a:schemeClr val="accent2"/>
+            </a:fillRef>
+            <a:effectRef idx="2">
+              <a:schemeClr val="accent2"/>
+            </a:effectRef>
+            <a:fontRef idx="minor">
+              <a:schemeClr val="lt1"/>
+            </a:fontRef>
+          </p:style>
+          <p:txBody>
+            <a:bodyPr rot="0" spcFirstLastPara="0" vertOverflow="overflow" horzOverflow="overflow" vert="horz" wrap="square" lIns="182880" tIns="146304" rIns="182880" bIns="146304" numCol="1" spcCol="0" rtlCol="0" fromWordArt="0" anchor="ctr" anchorCtr="0" forceAA="0" compatLnSpc="1">
+              <a:prstTxWarp prst="textNoShape">
+                <a:avLst/>
+              </a:prstTxWarp>
+              <a:noAutofit/>
+            </a:bodyPr>
+            <a:lstStyle/>
+            <a:p>
+              <a:pPr algn="ctr" defTabSz="932472" fontAlgn="base">
+                <a:lnSpc>
+                  <a:spcPct val="90000"/>
+                </a:lnSpc>
+                <a:spcBef>
+                  <a:spcPct val="0"/>
+                </a:spcBef>
+                <a:spcAft>
+                  <a:spcPct val="0"/>
+                </a:spcAft>
+              </a:pPr>
+              <a:r>
+                <a:rPr lang="en-US" sz="1200" dirty="0">
+                  <a:gradFill>
+                    <a:gsLst>
+                      <a:gs pos="0">
+                        <a:srgbClr val="FFFFFF"/>
+                      </a:gs>
+                      <a:gs pos="100000">
+                        <a:srgbClr val="FFFFFF"/>
+                      </a:gs>
+                    </a:gsLst>
+                    <a:lin ang="5400000" scaled="0"/>
+                  </a:gradFill>
+                  <a:latin typeface="Arial Black" panose="020B0A04020102020204" pitchFamily="34" charset="0"/>
+                  <a:ea typeface="Segoe UI" pitchFamily="34" charset="0"/>
+                  <a:cs typeface="Segoe UI" pitchFamily="34" charset="0"/>
+                </a:rPr>
+                <a:t>Outbox</a:t>
+              </a:r>
+            </a:p>
+          </p:txBody>
+        </p:sp>
+        <p:sp>
+          <p:nvSpPr>
+            <p:cNvPr id="9" name="Rectangle 8">
+              <a:extLst>
+                <a:ext uri="{FF2B5EF4-FFF2-40B4-BE49-F238E27FC236}">
+                  <a16:creationId xmlns:a16="http://schemas.microsoft.com/office/drawing/2014/main" id="{9D359CBA-99EB-6217-87CF-2DCB88A3FE40}"/>
+                </a:ext>
+              </a:extLst>
+            </p:cNvPr>
+            <p:cNvSpPr/>
+            <p:nvPr/>
+          </p:nvSpPr>
+          <p:spPr bwMode="auto">
+            <a:xfrm>
+              <a:off x="6226273" y="2269027"/>
+              <a:ext cx="2535382" cy="1710419"/>
+            </a:xfrm>
+            <a:prstGeom prst="rect">
+              <a:avLst/>
+            </a:prstGeom>
+            <a:solidFill>
+              <a:schemeClr val="bg1"/>
+            </a:solidFill>
+            <a:ln>
+              <a:solidFill>
+                <a:schemeClr val="tx1"/>
+              </a:solidFill>
+              <a:headEnd type="none" w="med" len="med"/>
+              <a:tailEnd type="none" w="med" len="med"/>
+            </a:ln>
+            <a:effectLst/>
+          </p:spPr>
+          <p:style>
+            <a:lnRef idx="1">
+              <a:schemeClr val="accent2"/>
+            </a:lnRef>
+            <a:fillRef idx="3">
+              <a:schemeClr val="accent2"/>
+            </a:fillRef>
+            <a:effectRef idx="2">
+              <a:schemeClr val="accent2"/>
+            </a:effectRef>
+            <a:fontRef idx="minor">
+              <a:schemeClr val="lt1"/>
+            </a:fontRef>
+          </p:style>
+          <p:txBody>
+            <a:bodyPr rot="0" spcFirstLastPara="0" vertOverflow="overflow" horzOverflow="overflow" vert="horz" wrap="square" lIns="182880" tIns="146304" rIns="182880" bIns="146304" numCol="1" spcCol="0" rtlCol="0" fromWordArt="0" anchor="t" anchorCtr="0" forceAA="0" compatLnSpc="1">
+              <a:prstTxWarp prst="textNoShape">
+                <a:avLst/>
+              </a:prstTxWarp>
+              <a:noAutofit/>
+            </a:bodyPr>
+            <a:lstStyle/>
+            <a:p>
+              <a:pPr algn="ctr" defTabSz="932472" fontAlgn="base">
+                <a:lnSpc>
+                  <a:spcPct val="90000"/>
+                </a:lnSpc>
+                <a:spcBef>
+                  <a:spcPct val="0"/>
+                </a:spcBef>
+                <a:spcAft>
+                  <a:spcPct val="0"/>
+                </a:spcAft>
+              </a:pPr>
+              <a:endParaRPr lang="en-US" sz="2400" dirty="0" err="1">
+                <a:gradFill>
+                  <a:gsLst>
+                    <a:gs pos="0">
+                      <a:srgbClr val="FFFFFF"/>
+                    </a:gs>
+                    <a:gs pos="100000">
+                      <a:srgbClr val="FFFFFF"/>
+                    </a:gs>
+                  </a:gsLst>
+                  <a:lin ang="5400000" scaled="0"/>
+                </a:gradFill>
+                <a:ea typeface="Segoe UI" pitchFamily="34" charset="0"/>
+                <a:cs typeface="Segoe UI" pitchFamily="34" charset="0"/>
+              </a:endParaRPr>
+            </a:p>
+          </p:txBody>
+        </p:sp>
+        <p:grpSp>
+          <p:nvGrpSpPr>
+            <p:cNvPr id="19" name="Group 18">
+              <a:extLst>
+                <a:ext uri="{FF2B5EF4-FFF2-40B4-BE49-F238E27FC236}">
+                  <a16:creationId xmlns:a16="http://schemas.microsoft.com/office/drawing/2014/main" id="{CEC8FB5A-4309-DD7F-B90D-CEAD383B1C13}"/>
+                </a:ext>
+              </a:extLst>
+            </p:cNvPr>
+            <p:cNvGrpSpPr/>
+            <p:nvPr/>
+          </p:nvGrpSpPr>
+          <p:grpSpPr>
+            <a:xfrm>
+              <a:off x="6335850" y="2371981"/>
+              <a:ext cx="2273406" cy="696073"/>
+              <a:chOff x="5249612" y="1802485"/>
+              <a:chExt cx="2503053" cy="766387"/>
+            </a:xfrm>
+            <a:solidFill>
+              <a:schemeClr val="tx1">
+                <a:lumMod val="20000"/>
+                <a:lumOff val="80000"/>
+              </a:schemeClr>
+            </a:solidFill>
+          </p:grpSpPr>
+          <p:sp>
+            <p:nvSpPr>
+              <p:cNvPr id="13" name="Rectangle 12">
+                <a:extLst>
+                  <a:ext uri="{FF2B5EF4-FFF2-40B4-BE49-F238E27FC236}">
+                    <a16:creationId xmlns:a16="http://schemas.microsoft.com/office/drawing/2014/main" id="{089C5E62-099B-4BA3-C8D6-EF4C29596270}"/>
+                  </a:ext>
+                </a:extLst>
+              </p:cNvPr>
+              <p:cNvSpPr/>
+              <p:nvPr/>
+            </p:nvSpPr>
+            <p:spPr bwMode="auto">
+              <a:xfrm>
+                <a:off x="5249612" y="1802485"/>
+                <a:ext cx="2503053" cy="766387"/>
+              </a:xfrm>
+              <a:prstGeom prst="rect">
+                <a:avLst/>
+              </a:prstGeom>
+              <a:grpFill/>
+              <a:ln>
+                <a:solidFill>
+                  <a:schemeClr val="bg1">
+                    <a:lumMod val="50000"/>
+                  </a:schemeClr>
+                </a:solidFill>
+                <a:headEnd type="none" w="med" len="med"/>
+                <a:tailEnd type="none" w="med" len="med"/>
+              </a:ln>
+              <a:effectLst/>
+            </p:spPr>
+            <p:style>
+              <a:lnRef idx="1">
+                <a:schemeClr val="accent2"/>
+              </a:lnRef>
+              <a:fillRef idx="3">
+                <a:schemeClr val="accent2"/>
+              </a:fillRef>
+              <a:effectRef idx="2">
+                <a:schemeClr val="accent2"/>
+              </a:effectRef>
+              <a:fontRef idx="minor">
+                <a:schemeClr val="lt1"/>
+              </a:fontRef>
+            </p:style>
+            <p:txBody>
+              <a:bodyPr rot="0" spcFirstLastPara="0" vertOverflow="overflow" horzOverflow="overflow" vert="horz" wrap="square" lIns="45720" tIns="18288" rIns="182880" bIns="146304" numCol="1" spcCol="0" rtlCol="0" fromWordArt="0" anchor="t" anchorCtr="0" forceAA="0" compatLnSpc="1">
+                <a:prstTxWarp prst="textNoShape">
+                  <a:avLst/>
+                </a:prstTxWarp>
+                <a:noAutofit/>
+              </a:bodyPr>
+              <a:lstStyle/>
+              <a:p>
+                <a:pPr defTabSz="932472" fontAlgn="base">
+                  <a:lnSpc>
+                    <a:spcPct val="90000"/>
+                  </a:lnSpc>
+                  <a:spcBef>
+                    <a:spcPct val="0"/>
+                  </a:spcBef>
+                  <a:spcAft>
+                    <a:spcPct val="0"/>
+                  </a:spcAft>
+                </a:pPr>
+                <a:r>
+                  <a:rPr lang="en-US" sz="600" dirty="0">
+                    <a:solidFill>
+                      <a:schemeClr val="tx2">
+                        <a:lumMod val="90000"/>
+                        <a:lumOff val="10000"/>
+                      </a:schemeClr>
+                    </a:solidFill>
+                    <a:latin typeface="Arial Black" panose="020B0A04020102020204" pitchFamily="34" charset="0"/>
+                    <a:ea typeface="Segoe UI" pitchFamily="34" charset="0"/>
+                    <a:cs typeface="Segoe UI" pitchFamily="34" charset="0"/>
+                  </a:rPr>
+                  <a:t>Project1-Translations-Spanish.csv</a:t>
+                </a:r>
+              </a:p>
+            </p:txBody>
+          </p:sp>
+          <p:pic>
+            <p:nvPicPr>
+              <p:cNvPr id="11" name="Picture 10">
+                <a:extLst>
+                  <a:ext uri="{FF2B5EF4-FFF2-40B4-BE49-F238E27FC236}">
+                    <a16:creationId xmlns:a16="http://schemas.microsoft.com/office/drawing/2014/main" id="{225EF8C1-9114-9BF1-DAD1-3A5ACC5E28EA}"/>
+                  </a:ext>
+                </a:extLst>
+              </p:cNvPr>
+              <p:cNvPicPr>
+                <a:picLocks noChangeAspect="1"/>
+              </p:cNvPicPr>
+              <p:nvPr/>
+            </p:nvPicPr>
+            <p:blipFill>
+              <a:blip r:embed="rId3"/>
+              <a:stretch>
+                <a:fillRect/>
+              </a:stretch>
+            </p:blipFill>
+            <p:spPr>
+              <a:xfrm>
+                <a:off x="5298059" y="1951694"/>
+                <a:ext cx="2391331" cy="572480"/>
+              </a:xfrm>
+              <a:prstGeom prst="rect">
+                <a:avLst/>
+              </a:prstGeom>
+              <a:grpFill/>
+              <a:ln w="19050">
+                <a:solidFill>
+                  <a:schemeClr val="bg1">
+                    <a:lumMod val="50000"/>
+                  </a:schemeClr>
+                </a:solidFill>
+              </a:ln>
+            </p:spPr>
+          </p:pic>
+        </p:grpSp>
+        <p:grpSp>
+          <p:nvGrpSpPr>
+            <p:cNvPr id="20" name="Group 19">
+              <a:extLst>
+                <a:ext uri="{FF2B5EF4-FFF2-40B4-BE49-F238E27FC236}">
+                  <a16:creationId xmlns:a16="http://schemas.microsoft.com/office/drawing/2014/main" id="{CE69CAF7-C9AC-5776-ADFF-EF2A17A57E6F}"/>
+                </a:ext>
+              </a:extLst>
+            </p:cNvPr>
+            <p:cNvGrpSpPr/>
+            <p:nvPr/>
+          </p:nvGrpSpPr>
+          <p:grpSpPr>
+            <a:xfrm>
+              <a:off x="6333657" y="3165749"/>
+              <a:ext cx="2289453" cy="718035"/>
+              <a:chOff x="5247420" y="2668643"/>
+              <a:chExt cx="2503053" cy="785026"/>
+            </a:xfrm>
+            <a:solidFill>
+              <a:schemeClr val="tx1">
+                <a:lumMod val="20000"/>
+                <a:lumOff val="80000"/>
+              </a:schemeClr>
+            </a:solidFill>
+          </p:grpSpPr>
+          <p:sp>
+            <p:nvSpPr>
+              <p:cNvPr id="14" name="Rectangle 13">
+                <a:extLst>
+                  <a:ext uri="{FF2B5EF4-FFF2-40B4-BE49-F238E27FC236}">
+                    <a16:creationId xmlns:a16="http://schemas.microsoft.com/office/drawing/2014/main" id="{AD85C795-0E5D-0294-BC27-605D70A1B6D7}"/>
+                  </a:ext>
+                </a:extLst>
+              </p:cNvPr>
+              <p:cNvSpPr/>
+              <p:nvPr/>
+            </p:nvSpPr>
+            <p:spPr bwMode="auto">
+              <a:xfrm>
+                <a:off x="5247420" y="2668643"/>
+                <a:ext cx="2503053" cy="785026"/>
+              </a:xfrm>
+              <a:prstGeom prst="rect">
+                <a:avLst/>
+              </a:prstGeom>
+              <a:grpFill/>
+              <a:ln>
+                <a:solidFill>
+                  <a:schemeClr val="bg1">
+                    <a:lumMod val="50000"/>
+                  </a:schemeClr>
+                </a:solidFill>
+                <a:headEnd type="none" w="med" len="med"/>
+                <a:tailEnd type="none" w="med" len="med"/>
+              </a:ln>
+              <a:effectLst/>
+            </p:spPr>
+            <p:style>
+              <a:lnRef idx="1">
+                <a:schemeClr val="accent2"/>
+              </a:lnRef>
+              <a:fillRef idx="3">
+                <a:schemeClr val="accent2"/>
+              </a:fillRef>
+              <a:effectRef idx="2">
+                <a:schemeClr val="accent2"/>
+              </a:effectRef>
+              <a:fontRef idx="minor">
+                <a:schemeClr val="lt1"/>
+              </a:fontRef>
+            </p:style>
+            <p:txBody>
+              <a:bodyPr rot="0" spcFirstLastPara="0" vertOverflow="overflow" horzOverflow="overflow" vert="horz" wrap="square" lIns="45720" tIns="18288" rIns="182880" bIns="146304" numCol="1" spcCol="0" rtlCol="0" fromWordArt="0" anchor="t" anchorCtr="0" forceAA="0" compatLnSpc="1">
+                <a:prstTxWarp prst="textNoShape">
+                  <a:avLst/>
+                </a:prstTxWarp>
+                <a:noAutofit/>
+              </a:bodyPr>
+              <a:lstStyle/>
+              <a:p>
+                <a:pPr defTabSz="932472" fontAlgn="base">
+                  <a:lnSpc>
+                    <a:spcPct val="90000"/>
+                  </a:lnSpc>
+                  <a:spcBef>
+                    <a:spcPct val="0"/>
+                  </a:spcBef>
+                  <a:spcAft>
+                    <a:spcPct val="0"/>
+                  </a:spcAft>
+                </a:pPr>
+                <a:r>
+                  <a:rPr lang="en-US" sz="600" dirty="0">
+                    <a:solidFill>
+                      <a:schemeClr val="tx2">
+                        <a:lumMod val="90000"/>
+                        <a:lumOff val="10000"/>
+                      </a:schemeClr>
+                    </a:solidFill>
+                    <a:latin typeface="Arial Black" panose="020B0A04020102020204" pitchFamily="34" charset="0"/>
+                    <a:ea typeface="Segoe UI" pitchFamily="34" charset="0"/>
+                    <a:cs typeface="Segoe UI" pitchFamily="34" charset="0"/>
+                  </a:rPr>
+                  <a:t>Project1-Translations-German.csv</a:t>
+                </a:r>
+              </a:p>
+            </p:txBody>
+          </p:sp>
+          <p:pic>
+            <p:nvPicPr>
+              <p:cNvPr id="16" name="Picture 15">
+                <a:extLst>
+                  <a:ext uri="{FF2B5EF4-FFF2-40B4-BE49-F238E27FC236}">
+                    <a16:creationId xmlns:a16="http://schemas.microsoft.com/office/drawing/2014/main" id="{32E752C2-878F-6869-D65A-7AE459BAE244}"/>
+                  </a:ext>
+                </a:extLst>
+              </p:cNvPr>
+              <p:cNvPicPr>
+                <a:picLocks noChangeAspect="1"/>
+              </p:cNvPicPr>
+              <p:nvPr/>
+            </p:nvPicPr>
+            <p:blipFill>
+              <a:blip r:embed="rId4"/>
+              <a:stretch>
+                <a:fillRect/>
+              </a:stretch>
+            </p:blipFill>
+            <p:spPr>
+              <a:xfrm>
+                <a:off x="5292337" y="2798317"/>
+                <a:ext cx="2410990" cy="617406"/>
+              </a:xfrm>
+              <a:prstGeom prst="rect">
+                <a:avLst/>
+              </a:prstGeom>
+              <a:grpFill/>
+              <a:ln>
+                <a:solidFill>
+                  <a:schemeClr val="bg1">
+                    <a:lumMod val="50000"/>
+                  </a:schemeClr>
+                </a:solidFill>
+              </a:ln>
+            </p:spPr>
+          </p:pic>
+        </p:grpSp>
+        <p:sp>
+          <p:nvSpPr>
+            <p:cNvPr id="21" name="Rectangle 20">
+              <a:extLst>
+                <a:ext uri="{FF2B5EF4-FFF2-40B4-BE49-F238E27FC236}">
+                  <a16:creationId xmlns:a16="http://schemas.microsoft.com/office/drawing/2014/main" id="{F7E2B6F3-F595-1893-57DA-C23814BC486A}"/>
+                </a:ext>
+              </a:extLst>
+            </p:cNvPr>
+            <p:cNvSpPr/>
+            <p:nvPr/>
+          </p:nvSpPr>
+          <p:spPr bwMode="auto">
+            <a:xfrm>
+              <a:off x="6234095" y="4288056"/>
+              <a:ext cx="2547851" cy="266971"/>
+            </a:xfrm>
+            <a:prstGeom prst="rect">
+              <a:avLst/>
+            </a:prstGeom>
+            <a:solidFill>
+              <a:schemeClr val="tx1"/>
+            </a:solidFill>
+            <a:ln>
+              <a:noFill/>
+              <a:headEnd type="none" w="med" len="med"/>
+              <a:tailEnd type="none" w="med" len="med"/>
+            </a:ln>
+            <a:effectLst/>
+          </p:spPr>
+          <p:style>
+            <a:lnRef idx="1">
+              <a:schemeClr val="accent2"/>
+            </a:lnRef>
+            <a:fillRef idx="3">
+              <a:schemeClr val="accent2"/>
+            </a:fillRef>
+            <a:effectRef idx="2">
+              <a:schemeClr val="accent2"/>
+            </a:effectRef>
+            <a:fontRef idx="minor">
+              <a:schemeClr val="lt1"/>
+            </a:fontRef>
+          </p:style>
+          <p:txBody>
+            <a:bodyPr rot="0" spcFirstLastPara="0" vertOverflow="overflow" horzOverflow="overflow" vert="horz" wrap="square" lIns="182880" tIns="146304" rIns="182880" bIns="146304" numCol="1" spcCol="0" rtlCol="0" fromWordArt="0" anchor="ctr" anchorCtr="0" forceAA="0" compatLnSpc="1">
+              <a:prstTxWarp prst="textNoShape">
+                <a:avLst/>
+              </a:prstTxWarp>
+              <a:noAutofit/>
+            </a:bodyPr>
+            <a:lstStyle/>
+            <a:p>
+              <a:pPr algn="ctr" defTabSz="932472" fontAlgn="base">
+                <a:lnSpc>
+                  <a:spcPct val="90000"/>
+                </a:lnSpc>
+                <a:spcBef>
+                  <a:spcPct val="0"/>
+                </a:spcBef>
+                <a:spcAft>
+                  <a:spcPct val="0"/>
+                </a:spcAft>
+              </a:pPr>
+              <a:r>
+                <a:rPr lang="en-US" sz="1200" dirty="0">
+                  <a:gradFill>
+                    <a:gsLst>
+                      <a:gs pos="0">
+                        <a:srgbClr val="FFFFFF"/>
+                      </a:gs>
+                      <a:gs pos="100000">
+                        <a:srgbClr val="FFFFFF"/>
+                      </a:gs>
+                    </a:gsLst>
+                    <a:lin ang="5400000" scaled="0"/>
+                  </a:gradFill>
+                  <a:latin typeface="Arial Black" panose="020B0A04020102020204" pitchFamily="34" charset="0"/>
+                  <a:ea typeface="Segoe UI" pitchFamily="34" charset="0"/>
+                  <a:cs typeface="Segoe UI" pitchFamily="34" charset="0"/>
+                </a:rPr>
+                <a:t>Inbox</a:t>
+              </a:r>
+            </a:p>
+          </p:txBody>
+        </p:sp>
+        <p:sp>
+          <p:nvSpPr>
+            <p:cNvPr id="22" name="Rectangle 21">
+              <a:extLst>
+                <a:ext uri="{FF2B5EF4-FFF2-40B4-BE49-F238E27FC236}">
+                  <a16:creationId xmlns:a16="http://schemas.microsoft.com/office/drawing/2014/main" id="{E45BE9D0-4CC4-51F0-9B6A-618B77E1A0C3}"/>
+                </a:ext>
+              </a:extLst>
+            </p:cNvPr>
+            <p:cNvSpPr/>
+            <p:nvPr/>
+          </p:nvSpPr>
+          <p:spPr bwMode="auto">
+            <a:xfrm>
+              <a:off x="6244648" y="4564091"/>
+              <a:ext cx="2535382" cy="1710419"/>
+            </a:xfrm>
+            <a:prstGeom prst="rect">
+              <a:avLst/>
+            </a:prstGeom>
+            <a:solidFill>
+              <a:schemeClr val="bg1"/>
+            </a:solidFill>
+            <a:ln>
+              <a:solidFill>
+                <a:schemeClr val="tx1"/>
+              </a:solidFill>
+              <a:headEnd type="none" w="med" len="med"/>
+              <a:tailEnd type="none" w="med" len="med"/>
+            </a:ln>
+            <a:effectLst/>
+          </p:spPr>
+          <p:style>
+            <a:lnRef idx="1">
+              <a:schemeClr val="accent2"/>
+            </a:lnRef>
+            <a:fillRef idx="3">
+              <a:schemeClr val="accent2"/>
+            </a:fillRef>
+            <a:effectRef idx="2">
+              <a:schemeClr val="accent2"/>
+            </a:effectRef>
+            <a:fontRef idx="minor">
+              <a:schemeClr val="lt1"/>
+            </a:fontRef>
+          </p:style>
+          <p:txBody>
+            <a:bodyPr rot="0" spcFirstLastPara="0" vertOverflow="overflow" horzOverflow="overflow" vert="horz" wrap="square" lIns="182880" tIns="146304" rIns="182880" bIns="146304" numCol="1" spcCol="0" rtlCol="0" fromWordArt="0" anchor="t" anchorCtr="0" forceAA="0" compatLnSpc="1">
+              <a:prstTxWarp prst="textNoShape">
+                <a:avLst/>
+              </a:prstTxWarp>
+              <a:noAutofit/>
+            </a:bodyPr>
+            <a:lstStyle/>
+            <a:p>
+              <a:pPr algn="ctr" defTabSz="932472" fontAlgn="base">
+                <a:lnSpc>
+                  <a:spcPct val="90000"/>
+                </a:lnSpc>
+                <a:spcBef>
+                  <a:spcPct val="0"/>
+                </a:spcBef>
+                <a:spcAft>
+                  <a:spcPct val="0"/>
+                </a:spcAft>
+              </a:pPr>
+              <a:endParaRPr lang="en-US" sz="2400" dirty="0" err="1">
+                <a:gradFill>
+                  <a:gsLst>
+                    <a:gs pos="0">
+                      <a:srgbClr val="FFFFFF"/>
+                    </a:gs>
+                    <a:gs pos="100000">
+                      <a:srgbClr val="FFFFFF"/>
+                    </a:gs>
+                  </a:gsLst>
+                  <a:lin ang="5400000" scaled="0"/>
+                </a:gradFill>
+                <a:ea typeface="Segoe UI" pitchFamily="34" charset="0"/>
+                <a:cs typeface="Segoe UI" pitchFamily="34" charset="0"/>
+              </a:endParaRPr>
+            </a:p>
+          </p:txBody>
+        </p:sp>
+        <p:grpSp>
+          <p:nvGrpSpPr>
+            <p:cNvPr id="23" name="Group 22">
+              <a:extLst>
+                <a:ext uri="{FF2B5EF4-FFF2-40B4-BE49-F238E27FC236}">
+                  <a16:creationId xmlns:a16="http://schemas.microsoft.com/office/drawing/2014/main" id="{A73F3FDA-BCAF-29CF-B6C8-C56C0CE51925}"/>
+                </a:ext>
+              </a:extLst>
+            </p:cNvPr>
+            <p:cNvGrpSpPr/>
+            <p:nvPr/>
+          </p:nvGrpSpPr>
+          <p:grpSpPr>
+            <a:xfrm>
+              <a:off x="6354225" y="4667045"/>
+              <a:ext cx="2273406" cy="696073"/>
+              <a:chOff x="5249612" y="1802485"/>
+              <a:chExt cx="2503053" cy="766387"/>
+            </a:xfrm>
+            <a:solidFill>
+              <a:schemeClr val="tx1">
+                <a:lumMod val="20000"/>
+                <a:lumOff val="80000"/>
+              </a:schemeClr>
+            </a:solidFill>
+          </p:grpSpPr>
+          <p:sp>
+            <p:nvSpPr>
+              <p:cNvPr id="24" name="Rectangle 23">
+                <a:extLst>
+                  <a:ext uri="{FF2B5EF4-FFF2-40B4-BE49-F238E27FC236}">
+                    <a16:creationId xmlns:a16="http://schemas.microsoft.com/office/drawing/2014/main" id="{517569D8-8DBF-296F-DBBF-A084BB8FCA99}"/>
+                  </a:ext>
+                </a:extLst>
+              </p:cNvPr>
+              <p:cNvSpPr/>
+              <p:nvPr/>
+            </p:nvSpPr>
+            <p:spPr bwMode="auto">
+              <a:xfrm>
+                <a:off x="5249612" y="1802485"/>
+                <a:ext cx="2503053" cy="766387"/>
+              </a:xfrm>
+              <a:prstGeom prst="rect">
+                <a:avLst/>
+              </a:prstGeom>
+              <a:grpFill/>
+              <a:ln>
+                <a:solidFill>
+                  <a:schemeClr val="bg1">
+                    <a:lumMod val="50000"/>
+                  </a:schemeClr>
+                </a:solidFill>
+                <a:headEnd type="none" w="med" len="med"/>
+                <a:tailEnd type="none" w="med" len="med"/>
+              </a:ln>
+              <a:effectLst/>
+            </p:spPr>
+            <p:style>
+              <a:lnRef idx="1">
+                <a:schemeClr val="accent2"/>
+              </a:lnRef>
+              <a:fillRef idx="3">
+                <a:schemeClr val="accent2"/>
+              </a:fillRef>
+              <a:effectRef idx="2">
+                <a:schemeClr val="accent2"/>
+              </a:effectRef>
+              <a:fontRef idx="minor">
+                <a:schemeClr val="lt1"/>
+              </a:fontRef>
+            </p:style>
+            <p:txBody>
+              <a:bodyPr rot="0" spcFirstLastPara="0" vertOverflow="overflow" horzOverflow="overflow" vert="horz" wrap="square" lIns="45720" tIns="18288" rIns="182880" bIns="146304" numCol="1" spcCol="0" rtlCol="0" fromWordArt="0" anchor="t" anchorCtr="0" forceAA="0" compatLnSpc="1">
+                <a:prstTxWarp prst="textNoShape">
+                  <a:avLst/>
+                </a:prstTxWarp>
+                <a:noAutofit/>
+              </a:bodyPr>
+              <a:lstStyle/>
+              <a:p>
+                <a:pPr defTabSz="932472" fontAlgn="base">
+                  <a:lnSpc>
+                    <a:spcPct val="90000"/>
+                  </a:lnSpc>
+                  <a:spcBef>
+                    <a:spcPct val="0"/>
+                  </a:spcBef>
+                  <a:spcAft>
+                    <a:spcPct val="0"/>
+                  </a:spcAft>
+                </a:pPr>
+                <a:r>
+                  <a:rPr lang="en-US" sz="600" dirty="0">
+                    <a:solidFill>
+                      <a:schemeClr val="tx2">
+                        <a:lumMod val="90000"/>
+                        <a:lumOff val="10000"/>
+                      </a:schemeClr>
+                    </a:solidFill>
+                    <a:latin typeface="Arial Black" panose="020B0A04020102020204" pitchFamily="34" charset="0"/>
+                    <a:ea typeface="Segoe UI" pitchFamily="34" charset="0"/>
+                    <a:cs typeface="Segoe UI" pitchFamily="34" charset="0"/>
+                  </a:rPr>
+                  <a:t>Project1-Translations-Spanish.csv</a:t>
+                </a:r>
+              </a:p>
+            </p:txBody>
+          </p:sp>
+          <p:pic>
+            <p:nvPicPr>
+              <p:cNvPr id="25" name="Picture 24">
+                <a:extLst>
+                  <a:ext uri="{FF2B5EF4-FFF2-40B4-BE49-F238E27FC236}">
+                    <a16:creationId xmlns:a16="http://schemas.microsoft.com/office/drawing/2014/main" id="{767C6A94-9F11-1FD5-6FE0-A81EA3E12591}"/>
+                  </a:ext>
+                </a:extLst>
+              </p:cNvPr>
+              <p:cNvPicPr>
+                <a:picLocks noChangeAspect="1"/>
+              </p:cNvPicPr>
+              <p:nvPr/>
+            </p:nvPicPr>
+            <p:blipFill>
+              <a:blip r:embed="rId3"/>
+              <a:stretch>
+                <a:fillRect/>
+              </a:stretch>
+            </p:blipFill>
+            <p:spPr>
+              <a:xfrm>
+                <a:off x="5298059" y="1951694"/>
+                <a:ext cx="2391331" cy="572480"/>
+              </a:xfrm>
+              <a:prstGeom prst="rect">
+                <a:avLst/>
+              </a:prstGeom>
+              <a:grpFill/>
+              <a:ln w="19050">
+                <a:solidFill>
+                  <a:schemeClr val="bg1">
+                    <a:lumMod val="50000"/>
+                  </a:schemeClr>
+                </a:solidFill>
+              </a:ln>
+            </p:spPr>
+          </p:pic>
+        </p:grpSp>
+        <p:grpSp>
+          <p:nvGrpSpPr>
+            <p:cNvPr id="26" name="Group 25">
+              <a:extLst>
+                <a:ext uri="{FF2B5EF4-FFF2-40B4-BE49-F238E27FC236}">
+                  <a16:creationId xmlns:a16="http://schemas.microsoft.com/office/drawing/2014/main" id="{B9BB4E30-8E51-8A0B-A0FB-9F5B023AF937}"/>
+                </a:ext>
+              </a:extLst>
+            </p:cNvPr>
+            <p:cNvGrpSpPr/>
+            <p:nvPr/>
+          </p:nvGrpSpPr>
+          <p:grpSpPr>
+            <a:xfrm>
+              <a:off x="6352032" y="5460813"/>
+              <a:ext cx="2289453" cy="718035"/>
+              <a:chOff x="5247420" y="2668643"/>
+              <a:chExt cx="2503053" cy="785026"/>
+            </a:xfrm>
+            <a:solidFill>
+              <a:schemeClr val="tx1">
+                <a:lumMod val="20000"/>
+                <a:lumOff val="80000"/>
+              </a:schemeClr>
+            </a:solidFill>
+          </p:grpSpPr>
+          <p:sp>
+            <p:nvSpPr>
+              <p:cNvPr id="27" name="Rectangle 26">
+                <a:extLst>
+                  <a:ext uri="{FF2B5EF4-FFF2-40B4-BE49-F238E27FC236}">
+                    <a16:creationId xmlns:a16="http://schemas.microsoft.com/office/drawing/2014/main" id="{41F1F5E3-34F1-5A5E-2F50-6CD13AD174C4}"/>
+                  </a:ext>
+                </a:extLst>
+              </p:cNvPr>
+              <p:cNvSpPr/>
+              <p:nvPr/>
+            </p:nvSpPr>
+            <p:spPr bwMode="auto">
+              <a:xfrm>
+                <a:off x="5247420" y="2668643"/>
+                <a:ext cx="2503053" cy="785026"/>
+              </a:xfrm>
+              <a:prstGeom prst="rect">
+                <a:avLst/>
+              </a:prstGeom>
+              <a:grpFill/>
+              <a:ln>
+                <a:solidFill>
+                  <a:schemeClr val="bg1">
+                    <a:lumMod val="50000"/>
+                  </a:schemeClr>
+                </a:solidFill>
+                <a:headEnd type="none" w="med" len="med"/>
+                <a:tailEnd type="none" w="med" len="med"/>
+              </a:ln>
+              <a:effectLst/>
+            </p:spPr>
+            <p:style>
+              <a:lnRef idx="1">
+                <a:schemeClr val="accent2"/>
+              </a:lnRef>
+              <a:fillRef idx="3">
+                <a:schemeClr val="accent2"/>
+              </a:fillRef>
+              <a:effectRef idx="2">
+                <a:schemeClr val="accent2"/>
+              </a:effectRef>
+              <a:fontRef idx="minor">
+                <a:schemeClr val="lt1"/>
+              </a:fontRef>
+            </p:style>
+            <p:txBody>
+              <a:bodyPr rot="0" spcFirstLastPara="0" vertOverflow="overflow" horzOverflow="overflow" vert="horz" wrap="square" lIns="45720" tIns="18288" rIns="182880" bIns="146304" numCol="1" spcCol="0" rtlCol="0" fromWordArt="0" anchor="t" anchorCtr="0" forceAA="0" compatLnSpc="1">
+                <a:prstTxWarp prst="textNoShape">
+                  <a:avLst/>
+                </a:prstTxWarp>
+                <a:noAutofit/>
+              </a:bodyPr>
+              <a:lstStyle/>
+              <a:p>
+                <a:pPr defTabSz="932472" fontAlgn="base">
+                  <a:lnSpc>
+                    <a:spcPct val="90000"/>
+                  </a:lnSpc>
+                  <a:spcBef>
+                    <a:spcPct val="0"/>
+                  </a:spcBef>
+                  <a:spcAft>
+                    <a:spcPct val="0"/>
+                  </a:spcAft>
+                </a:pPr>
+                <a:r>
+                  <a:rPr lang="en-US" sz="600" dirty="0">
+                    <a:solidFill>
+                      <a:schemeClr val="tx2">
+                        <a:lumMod val="90000"/>
+                        <a:lumOff val="10000"/>
+                      </a:schemeClr>
+                    </a:solidFill>
+                    <a:latin typeface="Arial Black" panose="020B0A04020102020204" pitchFamily="34" charset="0"/>
+                    <a:ea typeface="Segoe UI" pitchFamily="34" charset="0"/>
+                    <a:cs typeface="Segoe UI" pitchFamily="34" charset="0"/>
+                  </a:rPr>
+                  <a:t>Project1-Translations-German.csv</a:t>
+                </a:r>
+              </a:p>
+            </p:txBody>
+          </p:sp>
+          <p:pic>
+            <p:nvPicPr>
+              <p:cNvPr id="28" name="Picture 27">
+                <a:extLst>
+                  <a:ext uri="{FF2B5EF4-FFF2-40B4-BE49-F238E27FC236}">
+                    <a16:creationId xmlns:a16="http://schemas.microsoft.com/office/drawing/2014/main" id="{0CAD160C-4ABF-E6D9-5334-B6BDB022CF81}"/>
+                  </a:ext>
+                </a:extLst>
+              </p:cNvPr>
+              <p:cNvPicPr>
+                <a:picLocks noChangeAspect="1"/>
+              </p:cNvPicPr>
+              <p:nvPr/>
+            </p:nvPicPr>
+            <p:blipFill>
+              <a:blip r:embed="rId4"/>
+              <a:stretch>
+                <a:fillRect/>
+              </a:stretch>
+            </p:blipFill>
+            <p:spPr>
+              <a:xfrm>
+                <a:off x="5292337" y="2798317"/>
+                <a:ext cx="2410990" cy="617406"/>
+              </a:xfrm>
+              <a:prstGeom prst="rect">
+                <a:avLst/>
+              </a:prstGeom>
+              <a:grpFill/>
+              <a:ln>
+                <a:solidFill>
+                  <a:schemeClr val="bg1">
+                    <a:lumMod val="50000"/>
+                  </a:schemeClr>
+                </a:solidFill>
+              </a:ln>
+            </p:spPr>
+          </p:pic>
+        </p:grpSp>
+      </p:grpSp>
+      <p:sp>
+        <p:nvSpPr>
+          <p:cNvPr id="29" name="Arrow: Right 28">
+            <a:extLst>
+              <a:ext uri="{FF2B5EF4-FFF2-40B4-BE49-F238E27FC236}">
+                <a16:creationId xmlns:a16="http://schemas.microsoft.com/office/drawing/2014/main" id="{9E119AD2-E587-4A74-8815-1F450D50F510}"/>
+              </a:ext>
+            </a:extLst>
+          </p:cNvPr>
+          <p:cNvSpPr/>
+          <p:nvPr/>
+        </p:nvSpPr>
+        <p:spPr bwMode="auto">
+          <a:xfrm>
+            <a:off x="4547209" y="2480942"/>
+            <a:ext cx="1886949" cy="299305"/>
+          </a:xfrm>
+          <a:prstGeom prst="rightArrow">
+            <a:avLst>
+              <a:gd name="adj1" fmla="val 59227"/>
+              <a:gd name="adj2" fmla="val 50000"/>
+            </a:avLst>
+          </a:prstGeom>
+          <a:solidFill>
+            <a:schemeClr val="accent1"/>
+          </a:solidFill>
+          <a:ln>
+            <a:solidFill>
+              <a:schemeClr val="tx1"/>
+            </a:solidFill>
+            <a:headEnd type="none" w="med" len="med"/>
+            <a:tailEnd type="none" w="med" len="med"/>
+          </a:ln>
+          <a:effectLst/>
+        </p:spPr>
+        <p:style>
+          <a:lnRef idx="1">
+            <a:schemeClr val="accent2"/>
+          </a:lnRef>
+          <a:fillRef idx="3">
+            <a:schemeClr val="accent2"/>
+          </a:fillRef>
+          <a:effectRef idx="2">
+            <a:schemeClr val="accent2"/>
+          </a:effectRef>
+          <a:fontRef idx="minor">
+            <a:schemeClr val="lt1"/>
+          </a:fontRef>
+        </p:style>
+        <p:txBody>
+          <a:bodyPr rot="0" spcFirstLastPara="0" vertOverflow="overflow" horzOverflow="overflow" vert="horz" wrap="square" lIns="182880" tIns="146304" rIns="182880" bIns="146304" numCol="1" spcCol="0" rtlCol="0" fromWordArt="0" anchor="ctr" anchorCtr="0" forceAA="0" compatLnSpc="1">
+            <a:prstTxWarp prst="textNoShape">
+              <a:avLst/>
+            </a:prstTxWarp>
+            <a:noAutofit/>
+          </a:bodyPr>
+          <a:lstStyle/>
+          <a:p>
+            <a:pPr algn="ctr" defTabSz="932472" fontAlgn="base">
+              <a:lnSpc>
+                <a:spcPct val="90000"/>
+              </a:lnSpc>
+              <a:spcBef>
+                <a:spcPct val="0"/>
+              </a:spcBef>
+              <a:spcAft>
+                <a:spcPct val="0"/>
+              </a:spcAft>
+            </a:pPr>
+            <a:r>
+              <a:rPr lang="en-US" sz="700" b="1" dirty="0">
+                <a:solidFill>
+                  <a:schemeClr val="tx2">
+                    <a:lumMod val="90000"/>
+                    <a:lumOff val="10000"/>
+                  </a:schemeClr>
+                </a:solidFill>
+                <a:latin typeface="OCR A Extended" panose="02010509020102010303" pitchFamily="50" charset="0"/>
+                <a:ea typeface="Segoe UI" pitchFamily="34" charset="0"/>
+                <a:cs typeface="Segoe UI" pitchFamily="34" charset="0"/>
+              </a:rPr>
+              <a:t>Export Translation Sheet</a:t>
+            </a:r>
+          </a:p>
+        </p:txBody>
+      </p:sp>
+      <p:sp>
+        <p:nvSpPr>
+          <p:cNvPr id="33" name="Arrow: Right 32">
+            <a:extLst>
+              <a:ext uri="{FF2B5EF4-FFF2-40B4-BE49-F238E27FC236}">
+                <a16:creationId xmlns:a16="http://schemas.microsoft.com/office/drawing/2014/main" id="{CA8B5776-D845-22F1-216D-457C2E876D00}"/>
+              </a:ext>
+            </a:extLst>
+          </p:cNvPr>
+          <p:cNvSpPr/>
+          <p:nvPr/>
+        </p:nvSpPr>
+        <p:spPr bwMode="auto">
+          <a:xfrm>
+            <a:off x="6939632" y="2024777"/>
+            <a:ext cx="2381186" cy="456165"/>
+          </a:xfrm>
+          <a:prstGeom prst="rightArrow">
+            <a:avLst>
+              <a:gd name="adj1" fmla="val 59227"/>
+              <a:gd name="adj2" fmla="val 50000"/>
+            </a:avLst>
+          </a:prstGeom>
+          <a:solidFill>
+            <a:schemeClr val="accent1"/>
+          </a:solidFill>
+          <a:ln>
+            <a:solidFill>
+              <a:schemeClr val="tx1"/>
+            </a:solidFill>
+            <a:headEnd type="none" w="med" len="med"/>
+            <a:tailEnd type="none" w="med" len="med"/>
+          </a:ln>
+          <a:effectLst/>
+        </p:spPr>
+        <p:style>
+          <a:lnRef idx="1">
+            <a:schemeClr val="accent2"/>
+          </a:lnRef>
+          <a:fillRef idx="3">
+            <a:schemeClr val="accent2"/>
+          </a:fillRef>
+          <a:effectRef idx="2">
+            <a:schemeClr val="accent2"/>
+          </a:effectRef>
+          <a:fontRef idx="minor">
+            <a:schemeClr val="lt1"/>
+          </a:fontRef>
+        </p:style>
+        <p:txBody>
+          <a:bodyPr rot="0" spcFirstLastPara="0" vertOverflow="overflow" horzOverflow="overflow" vert="horz" wrap="square" lIns="182880" tIns="146304" rIns="182880" bIns="146304" numCol="1" spcCol="0" rtlCol="0" fromWordArt="0" anchor="ctr" anchorCtr="0" forceAA="0" compatLnSpc="1">
+            <a:prstTxWarp prst="textNoShape">
+              <a:avLst/>
+            </a:prstTxWarp>
+            <a:noAutofit/>
+          </a:bodyPr>
+          <a:lstStyle/>
+          <a:p>
+            <a:pPr algn="ctr" defTabSz="932472" fontAlgn="base">
+              <a:lnSpc>
+                <a:spcPct val="90000"/>
+              </a:lnSpc>
+              <a:spcBef>
+                <a:spcPct val="0"/>
+              </a:spcBef>
+              <a:spcAft>
+                <a:spcPct val="0"/>
+              </a:spcAft>
+            </a:pPr>
+            <a:r>
+              <a:rPr lang="en-US" sz="700" dirty="0">
+                <a:solidFill>
+                  <a:schemeClr val="tx2">
+                    <a:lumMod val="90000"/>
+                    <a:lumOff val="10000"/>
+                  </a:schemeClr>
+                </a:solidFill>
+                <a:latin typeface="OCR A Extended" panose="02010509020102010303" pitchFamily="50" charset="0"/>
+                <a:ea typeface="Segoe UI" pitchFamily="34" charset="0"/>
+                <a:cs typeface="Segoe UI" pitchFamily="34" charset="0"/>
+              </a:rPr>
+              <a:t>Import Translation Sheet</a:t>
+            </a:r>
+          </a:p>
+        </p:txBody>
+      </p:sp>
+    </p:spTree>
+    <p:extLst>
+      <p:ext uri="{BB962C8B-B14F-4D97-AF65-F5344CB8AC3E}">
+        <p14:creationId xmlns:p14="http://schemas.microsoft.com/office/powerpoint/2010/main" val="3590363856"/>
+      </p:ext>
+    </p:extLst>
+  </p:cSld>
+  <p:clrMapOvr>
+    <a:masterClrMapping/>
+  </p:clrMapOvr>
+  <p:transition>
+    <p:fade/>
+  </p:transition>
+</p:sld>
+</file>
+
 <file path=ppt/slides/slide4.xml><?xml version="1.0" encoding="utf-8"?>
 <p:sld xmlns:a="http://schemas.openxmlformats.org/drawingml/2006/main" xmlns:r="http://schemas.openxmlformats.org/officeDocument/2006/relationships" xmlns:p="http://schemas.openxmlformats.org/presentationml/2006/main">
   <p:cSld>
@@ -19600,6 +20822,15 @@
 </file>
 
 <file path=customXml/item1.xml><?xml version="1.0" encoding="utf-8"?>
+<?mso-contentType ?>
+<FormTemplates xmlns="http://schemas.microsoft.com/sharepoint/v3/contenttype/forms">
+  <Display>DocumentLibraryForm</Display>
+  <Edit>DocumentLibraryForm</Edit>
+  <New>DocumentLibraryForm</New>
+</FormTemplates>
+</file>
+
+<file path=customXml/item2.xml><?xml version="1.0" encoding="utf-8"?>
 <ct:contentTypeSchema xmlns:ct="http://schemas.microsoft.com/office/2006/metadata/contentType" xmlns:ma="http://schemas.microsoft.com/office/2006/metadata/properties/metaAttributes" ct:_="" ma:_="" ma:contentTypeName="Document" ma:contentTypeID="0x0101000937CBA2829AB54C847AA138BDB6DD62" ma:contentTypeVersion="6" ma:contentTypeDescription="Create a new document." ma:contentTypeScope="" ma:versionID="0f7e39fa3406a6f330081ac46f53a9d2">
   <xsd:schema xmlns:xsd="http://www.w3.org/2001/XMLSchema" xmlns:xs="http://www.w3.org/2001/XMLSchema" xmlns:p="http://schemas.microsoft.com/office/2006/metadata/properties" xmlns:ns2="ef38329b-e139-4eb4-9d7a-1b84c79a6610" targetNamespace="http://schemas.microsoft.com/office/2006/metadata/properties" ma:root="true" ma:fieldsID="c5e10262f8d934c139771ac03f38712c" ns2:_="">
     <xsd:import namespace="ef38329b-e139-4eb4-9d7a-1b84c79a6610"/>
@@ -19751,15 +20982,6 @@
 </ct:contentTypeSchema>
 </file>
 
-<file path=customXml/item2.xml><?xml version="1.0" encoding="utf-8"?>
-<?mso-contentType ?>
-<FormTemplates xmlns="http://schemas.microsoft.com/sharepoint/v3/contenttype/forms">
-  <Display>DocumentLibraryForm</Display>
-  <Edit>DocumentLibraryForm</Edit>
-  <New>DocumentLibraryForm</New>
-</FormTemplates>
-</file>
-
 <file path=customXml/item3.xml><?xml version="1.0" encoding="utf-8"?>
 <p:properties xmlns:p="http://schemas.microsoft.com/office/2006/metadata/properties" xmlns:xsi="http://www.w3.org/2001/XMLSchema-instance" xmlns:pc="http://schemas.microsoft.com/office/infopath/2007/PartnerControls">
   <documentManagement/>
@@ -19767,6 +20989,14 @@
 </file>
 
 <file path=customXml/itemProps1.xml><?xml version="1.0" encoding="utf-8"?>
+<ds:datastoreItem xmlns:ds="http://schemas.openxmlformats.org/officeDocument/2006/customXml" ds:itemID="{758FDAC0-319D-4A54-8D8E-1D42CB1F8004}">
+  <ds:schemaRefs>
+    <ds:schemaRef ds:uri="http://schemas.microsoft.com/sharepoint/v3/contenttype/forms"/>
+  </ds:schemaRefs>
+</ds:datastoreItem>
+</file>
+
+<file path=customXml/itemProps2.xml><?xml version="1.0" encoding="utf-8"?>
 <ds:datastoreItem xmlns:ds="http://schemas.openxmlformats.org/officeDocument/2006/customXml" ds:itemID="{A4052A8C-2220-4E4B-95E2-C05C9863F10E}">
   <ds:schemaRefs>
     <ds:schemaRef ds:uri="ef38329b-e139-4eb4-9d7a-1b84c79a6610"/>
@@ -19780,14 +21010,6 @@
     <ds:schemaRef ds:uri="http://schemas.microsoft.com/office/infopath/2007/PartnerControls"/>
     <ds:schemaRef ds:uri="http://schemas.openxmlformats.org/package/2006/metadata/core-properties"/>
     <ds:schemaRef ds:uri="http://www.w3.org/2001/XMLSchema"/>
-  </ds:schemaRefs>
-</ds:datastoreItem>
-</file>
-
-<file path=customXml/itemProps2.xml><?xml version="1.0" encoding="utf-8"?>
-<ds:datastoreItem xmlns:ds="http://schemas.openxmlformats.org/officeDocument/2006/customXml" ds:itemID="{758FDAC0-319D-4A54-8D8E-1D42CB1F8004}">
-  <ds:schemaRefs>
-    <ds:schemaRef ds:uri="http://schemas.microsoft.com/sharepoint/v3/contenttype/forms"/>
   </ds:schemaRefs>
 </ds:datastoreItem>
 </file>

--- a/Docs/Translations Builder.pptx
+++ b/Docs/Translations Builder.pptx
@@ -5,10 +5,10 @@
     <p:sldMasterId id="2147484551" r:id="rId4"/>
   </p:sldMasterIdLst>
   <p:notesMasterIdLst>
-    <p:notesMasterId r:id="rId35"/>
+    <p:notesMasterId r:id="rId38"/>
   </p:notesMasterIdLst>
   <p:handoutMasterIdLst>
-    <p:handoutMasterId r:id="rId36"/>
+    <p:handoutMasterId r:id="rId39"/>
   </p:handoutMasterIdLst>
   <p:sldIdLst>
     <p:sldId id="4475" r:id="rId5"/>
@@ -41,6 +41,9 @@
     <p:sldId id="4568" r:id="rId32"/>
     <p:sldId id="4569" r:id="rId33"/>
     <p:sldId id="4570" r:id="rId34"/>
+    <p:sldId id="4571" r:id="rId35"/>
+    <p:sldId id="4572" r:id="rId36"/>
+    <p:sldId id="4573" r:id="rId37"/>
   </p:sldIdLst>
   <p:sldSz cx="12436475" cy="6994525"/>
   <p:notesSz cx="7010400" cy="9296400"/>
@@ -480,7 +483,7 @@
           <a:p>
             <a:fld id="{DCE60099-03E7-4FA1-8A7F-E6E6CFB0F855}" type="datetime8">
               <a:rPr lang="en-US" smtClean="0"/>
-              <a:t>12/29/2022 7:26 AM</a:t>
+              <a:t>1/5/2023 3:16 PM</a:t>
             </a:fld>
             <a:endParaRPr lang="en-US"/>
           </a:p>
@@ -16568,994 +16571,6 @@
           </a:p>
         </p:txBody>
       </p:sp>
-      <p:pic>
-        <p:nvPicPr>
-          <p:cNvPr id="18" name="Picture 17">
-            <a:extLst>
-              <a:ext uri="{FF2B5EF4-FFF2-40B4-BE49-F238E27FC236}">
-                <a16:creationId xmlns:a16="http://schemas.microsoft.com/office/drawing/2014/main" id="{DF26A5B7-5714-5391-7446-0E371D70FFCF}"/>
-              </a:ext>
-            </a:extLst>
-          </p:cNvPr>
-          <p:cNvPicPr>
-            <a:picLocks noChangeAspect="1"/>
-          </p:cNvPicPr>
-          <p:nvPr/>
-        </p:nvPicPr>
-        <p:blipFill>
-          <a:blip r:embed="rId2"/>
-          <a:stretch>
-            <a:fillRect/>
-          </a:stretch>
-        </p:blipFill>
-        <p:spPr>
-          <a:xfrm>
-            <a:off x="314324" y="1521728"/>
-            <a:ext cx="4065029" cy="2500921"/>
-          </a:xfrm>
-          <a:prstGeom prst="rect">
-            <a:avLst/>
-          </a:prstGeom>
-          <a:ln w="6350">
-            <a:solidFill>
-              <a:schemeClr val="tx1"/>
-            </a:solidFill>
-          </a:ln>
-        </p:spPr>
-      </p:pic>
-      <p:grpSp>
-        <p:nvGrpSpPr>
-          <p:cNvPr id="32" name="Group 31">
-            <a:extLst>
-              <a:ext uri="{FF2B5EF4-FFF2-40B4-BE49-F238E27FC236}">
-                <a16:creationId xmlns:a16="http://schemas.microsoft.com/office/drawing/2014/main" id="{0A623010-ADF2-7141-C88B-5CFB2AC64442}"/>
-              </a:ext>
-            </a:extLst>
-          </p:cNvPr>
-          <p:cNvGrpSpPr/>
-          <p:nvPr/>
-        </p:nvGrpSpPr>
-        <p:grpSpPr>
-          <a:xfrm>
-            <a:off x="6747248" y="2916455"/>
-            <a:ext cx="2248212" cy="3748295"/>
-            <a:chOff x="6219346" y="2002056"/>
-            <a:chExt cx="2562600" cy="4272454"/>
-          </a:xfrm>
-        </p:grpSpPr>
-        <p:sp>
-          <p:nvSpPr>
-            <p:cNvPr id="5" name="Rectangle 4">
-              <a:extLst>
-                <a:ext uri="{FF2B5EF4-FFF2-40B4-BE49-F238E27FC236}">
-                  <a16:creationId xmlns:a16="http://schemas.microsoft.com/office/drawing/2014/main" id="{8557F589-8002-1CAC-27D7-E76333803EFF}"/>
-                </a:ext>
-              </a:extLst>
-            </p:cNvPr>
-            <p:cNvSpPr/>
-            <p:nvPr/>
-          </p:nvSpPr>
-          <p:spPr bwMode="auto">
-            <a:xfrm>
-              <a:off x="6219346" y="2002056"/>
-              <a:ext cx="2547851" cy="266971"/>
-            </a:xfrm>
-            <a:prstGeom prst="rect">
-              <a:avLst/>
-            </a:prstGeom>
-            <a:solidFill>
-              <a:schemeClr val="tx1"/>
-            </a:solidFill>
-            <a:ln>
-              <a:noFill/>
-              <a:headEnd type="none" w="med" len="med"/>
-              <a:tailEnd type="none" w="med" len="med"/>
-            </a:ln>
-            <a:effectLst/>
-          </p:spPr>
-          <p:style>
-            <a:lnRef idx="1">
-              <a:schemeClr val="accent2"/>
-            </a:lnRef>
-            <a:fillRef idx="3">
-              <a:schemeClr val="accent2"/>
-            </a:fillRef>
-            <a:effectRef idx="2">
-              <a:schemeClr val="accent2"/>
-            </a:effectRef>
-            <a:fontRef idx="minor">
-              <a:schemeClr val="lt1"/>
-            </a:fontRef>
-          </p:style>
-          <p:txBody>
-            <a:bodyPr rot="0" spcFirstLastPara="0" vertOverflow="overflow" horzOverflow="overflow" vert="horz" wrap="square" lIns="182880" tIns="146304" rIns="182880" bIns="146304" numCol="1" spcCol="0" rtlCol="0" fromWordArt="0" anchor="ctr" anchorCtr="0" forceAA="0" compatLnSpc="1">
-              <a:prstTxWarp prst="textNoShape">
-                <a:avLst/>
-              </a:prstTxWarp>
-              <a:noAutofit/>
-            </a:bodyPr>
-            <a:lstStyle/>
-            <a:p>
-              <a:pPr algn="ctr" defTabSz="932472" fontAlgn="base">
-                <a:lnSpc>
-                  <a:spcPct val="90000"/>
-                </a:lnSpc>
-                <a:spcBef>
-                  <a:spcPct val="0"/>
-                </a:spcBef>
-                <a:spcAft>
-                  <a:spcPct val="0"/>
-                </a:spcAft>
-              </a:pPr>
-              <a:r>
-                <a:rPr lang="en-US" sz="1200" dirty="0">
-                  <a:gradFill>
-                    <a:gsLst>
-                      <a:gs pos="0">
-                        <a:srgbClr val="FFFFFF"/>
-                      </a:gs>
-                      <a:gs pos="100000">
-                        <a:srgbClr val="FFFFFF"/>
-                      </a:gs>
-                    </a:gsLst>
-                    <a:lin ang="5400000" scaled="0"/>
-                  </a:gradFill>
-                  <a:latin typeface="Arial Black" panose="020B0A04020102020204" pitchFamily="34" charset="0"/>
-                  <a:ea typeface="Segoe UI" pitchFamily="34" charset="0"/>
-                  <a:cs typeface="Segoe UI" pitchFamily="34" charset="0"/>
-                </a:rPr>
-                <a:t>Outbox</a:t>
-              </a:r>
-            </a:p>
-          </p:txBody>
-        </p:sp>
-        <p:sp>
-          <p:nvSpPr>
-            <p:cNvPr id="9" name="Rectangle 8">
-              <a:extLst>
-                <a:ext uri="{FF2B5EF4-FFF2-40B4-BE49-F238E27FC236}">
-                  <a16:creationId xmlns:a16="http://schemas.microsoft.com/office/drawing/2014/main" id="{9D359CBA-99EB-6217-87CF-2DCB88A3FE40}"/>
-                </a:ext>
-              </a:extLst>
-            </p:cNvPr>
-            <p:cNvSpPr/>
-            <p:nvPr/>
-          </p:nvSpPr>
-          <p:spPr bwMode="auto">
-            <a:xfrm>
-              <a:off x="6226273" y="2269027"/>
-              <a:ext cx="2535382" cy="1710419"/>
-            </a:xfrm>
-            <a:prstGeom prst="rect">
-              <a:avLst/>
-            </a:prstGeom>
-            <a:solidFill>
-              <a:schemeClr val="bg1"/>
-            </a:solidFill>
-            <a:ln>
-              <a:solidFill>
-                <a:schemeClr val="tx1"/>
-              </a:solidFill>
-              <a:headEnd type="none" w="med" len="med"/>
-              <a:tailEnd type="none" w="med" len="med"/>
-            </a:ln>
-            <a:effectLst/>
-          </p:spPr>
-          <p:style>
-            <a:lnRef idx="1">
-              <a:schemeClr val="accent2"/>
-            </a:lnRef>
-            <a:fillRef idx="3">
-              <a:schemeClr val="accent2"/>
-            </a:fillRef>
-            <a:effectRef idx="2">
-              <a:schemeClr val="accent2"/>
-            </a:effectRef>
-            <a:fontRef idx="minor">
-              <a:schemeClr val="lt1"/>
-            </a:fontRef>
-          </p:style>
-          <p:txBody>
-            <a:bodyPr rot="0" spcFirstLastPara="0" vertOverflow="overflow" horzOverflow="overflow" vert="horz" wrap="square" lIns="182880" tIns="146304" rIns="182880" bIns="146304" numCol="1" spcCol="0" rtlCol="0" fromWordArt="0" anchor="t" anchorCtr="0" forceAA="0" compatLnSpc="1">
-              <a:prstTxWarp prst="textNoShape">
-                <a:avLst/>
-              </a:prstTxWarp>
-              <a:noAutofit/>
-            </a:bodyPr>
-            <a:lstStyle/>
-            <a:p>
-              <a:pPr algn="ctr" defTabSz="932472" fontAlgn="base">
-                <a:lnSpc>
-                  <a:spcPct val="90000"/>
-                </a:lnSpc>
-                <a:spcBef>
-                  <a:spcPct val="0"/>
-                </a:spcBef>
-                <a:spcAft>
-                  <a:spcPct val="0"/>
-                </a:spcAft>
-              </a:pPr>
-              <a:endParaRPr lang="en-US" sz="2400" dirty="0" err="1">
-                <a:gradFill>
-                  <a:gsLst>
-                    <a:gs pos="0">
-                      <a:srgbClr val="FFFFFF"/>
-                    </a:gs>
-                    <a:gs pos="100000">
-                      <a:srgbClr val="FFFFFF"/>
-                    </a:gs>
-                  </a:gsLst>
-                  <a:lin ang="5400000" scaled="0"/>
-                </a:gradFill>
-                <a:ea typeface="Segoe UI" pitchFamily="34" charset="0"/>
-                <a:cs typeface="Segoe UI" pitchFamily="34" charset="0"/>
-              </a:endParaRPr>
-            </a:p>
-          </p:txBody>
-        </p:sp>
-        <p:grpSp>
-          <p:nvGrpSpPr>
-            <p:cNvPr id="19" name="Group 18">
-              <a:extLst>
-                <a:ext uri="{FF2B5EF4-FFF2-40B4-BE49-F238E27FC236}">
-                  <a16:creationId xmlns:a16="http://schemas.microsoft.com/office/drawing/2014/main" id="{CEC8FB5A-4309-DD7F-B90D-CEAD383B1C13}"/>
-                </a:ext>
-              </a:extLst>
-            </p:cNvPr>
-            <p:cNvGrpSpPr/>
-            <p:nvPr/>
-          </p:nvGrpSpPr>
-          <p:grpSpPr>
-            <a:xfrm>
-              <a:off x="6335850" y="2371981"/>
-              <a:ext cx="2273406" cy="696073"/>
-              <a:chOff x="5249612" y="1802485"/>
-              <a:chExt cx="2503053" cy="766387"/>
-            </a:xfrm>
-            <a:solidFill>
-              <a:schemeClr val="tx1">
-                <a:lumMod val="20000"/>
-                <a:lumOff val="80000"/>
-              </a:schemeClr>
-            </a:solidFill>
-          </p:grpSpPr>
-          <p:sp>
-            <p:nvSpPr>
-              <p:cNvPr id="13" name="Rectangle 12">
-                <a:extLst>
-                  <a:ext uri="{FF2B5EF4-FFF2-40B4-BE49-F238E27FC236}">
-                    <a16:creationId xmlns:a16="http://schemas.microsoft.com/office/drawing/2014/main" id="{089C5E62-099B-4BA3-C8D6-EF4C29596270}"/>
-                  </a:ext>
-                </a:extLst>
-              </p:cNvPr>
-              <p:cNvSpPr/>
-              <p:nvPr/>
-            </p:nvSpPr>
-            <p:spPr bwMode="auto">
-              <a:xfrm>
-                <a:off x="5249612" y="1802485"/>
-                <a:ext cx="2503053" cy="766387"/>
-              </a:xfrm>
-              <a:prstGeom prst="rect">
-                <a:avLst/>
-              </a:prstGeom>
-              <a:grpFill/>
-              <a:ln>
-                <a:solidFill>
-                  <a:schemeClr val="bg1">
-                    <a:lumMod val="50000"/>
-                  </a:schemeClr>
-                </a:solidFill>
-                <a:headEnd type="none" w="med" len="med"/>
-                <a:tailEnd type="none" w="med" len="med"/>
-              </a:ln>
-              <a:effectLst/>
-            </p:spPr>
-            <p:style>
-              <a:lnRef idx="1">
-                <a:schemeClr val="accent2"/>
-              </a:lnRef>
-              <a:fillRef idx="3">
-                <a:schemeClr val="accent2"/>
-              </a:fillRef>
-              <a:effectRef idx="2">
-                <a:schemeClr val="accent2"/>
-              </a:effectRef>
-              <a:fontRef idx="minor">
-                <a:schemeClr val="lt1"/>
-              </a:fontRef>
-            </p:style>
-            <p:txBody>
-              <a:bodyPr rot="0" spcFirstLastPara="0" vertOverflow="overflow" horzOverflow="overflow" vert="horz" wrap="square" lIns="45720" tIns="18288" rIns="182880" bIns="146304" numCol="1" spcCol="0" rtlCol="0" fromWordArt="0" anchor="t" anchorCtr="0" forceAA="0" compatLnSpc="1">
-                <a:prstTxWarp prst="textNoShape">
-                  <a:avLst/>
-                </a:prstTxWarp>
-                <a:noAutofit/>
-              </a:bodyPr>
-              <a:lstStyle/>
-              <a:p>
-                <a:pPr defTabSz="932472" fontAlgn="base">
-                  <a:lnSpc>
-                    <a:spcPct val="90000"/>
-                  </a:lnSpc>
-                  <a:spcBef>
-                    <a:spcPct val="0"/>
-                  </a:spcBef>
-                  <a:spcAft>
-                    <a:spcPct val="0"/>
-                  </a:spcAft>
-                </a:pPr>
-                <a:r>
-                  <a:rPr lang="en-US" sz="600" dirty="0">
-                    <a:solidFill>
-                      <a:schemeClr val="tx2">
-                        <a:lumMod val="90000"/>
-                        <a:lumOff val="10000"/>
-                      </a:schemeClr>
-                    </a:solidFill>
-                    <a:latin typeface="Arial Black" panose="020B0A04020102020204" pitchFamily="34" charset="0"/>
-                    <a:ea typeface="Segoe UI" pitchFamily="34" charset="0"/>
-                    <a:cs typeface="Segoe UI" pitchFamily="34" charset="0"/>
-                  </a:rPr>
-                  <a:t>Project1-Translations-Spanish.csv</a:t>
-                </a:r>
-              </a:p>
-            </p:txBody>
-          </p:sp>
-          <p:pic>
-            <p:nvPicPr>
-              <p:cNvPr id="11" name="Picture 10">
-                <a:extLst>
-                  <a:ext uri="{FF2B5EF4-FFF2-40B4-BE49-F238E27FC236}">
-                    <a16:creationId xmlns:a16="http://schemas.microsoft.com/office/drawing/2014/main" id="{225EF8C1-9114-9BF1-DAD1-3A5ACC5E28EA}"/>
-                  </a:ext>
-                </a:extLst>
-              </p:cNvPr>
-              <p:cNvPicPr>
-                <a:picLocks noChangeAspect="1"/>
-              </p:cNvPicPr>
-              <p:nvPr/>
-            </p:nvPicPr>
-            <p:blipFill>
-              <a:blip r:embed="rId3"/>
-              <a:stretch>
-                <a:fillRect/>
-              </a:stretch>
-            </p:blipFill>
-            <p:spPr>
-              <a:xfrm>
-                <a:off x="5298059" y="1951694"/>
-                <a:ext cx="2391331" cy="572480"/>
-              </a:xfrm>
-              <a:prstGeom prst="rect">
-                <a:avLst/>
-              </a:prstGeom>
-              <a:grpFill/>
-              <a:ln w="19050">
-                <a:solidFill>
-                  <a:schemeClr val="bg1">
-                    <a:lumMod val="50000"/>
-                  </a:schemeClr>
-                </a:solidFill>
-              </a:ln>
-            </p:spPr>
-          </p:pic>
-        </p:grpSp>
-        <p:grpSp>
-          <p:nvGrpSpPr>
-            <p:cNvPr id="20" name="Group 19">
-              <a:extLst>
-                <a:ext uri="{FF2B5EF4-FFF2-40B4-BE49-F238E27FC236}">
-                  <a16:creationId xmlns:a16="http://schemas.microsoft.com/office/drawing/2014/main" id="{CE69CAF7-C9AC-5776-ADFF-EF2A17A57E6F}"/>
-                </a:ext>
-              </a:extLst>
-            </p:cNvPr>
-            <p:cNvGrpSpPr/>
-            <p:nvPr/>
-          </p:nvGrpSpPr>
-          <p:grpSpPr>
-            <a:xfrm>
-              <a:off x="6333657" y="3165749"/>
-              <a:ext cx="2289453" cy="718035"/>
-              <a:chOff x="5247420" y="2668643"/>
-              <a:chExt cx="2503053" cy="785026"/>
-            </a:xfrm>
-            <a:solidFill>
-              <a:schemeClr val="tx1">
-                <a:lumMod val="20000"/>
-                <a:lumOff val="80000"/>
-              </a:schemeClr>
-            </a:solidFill>
-          </p:grpSpPr>
-          <p:sp>
-            <p:nvSpPr>
-              <p:cNvPr id="14" name="Rectangle 13">
-                <a:extLst>
-                  <a:ext uri="{FF2B5EF4-FFF2-40B4-BE49-F238E27FC236}">
-                    <a16:creationId xmlns:a16="http://schemas.microsoft.com/office/drawing/2014/main" id="{AD85C795-0E5D-0294-BC27-605D70A1B6D7}"/>
-                  </a:ext>
-                </a:extLst>
-              </p:cNvPr>
-              <p:cNvSpPr/>
-              <p:nvPr/>
-            </p:nvSpPr>
-            <p:spPr bwMode="auto">
-              <a:xfrm>
-                <a:off x="5247420" y="2668643"/>
-                <a:ext cx="2503053" cy="785026"/>
-              </a:xfrm>
-              <a:prstGeom prst="rect">
-                <a:avLst/>
-              </a:prstGeom>
-              <a:grpFill/>
-              <a:ln>
-                <a:solidFill>
-                  <a:schemeClr val="bg1">
-                    <a:lumMod val="50000"/>
-                  </a:schemeClr>
-                </a:solidFill>
-                <a:headEnd type="none" w="med" len="med"/>
-                <a:tailEnd type="none" w="med" len="med"/>
-              </a:ln>
-              <a:effectLst/>
-            </p:spPr>
-            <p:style>
-              <a:lnRef idx="1">
-                <a:schemeClr val="accent2"/>
-              </a:lnRef>
-              <a:fillRef idx="3">
-                <a:schemeClr val="accent2"/>
-              </a:fillRef>
-              <a:effectRef idx="2">
-                <a:schemeClr val="accent2"/>
-              </a:effectRef>
-              <a:fontRef idx="minor">
-                <a:schemeClr val="lt1"/>
-              </a:fontRef>
-            </p:style>
-            <p:txBody>
-              <a:bodyPr rot="0" spcFirstLastPara="0" vertOverflow="overflow" horzOverflow="overflow" vert="horz" wrap="square" lIns="45720" tIns="18288" rIns="182880" bIns="146304" numCol="1" spcCol="0" rtlCol="0" fromWordArt="0" anchor="t" anchorCtr="0" forceAA="0" compatLnSpc="1">
-                <a:prstTxWarp prst="textNoShape">
-                  <a:avLst/>
-                </a:prstTxWarp>
-                <a:noAutofit/>
-              </a:bodyPr>
-              <a:lstStyle/>
-              <a:p>
-                <a:pPr defTabSz="932472" fontAlgn="base">
-                  <a:lnSpc>
-                    <a:spcPct val="90000"/>
-                  </a:lnSpc>
-                  <a:spcBef>
-                    <a:spcPct val="0"/>
-                  </a:spcBef>
-                  <a:spcAft>
-                    <a:spcPct val="0"/>
-                  </a:spcAft>
-                </a:pPr>
-                <a:r>
-                  <a:rPr lang="en-US" sz="600" dirty="0">
-                    <a:solidFill>
-                      <a:schemeClr val="tx2">
-                        <a:lumMod val="90000"/>
-                        <a:lumOff val="10000"/>
-                      </a:schemeClr>
-                    </a:solidFill>
-                    <a:latin typeface="Arial Black" panose="020B0A04020102020204" pitchFamily="34" charset="0"/>
-                    <a:ea typeface="Segoe UI" pitchFamily="34" charset="0"/>
-                    <a:cs typeface="Segoe UI" pitchFamily="34" charset="0"/>
-                  </a:rPr>
-                  <a:t>Project1-Translations-German.csv</a:t>
-                </a:r>
-              </a:p>
-            </p:txBody>
-          </p:sp>
-          <p:pic>
-            <p:nvPicPr>
-              <p:cNvPr id="16" name="Picture 15">
-                <a:extLst>
-                  <a:ext uri="{FF2B5EF4-FFF2-40B4-BE49-F238E27FC236}">
-                    <a16:creationId xmlns:a16="http://schemas.microsoft.com/office/drawing/2014/main" id="{32E752C2-878F-6869-D65A-7AE459BAE244}"/>
-                  </a:ext>
-                </a:extLst>
-              </p:cNvPr>
-              <p:cNvPicPr>
-                <a:picLocks noChangeAspect="1"/>
-              </p:cNvPicPr>
-              <p:nvPr/>
-            </p:nvPicPr>
-            <p:blipFill>
-              <a:blip r:embed="rId4"/>
-              <a:stretch>
-                <a:fillRect/>
-              </a:stretch>
-            </p:blipFill>
-            <p:spPr>
-              <a:xfrm>
-                <a:off x="5292337" y="2798317"/>
-                <a:ext cx="2410990" cy="617406"/>
-              </a:xfrm>
-              <a:prstGeom prst="rect">
-                <a:avLst/>
-              </a:prstGeom>
-              <a:grpFill/>
-              <a:ln>
-                <a:solidFill>
-                  <a:schemeClr val="bg1">
-                    <a:lumMod val="50000"/>
-                  </a:schemeClr>
-                </a:solidFill>
-              </a:ln>
-            </p:spPr>
-          </p:pic>
-        </p:grpSp>
-        <p:sp>
-          <p:nvSpPr>
-            <p:cNvPr id="21" name="Rectangle 20">
-              <a:extLst>
-                <a:ext uri="{FF2B5EF4-FFF2-40B4-BE49-F238E27FC236}">
-                  <a16:creationId xmlns:a16="http://schemas.microsoft.com/office/drawing/2014/main" id="{F7E2B6F3-F595-1893-57DA-C23814BC486A}"/>
-                </a:ext>
-              </a:extLst>
-            </p:cNvPr>
-            <p:cNvSpPr/>
-            <p:nvPr/>
-          </p:nvSpPr>
-          <p:spPr bwMode="auto">
-            <a:xfrm>
-              <a:off x="6234095" y="4288056"/>
-              <a:ext cx="2547851" cy="266971"/>
-            </a:xfrm>
-            <a:prstGeom prst="rect">
-              <a:avLst/>
-            </a:prstGeom>
-            <a:solidFill>
-              <a:schemeClr val="tx1"/>
-            </a:solidFill>
-            <a:ln>
-              <a:noFill/>
-              <a:headEnd type="none" w="med" len="med"/>
-              <a:tailEnd type="none" w="med" len="med"/>
-            </a:ln>
-            <a:effectLst/>
-          </p:spPr>
-          <p:style>
-            <a:lnRef idx="1">
-              <a:schemeClr val="accent2"/>
-            </a:lnRef>
-            <a:fillRef idx="3">
-              <a:schemeClr val="accent2"/>
-            </a:fillRef>
-            <a:effectRef idx="2">
-              <a:schemeClr val="accent2"/>
-            </a:effectRef>
-            <a:fontRef idx="minor">
-              <a:schemeClr val="lt1"/>
-            </a:fontRef>
-          </p:style>
-          <p:txBody>
-            <a:bodyPr rot="0" spcFirstLastPara="0" vertOverflow="overflow" horzOverflow="overflow" vert="horz" wrap="square" lIns="182880" tIns="146304" rIns="182880" bIns="146304" numCol="1" spcCol="0" rtlCol="0" fromWordArt="0" anchor="ctr" anchorCtr="0" forceAA="0" compatLnSpc="1">
-              <a:prstTxWarp prst="textNoShape">
-                <a:avLst/>
-              </a:prstTxWarp>
-              <a:noAutofit/>
-            </a:bodyPr>
-            <a:lstStyle/>
-            <a:p>
-              <a:pPr algn="ctr" defTabSz="932472" fontAlgn="base">
-                <a:lnSpc>
-                  <a:spcPct val="90000"/>
-                </a:lnSpc>
-                <a:spcBef>
-                  <a:spcPct val="0"/>
-                </a:spcBef>
-                <a:spcAft>
-                  <a:spcPct val="0"/>
-                </a:spcAft>
-              </a:pPr>
-              <a:r>
-                <a:rPr lang="en-US" sz="1200" dirty="0">
-                  <a:gradFill>
-                    <a:gsLst>
-                      <a:gs pos="0">
-                        <a:srgbClr val="FFFFFF"/>
-                      </a:gs>
-                      <a:gs pos="100000">
-                        <a:srgbClr val="FFFFFF"/>
-                      </a:gs>
-                    </a:gsLst>
-                    <a:lin ang="5400000" scaled="0"/>
-                  </a:gradFill>
-                  <a:latin typeface="Arial Black" panose="020B0A04020102020204" pitchFamily="34" charset="0"/>
-                  <a:ea typeface="Segoe UI" pitchFamily="34" charset="0"/>
-                  <a:cs typeface="Segoe UI" pitchFamily="34" charset="0"/>
-                </a:rPr>
-                <a:t>Inbox</a:t>
-              </a:r>
-            </a:p>
-          </p:txBody>
-        </p:sp>
-        <p:sp>
-          <p:nvSpPr>
-            <p:cNvPr id="22" name="Rectangle 21">
-              <a:extLst>
-                <a:ext uri="{FF2B5EF4-FFF2-40B4-BE49-F238E27FC236}">
-                  <a16:creationId xmlns:a16="http://schemas.microsoft.com/office/drawing/2014/main" id="{E45BE9D0-4CC4-51F0-9B6A-618B77E1A0C3}"/>
-                </a:ext>
-              </a:extLst>
-            </p:cNvPr>
-            <p:cNvSpPr/>
-            <p:nvPr/>
-          </p:nvSpPr>
-          <p:spPr bwMode="auto">
-            <a:xfrm>
-              <a:off x="6244648" y="4564091"/>
-              <a:ext cx="2535382" cy="1710419"/>
-            </a:xfrm>
-            <a:prstGeom prst="rect">
-              <a:avLst/>
-            </a:prstGeom>
-            <a:solidFill>
-              <a:schemeClr val="bg1"/>
-            </a:solidFill>
-            <a:ln>
-              <a:solidFill>
-                <a:schemeClr val="tx1"/>
-              </a:solidFill>
-              <a:headEnd type="none" w="med" len="med"/>
-              <a:tailEnd type="none" w="med" len="med"/>
-            </a:ln>
-            <a:effectLst/>
-          </p:spPr>
-          <p:style>
-            <a:lnRef idx="1">
-              <a:schemeClr val="accent2"/>
-            </a:lnRef>
-            <a:fillRef idx="3">
-              <a:schemeClr val="accent2"/>
-            </a:fillRef>
-            <a:effectRef idx="2">
-              <a:schemeClr val="accent2"/>
-            </a:effectRef>
-            <a:fontRef idx="minor">
-              <a:schemeClr val="lt1"/>
-            </a:fontRef>
-          </p:style>
-          <p:txBody>
-            <a:bodyPr rot="0" spcFirstLastPara="0" vertOverflow="overflow" horzOverflow="overflow" vert="horz" wrap="square" lIns="182880" tIns="146304" rIns="182880" bIns="146304" numCol="1" spcCol="0" rtlCol="0" fromWordArt="0" anchor="t" anchorCtr="0" forceAA="0" compatLnSpc="1">
-              <a:prstTxWarp prst="textNoShape">
-                <a:avLst/>
-              </a:prstTxWarp>
-              <a:noAutofit/>
-            </a:bodyPr>
-            <a:lstStyle/>
-            <a:p>
-              <a:pPr algn="ctr" defTabSz="932472" fontAlgn="base">
-                <a:lnSpc>
-                  <a:spcPct val="90000"/>
-                </a:lnSpc>
-                <a:spcBef>
-                  <a:spcPct val="0"/>
-                </a:spcBef>
-                <a:spcAft>
-                  <a:spcPct val="0"/>
-                </a:spcAft>
-              </a:pPr>
-              <a:endParaRPr lang="en-US" sz="2400" dirty="0" err="1">
-                <a:gradFill>
-                  <a:gsLst>
-                    <a:gs pos="0">
-                      <a:srgbClr val="FFFFFF"/>
-                    </a:gs>
-                    <a:gs pos="100000">
-                      <a:srgbClr val="FFFFFF"/>
-                    </a:gs>
-                  </a:gsLst>
-                  <a:lin ang="5400000" scaled="0"/>
-                </a:gradFill>
-                <a:ea typeface="Segoe UI" pitchFamily="34" charset="0"/>
-                <a:cs typeface="Segoe UI" pitchFamily="34" charset="0"/>
-              </a:endParaRPr>
-            </a:p>
-          </p:txBody>
-        </p:sp>
-        <p:grpSp>
-          <p:nvGrpSpPr>
-            <p:cNvPr id="23" name="Group 22">
-              <a:extLst>
-                <a:ext uri="{FF2B5EF4-FFF2-40B4-BE49-F238E27FC236}">
-                  <a16:creationId xmlns:a16="http://schemas.microsoft.com/office/drawing/2014/main" id="{A73F3FDA-BCAF-29CF-B6C8-C56C0CE51925}"/>
-                </a:ext>
-              </a:extLst>
-            </p:cNvPr>
-            <p:cNvGrpSpPr/>
-            <p:nvPr/>
-          </p:nvGrpSpPr>
-          <p:grpSpPr>
-            <a:xfrm>
-              <a:off x="6354225" y="4667045"/>
-              <a:ext cx="2273406" cy="696073"/>
-              <a:chOff x="5249612" y="1802485"/>
-              <a:chExt cx="2503053" cy="766387"/>
-            </a:xfrm>
-            <a:solidFill>
-              <a:schemeClr val="tx1">
-                <a:lumMod val="20000"/>
-                <a:lumOff val="80000"/>
-              </a:schemeClr>
-            </a:solidFill>
-          </p:grpSpPr>
-          <p:sp>
-            <p:nvSpPr>
-              <p:cNvPr id="24" name="Rectangle 23">
-                <a:extLst>
-                  <a:ext uri="{FF2B5EF4-FFF2-40B4-BE49-F238E27FC236}">
-                    <a16:creationId xmlns:a16="http://schemas.microsoft.com/office/drawing/2014/main" id="{517569D8-8DBF-296F-DBBF-A084BB8FCA99}"/>
-                  </a:ext>
-                </a:extLst>
-              </p:cNvPr>
-              <p:cNvSpPr/>
-              <p:nvPr/>
-            </p:nvSpPr>
-            <p:spPr bwMode="auto">
-              <a:xfrm>
-                <a:off x="5249612" y="1802485"/>
-                <a:ext cx="2503053" cy="766387"/>
-              </a:xfrm>
-              <a:prstGeom prst="rect">
-                <a:avLst/>
-              </a:prstGeom>
-              <a:grpFill/>
-              <a:ln>
-                <a:solidFill>
-                  <a:schemeClr val="bg1">
-                    <a:lumMod val="50000"/>
-                  </a:schemeClr>
-                </a:solidFill>
-                <a:headEnd type="none" w="med" len="med"/>
-                <a:tailEnd type="none" w="med" len="med"/>
-              </a:ln>
-              <a:effectLst/>
-            </p:spPr>
-            <p:style>
-              <a:lnRef idx="1">
-                <a:schemeClr val="accent2"/>
-              </a:lnRef>
-              <a:fillRef idx="3">
-                <a:schemeClr val="accent2"/>
-              </a:fillRef>
-              <a:effectRef idx="2">
-                <a:schemeClr val="accent2"/>
-              </a:effectRef>
-              <a:fontRef idx="minor">
-                <a:schemeClr val="lt1"/>
-              </a:fontRef>
-            </p:style>
-            <p:txBody>
-              <a:bodyPr rot="0" spcFirstLastPara="0" vertOverflow="overflow" horzOverflow="overflow" vert="horz" wrap="square" lIns="45720" tIns="18288" rIns="182880" bIns="146304" numCol="1" spcCol="0" rtlCol="0" fromWordArt="0" anchor="t" anchorCtr="0" forceAA="0" compatLnSpc="1">
-                <a:prstTxWarp prst="textNoShape">
-                  <a:avLst/>
-                </a:prstTxWarp>
-                <a:noAutofit/>
-              </a:bodyPr>
-              <a:lstStyle/>
-              <a:p>
-                <a:pPr defTabSz="932472" fontAlgn="base">
-                  <a:lnSpc>
-                    <a:spcPct val="90000"/>
-                  </a:lnSpc>
-                  <a:spcBef>
-                    <a:spcPct val="0"/>
-                  </a:spcBef>
-                  <a:spcAft>
-                    <a:spcPct val="0"/>
-                  </a:spcAft>
-                </a:pPr>
-                <a:r>
-                  <a:rPr lang="en-US" sz="600" dirty="0">
-                    <a:solidFill>
-                      <a:schemeClr val="tx2">
-                        <a:lumMod val="90000"/>
-                        <a:lumOff val="10000"/>
-                      </a:schemeClr>
-                    </a:solidFill>
-                    <a:latin typeface="Arial Black" panose="020B0A04020102020204" pitchFamily="34" charset="0"/>
-                    <a:ea typeface="Segoe UI" pitchFamily="34" charset="0"/>
-                    <a:cs typeface="Segoe UI" pitchFamily="34" charset="0"/>
-                  </a:rPr>
-                  <a:t>Project1-Translations-Spanish.csv</a:t>
-                </a:r>
-              </a:p>
-            </p:txBody>
-          </p:sp>
-          <p:pic>
-            <p:nvPicPr>
-              <p:cNvPr id="25" name="Picture 24">
-                <a:extLst>
-                  <a:ext uri="{FF2B5EF4-FFF2-40B4-BE49-F238E27FC236}">
-                    <a16:creationId xmlns:a16="http://schemas.microsoft.com/office/drawing/2014/main" id="{767C6A94-9F11-1FD5-6FE0-A81EA3E12591}"/>
-                  </a:ext>
-                </a:extLst>
-              </p:cNvPr>
-              <p:cNvPicPr>
-                <a:picLocks noChangeAspect="1"/>
-              </p:cNvPicPr>
-              <p:nvPr/>
-            </p:nvPicPr>
-            <p:blipFill>
-              <a:blip r:embed="rId3"/>
-              <a:stretch>
-                <a:fillRect/>
-              </a:stretch>
-            </p:blipFill>
-            <p:spPr>
-              <a:xfrm>
-                <a:off x="5298059" y="1951694"/>
-                <a:ext cx="2391331" cy="572480"/>
-              </a:xfrm>
-              <a:prstGeom prst="rect">
-                <a:avLst/>
-              </a:prstGeom>
-              <a:grpFill/>
-              <a:ln w="19050">
-                <a:solidFill>
-                  <a:schemeClr val="bg1">
-                    <a:lumMod val="50000"/>
-                  </a:schemeClr>
-                </a:solidFill>
-              </a:ln>
-            </p:spPr>
-          </p:pic>
-        </p:grpSp>
-        <p:grpSp>
-          <p:nvGrpSpPr>
-            <p:cNvPr id="26" name="Group 25">
-              <a:extLst>
-                <a:ext uri="{FF2B5EF4-FFF2-40B4-BE49-F238E27FC236}">
-                  <a16:creationId xmlns:a16="http://schemas.microsoft.com/office/drawing/2014/main" id="{B9BB4E30-8E51-8A0B-A0FB-9F5B023AF937}"/>
-                </a:ext>
-              </a:extLst>
-            </p:cNvPr>
-            <p:cNvGrpSpPr/>
-            <p:nvPr/>
-          </p:nvGrpSpPr>
-          <p:grpSpPr>
-            <a:xfrm>
-              <a:off x="6352032" y="5460813"/>
-              <a:ext cx="2289453" cy="718035"/>
-              <a:chOff x="5247420" y="2668643"/>
-              <a:chExt cx="2503053" cy="785026"/>
-            </a:xfrm>
-            <a:solidFill>
-              <a:schemeClr val="tx1">
-                <a:lumMod val="20000"/>
-                <a:lumOff val="80000"/>
-              </a:schemeClr>
-            </a:solidFill>
-          </p:grpSpPr>
-          <p:sp>
-            <p:nvSpPr>
-              <p:cNvPr id="27" name="Rectangle 26">
-                <a:extLst>
-                  <a:ext uri="{FF2B5EF4-FFF2-40B4-BE49-F238E27FC236}">
-                    <a16:creationId xmlns:a16="http://schemas.microsoft.com/office/drawing/2014/main" id="{41F1F5E3-34F1-5A5E-2F50-6CD13AD174C4}"/>
-                  </a:ext>
-                </a:extLst>
-              </p:cNvPr>
-              <p:cNvSpPr/>
-              <p:nvPr/>
-            </p:nvSpPr>
-            <p:spPr bwMode="auto">
-              <a:xfrm>
-                <a:off x="5247420" y="2668643"/>
-                <a:ext cx="2503053" cy="785026"/>
-              </a:xfrm>
-              <a:prstGeom prst="rect">
-                <a:avLst/>
-              </a:prstGeom>
-              <a:grpFill/>
-              <a:ln>
-                <a:solidFill>
-                  <a:schemeClr val="bg1">
-                    <a:lumMod val="50000"/>
-                  </a:schemeClr>
-                </a:solidFill>
-                <a:headEnd type="none" w="med" len="med"/>
-                <a:tailEnd type="none" w="med" len="med"/>
-              </a:ln>
-              <a:effectLst/>
-            </p:spPr>
-            <p:style>
-              <a:lnRef idx="1">
-                <a:schemeClr val="accent2"/>
-              </a:lnRef>
-              <a:fillRef idx="3">
-                <a:schemeClr val="accent2"/>
-              </a:fillRef>
-              <a:effectRef idx="2">
-                <a:schemeClr val="accent2"/>
-              </a:effectRef>
-              <a:fontRef idx="minor">
-                <a:schemeClr val="lt1"/>
-              </a:fontRef>
-            </p:style>
-            <p:txBody>
-              <a:bodyPr rot="0" spcFirstLastPara="0" vertOverflow="overflow" horzOverflow="overflow" vert="horz" wrap="square" lIns="45720" tIns="18288" rIns="182880" bIns="146304" numCol="1" spcCol="0" rtlCol="0" fromWordArt="0" anchor="t" anchorCtr="0" forceAA="0" compatLnSpc="1">
-                <a:prstTxWarp prst="textNoShape">
-                  <a:avLst/>
-                </a:prstTxWarp>
-                <a:noAutofit/>
-              </a:bodyPr>
-              <a:lstStyle/>
-              <a:p>
-                <a:pPr defTabSz="932472" fontAlgn="base">
-                  <a:lnSpc>
-                    <a:spcPct val="90000"/>
-                  </a:lnSpc>
-                  <a:spcBef>
-                    <a:spcPct val="0"/>
-                  </a:spcBef>
-                  <a:spcAft>
-                    <a:spcPct val="0"/>
-                  </a:spcAft>
-                </a:pPr>
-                <a:r>
-                  <a:rPr lang="en-US" sz="600" dirty="0">
-                    <a:solidFill>
-                      <a:schemeClr val="tx2">
-                        <a:lumMod val="90000"/>
-                        <a:lumOff val="10000"/>
-                      </a:schemeClr>
-                    </a:solidFill>
-                    <a:latin typeface="Arial Black" panose="020B0A04020102020204" pitchFamily="34" charset="0"/>
-                    <a:ea typeface="Segoe UI" pitchFamily="34" charset="0"/>
-                    <a:cs typeface="Segoe UI" pitchFamily="34" charset="0"/>
-                  </a:rPr>
-                  <a:t>Project1-Translations-German.csv</a:t>
-                </a:r>
-              </a:p>
-            </p:txBody>
-          </p:sp>
-          <p:pic>
-            <p:nvPicPr>
-              <p:cNvPr id="28" name="Picture 27">
-                <a:extLst>
-                  <a:ext uri="{FF2B5EF4-FFF2-40B4-BE49-F238E27FC236}">
-                    <a16:creationId xmlns:a16="http://schemas.microsoft.com/office/drawing/2014/main" id="{0CAD160C-4ABF-E6D9-5334-B6BDB022CF81}"/>
-                  </a:ext>
-                </a:extLst>
-              </p:cNvPr>
-              <p:cNvPicPr>
-                <a:picLocks noChangeAspect="1"/>
-              </p:cNvPicPr>
-              <p:nvPr/>
-            </p:nvPicPr>
-            <p:blipFill>
-              <a:blip r:embed="rId4"/>
-              <a:stretch>
-                <a:fillRect/>
-              </a:stretch>
-            </p:blipFill>
-            <p:spPr>
-              <a:xfrm>
-                <a:off x="5292337" y="2798317"/>
-                <a:ext cx="2410990" cy="617406"/>
-              </a:xfrm>
-              <a:prstGeom prst="rect">
-                <a:avLst/>
-              </a:prstGeom>
-              <a:grpFill/>
-              <a:ln>
-                <a:solidFill>
-                  <a:schemeClr val="bg1">
-                    <a:lumMod val="50000"/>
-                  </a:schemeClr>
-                </a:solidFill>
-              </a:ln>
-            </p:spPr>
-          </p:pic>
-        </p:grpSp>
-      </p:grpSp>
       <p:sp>
         <p:nvSpPr>
           <p:cNvPr id="29" name="Arrow: Right 28">
@@ -17570,8 +16585,8 @@
         </p:nvSpPr>
         <p:spPr bwMode="auto">
           <a:xfrm>
-            <a:off x="4547209" y="2480942"/>
-            <a:ext cx="1886949" cy="299305"/>
+            <a:off x="3312297" y="3885536"/>
+            <a:ext cx="1363397" cy="724171"/>
           </a:xfrm>
           <a:prstGeom prst="rightArrow">
             <a:avLst>
@@ -17580,7 +16595,7 @@
             </a:avLst>
           </a:prstGeom>
           <a:solidFill>
-            <a:schemeClr val="accent1"/>
+            <a:srgbClr val="FFC000"/>
           </a:solidFill>
           <a:ln>
             <a:solidFill>
@@ -17626,28 +16641,28 @@
               </a:spcAft>
             </a:pPr>
             <a:r>
-              <a:rPr lang="en-US" sz="700" b="1" dirty="0">
+              <a:rPr lang="en-US" sz="900" b="1" dirty="0">
                 <a:solidFill>
                   <a:schemeClr val="tx2">
                     <a:lumMod val="90000"/>
                     <a:lumOff val="10000"/>
                   </a:schemeClr>
                 </a:solidFill>
-                <a:latin typeface="OCR A Extended" panose="02010509020102010303" pitchFamily="50" charset="0"/>
+                <a:latin typeface="Arial Black" panose="020B0A04020102020204" pitchFamily="34" charset="0"/>
                 <a:ea typeface="Segoe UI" pitchFamily="34" charset="0"/>
                 <a:cs typeface="Segoe UI" pitchFamily="34" charset="0"/>
               </a:rPr>
-              <a:t>Export Translation Sheet</a:t>
+              <a:t>Export Operation</a:t>
             </a:r>
           </a:p>
         </p:txBody>
       </p:sp>
       <p:sp>
         <p:nvSpPr>
-          <p:cNvPr id="33" name="Arrow: Right 32">
+          <p:cNvPr id="3" name="Rectangle 2">
             <a:extLst>
               <a:ext uri="{FF2B5EF4-FFF2-40B4-BE49-F238E27FC236}">
-                <a16:creationId xmlns:a16="http://schemas.microsoft.com/office/drawing/2014/main" id="{CA8B5776-D845-22F1-216D-457C2E876D00}"/>
+                <a16:creationId xmlns:a16="http://schemas.microsoft.com/office/drawing/2014/main" id="{345D3621-6891-58D5-4262-2D8B3D2516BF}"/>
               </a:ext>
             </a:extLst>
           </p:cNvPr>
@@ -17656,17 +16671,17 @@
         </p:nvSpPr>
         <p:spPr bwMode="auto">
           <a:xfrm>
-            <a:off x="6939632" y="2024777"/>
-            <a:ext cx="2381186" cy="456165"/>
+            <a:off x="933252" y="3676452"/>
+            <a:ext cx="2215299" cy="1140644"/>
           </a:xfrm>
-          <a:prstGeom prst="rightArrow">
-            <a:avLst>
-              <a:gd name="adj1" fmla="val 59227"/>
-              <a:gd name="adj2" fmla="val 50000"/>
-            </a:avLst>
+          <a:prstGeom prst="rect">
+            <a:avLst/>
           </a:prstGeom>
           <a:solidFill>
-            <a:schemeClr val="accent1"/>
+            <a:schemeClr val="accent1">
+              <a:lumMod val="40000"/>
+              <a:lumOff val="60000"/>
+            </a:schemeClr>
           </a:solidFill>
           <a:ln>
             <a:solidFill>
@@ -17712,19 +16727,389 @@
               </a:spcAft>
             </a:pPr>
             <a:r>
-              <a:rPr lang="en-US" sz="700" dirty="0">
+              <a:rPr lang="en-US" sz="1400" b="1" dirty="0">
+                <a:solidFill>
+                  <a:schemeClr val="tx1"/>
+                </a:solidFill>
+                <a:latin typeface="Arial" panose="020B0604020202020204" pitchFamily="34" charset="0"/>
+                <a:ea typeface="Segoe UI" pitchFamily="34" charset="0"/>
+                <a:cs typeface="Arial" panose="020B0604020202020204" pitchFamily="34" charset="0"/>
+              </a:rPr>
+              <a:t>PBIX Project 1</a:t>
+            </a:r>
+          </a:p>
+        </p:txBody>
+      </p:sp>
+      <p:sp>
+        <p:nvSpPr>
+          <p:cNvPr id="4" name="Rectangle 3">
+            <a:extLst>
+              <a:ext uri="{FF2B5EF4-FFF2-40B4-BE49-F238E27FC236}">
+                <a16:creationId xmlns:a16="http://schemas.microsoft.com/office/drawing/2014/main" id="{A597E3D7-919B-FFE7-AC1C-4D53E4008B41}"/>
+              </a:ext>
+            </a:extLst>
+          </p:cNvPr>
+          <p:cNvSpPr/>
+          <p:nvPr/>
+        </p:nvSpPr>
+        <p:spPr bwMode="auto">
+          <a:xfrm>
+            <a:off x="8052058" y="3678024"/>
+            <a:ext cx="2215299" cy="1140644"/>
+          </a:xfrm>
+          <a:prstGeom prst="rect">
+            <a:avLst/>
+          </a:prstGeom>
+          <a:solidFill>
+            <a:schemeClr val="accent1">
+              <a:lumMod val="40000"/>
+              <a:lumOff val="60000"/>
+            </a:schemeClr>
+          </a:solidFill>
+          <a:ln>
+            <a:solidFill>
+              <a:schemeClr val="tx1"/>
+            </a:solidFill>
+            <a:headEnd type="none" w="med" len="med"/>
+            <a:tailEnd type="none" w="med" len="med"/>
+          </a:ln>
+          <a:effectLst/>
+        </p:spPr>
+        <p:style>
+          <a:lnRef idx="1">
+            <a:schemeClr val="accent2"/>
+          </a:lnRef>
+          <a:fillRef idx="3">
+            <a:schemeClr val="accent2"/>
+          </a:fillRef>
+          <a:effectRef idx="2">
+            <a:schemeClr val="accent2"/>
+          </a:effectRef>
+          <a:fontRef idx="minor">
+            <a:schemeClr val="lt1"/>
+          </a:fontRef>
+        </p:style>
+        <p:txBody>
+          <a:bodyPr rot="0" spcFirstLastPara="0" vertOverflow="overflow" horzOverflow="overflow" vert="horz" wrap="square" lIns="182880" tIns="146304" rIns="182880" bIns="146304" numCol="1" spcCol="0" rtlCol="0" fromWordArt="0" anchor="ctr" anchorCtr="0" forceAA="0" compatLnSpc="1">
+            <a:prstTxWarp prst="textNoShape">
+              <a:avLst/>
+            </a:prstTxWarp>
+            <a:noAutofit/>
+          </a:bodyPr>
+          <a:lstStyle/>
+          <a:p>
+            <a:pPr algn="ctr" defTabSz="932472" fontAlgn="base">
+              <a:lnSpc>
+                <a:spcPct val="90000"/>
+              </a:lnSpc>
+              <a:spcBef>
+                <a:spcPct val="0"/>
+              </a:spcBef>
+              <a:spcAft>
+                <a:spcPct val="0"/>
+              </a:spcAft>
+            </a:pPr>
+            <a:r>
+              <a:rPr lang="en-US" sz="1400" b="1" dirty="0">
+                <a:solidFill>
+                  <a:schemeClr val="tx1"/>
+                </a:solidFill>
+                <a:latin typeface="Arial" panose="020B0604020202020204" pitchFamily="34" charset="0"/>
+                <a:ea typeface="Segoe UI" pitchFamily="34" charset="0"/>
+                <a:cs typeface="Arial" panose="020B0604020202020204" pitchFamily="34" charset="0"/>
+              </a:rPr>
+              <a:t>PBIX Project 2</a:t>
+            </a:r>
+          </a:p>
+        </p:txBody>
+      </p:sp>
+      <p:sp>
+        <p:nvSpPr>
+          <p:cNvPr id="6" name="Arrow: Right 5">
+            <a:extLst>
+              <a:ext uri="{FF2B5EF4-FFF2-40B4-BE49-F238E27FC236}">
+                <a16:creationId xmlns:a16="http://schemas.microsoft.com/office/drawing/2014/main" id="{392B3B9A-EA20-73EF-C2E7-359BBF462616}"/>
+              </a:ext>
+            </a:extLst>
+          </p:cNvPr>
+          <p:cNvSpPr/>
+          <p:nvPr/>
+        </p:nvSpPr>
+        <p:spPr bwMode="auto">
+          <a:xfrm>
+            <a:off x="6537833" y="3905961"/>
+            <a:ext cx="1363397" cy="724171"/>
+          </a:xfrm>
+          <a:prstGeom prst="rightArrow">
+            <a:avLst>
+              <a:gd name="adj1" fmla="val 59227"/>
+              <a:gd name="adj2" fmla="val 50000"/>
+            </a:avLst>
+          </a:prstGeom>
+          <a:solidFill>
+            <a:srgbClr val="FFC000"/>
+          </a:solidFill>
+          <a:ln>
+            <a:solidFill>
+              <a:schemeClr val="tx1"/>
+            </a:solidFill>
+            <a:headEnd type="none" w="med" len="med"/>
+            <a:tailEnd type="none" w="med" len="med"/>
+          </a:ln>
+          <a:effectLst/>
+        </p:spPr>
+        <p:style>
+          <a:lnRef idx="1">
+            <a:schemeClr val="accent2"/>
+          </a:lnRef>
+          <a:fillRef idx="3">
+            <a:schemeClr val="accent2"/>
+          </a:fillRef>
+          <a:effectRef idx="2">
+            <a:schemeClr val="accent2"/>
+          </a:effectRef>
+          <a:fontRef idx="minor">
+            <a:schemeClr val="lt1"/>
+          </a:fontRef>
+        </p:style>
+        <p:txBody>
+          <a:bodyPr rot="0" spcFirstLastPara="0" vertOverflow="overflow" horzOverflow="overflow" vert="horz" wrap="square" lIns="182880" tIns="146304" rIns="182880" bIns="146304" numCol="1" spcCol="0" rtlCol="0" fromWordArt="0" anchor="ctr" anchorCtr="0" forceAA="0" compatLnSpc="1">
+            <a:prstTxWarp prst="textNoShape">
+              <a:avLst/>
+            </a:prstTxWarp>
+            <a:noAutofit/>
+          </a:bodyPr>
+          <a:lstStyle/>
+          <a:p>
+            <a:pPr algn="ctr" defTabSz="932472" fontAlgn="base">
+              <a:lnSpc>
+                <a:spcPct val="90000"/>
+              </a:lnSpc>
+              <a:spcBef>
+                <a:spcPct val="0"/>
+              </a:spcBef>
+              <a:spcAft>
+                <a:spcPct val="0"/>
+              </a:spcAft>
+            </a:pPr>
+            <a:r>
+              <a:rPr lang="en-US" sz="900" b="1" dirty="0">
                 <a:solidFill>
                   <a:schemeClr val="tx2">
                     <a:lumMod val="90000"/>
                     <a:lumOff val="10000"/>
                   </a:schemeClr>
                 </a:solidFill>
-                <a:latin typeface="OCR A Extended" panose="02010509020102010303" pitchFamily="50" charset="0"/>
+                <a:latin typeface="Arial Black" panose="020B0A04020102020204" pitchFamily="34" charset="0"/>
                 <a:ea typeface="Segoe UI" pitchFamily="34" charset="0"/>
                 <a:cs typeface="Segoe UI" pitchFamily="34" charset="0"/>
               </a:rPr>
-              <a:t>Import Translation Sheet</a:t>
-            </a:r>
+              <a:t>Import Operation</a:t>
+            </a:r>
+          </a:p>
+        </p:txBody>
+      </p:sp>
+      <p:sp>
+        <p:nvSpPr>
+          <p:cNvPr id="7" name="Rectangle 6">
+            <a:extLst>
+              <a:ext uri="{FF2B5EF4-FFF2-40B4-BE49-F238E27FC236}">
+                <a16:creationId xmlns:a16="http://schemas.microsoft.com/office/drawing/2014/main" id="{1FACD944-34C2-800F-D927-40D4D6C56399}"/>
+              </a:ext>
+            </a:extLst>
+          </p:cNvPr>
+          <p:cNvSpPr/>
+          <p:nvPr/>
+        </p:nvSpPr>
+        <p:spPr bwMode="auto">
+          <a:xfrm>
+            <a:off x="4809239" y="3678023"/>
+            <a:ext cx="1572706" cy="1140644"/>
+          </a:xfrm>
+          <a:prstGeom prst="rect">
+            <a:avLst/>
+          </a:prstGeom>
+          <a:solidFill>
+            <a:schemeClr val="accent3"/>
+          </a:solidFill>
+          <a:ln>
+            <a:solidFill>
+              <a:schemeClr val="tx1"/>
+            </a:solidFill>
+            <a:headEnd type="none" w="med" len="med"/>
+            <a:tailEnd type="none" w="med" len="med"/>
+          </a:ln>
+          <a:effectLst/>
+        </p:spPr>
+        <p:style>
+          <a:lnRef idx="1">
+            <a:schemeClr val="accent2"/>
+          </a:lnRef>
+          <a:fillRef idx="3">
+            <a:schemeClr val="accent2"/>
+          </a:fillRef>
+          <a:effectRef idx="2">
+            <a:schemeClr val="accent2"/>
+          </a:effectRef>
+          <a:fontRef idx="minor">
+            <a:schemeClr val="lt1"/>
+          </a:fontRef>
+        </p:style>
+        <p:txBody>
+          <a:bodyPr rot="0" spcFirstLastPara="0" vertOverflow="overflow" horzOverflow="overflow" vert="horz" wrap="square" lIns="182880" tIns="146304" rIns="182880" bIns="146304" numCol="1" spcCol="0" rtlCol="0" fromWordArt="0" anchor="ctr" anchorCtr="0" forceAA="0" compatLnSpc="1">
+            <a:prstTxWarp prst="textNoShape">
+              <a:avLst/>
+            </a:prstTxWarp>
+            <a:noAutofit/>
+          </a:bodyPr>
+          <a:lstStyle/>
+          <a:p>
+            <a:pPr algn="ctr" defTabSz="932472" fontAlgn="base">
+              <a:spcBef>
+                <a:spcPct val="0"/>
+              </a:spcBef>
+              <a:spcAft>
+                <a:spcPct val="0"/>
+              </a:spcAft>
+            </a:pPr>
+            <a:r>
+              <a:rPr lang="en-US" sz="1400" dirty="0">
+                <a:solidFill>
+                  <a:schemeClr val="tx1"/>
+                </a:solidFill>
+                <a:latin typeface="Arial" panose="020B0604020202020204" pitchFamily="34" charset="0"/>
+                <a:ea typeface="Segoe UI" pitchFamily="34" charset="0"/>
+                <a:cs typeface="Arial" panose="020B0604020202020204" pitchFamily="34" charset="0"/>
+              </a:rPr>
+              <a:t>Master</a:t>
+            </a:r>
+          </a:p>
+          <a:p>
+            <a:pPr algn="ctr" defTabSz="932472" fontAlgn="base">
+              <a:spcBef>
+                <a:spcPct val="0"/>
+              </a:spcBef>
+              <a:spcAft>
+                <a:spcPct val="0"/>
+              </a:spcAft>
+            </a:pPr>
+            <a:r>
+              <a:rPr lang="en-US" sz="1400" dirty="0">
+                <a:solidFill>
+                  <a:schemeClr val="tx1"/>
+                </a:solidFill>
+                <a:latin typeface="Arial" panose="020B0604020202020204" pitchFamily="34" charset="0"/>
+                <a:ea typeface="Segoe UI" pitchFamily="34" charset="0"/>
+                <a:cs typeface="Arial" panose="020B0604020202020204" pitchFamily="34" charset="0"/>
+              </a:rPr>
+              <a:t>Translation</a:t>
+            </a:r>
+          </a:p>
+          <a:p>
+            <a:pPr algn="ctr" defTabSz="932472" fontAlgn="base">
+              <a:spcBef>
+                <a:spcPct val="0"/>
+              </a:spcBef>
+              <a:spcAft>
+                <a:spcPct val="0"/>
+              </a:spcAft>
+            </a:pPr>
+            <a:r>
+              <a:rPr lang="en-US" sz="1400" dirty="0">
+                <a:solidFill>
+                  <a:schemeClr val="tx1"/>
+                </a:solidFill>
+                <a:latin typeface="Arial" panose="020B0604020202020204" pitchFamily="34" charset="0"/>
+                <a:ea typeface="Segoe UI" pitchFamily="34" charset="0"/>
+                <a:cs typeface="Arial" panose="020B0604020202020204" pitchFamily="34" charset="0"/>
+              </a:rPr>
+              <a:t>Sheet</a:t>
+            </a:r>
+          </a:p>
+        </p:txBody>
+      </p:sp>
+      <p:sp>
+        <p:nvSpPr>
+          <p:cNvPr id="8" name="Rectangle 7">
+            <a:extLst>
+              <a:ext uri="{FF2B5EF4-FFF2-40B4-BE49-F238E27FC236}">
+                <a16:creationId xmlns:a16="http://schemas.microsoft.com/office/drawing/2014/main" id="{E9B94A2D-F4F8-EAC4-7E12-1A7E37148362}"/>
+              </a:ext>
+            </a:extLst>
+          </p:cNvPr>
+          <p:cNvSpPr/>
+          <p:nvPr/>
+        </p:nvSpPr>
+        <p:spPr bwMode="auto">
+          <a:xfrm>
+            <a:off x="622169" y="3384223"/>
+            <a:ext cx="10020693" cy="1762812"/>
+          </a:xfrm>
+          <a:prstGeom prst="rect">
+            <a:avLst/>
+          </a:prstGeom>
+          <a:noFill/>
+          <a:ln>
+            <a:solidFill>
+              <a:schemeClr val="tx1">
+                <a:lumMod val="40000"/>
+                <a:lumOff val="60000"/>
+              </a:schemeClr>
+            </a:solidFill>
+            <a:headEnd type="none" w="med" len="med"/>
+            <a:tailEnd type="none" w="med" len="med"/>
+          </a:ln>
+          <a:effectLst/>
+        </p:spPr>
+        <p:style>
+          <a:lnRef idx="1">
+            <a:schemeClr val="accent2"/>
+          </a:lnRef>
+          <a:fillRef idx="3">
+            <a:schemeClr val="accent2"/>
+          </a:fillRef>
+          <a:effectRef idx="2">
+            <a:schemeClr val="accent2"/>
+          </a:effectRef>
+          <a:fontRef idx="minor">
+            <a:schemeClr val="lt1"/>
+          </a:fontRef>
+        </p:style>
+        <p:txBody>
+          <a:bodyPr rot="0" spcFirstLastPara="0" vertOverflow="overflow" horzOverflow="overflow" vert="horz" wrap="square" lIns="182880" tIns="146304" rIns="182880" bIns="146304" numCol="1" spcCol="0" rtlCol="0" fromWordArt="0" anchor="t" anchorCtr="0" forceAA="0" compatLnSpc="1">
+            <a:prstTxWarp prst="textNoShape">
+              <a:avLst/>
+            </a:prstTxWarp>
+            <a:noAutofit/>
+          </a:bodyPr>
+          <a:lstStyle/>
+          <a:p>
+            <a:pPr algn="ctr" defTabSz="932472" fontAlgn="base">
+              <a:lnSpc>
+                <a:spcPct val="90000"/>
+              </a:lnSpc>
+              <a:spcBef>
+                <a:spcPct val="0"/>
+              </a:spcBef>
+              <a:spcAft>
+                <a:spcPct val="0"/>
+              </a:spcAft>
+            </a:pPr>
+            <a:endParaRPr lang="en-US" sz="2400" dirty="0" err="1">
+              <a:gradFill>
+                <a:gsLst>
+                  <a:gs pos="0">
+                    <a:srgbClr val="FFFFFF"/>
+                  </a:gs>
+                  <a:gs pos="100000">
+                    <a:srgbClr val="FFFFFF"/>
+                  </a:gs>
+                </a:gsLst>
+                <a:lin ang="5400000" scaled="0"/>
+              </a:gradFill>
+              <a:ea typeface="Segoe UI" pitchFamily="34" charset="0"/>
+              <a:cs typeface="Segoe UI" pitchFamily="34" charset="0"/>
+            </a:endParaRPr>
           </a:p>
         </p:txBody>
       </p:sp>
@@ -17732,6 +17117,1964 @@
     <p:extLst>
       <p:ext uri="{BB962C8B-B14F-4D97-AF65-F5344CB8AC3E}">
         <p14:creationId xmlns:p14="http://schemas.microsoft.com/office/powerpoint/2010/main" val="3590363856"/>
+      </p:ext>
+    </p:extLst>
+  </p:cSld>
+  <p:clrMapOvr>
+    <a:masterClrMapping/>
+  </p:clrMapOvr>
+  <p:transition>
+    <p:fade/>
+  </p:transition>
+</p:sld>
+</file>
+
+<file path=ppt/slides/slide31.xml><?xml version="1.0" encoding="utf-8"?>
+<p:sld xmlns:a="http://schemas.openxmlformats.org/drawingml/2006/main" xmlns:r="http://schemas.openxmlformats.org/officeDocument/2006/relationships" xmlns:p="http://schemas.openxmlformats.org/presentationml/2006/main">
+  <p:cSld>
+    <p:spTree>
+      <p:nvGrpSpPr>
+        <p:cNvPr id="1" name=""/>
+        <p:cNvGrpSpPr/>
+        <p:nvPr/>
+      </p:nvGrpSpPr>
+      <p:grpSpPr>
+        <a:xfrm>
+          <a:off x="0" y="0"/>
+          <a:ext cx="0" cy="0"/>
+          <a:chOff x="0" y="0"/>
+          <a:chExt cx="0" cy="0"/>
+        </a:xfrm>
+      </p:grpSpPr>
+      <p:sp>
+        <p:nvSpPr>
+          <p:cNvPr id="2" name="Title 1">
+            <a:extLst>
+              <a:ext uri="{FF2B5EF4-FFF2-40B4-BE49-F238E27FC236}">
+                <a16:creationId xmlns:a16="http://schemas.microsoft.com/office/drawing/2014/main" id="{6D65567E-E946-2855-5909-AE690655348C}"/>
+              </a:ext>
+            </a:extLst>
+          </p:cNvPr>
+          <p:cNvSpPr>
+            <a:spLocks noGrp="1"/>
+          </p:cNvSpPr>
+          <p:nvPr>
+            <p:ph type="title"/>
+          </p:nvPr>
+        </p:nvSpPr>
+        <p:spPr/>
+        <p:txBody>
+          <a:bodyPr/>
+          <a:lstStyle/>
+          <a:p>
+            <a:r>
+              <a:rPr lang="en-US" dirty="0"/>
+              <a:t>Enterprise Level Management</a:t>
+            </a:r>
+          </a:p>
+        </p:txBody>
+      </p:sp>
+      <p:sp>
+        <p:nvSpPr>
+          <p:cNvPr id="3" name="Rectangle 2">
+            <a:extLst>
+              <a:ext uri="{FF2B5EF4-FFF2-40B4-BE49-F238E27FC236}">
+                <a16:creationId xmlns:a16="http://schemas.microsoft.com/office/drawing/2014/main" id="{345D3621-6891-58D5-4262-2D8B3D2516BF}"/>
+              </a:ext>
+            </a:extLst>
+          </p:cNvPr>
+          <p:cNvSpPr/>
+          <p:nvPr/>
+        </p:nvSpPr>
+        <p:spPr bwMode="auto">
+          <a:xfrm>
+            <a:off x="5062192" y="2526383"/>
+            <a:ext cx="1941923" cy="848413"/>
+          </a:xfrm>
+          <a:prstGeom prst="rect">
+            <a:avLst/>
+          </a:prstGeom>
+          <a:solidFill>
+            <a:schemeClr val="accent1">
+              <a:lumMod val="40000"/>
+              <a:lumOff val="60000"/>
+            </a:schemeClr>
+          </a:solidFill>
+          <a:ln>
+            <a:solidFill>
+              <a:schemeClr val="tx1"/>
+            </a:solidFill>
+            <a:headEnd type="none" w="med" len="med"/>
+            <a:tailEnd type="none" w="med" len="med"/>
+          </a:ln>
+          <a:effectLst/>
+        </p:spPr>
+        <p:style>
+          <a:lnRef idx="1">
+            <a:schemeClr val="accent2"/>
+          </a:lnRef>
+          <a:fillRef idx="3">
+            <a:schemeClr val="accent2"/>
+          </a:fillRef>
+          <a:effectRef idx="2">
+            <a:schemeClr val="accent2"/>
+          </a:effectRef>
+          <a:fontRef idx="minor">
+            <a:schemeClr val="lt1"/>
+          </a:fontRef>
+        </p:style>
+        <p:txBody>
+          <a:bodyPr rot="0" spcFirstLastPara="0" vertOverflow="overflow" horzOverflow="overflow" vert="horz" wrap="square" lIns="182880" tIns="146304" rIns="182880" bIns="146304" numCol="1" spcCol="0" rtlCol="0" fromWordArt="0" anchor="ctr" anchorCtr="0" forceAA="0" compatLnSpc="1">
+            <a:prstTxWarp prst="textNoShape">
+              <a:avLst/>
+            </a:prstTxWarp>
+            <a:noAutofit/>
+          </a:bodyPr>
+          <a:lstStyle/>
+          <a:p>
+            <a:pPr algn="ctr" defTabSz="932472" fontAlgn="base">
+              <a:lnSpc>
+                <a:spcPct val="90000"/>
+              </a:lnSpc>
+              <a:spcBef>
+                <a:spcPct val="0"/>
+              </a:spcBef>
+              <a:spcAft>
+                <a:spcPct val="0"/>
+              </a:spcAft>
+            </a:pPr>
+            <a:r>
+              <a:rPr lang="en-US" sz="1400" b="1" dirty="0">
+                <a:solidFill>
+                  <a:schemeClr val="tx1"/>
+                </a:solidFill>
+                <a:latin typeface="Arial" panose="020B0604020202020204" pitchFamily="34" charset="0"/>
+                <a:ea typeface="Segoe UI" pitchFamily="34" charset="0"/>
+                <a:cs typeface="Arial" panose="020B0604020202020204" pitchFamily="34" charset="0"/>
+              </a:rPr>
+              <a:t>New PBIX</a:t>
+            </a:r>
+          </a:p>
+          <a:p>
+            <a:pPr algn="ctr" defTabSz="932472" fontAlgn="base">
+              <a:lnSpc>
+                <a:spcPct val="90000"/>
+              </a:lnSpc>
+              <a:spcBef>
+                <a:spcPct val="0"/>
+              </a:spcBef>
+              <a:spcAft>
+                <a:spcPct val="0"/>
+              </a:spcAft>
+            </a:pPr>
+            <a:r>
+              <a:rPr lang="en-US" sz="1400" b="1" dirty="0">
+                <a:solidFill>
+                  <a:schemeClr val="tx1"/>
+                </a:solidFill>
+                <a:latin typeface="Arial" panose="020B0604020202020204" pitchFamily="34" charset="0"/>
+                <a:ea typeface="Segoe UI" pitchFamily="34" charset="0"/>
+                <a:cs typeface="Arial" panose="020B0604020202020204" pitchFamily="34" charset="0"/>
+              </a:rPr>
+              <a:t>Project 1</a:t>
+            </a:r>
+          </a:p>
+        </p:txBody>
+      </p:sp>
+      <p:sp>
+        <p:nvSpPr>
+          <p:cNvPr id="8" name="Rectangle 7">
+            <a:extLst>
+              <a:ext uri="{FF2B5EF4-FFF2-40B4-BE49-F238E27FC236}">
+                <a16:creationId xmlns:a16="http://schemas.microsoft.com/office/drawing/2014/main" id="{E9B94A2D-F4F8-EAC4-7E12-1A7E37148362}"/>
+              </a:ext>
+            </a:extLst>
+          </p:cNvPr>
+          <p:cNvSpPr/>
+          <p:nvPr/>
+        </p:nvSpPr>
+        <p:spPr bwMode="auto">
+          <a:xfrm>
+            <a:off x="622169" y="2290713"/>
+            <a:ext cx="6627043" cy="3271101"/>
+          </a:xfrm>
+          <a:prstGeom prst="rect">
+            <a:avLst/>
+          </a:prstGeom>
+          <a:noFill/>
+          <a:ln>
+            <a:solidFill>
+              <a:schemeClr val="tx1">
+                <a:lumMod val="40000"/>
+                <a:lumOff val="60000"/>
+              </a:schemeClr>
+            </a:solidFill>
+            <a:headEnd type="none" w="med" len="med"/>
+            <a:tailEnd type="none" w="med" len="med"/>
+          </a:ln>
+          <a:effectLst/>
+        </p:spPr>
+        <p:style>
+          <a:lnRef idx="1">
+            <a:schemeClr val="accent2"/>
+          </a:lnRef>
+          <a:fillRef idx="3">
+            <a:schemeClr val="accent2"/>
+          </a:fillRef>
+          <a:effectRef idx="2">
+            <a:schemeClr val="accent2"/>
+          </a:effectRef>
+          <a:fontRef idx="minor">
+            <a:schemeClr val="lt1"/>
+          </a:fontRef>
+        </p:style>
+        <p:txBody>
+          <a:bodyPr rot="0" spcFirstLastPara="0" vertOverflow="overflow" horzOverflow="overflow" vert="horz" wrap="square" lIns="182880" tIns="146304" rIns="182880" bIns="146304" numCol="1" spcCol="0" rtlCol="0" fromWordArt="0" anchor="t" anchorCtr="0" forceAA="0" compatLnSpc="1">
+            <a:prstTxWarp prst="textNoShape">
+              <a:avLst/>
+            </a:prstTxWarp>
+            <a:noAutofit/>
+          </a:bodyPr>
+          <a:lstStyle/>
+          <a:p>
+            <a:pPr algn="ctr" defTabSz="932472" fontAlgn="base">
+              <a:lnSpc>
+                <a:spcPct val="90000"/>
+              </a:lnSpc>
+              <a:spcBef>
+                <a:spcPct val="0"/>
+              </a:spcBef>
+              <a:spcAft>
+                <a:spcPct val="0"/>
+              </a:spcAft>
+            </a:pPr>
+            <a:endParaRPr lang="en-US" sz="2400" dirty="0" err="1">
+              <a:gradFill>
+                <a:gsLst>
+                  <a:gs pos="0">
+                    <a:srgbClr val="FFFFFF"/>
+                  </a:gs>
+                  <a:gs pos="100000">
+                    <a:srgbClr val="FFFFFF"/>
+                  </a:gs>
+                </a:gsLst>
+                <a:lin ang="5400000" scaled="0"/>
+              </a:gradFill>
+              <a:ea typeface="Segoe UI" pitchFamily="34" charset="0"/>
+              <a:cs typeface="Segoe UI" pitchFamily="34" charset="0"/>
+            </a:endParaRPr>
+          </a:p>
+        </p:txBody>
+      </p:sp>
+      <p:sp>
+        <p:nvSpPr>
+          <p:cNvPr id="5" name="Arrow: Right 4">
+            <a:extLst>
+              <a:ext uri="{FF2B5EF4-FFF2-40B4-BE49-F238E27FC236}">
+                <a16:creationId xmlns:a16="http://schemas.microsoft.com/office/drawing/2014/main" id="{55C1AAB8-3157-D2D0-EB3D-1FB2008B3463}"/>
+              </a:ext>
+            </a:extLst>
+          </p:cNvPr>
+          <p:cNvSpPr/>
+          <p:nvPr/>
+        </p:nvSpPr>
+        <p:spPr bwMode="auto">
+          <a:xfrm rot="837310">
+            <a:off x="2595951" y="4264434"/>
+            <a:ext cx="2409110" cy="724171"/>
+          </a:xfrm>
+          <a:prstGeom prst="rightArrow">
+            <a:avLst>
+              <a:gd name="adj1" fmla="val 59227"/>
+              <a:gd name="adj2" fmla="val 50000"/>
+            </a:avLst>
+          </a:prstGeom>
+          <a:solidFill>
+            <a:srgbClr val="FFC000"/>
+          </a:solidFill>
+          <a:ln>
+            <a:solidFill>
+              <a:schemeClr val="tx1"/>
+            </a:solidFill>
+            <a:headEnd type="none" w="med" len="med"/>
+            <a:tailEnd type="none" w="med" len="med"/>
+          </a:ln>
+          <a:effectLst/>
+        </p:spPr>
+        <p:style>
+          <a:lnRef idx="1">
+            <a:schemeClr val="accent2"/>
+          </a:lnRef>
+          <a:fillRef idx="3">
+            <a:schemeClr val="accent2"/>
+          </a:fillRef>
+          <a:effectRef idx="2">
+            <a:schemeClr val="accent2"/>
+          </a:effectRef>
+          <a:fontRef idx="minor">
+            <a:schemeClr val="lt1"/>
+          </a:fontRef>
+        </p:style>
+        <p:txBody>
+          <a:bodyPr rot="0" spcFirstLastPara="0" vertOverflow="overflow" horzOverflow="overflow" vert="horz" wrap="square" lIns="182880" tIns="146304" rIns="182880" bIns="146304" numCol="1" spcCol="0" rtlCol="0" fromWordArt="0" anchor="ctr" anchorCtr="0" forceAA="0" compatLnSpc="1">
+            <a:prstTxWarp prst="textNoShape">
+              <a:avLst/>
+            </a:prstTxWarp>
+            <a:noAutofit/>
+          </a:bodyPr>
+          <a:lstStyle/>
+          <a:p>
+            <a:pPr algn="ctr" defTabSz="932472" fontAlgn="base">
+              <a:lnSpc>
+                <a:spcPct val="90000"/>
+              </a:lnSpc>
+              <a:spcBef>
+                <a:spcPct val="0"/>
+              </a:spcBef>
+              <a:spcAft>
+                <a:spcPct val="0"/>
+              </a:spcAft>
+            </a:pPr>
+            <a:r>
+              <a:rPr lang="en-US" sz="900" b="1" dirty="0">
+                <a:solidFill>
+                  <a:schemeClr val="tx2">
+                    <a:lumMod val="90000"/>
+                    <a:lumOff val="10000"/>
+                  </a:schemeClr>
+                </a:solidFill>
+                <a:latin typeface="Arial Black" panose="020B0A04020102020204" pitchFamily="34" charset="0"/>
+                <a:ea typeface="Segoe UI" pitchFamily="34" charset="0"/>
+                <a:cs typeface="Segoe UI" pitchFamily="34" charset="0"/>
+              </a:rPr>
+              <a:t>Import Operation</a:t>
+            </a:r>
+          </a:p>
+        </p:txBody>
+      </p:sp>
+      <p:sp>
+        <p:nvSpPr>
+          <p:cNvPr id="9" name="Arrow: Right 8">
+            <a:extLst>
+              <a:ext uri="{FF2B5EF4-FFF2-40B4-BE49-F238E27FC236}">
+                <a16:creationId xmlns:a16="http://schemas.microsoft.com/office/drawing/2014/main" id="{36E50130-156D-70C3-B481-42EDD46DC89A}"/>
+              </a:ext>
+            </a:extLst>
+          </p:cNvPr>
+          <p:cNvSpPr/>
+          <p:nvPr/>
+        </p:nvSpPr>
+        <p:spPr bwMode="auto">
+          <a:xfrm rot="20862832">
+            <a:off x="2402509" y="3048664"/>
+            <a:ext cx="2586378" cy="724171"/>
+          </a:xfrm>
+          <a:prstGeom prst="rightArrow">
+            <a:avLst>
+              <a:gd name="adj1" fmla="val 59227"/>
+              <a:gd name="adj2" fmla="val 50000"/>
+            </a:avLst>
+          </a:prstGeom>
+          <a:solidFill>
+            <a:srgbClr val="FFC000"/>
+          </a:solidFill>
+          <a:ln>
+            <a:solidFill>
+              <a:schemeClr val="tx1"/>
+            </a:solidFill>
+            <a:headEnd type="none" w="med" len="med"/>
+            <a:tailEnd type="none" w="med" len="med"/>
+          </a:ln>
+          <a:effectLst/>
+        </p:spPr>
+        <p:style>
+          <a:lnRef idx="1">
+            <a:schemeClr val="accent2"/>
+          </a:lnRef>
+          <a:fillRef idx="3">
+            <a:schemeClr val="accent2"/>
+          </a:fillRef>
+          <a:effectRef idx="2">
+            <a:schemeClr val="accent2"/>
+          </a:effectRef>
+          <a:fontRef idx="minor">
+            <a:schemeClr val="lt1"/>
+          </a:fontRef>
+        </p:style>
+        <p:txBody>
+          <a:bodyPr rot="0" spcFirstLastPara="0" vertOverflow="overflow" horzOverflow="overflow" vert="horz" wrap="square" lIns="182880" tIns="146304" rIns="182880" bIns="146304" numCol="1" spcCol="0" rtlCol="0" fromWordArt="0" anchor="ctr" anchorCtr="0" forceAA="0" compatLnSpc="1">
+            <a:prstTxWarp prst="textNoShape">
+              <a:avLst/>
+            </a:prstTxWarp>
+            <a:noAutofit/>
+          </a:bodyPr>
+          <a:lstStyle/>
+          <a:p>
+            <a:pPr algn="ctr" defTabSz="932472" fontAlgn="base">
+              <a:lnSpc>
+                <a:spcPct val="90000"/>
+              </a:lnSpc>
+              <a:spcBef>
+                <a:spcPct val="0"/>
+              </a:spcBef>
+              <a:spcAft>
+                <a:spcPct val="0"/>
+              </a:spcAft>
+            </a:pPr>
+            <a:r>
+              <a:rPr lang="en-US" sz="900" b="1" dirty="0">
+                <a:solidFill>
+                  <a:schemeClr val="tx2">
+                    <a:lumMod val="90000"/>
+                    <a:lumOff val="10000"/>
+                  </a:schemeClr>
+                </a:solidFill>
+                <a:latin typeface="Arial Black" panose="020B0A04020102020204" pitchFamily="34" charset="0"/>
+                <a:ea typeface="Segoe UI" pitchFamily="34" charset="0"/>
+                <a:cs typeface="Segoe UI" pitchFamily="34" charset="0"/>
+              </a:rPr>
+              <a:t>Import Operation</a:t>
+            </a:r>
+          </a:p>
+        </p:txBody>
+      </p:sp>
+      <p:sp>
+        <p:nvSpPr>
+          <p:cNvPr id="10" name="Rectangle 9">
+            <a:extLst>
+              <a:ext uri="{FF2B5EF4-FFF2-40B4-BE49-F238E27FC236}">
+                <a16:creationId xmlns:a16="http://schemas.microsoft.com/office/drawing/2014/main" id="{CC36AE04-389E-B2F4-3C1B-6B5EAE743825}"/>
+              </a:ext>
+            </a:extLst>
+          </p:cNvPr>
+          <p:cNvSpPr/>
+          <p:nvPr/>
+        </p:nvSpPr>
+        <p:spPr bwMode="auto">
+          <a:xfrm>
+            <a:off x="5054337" y="3546049"/>
+            <a:ext cx="1941923" cy="848413"/>
+          </a:xfrm>
+          <a:prstGeom prst="rect">
+            <a:avLst/>
+          </a:prstGeom>
+          <a:solidFill>
+            <a:schemeClr val="accent1">
+              <a:lumMod val="40000"/>
+              <a:lumOff val="60000"/>
+            </a:schemeClr>
+          </a:solidFill>
+          <a:ln>
+            <a:solidFill>
+              <a:schemeClr val="tx1"/>
+            </a:solidFill>
+            <a:headEnd type="none" w="med" len="med"/>
+            <a:tailEnd type="none" w="med" len="med"/>
+          </a:ln>
+          <a:effectLst/>
+        </p:spPr>
+        <p:style>
+          <a:lnRef idx="1">
+            <a:schemeClr val="accent2"/>
+          </a:lnRef>
+          <a:fillRef idx="3">
+            <a:schemeClr val="accent2"/>
+          </a:fillRef>
+          <a:effectRef idx="2">
+            <a:schemeClr val="accent2"/>
+          </a:effectRef>
+          <a:fontRef idx="minor">
+            <a:schemeClr val="lt1"/>
+          </a:fontRef>
+        </p:style>
+        <p:txBody>
+          <a:bodyPr rot="0" spcFirstLastPara="0" vertOverflow="overflow" horzOverflow="overflow" vert="horz" wrap="square" lIns="182880" tIns="146304" rIns="182880" bIns="146304" numCol="1" spcCol="0" rtlCol="0" fromWordArt="0" anchor="ctr" anchorCtr="0" forceAA="0" compatLnSpc="1">
+            <a:prstTxWarp prst="textNoShape">
+              <a:avLst/>
+            </a:prstTxWarp>
+            <a:noAutofit/>
+          </a:bodyPr>
+          <a:lstStyle/>
+          <a:p>
+            <a:pPr algn="ctr" defTabSz="932472" fontAlgn="base">
+              <a:lnSpc>
+                <a:spcPct val="90000"/>
+              </a:lnSpc>
+              <a:spcBef>
+                <a:spcPct val="0"/>
+              </a:spcBef>
+              <a:spcAft>
+                <a:spcPct val="0"/>
+              </a:spcAft>
+            </a:pPr>
+            <a:r>
+              <a:rPr lang="en-US" sz="1400" b="1" dirty="0">
+                <a:solidFill>
+                  <a:schemeClr val="tx1"/>
+                </a:solidFill>
+                <a:latin typeface="Arial" panose="020B0604020202020204" pitchFamily="34" charset="0"/>
+                <a:ea typeface="Segoe UI" pitchFamily="34" charset="0"/>
+                <a:cs typeface="Arial" panose="020B0604020202020204" pitchFamily="34" charset="0"/>
+              </a:rPr>
+              <a:t>New PBIX</a:t>
+            </a:r>
+          </a:p>
+          <a:p>
+            <a:pPr algn="ctr" defTabSz="932472" fontAlgn="base">
+              <a:lnSpc>
+                <a:spcPct val="90000"/>
+              </a:lnSpc>
+              <a:spcBef>
+                <a:spcPct val="0"/>
+              </a:spcBef>
+              <a:spcAft>
+                <a:spcPct val="0"/>
+              </a:spcAft>
+            </a:pPr>
+            <a:r>
+              <a:rPr lang="en-US" sz="1400" b="1" dirty="0">
+                <a:solidFill>
+                  <a:schemeClr val="tx1"/>
+                </a:solidFill>
+                <a:latin typeface="Arial" panose="020B0604020202020204" pitchFamily="34" charset="0"/>
+                <a:ea typeface="Segoe UI" pitchFamily="34" charset="0"/>
+                <a:cs typeface="Arial" panose="020B0604020202020204" pitchFamily="34" charset="0"/>
+              </a:rPr>
+              <a:t>Project 2</a:t>
+            </a:r>
+          </a:p>
+        </p:txBody>
+      </p:sp>
+      <p:sp>
+        <p:nvSpPr>
+          <p:cNvPr id="11" name="Rectangle 10">
+            <a:extLst>
+              <a:ext uri="{FF2B5EF4-FFF2-40B4-BE49-F238E27FC236}">
+                <a16:creationId xmlns:a16="http://schemas.microsoft.com/office/drawing/2014/main" id="{DB703234-D005-F704-2E0F-157F9C21034B}"/>
+              </a:ext>
+            </a:extLst>
+          </p:cNvPr>
+          <p:cNvSpPr/>
+          <p:nvPr/>
+        </p:nvSpPr>
+        <p:spPr bwMode="auto">
+          <a:xfrm>
+            <a:off x="5055908" y="4556288"/>
+            <a:ext cx="1941923" cy="848413"/>
+          </a:xfrm>
+          <a:prstGeom prst="rect">
+            <a:avLst/>
+          </a:prstGeom>
+          <a:solidFill>
+            <a:schemeClr val="accent1">
+              <a:lumMod val="40000"/>
+              <a:lumOff val="60000"/>
+            </a:schemeClr>
+          </a:solidFill>
+          <a:ln>
+            <a:solidFill>
+              <a:schemeClr val="tx1"/>
+            </a:solidFill>
+            <a:headEnd type="none" w="med" len="med"/>
+            <a:tailEnd type="none" w="med" len="med"/>
+          </a:ln>
+          <a:effectLst/>
+        </p:spPr>
+        <p:style>
+          <a:lnRef idx="1">
+            <a:schemeClr val="accent2"/>
+          </a:lnRef>
+          <a:fillRef idx="3">
+            <a:schemeClr val="accent2"/>
+          </a:fillRef>
+          <a:effectRef idx="2">
+            <a:schemeClr val="accent2"/>
+          </a:effectRef>
+          <a:fontRef idx="minor">
+            <a:schemeClr val="lt1"/>
+          </a:fontRef>
+        </p:style>
+        <p:txBody>
+          <a:bodyPr rot="0" spcFirstLastPara="0" vertOverflow="overflow" horzOverflow="overflow" vert="horz" wrap="square" lIns="182880" tIns="146304" rIns="182880" bIns="146304" numCol="1" spcCol="0" rtlCol="0" fromWordArt="0" anchor="ctr" anchorCtr="0" forceAA="0" compatLnSpc="1">
+            <a:prstTxWarp prst="textNoShape">
+              <a:avLst/>
+            </a:prstTxWarp>
+            <a:noAutofit/>
+          </a:bodyPr>
+          <a:lstStyle/>
+          <a:p>
+            <a:pPr algn="ctr" defTabSz="932472" fontAlgn="base">
+              <a:lnSpc>
+                <a:spcPct val="90000"/>
+              </a:lnSpc>
+              <a:spcBef>
+                <a:spcPct val="0"/>
+              </a:spcBef>
+              <a:spcAft>
+                <a:spcPct val="0"/>
+              </a:spcAft>
+            </a:pPr>
+            <a:r>
+              <a:rPr lang="en-US" sz="1400" b="1" dirty="0">
+                <a:solidFill>
+                  <a:schemeClr val="tx1"/>
+                </a:solidFill>
+                <a:latin typeface="Arial" panose="020B0604020202020204" pitchFamily="34" charset="0"/>
+                <a:ea typeface="Segoe UI" pitchFamily="34" charset="0"/>
+                <a:cs typeface="Arial" panose="020B0604020202020204" pitchFamily="34" charset="0"/>
+              </a:rPr>
+              <a:t>New PBIX</a:t>
+            </a:r>
+          </a:p>
+          <a:p>
+            <a:pPr algn="ctr" defTabSz="932472" fontAlgn="base">
+              <a:lnSpc>
+                <a:spcPct val="90000"/>
+              </a:lnSpc>
+              <a:spcBef>
+                <a:spcPct val="0"/>
+              </a:spcBef>
+              <a:spcAft>
+                <a:spcPct val="0"/>
+              </a:spcAft>
+            </a:pPr>
+            <a:r>
+              <a:rPr lang="en-US" sz="1400" b="1" dirty="0">
+                <a:solidFill>
+                  <a:schemeClr val="tx1"/>
+                </a:solidFill>
+                <a:latin typeface="Arial" panose="020B0604020202020204" pitchFamily="34" charset="0"/>
+                <a:ea typeface="Segoe UI" pitchFamily="34" charset="0"/>
+                <a:cs typeface="Arial" panose="020B0604020202020204" pitchFamily="34" charset="0"/>
+              </a:rPr>
+              <a:t>Project 3</a:t>
+            </a:r>
+          </a:p>
+        </p:txBody>
+      </p:sp>
+      <p:sp>
+        <p:nvSpPr>
+          <p:cNvPr id="6" name="Arrow: Right 5">
+            <a:extLst>
+              <a:ext uri="{FF2B5EF4-FFF2-40B4-BE49-F238E27FC236}">
+                <a16:creationId xmlns:a16="http://schemas.microsoft.com/office/drawing/2014/main" id="{392B3B9A-EA20-73EF-C2E7-359BBF462616}"/>
+              </a:ext>
+            </a:extLst>
+          </p:cNvPr>
+          <p:cNvSpPr/>
+          <p:nvPr/>
+        </p:nvSpPr>
+        <p:spPr bwMode="auto">
+          <a:xfrm>
+            <a:off x="2469823" y="3642011"/>
+            <a:ext cx="2537380" cy="724171"/>
+          </a:xfrm>
+          <a:prstGeom prst="rightArrow">
+            <a:avLst>
+              <a:gd name="adj1" fmla="val 59227"/>
+              <a:gd name="adj2" fmla="val 50000"/>
+            </a:avLst>
+          </a:prstGeom>
+          <a:solidFill>
+            <a:srgbClr val="FFC000"/>
+          </a:solidFill>
+          <a:ln>
+            <a:solidFill>
+              <a:schemeClr val="tx1"/>
+            </a:solidFill>
+            <a:headEnd type="none" w="med" len="med"/>
+            <a:tailEnd type="none" w="med" len="med"/>
+          </a:ln>
+          <a:effectLst/>
+        </p:spPr>
+        <p:style>
+          <a:lnRef idx="1">
+            <a:schemeClr val="accent2"/>
+          </a:lnRef>
+          <a:fillRef idx="3">
+            <a:schemeClr val="accent2"/>
+          </a:fillRef>
+          <a:effectRef idx="2">
+            <a:schemeClr val="accent2"/>
+          </a:effectRef>
+          <a:fontRef idx="minor">
+            <a:schemeClr val="lt1"/>
+          </a:fontRef>
+        </p:style>
+        <p:txBody>
+          <a:bodyPr rot="0" spcFirstLastPara="0" vertOverflow="overflow" horzOverflow="overflow" vert="horz" wrap="square" lIns="182880" tIns="146304" rIns="182880" bIns="146304" numCol="1" spcCol="0" rtlCol="0" fromWordArt="0" anchor="ctr" anchorCtr="0" forceAA="0" compatLnSpc="1">
+            <a:prstTxWarp prst="textNoShape">
+              <a:avLst/>
+            </a:prstTxWarp>
+            <a:noAutofit/>
+          </a:bodyPr>
+          <a:lstStyle/>
+          <a:p>
+            <a:pPr algn="ctr" defTabSz="932472" fontAlgn="base">
+              <a:lnSpc>
+                <a:spcPct val="90000"/>
+              </a:lnSpc>
+              <a:spcBef>
+                <a:spcPct val="0"/>
+              </a:spcBef>
+              <a:spcAft>
+                <a:spcPct val="0"/>
+              </a:spcAft>
+            </a:pPr>
+            <a:r>
+              <a:rPr lang="en-US" sz="900" b="1" dirty="0">
+                <a:solidFill>
+                  <a:schemeClr val="tx2">
+                    <a:lumMod val="90000"/>
+                    <a:lumOff val="10000"/>
+                  </a:schemeClr>
+                </a:solidFill>
+                <a:latin typeface="Arial Black" panose="020B0A04020102020204" pitchFamily="34" charset="0"/>
+                <a:ea typeface="Segoe UI" pitchFamily="34" charset="0"/>
+                <a:cs typeface="Segoe UI" pitchFamily="34" charset="0"/>
+              </a:rPr>
+              <a:t>Import Operation</a:t>
+            </a:r>
+          </a:p>
+        </p:txBody>
+      </p:sp>
+      <p:sp>
+        <p:nvSpPr>
+          <p:cNvPr id="7" name="Rectangle 6">
+            <a:extLst>
+              <a:ext uri="{FF2B5EF4-FFF2-40B4-BE49-F238E27FC236}">
+                <a16:creationId xmlns:a16="http://schemas.microsoft.com/office/drawing/2014/main" id="{1FACD944-34C2-800F-D927-40D4D6C56399}"/>
+              </a:ext>
+            </a:extLst>
+          </p:cNvPr>
+          <p:cNvSpPr/>
+          <p:nvPr/>
+        </p:nvSpPr>
+        <p:spPr bwMode="auto">
+          <a:xfrm>
+            <a:off x="857838" y="3026005"/>
+            <a:ext cx="1932493" cy="1866506"/>
+          </a:xfrm>
+          <a:prstGeom prst="rect">
+            <a:avLst/>
+          </a:prstGeom>
+          <a:solidFill>
+            <a:schemeClr val="accent3"/>
+          </a:solidFill>
+          <a:ln>
+            <a:solidFill>
+              <a:schemeClr val="tx1"/>
+            </a:solidFill>
+            <a:headEnd type="none" w="med" len="med"/>
+            <a:tailEnd type="none" w="med" len="med"/>
+          </a:ln>
+          <a:effectLst/>
+        </p:spPr>
+        <p:style>
+          <a:lnRef idx="1">
+            <a:schemeClr val="accent2"/>
+          </a:lnRef>
+          <a:fillRef idx="3">
+            <a:schemeClr val="accent2"/>
+          </a:fillRef>
+          <a:effectRef idx="2">
+            <a:schemeClr val="accent2"/>
+          </a:effectRef>
+          <a:fontRef idx="minor">
+            <a:schemeClr val="lt1"/>
+          </a:fontRef>
+        </p:style>
+        <p:txBody>
+          <a:bodyPr rot="0" spcFirstLastPara="0" vertOverflow="overflow" horzOverflow="overflow" vert="horz" wrap="square" lIns="182880" tIns="146304" rIns="182880" bIns="146304" numCol="1" spcCol="0" rtlCol="0" fromWordArt="0" anchor="ctr" anchorCtr="0" forceAA="0" compatLnSpc="1">
+            <a:prstTxWarp prst="textNoShape">
+              <a:avLst/>
+            </a:prstTxWarp>
+            <a:noAutofit/>
+          </a:bodyPr>
+          <a:lstStyle/>
+          <a:p>
+            <a:pPr algn="ctr" defTabSz="932472" fontAlgn="base">
+              <a:spcBef>
+                <a:spcPct val="0"/>
+              </a:spcBef>
+              <a:spcAft>
+                <a:spcPct val="0"/>
+              </a:spcAft>
+            </a:pPr>
+            <a:r>
+              <a:rPr lang="en-US" sz="1400" b="1" dirty="0">
+                <a:solidFill>
+                  <a:schemeClr val="tx1"/>
+                </a:solidFill>
+                <a:latin typeface="Arial" panose="020B0604020202020204" pitchFamily="34" charset="0"/>
+                <a:ea typeface="Segoe UI" pitchFamily="34" charset="0"/>
+                <a:cs typeface="Arial" panose="020B0604020202020204" pitchFamily="34" charset="0"/>
+              </a:rPr>
+              <a:t>Enterprise Master </a:t>
+            </a:r>
+          </a:p>
+          <a:p>
+            <a:pPr algn="ctr" defTabSz="932472" fontAlgn="base">
+              <a:spcBef>
+                <a:spcPct val="0"/>
+              </a:spcBef>
+              <a:spcAft>
+                <a:spcPct val="0"/>
+              </a:spcAft>
+            </a:pPr>
+            <a:r>
+              <a:rPr lang="en-US" sz="1400" b="1" dirty="0">
+                <a:solidFill>
+                  <a:schemeClr val="tx1"/>
+                </a:solidFill>
+                <a:latin typeface="Arial" panose="020B0604020202020204" pitchFamily="34" charset="0"/>
+                <a:ea typeface="Segoe UI" pitchFamily="34" charset="0"/>
+                <a:cs typeface="Arial" panose="020B0604020202020204" pitchFamily="34" charset="0"/>
+              </a:rPr>
+              <a:t>Translation Sheet</a:t>
+            </a:r>
+          </a:p>
+        </p:txBody>
+      </p:sp>
+    </p:spTree>
+    <p:extLst>
+      <p:ext uri="{BB962C8B-B14F-4D97-AF65-F5344CB8AC3E}">
+        <p14:creationId xmlns:p14="http://schemas.microsoft.com/office/powerpoint/2010/main" val="2779781793"/>
+      </p:ext>
+    </p:extLst>
+  </p:cSld>
+  <p:clrMapOvr>
+    <a:masterClrMapping/>
+  </p:clrMapOvr>
+  <p:transition>
+    <p:fade/>
+  </p:transition>
+</p:sld>
+</file>
+
+<file path=ppt/slides/slide32.xml><?xml version="1.0" encoding="utf-8"?>
+<p:sld xmlns:a="http://schemas.openxmlformats.org/drawingml/2006/main" xmlns:r="http://schemas.openxmlformats.org/officeDocument/2006/relationships" xmlns:p="http://schemas.openxmlformats.org/presentationml/2006/main">
+  <p:cSld>
+    <p:spTree>
+      <p:nvGrpSpPr>
+        <p:cNvPr id="1" name=""/>
+        <p:cNvGrpSpPr/>
+        <p:nvPr/>
+      </p:nvGrpSpPr>
+      <p:grpSpPr>
+        <a:xfrm>
+          <a:off x="0" y="0"/>
+          <a:ext cx="0" cy="0"/>
+          <a:chOff x="0" y="0"/>
+          <a:chExt cx="0" cy="0"/>
+        </a:xfrm>
+      </p:grpSpPr>
+      <p:sp>
+        <p:nvSpPr>
+          <p:cNvPr id="2" name="Title 1">
+            <a:extLst>
+              <a:ext uri="{FF2B5EF4-FFF2-40B4-BE49-F238E27FC236}">
+                <a16:creationId xmlns:a16="http://schemas.microsoft.com/office/drawing/2014/main" id="{3F609BD9-6ED0-178E-214C-7D7848F356A0}"/>
+              </a:ext>
+            </a:extLst>
+          </p:cNvPr>
+          <p:cNvSpPr>
+            <a:spLocks noGrp="1"/>
+          </p:cNvSpPr>
+          <p:nvPr>
+            <p:ph type="title"/>
+          </p:nvPr>
+        </p:nvSpPr>
+        <p:spPr/>
+        <p:txBody>
+          <a:bodyPr/>
+          <a:lstStyle/>
+          <a:p>
+            <a:r>
+              <a:rPr lang="en-US" dirty="0"/>
+              <a:t>Field Parameters</a:t>
+            </a:r>
+          </a:p>
+        </p:txBody>
+      </p:sp>
+      <p:pic>
+        <p:nvPicPr>
+          <p:cNvPr id="4" name="Picture 3">
+            <a:extLst>
+              <a:ext uri="{FF2B5EF4-FFF2-40B4-BE49-F238E27FC236}">
+                <a16:creationId xmlns:a16="http://schemas.microsoft.com/office/drawing/2014/main" id="{863FF5CC-D15E-EE51-30AA-6D08A0C541F4}"/>
+              </a:ext>
+            </a:extLst>
+          </p:cNvPr>
+          <p:cNvPicPr>
+            <a:picLocks noChangeAspect="1"/>
+          </p:cNvPicPr>
+          <p:nvPr/>
+        </p:nvPicPr>
+        <p:blipFill>
+          <a:blip r:embed="rId2"/>
+          <a:stretch>
+            <a:fillRect/>
+          </a:stretch>
+        </p:blipFill>
+        <p:spPr>
+          <a:xfrm>
+            <a:off x="2571155" y="1977259"/>
+            <a:ext cx="2333625" cy="1800225"/>
+          </a:xfrm>
+          <a:prstGeom prst="rect">
+            <a:avLst/>
+          </a:prstGeom>
+          <a:ln>
+            <a:solidFill>
+              <a:schemeClr val="tx1"/>
+            </a:solidFill>
+          </a:ln>
+        </p:spPr>
+      </p:pic>
+      <p:pic>
+        <p:nvPicPr>
+          <p:cNvPr id="6" name="Picture 5">
+            <a:extLst>
+              <a:ext uri="{FF2B5EF4-FFF2-40B4-BE49-F238E27FC236}">
+                <a16:creationId xmlns:a16="http://schemas.microsoft.com/office/drawing/2014/main" id="{C6247855-991E-6C6A-FE4C-4A2AEE083A5A}"/>
+              </a:ext>
+            </a:extLst>
+          </p:cNvPr>
+          <p:cNvPicPr>
+            <a:picLocks noChangeAspect="1"/>
+          </p:cNvPicPr>
+          <p:nvPr/>
+        </p:nvPicPr>
+        <p:blipFill>
+          <a:blip r:embed="rId3"/>
+          <a:stretch>
+            <a:fillRect/>
+          </a:stretch>
+        </p:blipFill>
+        <p:spPr>
+          <a:xfrm>
+            <a:off x="6605955" y="2193958"/>
+            <a:ext cx="2950138" cy="1944409"/>
+          </a:xfrm>
+          <a:prstGeom prst="rect">
+            <a:avLst/>
+          </a:prstGeom>
+          <a:ln>
+            <a:solidFill>
+              <a:schemeClr val="tx1"/>
+            </a:solidFill>
+          </a:ln>
+        </p:spPr>
+      </p:pic>
+      <p:sp>
+        <p:nvSpPr>
+          <p:cNvPr id="7" name="Flowchart: Delay 6">
+            <a:extLst>
+              <a:ext uri="{FF2B5EF4-FFF2-40B4-BE49-F238E27FC236}">
+                <a16:creationId xmlns:a16="http://schemas.microsoft.com/office/drawing/2014/main" id="{6515FDFC-21A5-AFF6-1328-8DE663475F4A}"/>
+              </a:ext>
+            </a:extLst>
+          </p:cNvPr>
+          <p:cNvSpPr/>
+          <p:nvPr/>
+        </p:nvSpPr>
+        <p:spPr bwMode="auto">
+          <a:xfrm flipH="1">
+            <a:off x="5125355" y="2797242"/>
+            <a:ext cx="1102937" cy="1282045"/>
+          </a:xfrm>
+          <a:prstGeom prst="flowChartDelay">
+            <a:avLst/>
+          </a:prstGeom>
+          <a:solidFill>
+            <a:schemeClr val="accent1"/>
+          </a:solidFill>
+          <a:ln w="38100">
+            <a:solidFill>
+              <a:schemeClr val="tx1"/>
+            </a:solidFill>
+            <a:headEnd type="none" w="med" len="med"/>
+            <a:tailEnd type="none" w="med" len="med"/>
+          </a:ln>
+          <a:effectLst/>
+        </p:spPr>
+        <p:style>
+          <a:lnRef idx="1">
+            <a:schemeClr val="accent2"/>
+          </a:lnRef>
+          <a:fillRef idx="3">
+            <a:schemeClr val="accent2"/>
+          </a:fillRef>
+          <a:effectRef idx="2">
+            <a:schemeClr val="accent2"/>
+          </a:effectRef>
+          <a:fontRef idx="minor">
+            <a:schemeClr val="lt1"/>
+          </a:fontRef>
+        </p:style>
+        <p:txBody>
+          <a:bodyPr rot="0" spcFirstLastPara="0" vertOverflow="overflow" horzOverflow="overflow" vert="horz" wrap="square" lIns="0" tIns="0" rIns="0" bIns="0" numCol="1" spcCol="0" rtlCol="0" fromWordArt="0" anchor="ctr" anchorCtr="0" forceAA="0" compatLnSpc="1">
+            <a:prstTxWarp prst="textNoShape">
+              <a:avLst/>
+            </a:prstTxWarp>
+            <a:noAutofit/>
+          </a:bodyPr>
+          <a:lstStyle/>
+          <a:p>
+            <a:pPr defTabSz="932472" fontAlgn="base">
+              <a:lnSpc>
+                <a:spcPct val="90000"/>
+              </a:lnSpc>
+              <a:spcBef>
+                <a:spcPct val="0"/>
+              </a:spcBef>
+              <a:spcAft>
+                <a:spcPct val="0"/>
+              </a:spcAft>
+            </a:pPr>
+            <a:r>
+              <a:rPr lang="en-US" sz="1400" dirty="0">
+                <a:solidFill>
+                  <a:schemeClr val="tx1"/>
+                </a:solidFill>
+                <a:latin typeface="Arial Black" panose="020B0A04020102020204" pitchFamily="34" charset="0"/>
+                <a:ea typeface="Segoe UI" pitchFamily="34" charset="0"/>
+                <a:cs typeface="Segoe UI" pitchFamily="34" charset="0"/>
+              </a:rPr>
+              <a:t>column</a:t>
+            </a:r>
+          </a:p>
+          <a:p>
+            <a:pPr defTabSz="932472" fontAlgn="base">
+              <a:lnSpc>
+                <a:spcPct val="90000"/>
+              </a:lnSpc>
+              <a:spcBef>
+                <a:spcPct val="0"/>
+              </a:spcBef>
+              <a:spcAft>
+                <a:spcPct val="0"/>
+              </a:spcAft>
+            </a:pPr>
+            <a:r>
+              <a:rPr lang="en-US" sz="1400" dirty="0">
+                <a:solidFill>
+                  <a:schemeClr val="tx1"/>
+                </a:solidFill>
+                <a:latin typeface="Arial Black" panose="020B0A04020102020204" pitchFamily="34" charset="0"/>
+                <a:ea typeface="Segoe UI" pitchFamily="34" charset="0"/>
+                <a:cs typeface="Segoe UI" pitchFamily="34" charset="0"/>
+              </a:rPr>
+              <a:t>selector</a:t>
+            </a:r>
+          </a:p>
+        </p:txBody>
+      </p:sp>
+      <p:cxnSp>
+        <p:nvCxnSpPr>
+          <p:cNvPr id="9" name="Straight Arrow Connector 8">
+            <a:extLst>
+              <a:ext uri="{FF2B5EF4-FFF2-40B4-BE49-F238E27FC236}">
+                <a16:creationId xmlns:a16="http://schemas.microsoft.com/office/drawing/2014/main" id="{E8D3914F-BAE2-7B9D-6AF2-C8C7C3BC1448}"/>
+              </a:ext>
+            </a:extLst>
+          </p:cNvPr>
+          <p:cNvCxnSpPr>
+            <a:cxnSpLocks/>
+          </p:cNvCxnSpPr>
+          <p:nvPr/>
+        </p:nvCxnSpPr>
+        <p:spPr>
+          <a:xfrm flipH="1">
+            <a:off x="4069080" y="3420322"/>
+            <a:ext cx="1040664" cy="0"/>
+          </a:xfrm>
+          <a:prstGeom prst="straightConnector1">
+            <a:avLst/>
+          </a:prstGeom>
+          <a:ln w="76200">
+            <a:solidFill>
+              <a:schemeClr val="tx1"/>
+            </a:solidFill>
+            <a:headEnd type="none"/>
+            <a:tailEnd type="triangle"/>
+          </a:ln>
+        </p:spPr>
+        <p:style>
+          <a:lnRef idx="1">
+            <a:schemeClr val="accent1"/>
+          </a:lnRef>
+          <a:fillRef idx="0">
+            <a:schemeClr val="accent1"/>
+          </a:fillRef>
+          <a:effectRef idx="0">
+            <a:schemeClr val="accent1"/>
+          </a:effectRef>
+          <a:fontRef idx="minor">
+            <a:schemeClr val="tx1"/>
+          </a:fontRef>
+        </p:style>
+      </p:cxnSp>
+      <p:cxnSp>
+        <p:nvCxnSpPr>
+          <p:cNvPr id="11" name="Straight Arrow Connector 10">
+            <a:extLst>
+              <a:ext uri="{FF2B5EF4-FFF2-40B4-BE49-F238E27FC236}">
+                <a16:creationId xmlns:a16="http://schemas.microsoft.com/office/drawing/2014/main" id="{4353C744-AAE5-E7A1-5D47-EF2B54033FFB}"/>
+              </a:ext>
+            </a:extLst>
+          </p:cNvPr>
+          <p:cNvCxnSpPr>
+            <a:cxnSpLocks/>
+          </p:cNvCxnSpPr>
+          <p:nvPr/>
+        </p:nvCxnSpPr>
+        <p:spPr>
+          <a:xfrm flipH="1">
+            <a:off x="6278681" y="3910773"/>
+            <a:ext cx="488475" cy="0"/>
+          </a:xfrm>
+          <a:prstGeom prst="straightConnector1">
+            <a:avLst/>
+          </a:prstGeom>
+          <a:ln w="76200">
+            <a:solidFill>
+              <a:schemeClr val="tx1"/>
+            </a:solidFill>
+            <a:headEnd type="none"/>
+            <a:tailEnd type="triangle"/>
+          </a:ln>
+        </p:spPr>
+        <p:style>
+          <a:lnRef idx="1">
+            <a:schemeClr val="accent1"/>
+          </a:lnRef>
+          <a:fillRef idx="0">
+            <a:schemeClr val="accent1"/>
+          </a:fillRef>
+          <a:effectRef idx="0">
+            <a:schemeClr val="accent1"/>
+          </a:effectRef>
+          <a:fontRef idx="minor">
+            <a:schemeClr val="tx1"/>
+          </a:fontRef>
+        </p:style>
+      </p:cxnSp>
+      <p:sp>
+        <p:nvSpPr>
+          <p:cNvPr id="14" name="Rectangle 13">
+            <a:extLst>
+              <a:ext uri="{FF2B5EF4-FFF2-40B4-BE49-F238E27FC236}">
+                <a16:creationId xmlns:a16="http://schemas.microsoft.com/office/drawing/2014/main" id="{62A37E6F-64AE-FB8F-C115-526456925466}"/>
+              </a:ext>
+            </a:extLst>
+          </p:cNvPr>
+          <p:cNvSpPr/>
+          <p:nvPr/>
+        </p:nvSpPr>
+        <p:spPr bwMode="auto">
+          <a:xfrm>
+            <a:off x="2340430" y="1709057"/>
+            <a:ext cx="7445828" cy="2732314"/>
+          </a:xfrm>
+          <a:prstGeom prst="rect">
+            <a:avLst/>
+          </a:prstGeom>
+          <a:noFill/>
+          <a:ln>
+            <a:solidFill>
+              <a:schemeClr val="bg1">
+                <a:lumMod val="65000"/>
+              </a:schemeClr>
+            </a:solidFill>
+            <a:headEnd type="none" w="med" len="med"/>
+            <a:tailEnd type="none" w="med" len="med"/>
+          </a:ln>
+          <a:effectLst/>
+        </p:spPr>
+        <p:style>
+          <a:lnRef idx="1">
+            <a:schemeClr val="accent2"/>
+          </a:lnRef>
+          <a:fillRef idx="3">
+            <a:schemeClr val="accent2"/>
+          </a:fillRef>
+          <a:effectRef idx="2">
+            <a:schemeClr val="accent2"/>
+          </a:effectRef>
+          <a:fontRef idx="minor">
+            <a:schemeClr val="lt1"/>
+          </a:fontRef>
+        </p:style>
+        <p:txBody>
+          <a:bodyPr rot="0" spcFirstLastPara="0" vertOverflow="overflow" horzOverflow="overflow" vert="horz" wrap="square" lIns="182880" tIns="146304" rIns="182880" bIns="146304" numCol="1" spcCol="0" rtlCol="0" fromWordArt="0" anchor="t" anchorCtr="0" forceAA="0" compatLnSpc="1">
+            <a:prstTxWarp prst="textNoShape">
+              <a:avLst/>
+            </a:prstTxWarp>
+            <a:noAutofit/>
+          </a:bodyPr>
+          <a:lstStyle/>
+          <a:p>
+            <a:pPr algn="ctr" defTabSz="932472" fontAlgn="base">
+              <a:lnSpc>
+                <a:spcPct val="90000"/>
+              </a:lnSpc>
+              <a:spcBef>
+                <a:spcPct val="0"/>
+              </a:spcBef>
+              <a:spcAft>
+                <a:spcPct val="0"/>
+              </a:spcAft>
+            </a:pPr>
+            <a:endParaRPr lang="en-US" sz="2400" dirty="0" err="1">
+              <a:gradFill>
+                <a:gsLst>
+                  <a:gs pos="0">
+                    <a:srgbClr val="FFFFFF"/>
+                  </a:gs>
+                  <a:gs pos="100000">
+                    <a:srgbClr val="FFFFFF"/>
+                  </a:gs>
+                </a:gsLst>
+                <a:lin ang="5400000" scaled="0"/>
+              </a:gradFill>
+              <a:ea typeface="Segoe UI" pitchFamily="34" charset="0"/>
+              <a:cs typeface="Segoe UI" pitchFamily="34" charset="0"/>
+            </a:endParaRPr>
+          </a:p>
+        </p:txBody>
+      </p:sp>
+    </p:spTree>
+    <p:extLst>
+      <p:ext uri="{BB962C8B-B14F-4D97-AF65-F5344CB8AC3E}">
+        <p14:creationId xmlns:p14="http://schemas.microsoft.com/office/powerpoint/2010/main" val="1409406391"/>
+      </p:ext>
+    </p:extLst>
+  </p:cSld>
+  <p:clrMapOvr>
+    <a:masterClrMapping/>
+  </p:clrMapOvr>
+  <p:transition>
+    <p:fade/>
+  </p:transition>
+</p:sld>
+</file>
+
+<file path=ppt/slides/slide33.xml><?xml version="1.0" encoding="utf-8"?>
+<p:sld xmlns:a="http://schemas.openxmlformats.org/drawingml/2006/main" xmlns:r="http://schemas.openxmlformats.org/officeDocument/2006/relationships" xmlns:p="http://schemas.openxmlformats.org/presentationml/2006/main">
+  <p:cSld>
+    <p:spTree>
+      <p:nvGrpSpPr>
+        <p:cNvPr id="1" name=""/>
+        <p:cNvGrpSpPr/>
+        <p:nvPr/>
+      </p:nvGrpSpPr>
+      <p:grpSpPr>
+        <a:xfrm>
+          <a:off x="0" y="0"/>
+          <a:ext cx="0" cy="0"/>
+          <a:chOff x="0" y="0"/>
+          <a:chExt cx="0" cy="0"/>
+        </a:xfrm>
+      </p:grpSpPr>
+      <p:sp>
+        <p:nvSpPr>
+          <p:cNvPr id="9" name="Arrow: Down 8">
+            <a:extLst>
+              <a:ext uri="{FF2B5EF4-FFF2-40B4-BE49-F238E27FC236}">
+                <a16:creationId xmlns:a16="http://schemas.microsoft.com/office/drawing/2014/main" id="{A636BA75-FE84-4AB7-96EB-7087E6A7E44A}"/>
+              </a:ext>
+            </a:extLst>
+          </p:cNvPr>
+          <p:cNvSpPr/>
+          <p:nvPr/>
+        </p:nvSpPr>
+        <p:spPr bwMode="auto">
+          <a:xfrm rot="1241205">
+            <a:off x="5005355" y="2411694"/>
+            <a:ext cx="825910" cy="1555681"/>
+          </a:xfrm>
+          <a:prstGeom prst="downArrow">
+            <a:avLst/>
+          </a:prstGeom>
+          <a:solidFill>
+            <a:schemeClr val="accent1"/>
+          </a:solidFill>
+          <a:ln>
+            <a:noFill/>
+            <a:headEnd type="none" w="med" len="med"/>
+            <a:tailEnd type="none" w="med" len="med"/>
+          </a:ln>
+          <a:effectLst/>
+        </p:spPr>
+        <p:style>
+          <a:lnRef idx="1">
+            <a:schemeClr val="accent2"/>
+          </a:lnRef>
+          <a:fillRef idx="3">
+            <a:schemeClr val="accent2"/>
+          </a:fillRef>
+          <a:effectRef idx="2">
+            <a:schemeClr val="accent2"/>
+          </a:effectRef>
+          <a:fontRef idx="minor">
+            <a:schemeClr val="lt1"/>
+          </a:fontRef>
+        </p:style>
+        <p:txBody>
+          <a:bodyPr rot="0" spcFirstLastPara="0" vertOverflow="overflow" horzOverflow="overflow" vert="horz" wrap="square" lIns="182880" tIns="146304" rIns="182880" bIns="146304" numCol="1" spcCol="0" rtlCol="0" fromWordArt="0" anchor="t" anchorCtr="0" forceAA="0" compatLnSpc="1">
+            <a:prstTxWarp prst="textNoShape">
+              <a:avLst/>
+            </a:prstTxWarp>
+            <a:noAutofit/>
+          </a:bodyPr>
+          <a:lstStyle/>
+          <a:p>
+            <a:pPr algn="ctr" defTabSz="932472" fontAlgn="base">
+              <a:lnSpc>
+                <a:spcPct val="90000"/>
+              </a:lnSpc>
+              <a:spcBef>
+                <a:spcPct val="0"/>
+              </a:spcBef>
+              <a:spcAft>
+                <a:spcPct val="0"/>
+              </a:spcAft>
+            </a:pPr>
+            <a:endParaRPr lang="en-US" sz="2400" dirty="0" err="1">
+              <a:gradFill>
+                <a:gsLst>
+                  <a:gs pos="0">
+                    <a:srgbClr val="FFFFFF"/>
+                  </a:gs>
+                  <a:gs pos="100000">
+                    <a:srgbClr val="FFFFFF"/>
+                  </a:gs>
+                </a:gsLst>
+                <a:lin ang="5400000" scaled="0"/>
+              </a:gradFill>
+              <a:ea typeface="Segoe UI" pitchFamily="34" charset="0"/>
+              <a:cs typeface="Segoe UI" pitchFamily="34" charset="0"/>
+            </a:endParaRPr>
+          </a:p>
+        </p:txBody>
+      </p:sp>
+      <p:sp>
+        <p:nvSpPr>
+          <p:cNvPr id="13" name="Arrow: Down 12">
+            <a:extLst>
+              <a:ext uri="{FF2B5EF4-FFF2-40B4-BE49-F238E27FC236}">
+                <a16:creationId xmlns:a16="http://schemas.microsoft.com/office/drawing/2014/main" id="{1C381A8A-9795-6C0C-B2FE-570791A4FE81}"/>
+              </a:ext>
+            </a:extLst>
+          </p:cNvPr>
+          <p:cNvSpPr/>
+          <p:nvPr/>
+        </p:nvSpPr>
+        <p:spPr bwMode="auto">
+          <a:xfrm rot="20623542">
+            <a:off x="6746450" y="2156409"/>
+            <a:ext cx="825910" cy="1842158"/>
+          </a:xfrm>
+          <a:prstGeom prst="downArrow">
+            <a:avLst/>
+          </a:prstGeom>
+          <a:solidFill>
+            <a:schemeClr val="accent1"/>
+          </a:solidFill>
+          <a:ln>
+            <a:noFill/>
+            <a:headEnd type="none" w="med" len="med"/>
+            <a:tailEnd type="none" w="med" len="med"/>
+          </a:ln>
+          <a:effectLst/>
+        </p:spPr>
+        <p:style>
+          <a:lnRef idx="1">
+            <a:schemeClr val="accent2"/>
+          </a:lnRef>
+          <a:fillRef idx="3">
+            <a:schemeClr val="accent2"/>
+          </a:fillRef>
+          <a:effectRef idx="2">
+            <a:schemeClr val="accent2"/>
+          </a:effectRef>
+          <a:fontRef idx="minor">
+            <a:schemeClr val="lt1"/>
+          </a:fontRef>
+        </p:style>
+        <p:txBody>
+          <a:bodyPr rot="0" spcFirstLastPara="0" vertOverflow="overflow" horzOverflow="overflow" vert="horz" wrap="square" lIns="182880" tIns="146304" rIns="182880" bIns="146304" numCol="1" spcCol="0" rtlCol="0" fromWordArt="0" anchor="t" anchorCtr="0" forceAA="0" compatLnSpc="1">
+            <a:prstTxWarp prst="textNoShape">
+              <a:avLst/>
+            </a:prstTxWarp>
+            <a:noAutofit/>
+          </a:bodyPr>
+          <a:lstStyle/>
+          <a:p>
+            <a:pPr algn="ctr" defTabSz="932472" fontAlgn="base">
+              <a:lnSpc>
+                <a:spcPct val="90000"/>
+              </a:lnSpc>
+              <a:spcBef>
+                <a:spcPct val="0"/>
+              </a:spcBef>
+              <a:spcAft>
+                <a:spcPct val="0"/>
+              </a:spcAft>
+            </a:pPr>
+            <a:endParaRPr lang="en-US" sz="2400" dirty="0" err="1">
+              <a:gradFill>
+                <a:gsLst>
+                  <a:gs pos="0">
+                    <a:srgbClr val="FFFFFF"/>
+                  </a:gs>
+                  <a:gs pos="100000">
+                    <a:srgbClr val="FFFFFF"/>
+                  </a:gs>
+                </a:gsLst>
+                <a:lin ang="5400000" scaled="0"/>
+              </a:gradFill>
+              <a:ea typeface="Segoe UI" pitchFamily="34" charset="0"/>
+              <a:cs typeface="Segoe UI" pitchFamily="34" charset="0"/>
+            </a:endParaRPr>
+          </a:p>
+        </p:txBody>
+      </p:sp>
+      <p:sp>
+        <p:nvSpPr>
+          <p:cNvPr id="14" name="Rectangle: Rounded Corners 13">
+            <a:extLst>
+              <a:ext uri="{FF2B5EF4-FFF2-40B4-BE49-F238E27FC236}">
+                <a16:creationId xmlns:a16="http://schemas.microsoft.com/office/drawing/2014/main" id="{9F889672-3B00-D668-8981-A79B0A367835}"/>
+              </a:ext>
+            </a:extLst>
+          </p:cNvPr>
+          <p:cNvSpPr/>
+          <p:nvPr/>
+        </p:nvSpPr>
+        <p:spPr bwMode="auto">
+          <a:xfrm>
+            <a:off x="4513004" y="2625215"/>
+            <a:ext cx="3559277" cy="560439"/>
+          </a:xfrm>
+          <a:prstGeom prst="roundRect">
+            <a:avLst/>
+          </a:prstGeom>
+          <a:solidFill>
+            <a:schemeClr val="accent1"/>
+          </a:solidFill>
+          <a:ln>
+            <a:noFill/>
+            <a:headEnd type="none" w="med" len="med"/>
+            <a:tailEnd type="none" w="med" len="med"/>
+          </a:ln>
+          <a:effectLst/>
+        </p:spPr>
+        <p:style>
+          <a:lnRef idx="1">
+            <a:schemeClr val="accent2"/>
+          </a:lnRef>
+          <a:fillRef idx="3">
+            <a:schemeClr val="accent2"/>
+          </a:fillRef>
+          <a:effectRef idx="2">
+            <a:schemeClr val="accent2"/>
+          </a:effectRef>
+          <a:fontRef idx="minor">
+            <a:schemeClr val="lt1"/>
+          </a:fontRef>
+        </p:style>
+        <p:txBody>
+          <a:bodyPr rot="0" spcFirstLastPara="0" vertOverflow="overflow" horzOverflow="overflow" vert="horz" wrap="square" lIns="182880" tIns="146304" rIns="182880" bIns="146304" numCol="1" spcCol="0" rtlCol="0" fromWordArt="0" anchor="ctr" anchorCtr="0" forceAA="0" compatLnSpc="1">
+            <a:prstTxWarp prst="textNoShape">
+              <a:avLst/>
+            </a:prstTxWarp>
+            <a:noAutofit/>
+          </a:bodyPr>
+          <a:lstStyle/>
+          <a:p>
+            <a:pPr algn="ctr" defTabSz="932472" fontAlgn="base">
+              <a:lnSpc>
+                <a:spcPct val="90000"/>
+              </a:lnSpc>
+              <a:spcBef>
+                <a:spcPct val="0"/>
+              </a:spcBef>
+              <a:spcAft>
+                <a:spcPct val="0"/>
+              </a:spcAft>
+            </a:pPr>
+            <a:r>
+              <a:rPr lang="en-US" sz="1200" b="1" dirty="0">
+                <a:solidFill>
+                  <a:schemeClr val="tx1"/>
+                </a:solidFill>
+                <a:latin typeface="Arial Black" panose="020B0A04020102020204" pitchFamily="34" charset="0"/>
+                <a:ea typeface="Segoe UI" pitchFamily="34" charset="0"/>
+                <a:cs typeface="Segoe UI" pitchFamily="34" charset="0"/>
+              </a:rPr>
+              <a:t>Power Query Transforms</a:t>
+            </a:r>
+          </a:p>
+        </p:txBody>
+      </p:sp>
+      <p:sp>
+        <p:nvSpPr>
+          <p:cNvPr id="11" name="Rectangle 10">
+            <a:extLst>
+              <a:ext uri="{FF2B5EF4-FFF2-40B4-BE49-F238E27FC236}">
+                <a16:creationId xmlns:a16="http://schemas.microsoft.com/office/drawing/2014/main" id="{8D3B2297-2A46-1628-D132-8907C834F8CF}"/>
+              </a:ext>
+            </a:extLst>
+          </p:cNvPr>
+          <p:cNvSpPr/>
+          <p:nvPr/>
+        </p:nvSpPr>
+        <p:spPr bwMode="auto">
+          <a:xfrm>
+            <a:off x="265467" y="4006647"/>
+            <a:ext cx="5909187" cy="1961536"/>
+          </a:xfrm>
+          <a:prstGeom prst="rect">
+            <a:avLst/>
+          </a:prstGeom>
+          <a:solidFill>
+            <a:schemeClr val="tx1"/>
+          </a:solidFill>
+          <a:ln>
+            <a:noFill/>
+            <a:headEnd type="none" w="med" len="med"/>
+            <a:tailEnd type="none" w="med" len="med"/>
+          </a:ln>
+          <a:effectLst/>
+        </p:spPr>
+        <p:style>
+          <a:lnRef idx="1">
+            <a:schemeClr val="accent2"/>
+          </a:lnRef>
+          <a:fillRef idx="3">
+            <a:schemeClr val="accent2"/>
+          </a:fillRef>
+          <a:effectRef idx="2">
+            <a:schemeClr val="accent2"/>
+          </a:effectRef>
+          <a:fontRef idx="minor">
+            <a:schemeClr val="lt1"/>
+          </a:fontRef>
+        </p:style>
+        <p:txBody>
+          <a:bodyPr rot="0" spcFirstLastPara="0" vertOverflow="overflow" horzOverflow="overflow" vert="horz" wrap="square" lIns="91440" tIns="91440" rIns="91440" bIns="91440" numCol="1" spcCol="0" rtlCol="0" fromWordArt="0" anchor="t" anchorCtr="0" forceAA="0" compatLnSpc="1">
+            <a:prstTxWarp prst="textNoShape">
+              <a:avLst/>
+            </a:prstTxWarp>
+            <a:noAutofit/>
+          </a:bodyPr>
+          <a:lstStyle/>
+          <a:p>
+            <a:pPr defTabSz="932472" fontAlgn="base">
+              <a:lnSpc>
+                <a:spcPct val="90000"/>
+              </a:lnSpc>
+              <a:spcBef>
+                <a:spcPct val="0"/>
+              </a:spcBef>
+              <a:spcAft>
+                <a:spcPct val="0"/>
+              </a:spcAft>
+            </a:pPr>
+            <a:r>
+              <a:rPr lang="en-US" sz="1100" dirty="0">
+                <a:solidFill>
+                  <a:schemeClr val="bg1"/>
+                </a:solidFill>
+                <a:latin typeface="Arial Black" panose="020B0A04020102020204" pitchFamily="34" charset="0"/>
+                <a:ea typeface="Segoe UI" pitchFamily="34" charset="0"/>
+                <a:cs typeface="Segoe UI" pitchFamily="34" charset="0"/>
+              </a:rPr>
+              <a:t>Translated Month Names Table</a:t>
+            </a:r>
+          </a:p>
+        </p:txBody>
+      </p:sp>
+      <p:sp>
+        <p:nvSpPr>
+          <p:cNvPr id="12" name="Rectangle 11">
+            <a:extLst>
+              <a:ext uri="{FF2B5EF4-FFF2-40B4-BE49-F238E27FC236}">
+                <a16:creationId xmlns:a16="http://schemas.microsoft.com/office/drawing/2014/main" id="{2574C109-0434-3227-7935-F5ECB80D3BF0}"/>
+              </a:ext>
+            </a:extLst>
+          </p:cNvPr>
+          <p:cNvSpPr/>
+          <p:nvPr/>
+        </p:nvSpPr>
+        <p:spPr bwMode="auto">
+          <a:xfrm>
+            <a:off x="6458457" y="4021396"/>
+            <a:ext cx="5645049" cy="1396181"/>
+          </a:xfrm>
+          <a:prstGeom prst="rect">
+            <a:avLst/>
+          </a:prstGeom>
+          <a:solidFill>
+            <a:schemeClr val="tx1"/>
+          </a:solidFill>
+          <a:ln>
+            <a:noFill/>
+            <a:headEnd type="none" w="med" len="med"/>
+            <a:tailEnd type="none" w="med" len="med"/>
+          </a:ln>
+          <a:effectLst/>
+        </p:spPr>
+        <p:style>
+          <a:lnRef idx="1">
+            <a:schemeClr val="accent2"/>
+          </a:lnRef>
+          <a:fillRef idx="3">
+            <a:schemeClr val="accent2"/>
+          </a:fillRef>
+          <a:effectRef idx="2">
+            <a:schemeClr val="accent2"/>
+          </a:effectRef>
+          <a:fontRef idx="minor">
+            <a:schemeClr val="lt1"/>
+          </a:fontRef>
+        </p:style>
+        <p:txBody>
+          <a:bodyPr rot="0" spcFirstLastPara="0" vertOverflow="overflow" horzOverflow="overflow" vert="horz" wrap="square" lIns="91440" tIns="91440" rIns="91440" bIns="91440" numCol="1" spcCol="0" rtlCol="0" fromWordArt="0" anchor="t" anchorCtr="0" forceAA="0" compatLnSpc="1">
+            <a:prstTxWarp prst="textNoShape">
+              <a:avLst/>
+            </a:prstTxWarp>
+            <a:noAutofit/>
+          </a:bodyPr>
+          <a:lstStyle/>
+          <a:p>
+            <a:pPr defTabSz="932472" fontAlgn="base">
+              <a:lnSpc>
+                <a:spcPct val="90000"/>
+              </a:lnSpc>
+              <a:spcBef>
+                <a:spcPct val="0"/>
+              </a:spcBef>
+              <a:spcAft>
+                <a:spcPct val="0"/>
+              </a:spcAft>
+            </a:pPr>
+            <a:r>
+              <a:rPr lang="en-US" sz="1100" dirty="0">
+                <a:solidFill>
+                  <a:schemeClr val="bg1"/>
+                </a:solidFill>
+                <a:latin typeface="Arial Black" panose="020B0A04020102020204" pitchFamily="34" charset="0"/>
+                <a:ea typeface="Segoe UI" pitchFamily="34" charset="0"/>
+                <a:cs typeface="Segoe UI" pitchFamily="34" charset="0"/>
+              </a:rPr>
+              <a:t>Translated Day Names Table</a:t>
+            </a:r>
+          </a:p>
+        </p:txBody>
+      </p:sp>
+      <p:sp>
+        <p:nvSpPr>
+          <p:cNvPr id="10" name="Rectangle 9">
+            <a:extLst>
+              <a:ext uri="{FF2B5EF4-FFF2-40B4-BE49-F238E27FC236}">
+                <a16:creationId xmlns:a16="http://schemas.microsoft.com/office/drawing/2014/main" id="{B8AD8DA5-56F6-79AE-08CB-891996456F3C}"/>
+              </a:ext>
+            </a:extLst>
+          </p:cNvPr>
+          <p:cNvSpPr/>
+          <p:nvPr/>
+        </p:nvSpPr>
+        <p:spPr bwMode="auto">
+          <a:xfrm>
+            <a:off x="3529777" y="1278193"/>
+            <a:ext cx="5633886" cy="1396181"/>
+          </a:xfrm>
+          <a:prstGeom prst="rect">
+            <a:avLst/>
+          </a:prstGeom>
+          <a:solidFill>
+            <a:schemeClr val="tx1"/>
+          </a:solidFill>
+          <a:ln>
+            <a:noFill/>
+            <a:headEnd type="none" w="med" len="med"/>
+            <a:tailEnd type="none" w="med" len="med"/>
+          </a:ln>
+          <a:effectLst/>
+        </p:spPr>
+        <p:style>
+          <a:lnRef idx="1">
+            <a:schemeClr val="accent2"/>
+          </a:lnRef>
+          <a:fillRef idx="3">
+            <a:schemeClr val="accent2"/>
+          </a:fillRef>
+          <a:effectRef idx="2">
+            <a:schemeClr val="accent2"/>
+          </a:effectRef>
+          <a:fontRef idx="minor">
+            <a:schemeClr val="lt1"/>
+          </a:fontRef>
+        </p:style>
+        <p:txBody>
+          <a:bodyPr rot="0" spcFirstLastPara="0" vertOverflow="overflow" horzOverflow="overflow" vert="horz" wrap="square" lIns="91440" tIns="91440" rIns="91440" bIns="91440" numCol="1" spcCol="0" rtlCol="0" fromWordArt="0" anchor="t" anchorCtr="0" forceAA="0" compatLnSpc="1">
+            <a:prstTxWarp prst="textNoShape">
+              <a:avLst/>
+            </a:prstTxWarp>
+            <a:noAutofit/>
+          </a:bodyPr>
+          <a:lstStyle/>
+          <a:p>
+            <a:pPr defTabSz="932472" fontAlgn="base">
+              <a:lnSpc>
+                <a:spcPct val="90000"/>
+              </a:lnSpc>
+              <a:spcBef>
+                <a:spcPct val="0"/>
+              </a:spcBef>
+              <a:spcAft>
+                <a:spcPct val="0"/>
+              </a:spcAft>
+            </a:pPr>
+            <a:r>
+              <a:rPr lang="en-US" sz="1000" dirty="0">
+                <a:solidFill>
+                  <a:schemeClr val="bg1"/>
+                </a:solidFill>
+                <a:latin typeface="Arial Black" panose="020B0A04020102020204" pitchFamily="34" charset="0"/>
+                <a:ea typeface="Segoe UI" pitchFamily="34" charset="0"/>
+                <a:cs typeface="Segoe UI" pitchFamily="34" charset="0"/>
+              </a:rPr>
+              <a:t>Languages</a:t>
+            </a:r>
+          </a:p>
+        </p:txBody>
+      </p:sp>
+      <p:sp>
+        <p:nvSpPr>
+          <p:cNvPr id="2" name="Title 1">
+            <a:extLst>
+              <a:ext uri="{FF2B5EF4-FFF2-40B4-BE49-F238E27FC236}">
+                <a16:creationId xmlns:a16="http://schemas.microsoft.com/office/drawing/2014/main" id="{12AE9BA9-A992-B1CB-197B-D751B73D43F3}"/>
+              </a:ext>
+            </a:extLst>
+          </p:cNvPr>
+          <p:cNvSpPr>
+            <a:spLocks noGrp="1"/>
+          </p:cNvSpPr>
+          <p:nvPr>
+            <p:ph type="title"/>
+          </p:nvPr>
+        </p:nvSpPr>
+        <p:spPr>
+          <a:xfrm>
+            <a:off x="422477" y="278991"/>
+            <a:ext cx="11801475" cy="498598"/>
+          </a:xfrm>
+        </p:spPr>
+        <p:txBody>
+          <a:bodyPr/>
+          <a:lstStyle/>
+          <a:p>
+            <a:endParaRPr lang="en-US"/>
+          </a:p>
+        </p:txBody>
+      </p:sp>
+      <p:pic>
+        <p:nvPicPr>
+          <p:cNvPr id="4" name="Picture 3">
+            <a:extLst>
+              <a:ext uri="{FF2B5EF4-FFF2-40B4-BE49-F238E27FC236}">
+                <a16:creationId xmlns:a16="http://schemas.microsoft.com/office/drawing/2014/main" id="{7143F92B-A28F-F656-305A-7A984D6835F6}"/>
+              </a:ext>
+            </a:extLst>
+          </p:cNvPr>
+          <p:cNvPicPr>
+            <a:picLocks noChangeAspect="1"/>
+          </p:cNvPicPr>
+          <p:nvPr/>
+        </p:nvPicPr>
+        <p:blipFill>
+          <a:blip r:embed="rId2"/>
+          <a:stretch>
+            <a:fillRect/>
+          </a:stretch>
+        </p:blipFill>
+        <p:spPr>
+          <a:xfrm>
+            <a:off x="3595284" y="1582132"/>
+            <a:ext cx="5449464" cy="934926"/>
+          </a:xfrm>
+          <a:prstGeom prst="rect">
+            <a:avLst/>
+          </a:prstGeom>
+          <a:ln w="19050">
+            <a:solidFill>
+              <a:schemeClr val="tx1"/>
+            </a:solidFill>
+          </a:ln>
+        </p:spPr>
+      </p:pic>
+      <p:pic>
+        <p:nvPicPr>
+          <p:cNvPr id="6" name="Picture 5">
+            <a:extLst>
+              <a:ext uri="{FF2B5EF4-FFF2-40B4-BE49-F238E27FC236}">
+                <a16:creationId xmlns:a16="http://schemas.microsoft.com/office/drawing/2014/main" id="{5C6A352C-4891-5C21-C9D0-4E92093DEF64}"/>
+              </a:ext>
+            </a:extLst>
+          </p:cNvPr>
+          <p:cNvPicPr>
+            <a:picLocks noChangeAspect="1"/>
+          </p:cNvPicPr>
+          <p:nvPr/>
+        </p:nvPicPr>
+        <p:blipFill>
+          <a:blip r:embed="rId3"/>
+          <a:stretch>
+            <a:fillRect/>
+          </a:stretch>
+        </p:blipFill>
+        <p:spPr>
+          <a:xfrm>
+            <a:off x="383454" y="4313096"/>
+            <a:ext cx="5602129" cy="1521619"/>
+          </a:xfrm>
+          <a:prstGeom prst="rect">
+            <a:avLst/>
+          </a:prstGeom>
+          <a:ln w="19050">
+            <a:solidFill>
+              <a:schemeClr val="tx1"/>
+            </a:solidFill>
+          </a:ln>
+        </p:spPr>
+      </p:pic>
+      <p:pic>
+        <p:nvPicPr>
+          <p:cNvPr id="8" name="Picture 7">
+            <a:extLst>
+              <a:ext uri="{FF2B5EF4-FFF2-40B4-BE49-F238E27FC236}">
+                <a16:creationId xmlns:a16="http://schemas.microsoft.com/office/drawing/2014/main" id="{12A6D580-1846-C2D5-7E7F-4A77083D3A65}"/>
+              </a:ext>
+            </a:extLst>
+          </p:cNvPr>
+          <p:cNvPicPr>
+            <a:picLocks noChangeAspect="1"/>
+          </p:cNvPicPr>
+          <p:nvPr/>
+        </p:nvPicPr>
+        <p:blipFill>
+          <a:blip r:embed="rId4"/>
+          <a:stretch>
+            <a:fillRect/>
+          </a:stretch>
+        </p:blipFill>
+        <p:spPr>
+          <a:xfrm>
+            <a:off x="6572860" y="4311175"/>
+            <a:ext cx="5362099" cy="990124"/>
+          </a:xfrm>
+          <a:prstGeom prst="rect">
+            <a:avLst/>
+          </a:prstGeom>
+          <a:ln w="19050">
+            <a:solidFill>
+              <a:schemeClr val="tx1"/>
+            </a:solidFill>
+          </a:ln>
+        </p:spPr>
+      </p:pic>
+      <p:sp>
+        <p:nvSpPr>
+          <p:cNvPr id="15" name="Rectangle 14">
+            <a:extLst>
+              <a:ext uri="{FF2B5EF4-FFF2-40B4-BE49-F238E27FC236}">
+                <a16:creationId xmlns:a16="http://schemas.microsoft.com/office/drawing/2014/main" id="{0B87297E-626A-2C35-643F-AEFE2FA15586}"/>
+              </a:ext>
+            </a:extLst>
+          </p:cNvPr>
+          <p:cNvSpPr/>
+          <p:nvPr/>
+        </p:nvSpPr>
+        <p:spPr bwMode="auto">
+          <a:xfrm>
+            <a:off x="117987" y="1160207"/>
+            <a:ext cx="12103510" cy="5014451"/>
+          </a:xfrm>
+          <a:prstGeom prst="rect">
+            <a:avLst/>
+          </a:prstGeom>
+          <a:noFill/>
+          <a:ln>
+            <a:solidFill>
+              <a:schemeClr val="tx1"/>
+            </a:solidFill>
+            <a:headEnd type="none" w="med" len="med"/>
+            <a:tailEnd type="none" w="med" len="med"/>
+          </a:ln>
+          <a:effectLst/>
+        </p:spPr>
+        <p:style>
+          <a:lnRef idx="1">
+            <a:schemeClr val="accent2"/>
+          </a:lnRef>
+          <a:fillRef idx="3">
+            <a:schemeClr val="accent2"/>
+          </a:fillRef>
+          <a:effectRef idx="2">
+            <a:schemeClr val="accent2"/>
+          </a:effectRef>
+          <a:fontRef idx="minor">
+            <a:schemeClr val="lt1"/>
+          </a:fontRef>
+        </p:style>
+        <p:txBody>
+          <a:bodyPr rot="0" spcFirstLastPara="0" vertOverflow="overflow" horzOverflow="overflow" vert="horz" wrap="square" lIns="182880" tIns="146304" rIns="182880" bIns="146304" numCol="1" spcCol="0" rtlCol="0" fromWordArt="0" anchor="t" anchorCtr="0" forceAA="0" compatLnSpc="1">
+            <a:prstTxWarp prst="textNoShape">
+              <a:avLst/>
+            </a:prstTxWarp>
+            <a:noAutofit/>
+          </a:bodyPr>
+          <a:lstStyle/>
+          <a:p>
+            <a:pPr algn="ctr" defTabSz="932472" fontAlgn="base">
+              <a:lnSpc>
+                <a:spcPct val="90000"/>
+              </a:lnSpc>
+              <a:spcBef>
+                <a:spcPct val="0"/>
+              </a:spcBef>
+              <a:spcAft>
+                <a:spcPct val="0"/>
+              </a:spcAft>
+            </a:pPr>
+            <a:endParaRPr lang="en-US" sz="2400" dirty="0" err="1">
+              <a:gradFill>
+                <a:gsLst>
+                  <a:gs pos="0">
+                    <a:srgbClr val="FFFFFF"/>
+                  </a:gs>
+                  <a:gs pos="100000">
+                    <a:srgbClr val="FFFFFF"/>
+                  </a:gs>
+                </a:gsLst>
+                <a:lin ang="5400000" scaled="0"/>
+              </a:gradFill>
+              <a:ea typeface="Segoe UI" pitchFamily="34" charset="0"/>
+              <a:cs typeface="Segoe UI" pitchFamily="34" charset="0"/>
+            </a:endParaRPr>
+          </a:p>
+        </p:txBody>
+      </p:sp>
+    </p:spTree>
+    <p:extLst>
+      <p:ext uri="{BB962C8B-B14F-4D97-AF65-F5344CB8AC3E}">
+        <p14:creationId xmlns:p14="http://schemas.microsoft.com/office/powerpoint/2010/main" val="166253899"/>
       </p:ext>
     </p:extLst>
   </p:cSld>
@@ -20822,12 +22165,9 @@
 </file>
 
 <file path=customXml/item1.xml><?xml version="1.0" encoding="utf-8"?>
-<?mso-contentType ?>
-<FormTemplates xmlns="http://schemas.microsoft.com/sharepoint/v3/contenttype/forms">
-  <Display>DocumentLibraryForm</Display>
-  <Edit>DocumentLibraryForm</Edit>
-  <New>DocumentLibraryForm</New>
-</FormTemplates>
+<p:properties xmlns:p="http://schemas.microsoft.com/office/2006/metadata/properties" xmlns:xsi="http://www.w3.org/2001/XMLSchema-instance" xmlns:pc="http://schemas.microsoft.com/office/infopath/2007/PartnerControls">
+  <documentManagement/>
+</p:properties>
 </file>
 
 <file path=customXml/item2.xml><?xml version="1.0" encoding="utf-8"?>
@@ -20983,15 +22323,26 @@
 </file>
 
 <file path=customXml/item3.xml><?xml version="1.0" encoding="utf-8"?>
-<p:properties xmlns:p="http://schemas.microsoft.com/office/2006/metadata/properties" xmlns:xsi="http://www.w3.org/2001/XMLSchema-instance" xmlns:pc="http://schemas.microsoft.com/office/infopath/2007/PartnerControls">
-  <documentManagement/>
-</p:properties>
+<?mso-contentType ?>
+<FormTemplates xmlns="http://schemas.microsoft.com/sharepoint/v3/contenttype/forms">
+  <Display>DocumentLibraryForm</Display>
+  <Edit>DocumentLibraryForm</Edit>
+  <New>DocumentLibraryForm</New>
+</FormTemplates>
 </file>
 
 <file path=customXml/itemProps1.xml><?xml version="1.0" encoding="utf-8"?>
-<ds:datastoreItem xmlns:ds="http://schemas.openxmlformats.org/officeDocument/2006/customXml" ds:itemID="{758FDAC0-319D-4A54-8D8E-1D42CB1F8004}">
+<ds:datastoreItem xmlns:ds="http://schemas.openxmlformats.org/officeDocument/2006/customXml" ds:itemID="{F990F116-B58F-4255-B05B-DA3808E0E5C6}">
   <ds:schemaRefs>
-    <ds:schemaRef ds:uri="http://schemas.microsoft.com/sharepoint/v3/contenttype/forms"/>
+    <ds:schemaRef ds:uri="http://www.w3.org/XML/1998/namespace"/>
+    <ds:schemaRef ds:uri="http://purl.org/dc/elements/1.1/"/>
+    <ds:schemaRef ds:uri="http://schemas.microsoft.com/office/2006/documentManagement/types"/>
+    <ds:schemaRef ds:uri="http://purl.org/dc/dcmitype/"/>
+    <ds:schemaRef ds:uri="http://purl.org/dc/terms/"/>
+    <ds:schemaRef ds:uri="ef38329b-e139-4eb4-9d7a-1b84c79a6610"/>
+    <ds:schemaRef ds:uri="http://schemas.openxmlformats.org/package/2006/metadata/core-properties"/>
+    <ds:schemaRef ds:uri="http://schemas.microsoft.com/office/infopath/2007/PartnerControls"/>
+    <ds:schemaRef ds:uri="http://schemas.microsoft.com/office/2006/metadata/properties"/>
   </ds:schemaRefs>
 </ds:datastoreItem>
 </file>
@@ -21015,17 +22366,9 @@
 </file>
 
 <file path=customXml/itemProps3.xml><?xml version="1.0" encoding="utf-8"?>
-<ds:datastoreItem xmlns:ds="http://schemas.openxmlformats.org/officeDocument/2006/customXml" ds:itemID="{F990F116-B58F-4255-B05B-DA3808E0E5C6}">
+<ds:datastoreItem xmlns:ds="http://schemas.openxmlformats.org/officeDocument/2006/customXml" ds:itemID="{758FDAC0-319D-4A54-8D8E-1D42CB1F8004}">
   <ds:schemaRefs>
-    <ds:schemaRef ds:uri="http://www.w3.org/XML/1998/namespace"/>
-    <ds:schemaRef ds:uri="http://purl.org/dc/elements/1.1/"/>
-    <ds:schemaRef ds:uri="http://schemas.microsoft.com/office/2006/documentManagement/types"/>
-    <ds:schemaRef ds:uri="http://purl.org/dc/dcmitype/"/>
-    <ds:schemaRef ds:uri="http://purl.org/dc/terms/"/>
-    <ds:schemaRef ds:uri="ef38329b-e139-4eb4-9d7a-1b84c79a6610"/>
-    <ds:schemaRef ds:uri="http://schemas.openxmlformats.org/package/2006/metadata/core-properties"/>
-    <ds:schemaRef ds:uri="http://schemas.microsoft.com/office/infopath/2007/PartnerControls"/>
-    <ds:schemaRef ds:uri="http://schemas.microsoft.com/office/2006/metadata/properties"/>
+    <ds:schemaRef ds:uri="http://schemas.microsoft.com/sharepoint/v3/contenttype/forms"/>
   </ds:schemaRefs>
 </ds:datastoreItem>
 </file>

--- a/Docs/Translations Builder.pptx
+++ b/Docs/Translations Builder.pptx
@@ -473,7 +473,7 @@
           <a:p>
             <a:fld id="{DCE60099-03E7-4FA1-8A7F-E6E6CFB0F855}" type="datetime8">
               <a:rPr lang="en-US" smtClean="0"/>
-              <a:t>1/5/2023 6:30 PM</a:t>
+              <a:t>1/10/2023 10:56 AM</a:t>
             </a:fld>
             <a:endParaRPr lang="en-US"/>
           </a:p>
@@ -8998,7 +8998,7 @@
         <p:spPr>
           <a:xfrm>
             <a:off x="511277" y="1227439"/>
-            <a:ext cx="11604521" cy="3547125"/>
+            <a:ext cx="11604521" cy="4901342"/>
           </a:xfrm>
         </p:spPr>
         <p:txBody>
@@ -9014,14 +9014,7 @@
             <a:pPr lvl="1"/>
             <a:r>
               <a:rPr lang="en-US" dirty="0"/>
-              <a:t>They make it possible to build multi-language reports</a:t>
-            </a:r>
-          </a:p>
-          <a:p>
-            <a:pPr lvl="1"/>
-            <a:r>
-              <a:rPr lang="en-US" dirty="0"/>
-              <a:t>You can design report that render in English, Spanish, French, German or Dutch </a:t>
+              <a:t>You can design report that render in English, Spanish, French and German</a:t>
             </a:r>
           </a:p>
           <a:p>
@@ -9045,21 +9038,45 @@
           <a:p>
             <a:r>
               <a:rPr lang="en-US" dirty="0"/>
-              <a:t>Important considerations for multi-language report development</a:t>
+              <a:t>Recent Power BI Enhancements for Building Multi-language Reports</a:t>
             </a:r>
           </a:p>
           <a:p>
             <a:pPr lvl="1"/>
             <a:r>
               <a:rPr lang="en-US" dirty="0"/>
-              <a:t>Building multi-language reports is tricky</a:t>
+              <a:t>USERCULTURE function supported and used to create measures with dynamic translations</a:t>
             </a:r>
           </a:p>
           <a:p>
             <a:pPr lvl="1"/>
             <a:r>
               <a:rPr lang="en-US" dirty="0"/>
-              <a:t>The deployment of multi-language reports/datasets requires Power BI Premium</a:t>
+              <a:t>More properties of report visuals and shapes can be dynamically configured with measures</a:t>
+            </a:r>
+          </a:p>
+          <a:p>
+            <a:pPr lvl="1"/>
+            <a:r>
+              <a:rPr lang="en-US" dirty="0"/>
+              <a:t>Introduction of Field Parameters offers much better options to implement data translations</a:t>
+            </a:r>
+          </a:p>
+          <a:p>
+            <a:pPr lvl="1"/>
+            <a:endParaRPr lang="en-US" dirty="0"/>
+          </a:p>
+          <a:p>
+            <a:r>
+              <a:rPr lang="en-US" dirty="0"/>
+              <a:t>There’s a tool to do more of the grunt work behind the scenes</a:t>
+            </a:r>
+          </a:p>
+          <a:p>
+            <a:pPr lvl="1"/>
+            <a:r>
+              <a:rPr lang="en-US" dirty="0"/>
+              <a:t>Translations Builder 2.0</a:t>
             </a:r>
           </a:p>
         </p:txBody>
@@ -9113,7 +9130,7 @@
                                         <p:tgtEl>
                                           <p:spTgt spid="3">
                                             <p:txEl>
-                                              <p:pRg st="6" end="6"/>
+                                              <p:pRg st="5" end="5"/>
                                             </p:txEl>
                                           </p:spTgt>
                                         </p:tgtEl>
@@ -9144,7 +9161,7 @@
                                         <p:tgtEl>
                                           <p:spTgt spid="3">
                                             <p:txEl>
-                                              <p:pRg st="7" end="7"/>
+                                              <p:pRg st="6" end="6"/>
                                             </p:txEl>
                                           </p:spTgt>
                                         </p:tgtEl>
@@ -9175,7 +9192,100 @@
                                         <p:tgtEl>
                                           <p:spTgt spid="3">
                                             <p:txEl>
+                                              <p:pRg st="7" end="7"/>
+                                            </p:txEl>
+                                          </p:spTgt>
+                                        </p:tgtEl>
+                                        <p:attrNameLst>
+                                          <p:attrName>style.visibility</p:attrName>
+                                        </p:attrNameLst>
+                                      </p:cBhvr>
+                                      <p:to>
+                                        <p:strVal val="visible"/>
+                                      </p:to>
+                                    </p:set>
+                                  </p:childTnLst>
+                                </p:cTn>
+                              </p:par>
+                              <p:par>
+                                <p:cTn id="11" presetID="1" presetClass="entr" presetSubtype="0" fill="hold" nodeType="withEffect">
+                                  <p:stCondLst>
+                                    <p:cond delay="0"/>
+                                  </p:stCondLst>
+                                  <p:childTnLst>
+                                    <p:set>
+                                      <p:cBhvr>
+                                        <p:cTn id="12" dur="1" fill="hold">
+                                          <p:stCondLst>
+                                            <p:cond delay="0"/>
+                                          </p:stCondLst>
+                                        </p:cTn>
+                                        <p:tgtEl>
+                                          <p:spTgt spid="3">
+                                            <p:txEl>
                                               <p:pRg st="8" end="8"/>
+                                            </p:txEl>
+                                          </p:spTgt>
+                                        </p:tgtEl>
+                                        <p:attrNameLst>
+                                          <p:attrName>style.visibility</p:attrName>
+                                        </p:attrNameLst>
+                                      </p:cBhvr>
+                                      <p:to>
+                                        <p:strVal val="visible"/>
+                                      </p:to>
+                                    </p:set>
+                                  </p:childTnLst>
+                                </p:cTn>
+                              </p:par>
+                              <p:par>
+                                <p:cTn id="13" presetID="1" presetClass="entr" presetSubtype="0" fill="hold" nodeType="withEffect">
+                                  <p:stCondLst>
+                                    <p:cond delay="0"/>
+                                  </p:stCondLst>
+                                  <p:childTnLst>
+                                    <p:set>
+                                      <p:cBhvr>
+                                        <p:cTn id="14" dur="1" fill="hold">
+                                          <p:stCondLst>
+                                            <p:cond delay="0"/>
+                                          </p:stCondLst>
+                                        </p:cTn>
+                                        <p:tgtEl>
+                                          <p:spTgt spid="3">
+                                            <p:txEl>
+                                              <p:pRg st="10" end="10"/>
+                                            </p:txEl>
+                                          </p:spTgt>
+                                        </p:tgtEl>
+                                        <p:attrNameLst>
+                                          <p:attrName>style.visibility</p:attrName>
+                                        </p:attrNameLst>
+                                      </p:cBhvr>
+                                      <p:to>
+                                        <p:strVal val="visible"/>
+                                      </p:to>
+                                    </p:set>
+                                  </p:childTnLst>
+                                </p:cTn>
+                              </p:par>
+                              <p:par>
+                                <p:cTn id="15" presetID="1" presetClass="entr" presetSubtype="0" fill="hold" nodeType="withEffect">
+                                  <p:stCondLst>
+                                    <p:cond delay="0"/>
+                                  </p:stCondLst>
+                                  <p:childTnLst>
+                                    <p:set>
+                                      <p:cBhvr>
+                                        <p:cTn id="16" dur="1" fill="hold">
+                                          <p:stCondLst>
+                                            <p:cond delay="0"/>
+                                          </p:stCondLst>
+                                        </p:cTn>
+                                        <p:tgtEl>
+                                          <p:spTgt spid="3">
+                                            <p:txEl>
+                                              <p:pRg st="11" end="11"/>
                                             </p:txEl>
                                           </p:spTgt>
                                         </p:tgtEl>
@@ -10482,6 +10592,504 @@
           <a:chExt cx="0" cy="0"/>
         </a:xfrm>
       </p:grpSpPr>
+      <p:graphicFrame>
+        <p:nvGraphicFramePr>
+          <p:cNvPr id="12" name="Table 12">
+            <a:extLst>
+              <a:ext uri="{FF2B5EF4-FFF2-40B4-BE49-F238E27FC236}">
+                <a16:creationId xmlns:a16="http://schemas.microsoft.com/office/drawing/2014/main" id="{A8DF4655-B990-68AB-8916-C26532537133}"/>
+              </a:ext>
+            </a:extLst>
+          </p:cNvPr>
+          <p:cNvGraphicFramePr>
+            <a:graphicFrameLocks noGrp="1"/>
+          </p:cNvGraphicFramePr>
+          <p:nvPr>
+            <p:extLst>
+              <p:ext uri="{D42A27DB-BD31-4B8C-83A1-F6EECF244321}">
+                <p14:modId xmlns:p14="http://schemas.microsoft.com/office/powerpoint/2010/main" val="3508606181"/>
+              </p:ext>
+            </p:extLst>
+          </p:nvPr>
+        </p:nvGraphicFramePr>
+        <p:xfrm>
+          <a:off x="932205" y="2965523"/>
+          <a:ext cx="10231096" cy="2834640"/>
+        </p:xfrm>
+        <a:graphic>
+          <a:graphicData uri="http://schemas.openxmlformats.org/drawingml/2006/table">
+            <a:tbl>
+              <a:tblPr firstRow="1" bandRow="1">
+                <a:tableStyleId>{2D5ABB26-0587-4C30-8999-92F81FD0307C}</a:tableStyleId>
+              </a:tblPr>
+              <a:tblGrid>
+                <a:gridCol w="1542571">
+                  <a:extLst>
+                    <a:ext uri="{9D8B030D-6E8A-4147-A177-3AD203B41FA5}">
+                      <a16:colId xmlns:a16="http://schemas.microsoft.com/office/drawing/2014/main" val="2383789481"/>
+                    </a:ext>
+                  </a:extLst>
+                </a:gridCol>
+                <a:gridCol w="8688525">
+                  <a:extLst>
+                    <a:ext uri="{9D8B030D-6E8A-4147-A177-3AD203B41FA5}">
+                      <a16:colId xmlns:a16="http://schemas.microsoft.com/office/drawing/2014/main" val="2072410661"/>
+                    </a:ext>
+                  </a:extLst>
+                </a:gridCol>
+              </a:tblGrid>
+              <a:tr h="708660">
+                <a:tc>
+                  <a:txBody>
+                    <a:bodyPr/>
+                    <a:lstStyle/>
+                    <a:p>
+                      <a:pPr algn="ctr"/>
+                      <a:r>
+                        <a:rPr lang="en-US" sz="2000" dirty="0">
+                          <a:latin typeface="Arial" panose="020B0604020202020204" pitchFamily="34" charset="0"/>
+                          <a:cs typeface="Arial" panose="020B0604020202020204" pitchFamily="34" charset="0"/>
+                        </a:rPr>
+                        <a:t>en-US</a:t>
+                      </a:r>
+                    </a:p>
+                  </a:txBody>
+                  <a:tcPr anchor="ctr">
+                    <a:lnL w="12700" cap="flat" cmpd="sng" algn="ctr">
+                      <a:solidFill>
+                        <a:schemeClr val="tx1"/>
+                      </a:solidFill>
+                      <a:prstDash val="solid"/>
+                      <a:round/>
+                      <a:headEnd type="none" w="med" len="med"/>
+                      <a:tailEnd type="none" w="med" len="med"/>
+                    </a:lnL>
+                    <a:lnR w="12700" cap="flat" cmpd="sng" algn="ctr">
+                      <a:solidFill>
+                        <a:schemeClr val="tx1"/>
+                      </a:solidFill>
+                      <a:prstDash val="solid"/>
+                      <a:round/>
+                      <a:headEnd type="none" w="med" len="med"/>
+                      <a:tailEnd type="none" w="med" len="med"/>
+                    </a:lnR>
+                    <a:lnT w="12700" cap="flat" cmpd="sng" algn="ctr">
+                      <a:solidFill>
+                        <a:schemeClr val="tx1"/>
+                      </a:solidFill>
+                      <a:prstDash val="solid"/>
+                      <a:round/>
+                      <a:headEnd type="none" w="med" len="med"/>
+                      <a:tailEnd type="none" w="med" len="med"/>
+                    </a:lnT>
+                    <a:lnB w="12700" cap="flat" cmpd="sng" algn="ctr">
+                      <a:solidFill>
+                        <a:schemeClr val="tx1"/>
+                      </a:solidFill>
+                      <a:prstDash val="solid"/>
+                      <a:round/>
+                      <a:headEnd type="none" w="med" len="med"/>
+                      <a:tailEnd type="none" w="med" len="med"/>
+                    </a:lnB>
+                  </a:tcPr>
+                </a:tc>
+                <a:tc>
+                  <a:txBody>
+                    <a:bodyPr/>
+                    <a:lstStyle/>
+                    <a:p>
+                      <a:pPr algn="ctr"/>
+                      <a:endParaRPr lang="en-US" sz="2000" dirty="0">
+                        <a:latin typeface="Arial" panose="020B0604020202020204" pitchFamily="34" charset="0"/>
+                        <a:cs typeface="Arial" panose="020B0604020202020204" pitchFamily="34" charset="0"/>
+                      </a:endParaRPr>
+                    </a:p>
+                  </a:txBody>
+                  <a:tcPr anchor="ctr">
+                    <a:lnL w="12700" cap="flat" cmpd="sng" algn="ctr">
+                      <a:solidFill>
+                        <a:schemeClr val="tx1"/>
+                      </a:solidFill>
+                      <a:prstDash val="solid"/>
+                      <a:round/>
+                      <a:headEnd type="none" w="med" len="med"/>
+                      <a:tailEnd type="none" w="med" len="med"/>
+                    </a:lnL>
+                    <a:lnR w="12700" cap="flat" cmpd="sng" algn="ctr">
+                      <a:solidFill>
+                        <a:schemeClr val="tx1"/>
+                      </a:solidFill>
+                      <a:prstDash val="solid"/>
+                      <a:round/>
+                      <a:headEnd type="none" w="med" len="med"/>
+                      <a:tailEnd type="none" w="med" len="med"/>
+                    </a:lnR>
+                    <a:lnT w="12700" cap="flat" cmpd="sng" algn="ctr">
+                      <a:solidFill>
+                        <a:schemeClr val="tx1"/>
+                      </a:solidFill>
+                      <a:prstDash val="solid"/>
+                      <a:round/>
+                      <a:headEnd type="none" w="med" len="med"/>
+                      <a:tailEnd type="none" w="med" len="med"/>
+                    </a:lnT>
+                    <a:lnB w="12700" cap="flat" cmpd="sng" algn="ctr">
+                      <a:solidFill>
+                        <a:schemeClr val="tx1"/>
+                      </a:solidFill>
+                      <a:prstDash val="solid"/>
+                      <a:round/>
+                      <a:headEnd type="none" w="med" len="med"/>
+                      <a:tailEnd type="none" w="med" len="med"/>
+                    </a:lnB>
+                  </a:tcPr>
+                </a:tc>
+                <a:extLst>
+                  <a:ext uri="{0D108BD9-81ED-4DB2-BD59-A6C34878D82A}">
+                    <a16:rowId xmlns:a16="http://schemas.microsoft.com/office/drawing/2014/main" val="492077550"/>
+                  </a:ext>
+                </a:extLst>
+              </a:tr>
+              <a:tr h="708660">
+                <a:tc>
+                  <a:txBody>
+                    <a:bodyPr/>
+                    <a:lstStyle/>
+                    <a:p>
+                      <a:pPr algn="ctr"/>
+                      <a:r>
+                        <a:rPr lang="en-US" sz="2000" dirty="0">
+                          <a:latin typeface="Arial" panose="020B0604020202020204" pitchFamily="34" charset="0"/>
+                          <a:cs typeface="Arial" panose="020B0604020202020204" pitchFamily="34" charset="0"/>
+                        </a:rPr>
+                        <a:t>es-ES</a:t>
+                      </a:r>
+                    </a:p>
+                  </a:txBody>
+                  <a:tcPr anchor="ctr">
+                    <a:lnL w="12700" cap="flat" cmpd="sng" algn="ctr">
+                      <a:solidFill>
+                        <a:schemeClr val="tx1"/>
+                      </a:solidFill>
+                      <a:prstDash val="solid"/>
+                      <a:round/>
+                      <a:headEnd type="none" w="med" len="med"/>
+                      <a:tailEnd type="none" w="med" len="med"/>
+                    </a:lnL>
+                    <a:lnR w="12700" cap="flat" cmpd="sng" algn="ctr">
+                      <a:solidFill>
+                        <a:schemeClr val="tx1"/>
+                      </a:solidFill>
+                      <a:prstDash val="solid"/>
+                      <a:round/>
+                      <a:headEnd type="none" w="med" len="med"/>
+                      <a:tailEnd type="none" w="med" len="med"/>
+                    </a:lnR>
+                    <a:lnT w="12700" cap="flat" cmpd="sng" algn="ctr">
+                      <a:solidFill>
+                        <a:schemeClr val="tx1"/>
+                      </a:solidFill>
+                      <a:prstDash val="solid"/>
+                      <a:round/>
+                      <a:headEnd type="none" w="med" len="med"/>
+                      <a:tailEnd type="none" w="med" len="med"/>
+                    </a:lnT>
+                    <a:lnB w="12700" cap="flat" cmpd="sng" algn="ctr">
+                      <a:solidFill>
+                        <a:schemeClr val="tx1"/>
+                      </a:solidFill>
+                      <a:prstDash val="solid"/>
+                      <a:round/>
+                      <a:headEnd type="none" w="med" len="med"/>
+                      <a:tailEnd type="none" w="med" len="med"/>
+                    </a:lnB>
+                  </a:tcPr>
+                </a:tc>
+                <a:tc>
+                  <a:txBody>
+                    <a:bodyPr/>
+                    <a:lstStyle/>
+                    <a:p>
+                      <a:pPr algn="ctr"/>
+                      <a:endParaRPr lang="en-US" sz="2000" dirty="0">
+                        <a:latin typeface="Arial" panose="020B0604020202020204" pitchFamily="34" charset="0"/>
+                        <a:cs typeface="Arial" panose="020B0604020202020204" pitchFamily="34" charset="0"/>
+                      </a:endParaRPr>
+                    </a:p>
+                  </a:txBody>
+                  <a:tcPr anchor="ctr">
+                    <a:lnL w="12700" cap="flat" cmpd="sng" algn="ctr">
+                      <a:solidFill>
+                        <a:schemeClr val="tx1"/>
+                      </a:solidFill>
+                      <a:prstDash val="solid"/>
+                      <a:round/>
+                      <a:headEnd type="none" w="med" len="med"/>
+                      <a:tailEnd type="none" w="med" len="med"/>
+                    </a:lnL>
+                    <a:lnR w="12700" cap="flat" cmpd="sng" algn="ctr">
+                      <a:solidFill>
+                        <a:schemeClr val="tx1"/>
+                      </a:solidFill>
+                      <a:prstDash val="solid"/>
+                      <a:round/>
+                      <a:headEnd type="none" w="med" len="med"/>
+                      <a:tailEnd type="none" w="med" len="med"/>
+                    </a:lnR>
+                    <a:lnT w="12700" cap="flat" cmpd="sng" algn="ctr">
+                      <a:solidFill>
+                        <a:schemeClr val="tx1"/>
+                      </a:solidFill>
+                      <a:prstDash val="solid"/>
+                      <a:round/>
+                      <a:headEnd type="none" w="med" len="med"/>
+                      <a:tailEnd type="none" w="med" len="med"/>
+                    </a:lnT>
+                    <a:lnB w="12700" cap="flat" cmpd="sng" algn="ctr">
+                      <a:solidFill>
+                        <a:schemeClr val="tx1"/>
+                      </a:solidFill>
+                      <a:prstDash val="solid"/>
+                      <a:round/>
+                      <a:headEnd type="none" w="med" len="med"/>
+                      <a:tailEnd type="none" w="med" len="med"/>
+                    </a:lnB>
+                  </a:tcPr>
+                </a:tc>
+                <a:extLst>
+                  <a:ext uri="{0D108BD9-81ED-4DB2-BD59-A6C34878D82A}">
+                    <a16:rowId xmlns:a16="http://schemas.microsoft.com/office/drawing/2014/main" val="1523482903"/>
+                  </a:ext>
+                </a:extLst>
+              </a:tr>
+              <a:tr h="708660">
+                <a:tc>
+                  <a:txBody>
+                    <a:bodyPr/>
+                    <a:lstStyle/>
+                    <a:p>
+                      <a:pPr algn="ctr"/>
+                      <a:r>
+                        <a:rPr lang="en-US" sz="2000" dirty="0">
+                          <a:latin typeface="Arial" panose="020B0604020202020204" pitchFamily="34" charset="0"/>
+                          <a:cs typeface="Arial" panose="020B0604020202020204" pitchFamily="34" charset="0"/>
+                        </a:rPr>
+                        <a:t>fr-FR</a:t>
+                      </a:r>
+                    </a:p>
+                  </a:txBody>
+                  <a:tcPr anchor="ctr">
+                    <a:lnL w="12700" cap="flat" cmpd="sng" algn="ctr">
+                      <a:solidFill>
+                        <a:schemeClr val="tx1"/>
+                      </a:solidFill>
+                      <a:prstDash val="solid"/>
+                      <a:round/>
+                      <a:headEnd type="none" w="med" len="med"/>
+                      <a:tailEnd type="none" w="med" len="med"/>
+                    </a:lnL>
+                    <a:lnR w="12700" cap="flat" cmpd="sng" algn="ctr">
+                      <a:solidFill>
+                        <a:schemeClr val="tx1"/>
+                      </a:solidFill>
+                      <a:prstDash val="solid"/>
+                      <a:round/>
+                      <a:headEnd type="none" w="med" len="med"/>
+                      <a:tailEnd type="none" w="med" len="med"/>
+                    </a:lnR>
+                    <a:lnT w="12700" cap="flat" cmpd="sng" algn="ctr">
+                      <a:solidFill>
+                        <a:schemeClr val="tx1"/>
+                      </a:solidFill>
+                      <a:prstDash val="solid"/>
+                      <a:round/>
+                      <a:headEnd type="none" w="med" len="med"/>
+                      <a:tailEnd type="none" w="med" len="med"/>
+                    </a:lnT>
+                    <a:lnB w="12700" cap="flat" cmpd="sng" algn="ctr">
+                      <a:solidFill>
+                        <a:schemeClr val="tx1"/>
+                      </a:solidFill>
+                      <a:prstDash val="solid"/>
+                      <a:round/>
+                      <a:headEnd type="none" w="med" len="med"/>
+                      <a:tailEnd type="none" w="med" len="med"/>
+                    </a:lnB>
+                  </a:tcPr>
+                </a:tc>
+                <a:tc>
+                  <a:txBody>
+                    <a:bodyPr/>
+                    <a:lstStyle/>
+                    <a:p>
+                      <a:pPr algn="ctr"/>
+                      <a:endParaRPr lang="en-US" sz="2000">
+                        <a:latin typeface="Arial" panose="020B0604020202020204" pitchFamily="34" charset="0"/>
+                        <a:cs typeface="Arial" panose="020B0604020202020204" pitchFamily="34" charset="0"/>
+                      </a:endParaRPr>
+                    </a:p>
+                  </a:txBody>
+                  <a:tcPr anchor="ctr">
+                    <a:lnL w="12700" cap="flat" cmpd="sng" algn="ctr">
+                      <a:solidFill>
+                        <a:schemeClr val="tx1"/>
+                      </a:solidFill>
+                      <a:prstDash val="solid"/>
+                      <a:round/>
+                      <a:headEnd type="none" w="med" len="med"/>
+                      <a:tailEnd type="none" w="med" len="med"/>
+                    </a:lnL>
+                    <a:lnR w="12700" cap="flat" cmpd="sng" algn="ctr">
+                      <a:solidFill>
+                        <a:schemeClr val="tx1"/>
+                      </a:solidFill>
+                      <a:prstDash val="solid"/>
+                      <a:round/>
+                      <a:headEnd type="none" w="med" len="med"/>
+                      <a:tailEnd type="none" w="med" len="med"/>
+                    </a:lnR>
+                    <a:lnT w="12700" cap="flat" cmpd="sng" algn="ctr">
+                      <a:solidFill>
+                        <a:schemeClr val="tx1"/>
+                      </a:solidFill>
+                      <a:prstDash val="solid"/>
+                      <a:round/>
+                      <a:headEnd type="none" w="med" len="med"/>
+                      <a:tailEnd type="none" w="med" len="med"/>
+                    </a:lnT>
+                    <a:lnB w="12700" cap="flat" cmpd="sng" algn="ctr">
+                      <a:solidFill>
+                        <a:schemeClr val="tx1"/>
+                      </a:solidFill>
+                      <a:prstDash val="solid"/>
+                      <a:round/>
+                      <a:headEnd type="none" w="med" len="med"/>
+                      <a:tailEnd type="none" w="med" len="med"/>
+                    </a:lnB>
+                  </a:tcPr>
+                </a:tc>
+                <a:extLst>
+                  <a:ext uri="{0D108BD9-81ED-4DB2-BD59-A6C34878D82A}">
+                    <a16:rowId xmlns:a16="http://schemas.microsoft.com/office/drawing/2014/main" val="2063341621"/>
+                  </a:ext>
+                </a:extLst>
+              </a:tr>
+              <a:tr h="708660">
+                <a:tc>
+                  <a:txBody>
+                    <a:bodyPr/>
+                    <a:lstStyle/>
+                    <a:p>
+                      <a:pPr algn="ctr"/>
+                      <a:r>
+                        <a:rPr lang="en-US" sz="2000" dirty="0">
+                          <a:latin typeface="Arial" panose="020B0604020202020204" pitchFamily="34" charset="0"/>
+                          <a:cs typeface="Arial" panose="020B0604020202020204" pitchFamily="34" charset="0"/>
+                        </a:rPr>
+                        <a:t>de-DE</a:t>
+                      </a:r>
+                    </a:p>
+                  </a:txBody>
+                  <a:tcPr anchor="ctr">
+                    <a:lnL w="12700" cap="flat" cmpd="sng" algn="ctr">
+                      <a:solidFill>
+                        <a:schemeClr val="tx1"/>
+                      </a:solidFill>
+                      <a:prstDash val="solid"/>
+                      <a:round/>
+                      <a:headEnd type="none" w="med" len="med"/>
+                      <a:tailEnd type="none" w="med" len="med"/>
+                    </a:lnL>
+                    <a:lnR w="12700" cap="flat" cmpd="sng" algn="ctr">
+                      <a:solidFill>
+                        <a:schemeClr val="tx1"/>
+                      </a:solidFill>
+                      <a:prstDash val="solid"/>
+                      <a:round/>
+                      <a:headEnd type="none" w="med" len="med"/>
+                      <a:tailEnd type="none" w="med" len="med"/>
+                    </a:lnR>
+                    <a:lnT w="12700" cap="flat" cmpd="sng" algn="ctr">
+                      <a:solidFill>
+                        <a:schemeClr val="tx1"/>
+                      </a:solidFill>
+                      <a:prstDash val="solid"/>
+                      <a:round/>
+                      <a:headEnd type="none" w="med" len="med"/>
+                      <a:tailEnd type="none" w="med" len="med"/>
+                    </a:lnT>
+                    <a:lnB w="12700" cap="flat" cmpd="sng" algn="ctr">
+                      <a:solidFill>
+                        <a:schemeClr val="tx1"/>
+                      </a:solidFill>
+                      <a:prstDash val="solid"/>
+                      <a:round/>
+                      <a:headEnd type="none" w="med" len="med"/>
+                      <a:tailEnd type="none" w="med" len="med"/>
+                    </a:lnB>
+                  </a:tcPr>
+                </a:tc>
+                <a:tc>
+                  <a:txBody>
+                    <a:bodyPr/>
+                    <a:lstStyle/>
+                    <a:p>
+                      <a:pPr algn="ctr"/>
+                      <a:endParaRPr lang="en-US" sz="2000" dirty="0">
+                        <a:latin typeface="Arial" panose="020B0604020202020204" pitchFamily="34" charset="0"/>
+                        <a:cs typeface="Arial" panose="020B0604020202020204" pitchFamily="34" charset="0"/>
+                      </a:endParaRPr>
+                    </a:p>
+                  </a:txBody>
+                  <a:tcPr anchor="ctr">
+                    <a:lnL w="12700" cap="flat" cmpd="sng" algn="ctr">
+                      <a:solidFill>
+                        <a:schemeClr val="tx1"/>
+                      </a:solidFill>
+                      <a:prstDash val="solid"/>
+                      <a:round/>
+                      <a:headEnd type="none" w="med" len="med"/>
+                      <a:tailEnd type="none" w="med" len="med"/>
+                    </a:lnL>
+                    <a:lnR w="12700" cap="flat" cmpd="sng" algn="ctr">
+                      <a:solidFill>
+                        <a:schemeClr val="tx1"/>
+                      </a:solidFill>
+                      <a:prstDash val="solid"/>
+                      <a:round/>
+                      <a:headEnd type="none" w="med" len="med"/>
+                      <a:tailEnd type="none" w="med" len="med"/>
+                    </a:lnR>
+                    <a:lnT w="12700" cap="flat" cmpd="sng" algn="ctr">
+                      <a:solidFill>
+                        <a:schemeClr val="tx1"/>
+                      </a:solidFill>
+                      <a:prstDash val="solid"/>
+                      <a:round/>
+                      <a:headEnd type="none" w="med" len="med"/>
+                      <a:tailEnd type="none" w="med" len="med"/>
+                    </a:lnT>
+                    <a:lnB w="12700" cap="flat" cmpd="sng" algn="ctr">
+                      <a:solidFill>
+                        <a:schemeClr val="tx1"/>
+                      </a:solidFill>
+                      <a:prstDash val="solid"/>
+                      <a:round/>
+                      <a:headEnd type="none" w="med" len="med"/>
+                      <a:tailEnd type="none" w="med" len="med"/>
+                    </a:lnB>
+                  </a:tcPr>
+                </a:tc>
+                <a:extLst>
+                  <a:ext uri="{0D108BD9-81ED-4DB2-BD59-A6C34878D82A}">
+                    <a16:rowId xmlns:a16="http://schemas.microsoft.com/office/drawing/2014/main" val="3543158227"/>
+                  </a:ext>
+                </a:extLst>
+              </a:tr>
+            </a:tbl>
+          </a:graphicData>
+        </a:graphic>
+      </p:graphicFrame>
       <p:sp>
         <p:nvSpPr>
           <p:cNvPr id="2" name="Title 1">
@@ -10515,31 +11123,126 @@
           </a:p>
         </p:txBody>
       </p:sp>
-      <p:sp>
-        <p:nvSpPr>
-          <p:cNvPr id="3" name="Text Placeholder 2">
+      <p:pic>
+        <p:nvPicPr>
+          <p:cNvPr id="5" name="Picture 4">
             <a:extLst>
               <a:ext uri="{FF2B5EF4-FFF2-40B4-BE49-F238E27FC236}">
-                <a16:creationId xmlns:a16="http://schemas.microsoft.com/office/drawing/2014/main" id="{CF9951FC-034B-99A9-D2DF-13C0C7FDE2F0}"/>
+                <a16:creationId xmlns:a16="http://schemas.microsoft.com/office/drawing/2014/main" id="{D314C0D5-FCA4-5FAC-1FD3-975CE643346E}"/>
               </a:ext>
             </a:extLst>
           </p:cNvPr>
-          <p:cNvSpPr>
-            <a:spLocks noGrp="1"/>
-          </p:cNvSpPr>
-          <p:nvPr>
-            <p:ph type="body" sz="quarter" idx="10"/>
-          </p:nvPr>
-        </p:nvSpPr>
-        <p:spPr/>
-        <p:txBody>
-          <a:bodyPr/>
-          <a:lstStyle/>
-          <a:p>
-            <a:endParaRPr lang="en-US"/>
-          </a:p>
-        </p:txBody>
-      </p:sp>
+          <p:cNvPicPr>
+            <a:picLocks noChangeAspect="1"/>
+          </p:cNvPicPr>
+          <p:nvPr/>
+        </p:nvPicPr>
+        <p:blipFill>
+          <a:blip r:embed="rId2"/>
+          <a:stretch>
+            <a:fillRect/>
+          </a:stretch>
+        </p:blipFill>
+        <p:spPr>
+          <a:xfrm>
+            <a:off x="2510029" y="2988873"/>
+            <a:ext cx="8620506" cy="658368"/>
+          </a:xfrm>
+          <a:prstGeom prst="rect">
+            <a:avLst/>
+          </a:prstGeom>
+        </p:spPr>
+      </p:pic>
+      <p:pic>
+        <p:nvPicPr>
+          <p:cNvPr id="7" name="Picture 6">
+            <a:extLst>
+              <a:ext uri="{FF2B5EF4-FFF2-40B4-BE49-F238E27FC236}">
+                <a16:creationId xmlns:a16="http://schemas.microsoft.com/office/drawing/2014/main" id="{D861890D-86BB-1A67-2F0B-D432694F022D}"/>
+              </a:ext>
+            </a:extLst>
+          </p:cNvPr>
+          <p:cNvPicPr>
+            <a:picLocks noChangeAspect="1"/>
+          </p:cNvPicPr>
+          <p:nvPr/>
+        </p:nvPicPr>
+        <p:blipFill>
+          <a:blip r:embed="rId3"/>
+          <a:stretch>
+            <a:fillRect/>
+          </a:stretch>
+        </p:blipFill>
+        <p:spPr>
+          <a:xfrm>
+            <a:off x="2503831" y="3701133"/>
+            <a:ext cx="8599932" cy="665226"/>
+          </a:xfrm>
+          <a:prstGeom prst="rect">
+            <a:avLst/>
+          </a:prstGeom>
+        </p:spPr>
+      </p:pic>
+      <p:pic>
+        <p:nvPicPr>
+          <p:cNvPr id="9" name="Picture 8">
+            <a:extLst>
+              <a:ext uri="{FF2B5EF4-FFF2-40B4-BE49-F238E27FC236}">
+                <a16:creationId xmlns:a16="http://schemas.microsoft.com/office/drawing/2014/main" id="{FD1D954E-A227-7E44-146A-355837E17F74}"/>
+              </a:ext>
+            </a:extLst>
+          </p:cNvPr>
+          <p:cNvPicPr>
+            <a:picLocks noChangeAspect="1"/>
+          </p:cNvPicPr>
+          <p:nvPr/>
+        </p:nvPicPr>
+        <p:blipFill>
+          <a:blip r:embed="rId4"/>
+          <a:stretch>
+            <a:fillRect/>
+          </a:stretch>
+        </p:blipFill>
+        <p:spPr>
+          <a:xfrm>
+            <a:off x="2498673" y="4401690"/>
+            <a:ext cx="8606790" cy="665226"/>
+          </a:xfrm>
+          <a:prstGeom prst="rect">
+            <a:avLst/>
+          </a:prstGeom>
+        </p:spPr>
+      </p:pic>
+      <p:pic>
+        <p:nvPicPr>
+          <p:cNvPr id="11" name="Picture 10">
+            <a:extLst>
+              <a:ext uri="{FF2B5EF4-FFF2-40B4-BE49-F238E27FC236}">
+                <a16:creationId xmlns:a16="http://schemas.microsoft.com/office/drawing/2014/main" id="{5F9B3FA6-3582-3E74-85DA-A09479E97B96}"/>
+              </a:ext>
+            </a:extLst>
+          </p:cNvPr>
+          <p:cNvPicPr>
+            <a:picLocks noChangeAspect="1"/>
+          </p:cNvPicPr>
+          <p:nvPr/>
+        </p:nvPicPr>
+        <p:blipFill>
+          <a:blip r:embed="rId5"/>
+          <a:stretch>
+            <a:fillRect/>
+          </a:stretch>
+        </p:blipFill>
+        <p:spPr>
+          <a:xfrm>
+            <a:off x="2504978" y="5112716"/>
+            <a:ext cx="8593074" cy="672084"/>
+          </a:xfrm>
+          <a:prstGeom prst="rect">
+            <a:avLst/>
+          </a:prstGeom>
+        </p:spPr>
+      </p:pic>
     </p:spTree>
     <p:extLst>
       <p:ext uri="{BB962C8B-B14F-4D97-AF65-F5344CB8AC3E}">
@@ -11792,6 +12495,12 @@
 </file>
 
 <file path=customXml/item2.xml><?xml version="1.0" encoding="utf-8"?>
+<p:properties xmlns:p="http://schemas.microsoft.com/office/2006/metadata/properties" xmlns:xsi="http://www.w3.org/2001/XMLSchema-instance" xmlns:pc="http://schemas.microsoft.com/office/infopath/2007/PartnerControls">
+  <documentManagement/>
+</p:properties>
+</file>
+
+<file path=customXml/item3.xml><?xml version="1.0" encoding="utf-8"?>
 <ct:contentTypeSchema xmlns:ct="http://schemas.microsoft.com/office/2006/metadata/contentType" xmlns:ma="http://schemas.microsoft.com/office/2006/metadata/properties/metaAttributes" ct:_="" ma:_="" ma:contentTypeName="Document" ma:contentTypeID="0x0101000937CBA2829AB54C847AA138BDB6DD62" ma:contentTypeVersion="6" ma:contentTypeDescription="Create a new document." ma:contentTypeScope="" ma:versionID="0f7e39fa3406a6f330081ac46f53a9d2">
   <xsd:schema xmlns:xsd="http://www.w3.org/2001/XMLSchema" xmlns:xs="http://www.w3.org/2001/XMLSchema" xmlns:p="http://schemas.microsoft.com/office/2006/metadata/properties" xmlns:ns2="ef38329b-e139-4eb4-9d7a-1b84c79a6610" targetNamespace="http://schemas.microsoft.com/office/2006/metadata/properties" ma:root="true" ma:fieldsID="c5e10262f8d934c139771ac03f38712c" ns2:_="">
     <xsd:import namespace="ef38329b-e139-4eb4-9d7a-1b84c79a6610"/>
@@ -11943,12 +12652,6 @@
 </ct:contentTypeSchema>
 </file>
 
-<file path=customXml/item3.xml><?xml version="1.0" encoding="utf-8"?>
-<p:properties xmlns:p="http://schemas.microsoft.com/office/2006/metadata/properties" xmlns:xsi="http://www.w3.org/2001/XMLSchema-instance" xmlns:pc="http://schemas.microsoft.com/office/infopath/2007/PartnerControls">
-  <documentManagement/>
-</p:properties>
-</file>
-
 <file path=customXml/itemProps1.xml><?xml version="1.0" encoding="utf-8"?>
 <ds:datastoreItem xmlns:ds="http://schemas.openxmlformats.org/officeDocument/2006/customXml" ds:itemID="{758FDAC0-319D-4A54-8D8E-1D42CB1F8004}">
   <ds:schemaRefs>
@@ -11958,6 +12661,22 @@
 </file>
 
 <file path=customXml/itemProps2.xml><?xml version="1.0" encoding="utf-8"?>
+<ds:datastoreItem xmlns:ds="http://schemas.openxmlformats.org/officeDocument/2006/customXml" ds:itemID="{F990F116-B58F-4255-B05B-DA3808E0E5C6}">
+  <ds:schemaRefs>
+    <ds:schemaRef ds:uri="http://www.w3.org/XML/1998/namespace"/>
+    <ds:schemaRef ds:uri="http://purl.org/dc/elements/1.1/"/>
+    <ds:schemaRef ds:uri="http://schemas.microsoft.com/office/2006/documentManagement/types"/>
+    <ds:schemaRef ds:uri="http://purl.org/dc/dcmitype/"/>
+    <ds:schemaRef ds:uri="http://purl.org/dc/terms/"/>
+    <ds:schemaRef ds:uri="ef38329b-e139-4eb4-9d7a-1b84c79a6610"/>
+    <ds:schemaRef ds:uri="http://schemas.openxmlformats.org/package/2006/metadata/core-properties"/>
+    <ds:schemaRef ds:uri="http://schemas.microsoft.com/office/infopath/2007/PartnerControls"/>
+    <ds:schemaRef ds:uri="http://schemas.microsoft.com/office/2006/metadata/properties"/>
+  </ds:schemaRefs>
+</ds:datastoreItem>
+</file>
+
+<file path=customXml/itemProps3.xml><?xml version="1.0" encoding="utf-8"?>
 <ds:datastoreItem xmlns:ds="http://schemas.openxmlformats.org/officeDocument/2006/customXml" ds:itemID="{A4052A8C-2220-4E4B-95E2-C05C9863F10E}">
   <ds:schemaRefs>
     <ds:schemaRef ds:uri="ef38329b-e139-4eb4-9d7a-1b84c79a6610"/>
@@ -11975,22 +12694,6 @@
 </ds:datastoreItem>
 </file>
 
-<file path=customXml/itemProps3.xml><?xml version="1.0" encoding="utf-8"?>
-<ds:datastoreItem xmlns:ds="http://schemas.openxmlformats.org/officeDocument/2006/customXml" ds:itemID="{F990F116-B58F-4255-B05B-DA3808E0E5C6}">
-  <ds:schemaRefs>
-    <ds:schemaRef ds:uri="http://www.w3.org/XML/1998/namespace"/>
-    <ds:schemaRef ds:uri="http://purl.org/dc/elements/1.1/"/>
-    <ds:schemaRef ds:uri="http://schemas.microsoft.com/office/2006/documentManagement/types"/>
-    <ds:schemaRef ds:uri="http://purl.org/dc/dcmitype/"/>
-    <ds:schemaRef ds:uri="http://purl.org/dc/terms/"/>
-    <ds:schemaRef ds:uri="ef38329b-e139-4eb4-9d7a-1b84c79a6610"/>
-    <ds:schemaRef ds:uri="http://schemas.openxmlformats.org/package/2006/metadata/core-properties"/>
-    <ds:schemaRef ds:uri="http://schemas.microsoft.com/office/infopath/2007/PartnerControls"/>
-    <ds:schemaRef ds:uri="http://schemas.microsoft.com/office/2006/metadata/properties"/>
-  </ds:schemaRefs>
-</ds:datastoreItem>
-</file>
-
 <file path=docMetadata/LabelInfo.xml><?xml version="1.0" encoding="utf-8"?>
 <clbl:labelList xmlns:clbl="http://schemas.microsoft.com/office/2020/mipLabelMetadata">
   <clbl:label id="{074e257c-5848-4582-9a6f-34a182080e71}" enabled="1" method="Privileged" siteId="{72f988bf-86f1-41af-91ab-2d7cd011db47}" removed="0"/>
